--- a/Documentation/MCO Design.pptx
+++ b/Documentation/MCO Design.pptx
@@ -5639,42 +5639,6 @@
         </a:p>
       </dgm:t>
     </dgm:pt>
-    <dgm:pt modelId="{4FAD5BCB-A633-465D-8BD9-DBBCAAA0BE04}">
-      <dgm:prSet phldrT="[Text]"/>
-      <dgm:spPr/>
-      <dgm:t>
-        <a:bodyPr/>
-        <a:lstStyle/>
-        <a:p>
-          <a:r>
-            <a:rPr lang="en-PH" i="0" u="none" dirty="0"/>
-            <a:t>GET: /search</a:t>
-          </a:r>
-        </a:p>
-      </dgm:t>
-    </dgm:pt>
-    <dgm:pt modelId="{6416CC09-3F96-44BB-AC59-2A2488A1DDD5}" type="parTrans" cxnId="{FA0C7329-4816-4A99-A1B0-05BA0A6B6E2F}">
-      <dgm:prSet/>
-      <dgm:spPr/>
-      <dgm:t>
-        <a:bodyPr/>
-        <a:lstStyle/>
-        <a:p>
-          <a:endParaRPr lang="en-PH"/>
-        </a:p>
-      </dgm:t>
-    </dgm:pt>
-    <dgm:pt modelId="{C8AC9772-05CC-4387-B151-0F153D9E535F}" type="sibTrans" cxnId="{FA0C7329-4816-4A99-A1B0-05BA0A6B6E2F}">
-      <dgm:prSet/>
-      <dgm:spPr/>
-      <dgm:t>
-        <a:bodyPr/>
-        <a:lstStyle/>
-        <a:p>
-          <a:endParaRPr lang="en-PH"/>
-        </a:p>
-      </dgm:t>
-    </dgm:pt>
     <dgm:pt modelId="{D7009F5C-9656-4E9C-B269-B880E0F0CD6C}">
       <dgm:prSet phldrT="[Text]"/>
       <dgm:spPr/>
@@ -5711,6 +5675,122 @@
         </a:p>
       </dgm:t>
     </dgm:pt>
+    <dgm:pt modelId="{42CB9CC2-555D-4178-BF13-D22FC1A1FC8B}">
+      <dgm:prSet phldrT="[Text]"/>
+      <dgm:spPr/>
+      <dgm:t>
+        <a:bodyPr/>
+        <a:lstStyle/>
+        <a:p>
+          <a:r>
+            <a:rPr lang="en-PH" i="0" u="none" dirty="0"/>
+            <a:t>GET: /home/search</a:t>
+          </a:r>
+        </a:p>
+      </dgm:t>
+    </dgm:pt>
+    <dgm:pt modelId="{F1CBC24F-79B7-4E57-AF2E-D28D63B47584}" type="parTrans" cxnId="{463E86A3-E09D-4E63-BE29-B94B84E61717}">
+      <dgm:prSet/>
+      <dgm:spPr/>
+      <dgm:t>
+        <a:bodyPr/>
+        <a:lstStyle/>
+        <a:p>
+          <a:endParaRPr lang="en-PH"/>
+        </a:p>
+      </dgm:t>
+    </dgm:pt>
+    <dgm:pt modelId="{37B979F9-447C-44E5-9C58-EDFC2D852E55}" type="sibTrans" cxnId="{463E86A3-E09D-4E63-BE29-B94B84E61717}">
+      <dgm:prSet/>
+      <dgm:spPr/>
+      <dgm:t>
+        <a:bodyPr/>
+        <a:lstStyle/>
+        <a:p>
+          <a:endParaRPr lang="en-PH"/>
+        </a:p>
+      </dgm:t>
+    </dgm:pt>
+    <dgm:pt modelId="{F592A012-32A7-4C82-BF4D-CA3D12AD7C92}">
+      <dgm:prSet phldrT="[Text]"/>
+      <dgm:spPr/>
+      <dgm:t>
+        <a:bodyPr/>
+        <a:lstStyle/>
+        <a:p>
+          <a:r>
+            <a:rPr lang="en-PH" i="0" u="none" dirty="0"/>
+            <a:t>GET: /profile/search</a:t>
+          </a:r>
+        </a:p>
+      </dgm:t>
+    </dgm:pt>
+    <dgm:pt modelId="{B2BB2EBF-AD6A-47A5-AAAD-6E528895D1C8}" type="parTrans" cxnId="{700295E7-1286-436F-BEB1-0FB5919EB2F2}">
+      <dgm:prSet/>
+      <dgm:spPr/>
+      <dgm:t>
+        <a:bodyPr/>
+        <a:lstStyle/>
+        <a:p>
+          <a:endParaRPr lang="en-PH"/>
+        </a:p>
+      </dgm:t>
+    </dgm:pt>
+    <dgm:pt modelId="{574B4DA2-D22A-4111-8BAC-4E9491833495}" type="sibTrans" cxnId="{700295E7-1286-436F-BEB1-0FB5919EB2F2}">
+      <dgm:prSet/>
+      <dgm:spPr/>
+      <dgm:t>
+        <a:bodyPr/>
+        <a:lstStyle/>
+        <a:p>
+          <a:endParaRPr lang="en-PH"/>
+        </a:p>
+      </dgm:t>
+    </dgm:pt>
+    <dgm:pt modelId="{CFA08F81-19C0-472C-9D39-BA1296D1CE78}">
+      <dgm:prSet phldrT="[Text]"/>
+      <dgm:spPr/>
+      <dgm:t>
+        <a:bodyPr/>
+        <a:lstStyle/>
+        <a:p>
+          <a:r>
+            <a:rPr lang="en-PH" i="0" u="none" dirty="0"/>
+            <a:t>GET: /</a:t>
+          </a:r>
+          <a:r>
+            <a:rPr lang="en-PH" i="0" u="none"/>
+            <a:t>user/&lt;</a:t>
+          </a:r>
+          <a:r>
+            <a:rPr lang="en-PH" i="0" u="none" dirty="0"/>
+            <a:t>username&gt;/search</a:t>
+          </a:r>
+        </a:p>
+      </dgm:t>
+    </dgm:pt>
+    <dgm:pt modelId="{BF467FF0-55CD-4BEF-AE62-398B1B3BB0CF}" type="parTrans" cxnId="{87C67B34-3E30-46DB-9FD7-982C88362CD8}">
+      <dgm:prSet/>
+      <dgm:spPr/>
+      <dgm:t>
+        <a:bodyPr/>
+        <a:lstStyle/>
+        <a:p>
+          <a:endParaRPr lang="en-PH"/>
+        </a:p>
+      </dgm:t>
+    </dgm:pt>
+    <dgm:pt modelId="{3F60A8A3-F7C3-49CC-8EDC-776A270FA3AF}" type="sibTrans" cxnId="{87C67B34-3E30-46DB-9FD7-982C88362CD8}">
+      <dgm:prSet/>
+      <dgm:spPr/>
+      <dgm:t>
+        <a:bodyPr/>
+        <a:lstStyle/>
+        <a:p>
+          <a:endParaRPr lang="en-PH"/>
+        </a:p>
+      </dgm:t>
+    </dgm:pt>
     <dgm:pt modelId="{DEC2F5EE-E3CD-4D7B-B1CF-579700B998A6}" type="pres">
       <dgm:prSet presAssocID="{34BEB75E-ED6D-4113-9F50-1BF5F1954990}" presName="diagram" presStyleCnt="0">
         <dgm:presLayoutVars>
@@ -5739,156 +5819,156 @@
       <dgm:prSet presAssocID="{441C9BFF-8AD7-4827-90F5-60BEDCAF3705}" presName="level2hierChild" presStyleCnt="0"/>
       <dgm:spPr/>
     </dgm:pt>
-    <dgm:pt modelId="{6C10326B-21D1-4C26-9233-3BC7699D8FAF}" type="pres">
-      <dgm:prSet presAssocID="{6416CC09-3F96-44BB-AC59-2A2488A1DDD5}" presName="conn2-1" presStyleLbl="parChTrans1D2" presStyleIdx="0" presStyleCnt="10"/>
-      <dgm:spPr/>
-    </dgm:pt>
-    <dgm:pt modelId="{0D5A4EF9-6E1B-48C5-A913-DA6986D8DD69}" type="pres">
-      <dgm:prSet presAssocID="{6416CC09-3F96-44BB-AC59-2A2488A1DDD5}" presName="connTx" presStyleLbl="parChTrans1D2" presStyleIdx="0" presStyleCnt="10"/>
-      <dgm:spPr/>
-    </dgm:pt>
-    <dgm:pt modelId="{1FC1D872-069C-4FE8-B551-68AE1F3C6B1C}" type="pres">
-      <dgm:prSet presAssocID="{4FAD5BCB-A633-465D-8BD9-DBBCAAA0BE04}" presName="root2" presStyleCnt="0"/>
-      <dgm:spPr/>
-    </dgm:pt>
-    <dgm:pt modelId="{D7DA86D3-ABEF-4E87-A432-FADC0ECC9688}" type="pres">
-      <dgm:prSet presAssocID="{4FAD5BCB-A633-465D-8BD9-DBBCAAA0BE04}" presName="LevelTwoTextNode" presStyleLbl="node2" presStyleIdx="0" presStyleCnt="10">
+    <dgm:pt modelId="{27067C7C-FC86-4E67-9183-95EE3B98A204}" type="pres">
+      <dgm:prSet presAssocID="{78DF4B16-5D45-477A-8964-F442889D3554}" presName="conn2-1" presStyleLbl="parChTrans1D2" presStyleIdx="0" presStyleCnt="9"/>
+      <dgm:spPr/>
+    </dgm:pt>
+    <dgm:pt modelId="{B5C2E9F5-6F09-44C9-8680-D494592CAE60}" type="pres">
+      <dgm:prSet presAssocID="{78DF4B16-5D45-477A-8964-F442889D3554}" presName="connTx" presStyleLbl="parChTrans1D2" presStyleIdx="0" presStyleCnt="9"/>
+      <dgm:spPr/>
+    </dgm:pt>
+    <dgm:pt modelId="{0F1A15A5-F009-4E2D-A146-5167853892D9}" type="pres">
+      <dgm:prSet presAssocID="{D7009F5C-9656-4E9C-B269-B880E0F0CD6C}" presName="root2" presStyleCnt="0"/>
+      <dgm:spPr/>
+    </dgm:pt>
+    <dgm:pt modelId="{103791C9-8469-491B-96AF-D6FABCFF0997}" type="pres">
+      <dgm:prSet presAssocID="{D7009F5C-9656-4E9C-B269-B880E0F0CD6C}" presName="LevelTwoTextNode" presStyleLbl="node2" presStyleIdx="0" presStyleCnt="9">
         <dgm:presLayoutVars>
           <dgm:chPref val="3"/>
         </dgm:presLayoutVars>
       </dgm:prSet>
       <dgm:spPr/>
     </dgm:pt>
-    <dgm:pt modelId="{5B7AD95A-52EF-47A6-9140-E241BB99130B}" type="pres">
-      <dgm:prSet presAssocID="{4FAD5BCB-A633-465D-8BD9-DBBCAAA0BE04}" presName="level3hierChild" presStyleCnt="0"/>
-      <dgm:spPr/>
-    </dgm:pt>
-    <dgm:pt modelId="{27067C7C-FC86-4E67-9183-95EE3B98A204}" type="pres">
-      <dgm:prSet presAssocID="{78DF4B16-5D45-477A-8964-F442889D3554}" presName="conn2-1" presStyleLbl="parChTrans1D2" presStyleIdx="1" presStyleCnt="10"/>
-      <dgm:spPr/>
-    </dgm:pt>
-    <dgm:pt modelId="{B5C2E9F5-6F09-44C9-8680-D494592CAE60}" type="pres">
-      <dgm:prSet presAssocID="{78DF4B16-5D45-477A-8964-F442889D3554}" presName="connTx" presStyleLbl="parChTrans1D2" presStyleIdx="1" presStyleCnt="10"/>
-      <dgm:spPr/>
-    </dgm:pt>
-    <dgm:pt modelId="{0F1A15A5-F009-4E2D-A146-5167853892D9}" type="pres">
-      <dgm:prSet presAssocID="{D7009F5C-9656-4E9C-B269-B880E0F0CD6C}" presName="root2" presStyleCnt="0"/>
-      <dgm:spPr/>
-    </dgm:pt>
-    <dgm:pt modelId="{103791C9-8469-491B-96AF-D6FABCFF0997}" type="pres">
-      <dgm:prSet presAssocID="{D7009F5C-9656-4E9C-B269-B880E0F0CD6C}" presName="LevelTwoTextNode" presStyleLbl="node2" presStyleIdx="1" presStyleCnt="10">
+    <dgm:pt modelId="{2253E77B-16C4-4E5E-9038-655736C61ACA}" type="pres">
+      <dgm:prSet presAssocID="{D7009F5C-9656-4E9C-B269-B880E0F0CD6C}" presName="level3hierChild" presStyleCnt="0"/>
+      <dgm:spPr/>
+    </dgm:pt>
+    <dgm:pt modelId="{253A9353-D51D-4340-9A0B-0B803298AA5F}" type="pres">
+      <dgm:prSet presAssocID="{E8EB6F71-72ED-410E-A6D6-688CC4C8622F}" presName="conn2-1" presStyleLbl="parChTrans1D3" presStyleIdx="0" presStyleCnt="19"/>
+      <dgm:spPr/>
+    </dgm:pt>
+    <dgm:pt modelId="{30A9F46C-FFB9-4F00-A098-6F5DA74C7637}" type="pres">
+      <dgm:prSet presAssocID="{E8EB6F71-72ED-410E-A6D6-688CC4C8622F}" presName="connTx" presStyleLbl="parChTrans1D3" presStyleIdx="0" presStyleCnt="19"/>
+      <dgm:spPr/>
+    </dgm:pt>
+    <dgm:pt modelId="{862F63D0-5126-4210-A00A-F854E4EFB6D8}" type="pres">
+      <dgm:prSet presAssocID="{028C5DFA-CD08-425A-9808-BE49C21D580B}" presName="root2" presStyleCnt="0"/>
+      <dgm:spPr/>
+    </dgm:pt>
+    <dgm:pt modelId="{13D4FB75-0685-4A82-94FD-A244C8E613D4}" type="pres">
+      <dgm:prSet presAssocID="{028C5DFA-CD08-425A-9808-BE49C21D580B}" presName="LevelTwoTextNode" presStyleLbl="node3" presStyleIdx="0" presStyleCnt="19">
         <dgm:presLayoutVars>
           <dgm:chPref val="3"/>
         </dgm:presLayoutVars>
       </dgm:prSet>
       <dgm:spPr/>
     </dgm:pt>
-    <dgm:pt modelId="{2253E77B-16C4-4E5E-9038-655736C61ACA}" type="pres">
-      <dgm:prSet presAssocID="{D7009F5C-9656-4E9C-B269-B880E0F0CD6C}" presName="level3hierChild" presStyleCnt="0"/>
-      <dgm:spPr/>
-    </dgm:pt>
-    <dgm:pt modelId="{253A9353-D51D-4340-9A0B-0B803298AA5F}" type="pres">
-      <dgm:prSet presAssocID="{E8EB6F71-72ED-410E-A6D6-688CC4C8622F}" presName="conn2-1" presStyleLbl="parChTrans1D3" presStyleIdx="0" presStyleCnt="16"/>
-      <dgm:spPr/>
-    </dgm:pt>
-    <dgm:pt modelId="{30A9F46C-FFB9-4F00-A098-6F5DA74C7637}" type="pres">
-      <dgm:prSet presAssocID="{E8EB6F71-72ED-410E-A6D6-688CC4C8622F}" presName="connTx" presStyleLbl="parChTrans1D3" presStyleIdx="0" presStyleCnt="16"/>
-      <dgm:spPr/>
-    </dgm:pt>
-    <dgm:pt modelId="{862F63D0-5126-4210-A00A-F854E4EFB6D8}" type="pres">
-      <dgm:prSet presAssocID="{028C5DFA-CD08-425A-9808-BE49C21D580B}" presName="root2" presStyleCnt="0"/>
-      <dgm:spPr/>
-    </dgm:pt>
-    <dgm:pt modelId="{13D4FB75-0685-4A82-94FD-A244C8E613D4}" type="pres">
-      <dgm:prSet presAssocID="{028C5DFA-CD08-425A-9808-BE49C21D580B}" presName="LevelTwoTextNode" presStyleLbl="node3" presStyleIdx="0" presStyleCnt="16">
+    <dgm:pt modelId="{1B0D70C7-7437-4203-825B-E03B641CBD46}" type="pres">
+      <dgm:prSet presAssocID="{028C5DFA-CD08-425A-9808-BE49C21D580B}" presName="level3hierChild" presStyleCnt="0"/>
+      <dgm:spPr/>
+    </dgm:pt>
+    <dgm:pt modelId="{212B2C79-9789-418A-930F-FFDE49B7E48D}" type="pres">
+      <dgm:prSet presAssocID="{B829E806-E11E-4BDA-8589-5EF437FD4FD6}" presName="conn2-1" presStyleLbl="parChTrans1D2" presStyleIdx="1" presStyleCnt="9"/>
+      <dgm:spPr/>
+    </dgm:pt>
+    <dgm:pt modelId="{DEE655FD-1628-4DB1-96D4-7FCE90E5C127}" type="pres">
+      <dgm:prSet presAssocID="{B829E806-E11E-4BDA-8589-5EF437FD4FD6}" presName="connTx" presStyleLbl="parChTrans1D2" presStyleIdx="1" presStyleCnt="9"/>
+      <dgm:spPr/>
+    </dgm:pt>
+    <dgm:pt modelId="{07874708-EE43-4086-A906-E4E72267201B}" type="pres">
+      <dgm:prSet presAssocID="{98DE5844-EBFB-4ECB-843E-1E3C116CD0A7}" presName="root2" presStyleCnt="0"/>
+      <dgm:spPr/>
+    </dgm:pt>
+    <dgm:pt modelId="{286A7A12-60D4-47CD-B68D-EF171A423C08}" type="pres">
+      <dgm:prSet presAssocID="{98DE5844-EBFB-4ECB-843E-1E3C116CD0A7}" presName="LevelTwoTextNode" presStyleLbl="node2" presStyleIdx="1" presStyleCnt="9">
         <dgm:presLayoutVars>
           <dgm:chPref val="3"/>
         </dgm:presLayoutVars>
       </dgm:prSet>
       <dgm:spPr/>
     </dgm:pt>
-    <dgm:pt modelId="{1B0D70C7-7437-4203-825B-E03B641CBD46}" type="pres">
-      <dgm:prSet presAssocID="{028C5DFA-CD08-425A-9808-BE49C21D580B}" presName="level3hierChild" presStyleCnt="0"/>
-      <dgm:spPr/>
-    </dgm:pt>
-    <dgm:pt modelId="{212B2C79-9789-418A-930F-FFDE49B7E48D}" type="pres">
-      <dgm:prSet presAssocID="{B829E806-E11E-4BDA-8589-5EF437FD4FD6}" presName="conn2-1" presStyleLbl="parChTrans1D2" presStyleIdx="2" presStyleCnt="10"/>
-      <dgm:spPr/>
-    </dgm:pt>
-    <dgm:pt modelId="{DEE655FD-1628-4DB1-96D4-7FCE90E5C127}" type="pres">
-      <dgm:prSet presAssocID="{B829E806-E11E-4BDA-8589-5EF437FD4FD6}" presName="connTx" presStyleLbl="parChTrans1D2" presStyleIdx="2" presStyleCnt="10"/>
-      <dgm:spPr/>
-    </dgm:pt>
-    <dgm:pt modelId="{07874708-EE43-4086-A906-E4E72267201B}" type="pres">
-      <dgm:prSet presAssocID="{98DE5844-EBFB-4ECB-843E-1E3C116CD0A7}" presName="root2" presStyleCnt="0"/>
-      <dgm:spPr/>
-    </dgm:pt>
-    <dgm:pt modelId="{286A7A12-60D4-47CD-B68D-EF171A423C08}" type="pres">
-      <dgm:prSet presAssocID="{98DE5844-EBFB-4ECB-843E-1E3C116CD0A7}" presName="LevelTwoTextNode" presStyleLbl="node2" presStyleIdx="2" presStyleCnt="10">
+    <dgm:pt modelId="{8536487C-39E9-49B3-92A9-654D102FFC7F}" type="pres">
+      <dgm:prSet presAssocID="{98DE5844-EBFB-4ECB-843E-1E3C116CD0A7}" presName="level3hierChild" presStyleCnt="0"/>
+      <dgm:spPr/>
+    </dgm:pt>
+    <dgm:pt modelId="{C188F7D5-2228-4D2A-BF64-C8ACD1FEA7E1}" type="pres">
+      <dgm:prSet presAssocID="{0E41C96E-49F8-4F4A-AF74-A981293F785F}" presName="conn2-1" presStyleLbl="parChTrans1D3" presStyleIdx="1" presStyleCnt="19"/>
+      <dgm:spPr/>
+    </dgm:pt>
+    <dgm:pt modelId="{92D90D00-AF98-4698-B612-FD27495A2153}" type="pres">
+      <dgm:prSet presAssocID="{0E41C96E-49F8-4F4A-AF74-A981293F785F}" presName="connTx" presStyleLbl="parChTrans1D3" presStyleIdx="1" presStyleCnt="19"/>
+      <dgm:spPr/>
+    </dgm:pt>
+    <dgm:pt modelId="{FA37ADEC-4003-46FF-8C31-0D7AAABFBADB}" type="pres">
+      <dgm:prSet presAssocID="{332EBDA1-FC91-42DD-8C1E-2C7B445019B3}" presName="root2" presStyleCnt="0"/>
+      <dgm:spPr/>
+    </dgm:pt>
+    <dgm:pt modelId="{6554C34C-9C59-4839-8491-2852BEC1AD45}" type="pres">
+      <dgm:prSet presAssocID="{332EBDA1-FC91-42DD-8C1E-2C7B445019B3}" presName="LevelTwoTextNode" presStyleLbl="node3" presStyleIdx="1" presStyleCnt="19">
         <dgm:presLayoutVars>
           <dgm:chPref val="3"/>
         </dgm:presLayoutVars>
       </dgm:prSet>
       <dgm:spPr/>
     </dgm:pt>
-    <dgm:pt modelId="{8536487C-39E9-49B3-92A9-654D102FFC7F}" type="pres">
-      <dgm:prSet presAssocID="{98DE5844-EBFB-4ECB-843E-1E3C116CD0A7}" presName="level3hierChild" presStyleCnt="0"/>
-      <dgm:spPr/>
-    </dgm:pt>
-    <dgm:pt modelId="{C188F7D5-2228-4D2A-BF64-C8ACD1FEA7E1}" type="pres">
-      <dgm:prSet presAssocID="{0E41C96E-49F8-4F4A-AF74-A981293F785F}" presName="conn2-1" presStyleLbl="parChTrans1D3" presStyleIdx="1" presStyleCnt="16"/>
-      <dgm:spPr/>
-    </dgm:pt>
-    <dgm:pt modelId="{92D90D00-AF98-4698-B612-FD27495A2153}" type="pres">
-      <dgm:prSet presAssocID="{0E41C96E-49F8-4F4A-AF74-A981293F785F}" presName="connTx" presStyleLbl="parChTrans1D3" presStyleIdx="1" presStyleCnt="16"/>
-      <dgm:spPr/>
-    </dgm:pt>
-    <dgm:pt modelId="{FA37ADEC-4003-46FF-8C31-0D7AAABFBADB}" type="pres">
-      <dgm:prSet presAssocID="{332EBDA1-FC91-42DD-8C1E-2C7B445019B3}" presName="root2" presStyleCnt="0"/>
-      <dgm:spPr/>
-    </dgm:pt>
-    <dgm:pt modelId="{6554C34C-9C59-4839-8491-2852BEC1AD45}" type="pres">
-      <dgm:prSet presAssocID="{332EBDA1-FC91-42DD-8C1E-2C7B445019B3}" presName="LevelTwoTextNode" presStyleLbl="node3" presStyleIdx="1" presStyleCnt="16">
+    <dgm:pt modelId="{0C36053D-03DF-4653-BD02-AF47BFD5D90B}" type="pres">
+      <dgm:prSet presAssocID="{332EBDA1-FC91-42DD-8C1E-2C7B445019B3}" presName="level3hierChild" presStyleCnt="0"/>
+      <dgm:spPr/>
+    </dgm:pt>
+    <dgm:pt modelId="{C96E9C04-FBD1-4772-B263-2B3C0EF6A4AA}" type="pres">
+      <dgm:prSet presAssocID="{A98B9FA4-4126-4C91-AF71-10ACE11266DD}" presName="conn2-1" presStyleLbl="parChTrans1D2" presStyleIdx="2" presStyleCnt="9"/>
+      <dgm:spPr/>
+    </dgm:pt>
+    <dgm:pt modelId="{7F1E5779-795E-4D86-B65E-5D561EA238D1}" type="pres">
+      <dgm:prSet presAssocID="{A98B9FA4-4126-4C91-AF71-10ACE11266DD}" presName="connTx" presStyleLbl="parChTrans1D2" presStyleIdx="2" presStyleCnt="9"/>
+      <dgm:spPr/>
+    </dgm:pt>
+    <dgm:pt modelId="{D7D826FF-00F0-44AE-8807-4D8B1D18D86C}" type="pres">
+      <dgm:prSet presAssocID="{44363CFA-628E-4026-88F3-8868490E44F8}" presName="root2" presStyleCnt="0"/>
+      <dgm:spPr/>
+    </dgm:pt>
+    <dgm:pt modelId="{F9C3364A-13C5-47BA-8BB7-3B25E1C916C9}" type="pres">
+      <dgm:prSet presAssocID="{44363CFA-628E-4026-88F3-8868490E44F8}" presName="LevelTwoTextNode" presStyleLbl="node2" presStyleIdx="2" presStyleCnt="9">
         <dgm:presLayoutVars>
           <dgm:chPref val="3"/>
         </dgm:presLayoutVars>
       </dgm:prSet>
       <dgm:spPr/>
     </dgm:pt>
-    <dgm:pt modelId="{0C36053D-03DF-4653-BD02-AF47BFD5D90B}" type="pres">
-      <dgm:prSet presAssocID="{332EBDA1-FC91-42DD-8C1E-2C7B445019B3}" presName="level3hierChild" presStyleCnt="0"/>
-      <dgm:spPr/>
-    </dgm:pt>
-    <dgm:pt modelId="{C96E9C04-FBD1-4772-B263-2B3C0EF6A4AA}" type="pres">
-      <dgm:prSet presAssocID="{A98B9FA4-4126-4C91-AF71-10ACE11266DD}" presName="conn2-1" presStyleLbl="parChTrans1D2" presStyleIdx="3" presStyleCnt="10"/>
-      <dgm:spPr/>
-    </dgm:pt>
-    <dgm:pt modelId="{7F1E5779-795E-4D86-B65E-5D561EA238D1}" type="pres">
-      <dgm:prSet presAssocID="{A98B9FA4-4126-4C91-AF71-10ACE11266DD}" presName="connTx" presStyleLbl="parChTrans1D2" presStyleIdx="3" presStyleCnt="10"/>
-      <dgm:spPr/>
-    </dgm:pt>
-    <dgm:pt modelId="{D7D826FF-00F0-44AE-8807-4D8B1D18D86C}" type="pres">
-      <dgm:prSet presAssocID="{44363CFA-628E-4026-88F3-8868490E44F8}" presName="root2" presStyleCnt="0"/>
-      <dgm:spPr/>
-    </dgm:pt>
-    <dgm:pt modelId="{F9C3364A-13C5-47BA-8BB7-3B25E1C916C9}" type="pres">
-      <dgm:prSet presAssocID="{44363CFA-628E-4026-88F3-8868490E44F8}" presName="LevelTwoTextNode" presStyleLbl="node2" presStyleIdx="3" presStyleCnt="10">
+    <dgm:pt modelId="{1864E60F-18FF-44DC-96C0-E3747B9E346A}" type="pres">
+      <dgm:prSet presAssocID="{44363CFA-628E-4026-88F3-8868490E44F8}" presName="level3hierChild" presStyleCnt="0"/>
+      <dgm:spPr/>
+    </dgm:pt>
+    <dgm:pt modelId="{6EE51342-6B2F-49FD-845F-807CC8F8A458}" type="pres">
+      <dgm:prSet presAssocID="{F1CBC24F-79B7-4E57-AF2E-D28D63B47584}" presName="conn2-1" presStyleLbl="parChTrans1D3" presStyleIdx="2" presStyleCnt="19"/>
+      <dgm:spPr/>
+    </dgm:pt>
+    <dgm:pt modelId="{06A15DF9-3259-467D-9FBE-99896C85623A}" type="pres">
+      <dgm:prSet presAssocID="{F1CBC24F-79B7-4E57-AF2E-D28D63B47584}" presName="connTx" presStyleLbl="parChTrans1D3" presStyleIdx="2" presStyleCnt="19"/>
+      <dgm:spPr/>
+    </dgm:pt>
+    <dgm:pt modelId="{8D63D4E8-D93E-4951-A3EA-DB8A5830CCA8}" type="pres">
+      <dgm:prSet presAssocID="{42CB9CC2-555D-4178-BF13-D22FC1A1FC8B}" presName="root2" presStyleCnt="0"/>
+      <dgm:spPr/>
+    </dgm:pt>
+    <dgm:pt modelId="{6F3CA879-904C-4DE6-B433-E7E9F6F6B9F2}" type="pres">
+      <dgm:prSet presAssocID="{42CB9CC2-555D-4178-BF13-D22FC1A1FC8B}" presName="LevelTwoTextNode" presStyleLbl="node3" presStyleIdx="2" presStyleCnt="19">
         <dgm:presLayoutVars>
           <dgm:chPref val="3"/>
         </dgm:presLayoutVars>
       </dgm:prSet>
       <dgm:spPr/>
     </dgm:pt>
-    <dgm:pt modelId="{1864E60F-18FF-44DC-96C0-E3747B9E346A}" type="pres">
-      <dgm:prSet presAssocID="{44363CFA-628E-4026-88F3-8868490E44F8}" presName="level3hierChild" presStyleCnt="0"/>
+    <dgm:pt modelId="{6B39F011-196A-41A4-B81F-9C15D28D4A99}" type="pres">
+      <dgm:prSet presAssocID="{42CB9CC2-555D-4178-BF13-D22FC1A1FC8B}" presName="level3hierChild" presStyleCnt="0"/>
       <dgm:spPr/>
     </dgm:pt>
     <dgm:pt modelId="{473DA149-B01E-4717-BDE3-8F55F87B4FD3}" type="pres">
-      <dgm:prSet presAssocID="{3930E226-FA6F-40B0-905E-754A21C6644C}" presName="conn2-1" presStyleLbl="parChTrans1D2" presStyleIdx="4" presStyleCnt="10"/>
+      <dgm:prSet presAssocID="{3930E226-FA6F-40B0-905E-754A21C6644C}" presName="conn2-1" presStyleLbl="parChTrans1D2" presStyleIdx="3" presStyleCnt="9"/>
       <dgm:spPr/>
     </dgm:pt>
     <dgm:pt modelId="{4D8A560A-FD74-4761-86EF-5EB8B6C5B349}" type="pres">
-      <dgm:prSet presAssocID="{3930E226-FA6F-40B0-905E-754A21C6644C}" presName="connTx" presStyleLbl="parChTrans1D2" presStyleIdx="4" presStyleCnt="10"/>
+      <dgm:prSet presAssocID="{3930E226-FA6F-40B0-905E-754A21C6644C}" presName="connTx" presStyleLbl="parChTrans1D2" presStyleIdx="3" presStyleCnt="9"/>
       <dgm:spPr/>
     </dgm:pt>
     <dgm:pt modelId="{0B97766E-230A-4A74-A7A4-8843BEFF5184}" type="pres">
@@ -5896,7 +5976,7 @@
       <dgm:spPr/>
     </dgm:pt>
     <dgm:pt modelId="{E3EBCE22-10C3-4D1B-B660-1DC78E3C499C}" type="pres">
-      <dgm:prSet presAssocID="{1924ECD5-AA0E-4B54-9424-D53165043932}" presName="LevelTwoTextNode" presStyleLbl="node2" presStyleIdx="4" presStyleCnt="10">
+      <dgm:prSet presAssocID="{1924ECD5-AA0E-4B54-9424-D53165043932}" presName="LevelTwoTextNode" presStyleLbl="node2" presStyleIdx="3" presStyleCnt="9">
         <dgm:presLayoutVars>
           <dgm:chPref val="3"/>
         </dgm:presLayoutVars>
@@ -5908,11 +5988,11 @@
       <dgm:spPr/>
     </dgm:pt>
     <dgm:pt modelId="{0FF4B651-60BC-45A9-9B32-7B1023775CDB}" type="pres">
-      <dgm:prSet presAssocID="{BF950D71-5670-40D6-AC0F-099BAE4EAFCE}" presName="conn2-1" presStyleLbl="parChTrans1D3" presStyleIdx="2" presStyleCnt="16"/>
+      <dgm:prSet presAssocID="{BF950D71-5670-40D6-AC0F-099BAE4EAFCE}" presName="conn2-1" presStyleLbl="parChTrans1D3" presStyleIdx="3" presStyleCnt="19"/>
       <dgm:spPr/>
     </dgm:pt>
     <dgm:pt modelId="{3071578A-279D-4516-84DF-019556F063A9}" type="pres">
-      <dgm:prSet presAssocID="{BF950D71-5670-40D6-AC0F-099BAE4EAFCE}" presName="connTx" presStyleLbl="parChTrans1D3" presStyleIdx="2" presStyleCnt="16"/>
+      <dgm:prSet presAssocID="{BF950D71-5670-40D6-AC0F-099BAE4EAFCE}" presName="connTx" presStyleLbl="parChTrans1D3" presStyleIdx="3" presStyleCnt="19"/>
       <dgm:spPr/>
     </dgm:pt>
     <dgm:pt modelId="{CC971D3D-9F3B-43B4-81D2-2371F0369B60}" type="pres">
@@ -5920,7 +6000,7 @@
       <dgm:spPr/>
     </dgm:pt>
     <dgm:pt modelId="{37A89C3A-9A87-4C6E-A902-4A1633161A8E}" type="pres">
-      <dgm:prSet presAssocID="{3C6EA423-D64F-4DC7-B184-24C9BC3512E8}" presName="LevelTwoTextNode" presStyleLbl="node3" presStyleIdx="2" presStyleCnt="16">
+      <dgm:prSet presAssocID="{3C6EA423-D64F-4DC7-B184-24C9BC3512E8}" presName="LevelTwoTextNode" presStyleLbl="node3" presStyleIdx="3" presStyleCnt="19">
         <dgm:presLayoutVars>
           <dgm:chPref val="3"/>
         </dgm:presLayoutVars>
@@ -5932,11 +6012,11 @@
       <dgm:spPr/>
     </dgm:pt>
     <dgm:pt modelId="{7B78AD0B-0F14-4EB3-9761-C5899ADE071A}" type="pres">
-      <dgm:prSet presAssocID="{B9579491-E72E-41C5-854B-F50C3EB1B30B}" presName="conn2-1" presStyleLbl="parChTrans1D3" presStyleIdx="3" presStyleCnt="16"/>
+      <dgm:prSet presAssocID="{B9579491-E72E-41C5-854B-F50C3EB1B30B}" presName="conn2-1" presStyleLbl="parChTrans1D3" presStyleIdx="4" presStyleCnt="19"/>
       <dgm:spPr/>
     </dgm:pt>
     <dgm:pt modelId="{8B179800-541D-4D18-9A6D-360FD0D90341}" type="pres">
-      <dgm:prSet presAssocID="{B9579491-E72E-41C5-854B-F50C3EB1B30B}" presName="connTx" presStyleLbl="parChTrans1D3" presStyleIdx="3" presStyleCnt="16"/>
+      <dgm:prSet presAssocID="{B9579491-E72E-41C5-854B-F50C3EB1B30B}" presName="connTx" presStyleLbl="parChTrans1D3" presStyleIdx="4" presStyleCnt="19"/>
       <dgm:spPr/>
     </dgm:pt>
     <dgm:pt modelId="{B1EAE0FB-5298-4A72-9280-A1F7D3A9CAEF}" type="pres">
@@ -5944,7 +6024,7 @@
       <dgm:spPr/>
     </dgm:pt>
     <dgm:pt modelId="{4059EFC5-DB18-4D53-9C14-CD82C7978762}" type="pres">
-      <dgm:prSet presAssocID="{F1DABE6E-F8F2-4453-9AF1-0A543F993768}" presName="LevelTwoTextNode" presStyleLbl="node3" presStyleIdx="3" presStyleCnt="16">
+      <dgm:prSet presAssocID="{F1DABE6E-F8F2-4453-9AF1-0A543F993768}" presName="LevelTwoTextNode" presStyleLbl="node3" presStyleIdx="4" presStyleCnt="19">
         <dgm:presLayoutVars>
           <dgm:chPref val="3"/>
         </dgm:presLayoutVars>
@@ -5956,11 +6036,11 @@
       <dgm:spPr/>
     </dgm:pt>
     <dgm:pt modelId="{A043BA73-9C32-449E-A08A-66642C2C4ACE}" type="pres">
-      <dgm:prSet presAssocID="{423859FD-096E-4927-9390-25344E903FBF}" presName="conn2-1" presStyleLbl="parChTrans1D3" presStyleIdx="4" presStyleCnt="16"/>
+      <dgm:prSet presAssocID="{423859FD-096E-4927-9390-25344E903FBF}" presName="conn2-1" presStyleLbl="parChTrans1D3" presStyleIdx="5" presStyleCnt="19"/>
       <dgm:spPr/>
     </dgm:pt>
     <dgm:pt modelId="{45F67F7A-4A06-48B6-9809-4C8A811B62FF}" type="pres">
-      <dgm:prSet presAssocID="{423859FD-096E-4927-9390-25344E903FBF}" presName="connTx" presStyleLbl="parChTrans1D3" presStyleIdx="4" presStyleCnt="16"/>
+      <dgm:prSet presAssocID="{423859FD-096E-4927-9390-25344E903FBF}" presName="connTx" presStyleLbl="parChTrans1D3" presStyleIdx="5" presStyleCnt="19"/>
       <dgm:spPr/>
     </dgm:pt>
     <dgm:pt modelId="{9AF08F2D-7AB9-480E-B61F-735F5944F583}" type="pres">
@@ -5968,7 +6048,7 @@
       <dgm:spPr/>
     </dgm:pt>
     <dgm:pt modelId="{AA97344C-E5D0-4014-8838-AABE32C20FFC}" type="pres">
-      <dgm:prSet presAssocID="{A1C6BA05-AD07-4670-B0CD-118E17FA1993}" presName="LevelTwoTextNode" presStyleLbl="node3" presStyleIdx="4" presStyleCnt="16">
+      <dgm:prSet presAssocID="{A1C6BA05-AD07-4670-B0CD-118E17FA1993}" presName="LevelTwoTextNode" presStyleLbl="node3" presStyleIdx="5" presStyleCnt="19">
         <dgm:presLayoutVars>
           <dgm:chPref val="3"/>
         </dgm:presLayoutVars>
@@ -5980,11 +6060,11 @@
       <dgm:spPr/>
     </dgm:pt>
     <dgm:pt modelId="{1FA8DDB4-E02A-4A22-81DB-AA8FC2F74117}" type="pres">
-      <dgm:prSet presAssocID="{57A8CB2D-79BE-4C74-9A37-D6A913DE1B82}" presName="conn2-1" presStyleLbl="parChTrans1D3" presStyleIdx="5" presStyleCnt="16"/>
+      <dgm:prSet presAssocID="{57A8CB2D-79BE-4C74-9A37-D6A913DE1B82}" presName="conn2-1" presStyleLbl="parChTrans1D3" presStyleIdx="6" presStyleCnt="19"/>
       <dgm:spPr/>
     </dgm:pt>
     <dgm:pt modelId="{40F7FF15-89C1-461C-B7F7-F0FFB630C221}" type="pres">
-      <dgm:prSet presAssocID="{57A8CB2D-79BE-4C74-9A37-D6A913DE1B82}" presName="connTx" presStyleLbl="parChTrans1D3" presStyleIdx="5" presStyleCnt="16"/>
+      <dgm:prSet presAssocID="{57A8CB2D-79BE-4C74-9A37-D6A913DE1B82}" presName="connTx" presStyleLbl="parChTrans1D3" presStyleIdx="6" presStyleCnt="19"/>
       <dgm:spPr/>
     </dgm:pt>
     <dgm:pt modelId="{1C34F12A-3A4F-4328-9230-696B83B0E8DA}" type="pres">
@@ -5992,7 +6072,7 @@
       <dgm:spPr/>
     </dgm:pt>
     <dgm:pt modelId="{999C7719-3DE7-4B52-98EB-ED5E3ACC25AF}" type="pres">
-      <dgm:prSet presAssocID="{305846AD-47C4-463B-9DBE-6AA8AAAFD9CA}" presName="LevelTwoTextNode" presStyleLbl="node3" presStyleIdx="5" presStyleCnt="16">
+      <dgm:prSet presAssocID="{305846AD-47C4-463B-9DBE-6AA8AAAFD9CA}" presName="LevelTwoTextNode" presStyleLbl="node3" presStyleIdx="6" presStyleCnt="19">
         <dgm:presLayoutVars>
           <dgm:chPref val="3"/>
         </dgm:presLayoutVars>
@@ -6004,11 +6084,11 @@
       <dgm:spPr/>
     </dgm:pt>
     <dgm:pt modelId="{8C712298-6B9D-436E-BFE2-A58E9E739EB4}" type="pres">
-      <dgm:prSet presAssocID="{967C17FD-B87B-4CD0-BD44-345E2E5D2EA3}" presName="conn2-1" presStyleLbl="parChTrans1D3" presStyleIdx="6" presStyleCnt="16"/>
+      <dgm:prSet presAssocID="{967C17FD-B87B-4CD0-BD44-345E2E5D2EA3}" presName="conn2-1" presStyleLbl="parChTrans1D3" presStyleIdx="7" presStyleCnt="19"/>
       <dgm:spPr/>
     </dgm:pt>
     <dgm:pt modelId="{EFD93F6B-5DBE-4367-A332-D077C9E4D0B9}" type="pres">
-      <dgm:prSet presAssocID="{967C17FD-B87B-4CD0-BD44-345E2E5D2EA3}" presName="connTx" presStyleLbl="parChTrans1D3" presStyleIdx="6" presStyleCnt="16"/>
+      <dgm:prSet presAssocID="{967C17FD-B87B-4CD0-BD44-345E2E5D2EA3}" presName="connTx" presStyleLbl="parChTrans1D3" presStyleIdx="7" presStyleCnt="19"/>
       <dgm:spPr/>
     </dgm:pt>
     <dgm:pt modelId="{74C42C5C-F94C-429E-A29D-62A0BCC0F571}" type="pres">
@@ -6016,7 +6096,7 @@
       <dgm:spPr/>
     </dgm:pt>
     <dgm:pt modelId="{5DE2E238-DC7D-4D6D-B25E-0B234F2BA15E}" type="pres">
-      <dgm:prSet presAssocID="{DE023E0B-5C31-4E35-A101-3DA3908C072F}" presName="LevelTwoTextNode" presStyleLbl="node3" presStyleIdx="6" presStyleCnt="16">
+      <dgm:prSet presAssocID="{DE023E0B-5C31-4E35-A101-3DA3908C072F}" presName="LevelTwoTextNode" presStyleLbl="node3" presStyleIdx="7" presStyleCnt="19">
         <dgm:presLayoutVars>
           <dgm:chPref val="3"/>
         </dgm:presLayoutVars>
@@ -6028,11 +6108,11 @@
       <dgm:spPr/>
     </dgm:pt>
     <dgm:pt modelId="{BC1D81C8-B099-47F2-B07A-82B8D68A6001}" type="pres">
-      <dgm:prSet presAssocID="{7CF047C5-7A21-4DCA-910B-CBEC1AA93BA9}" presName="conn2-1" presStyleLbl="parChTrans1D3" presStyleIdx="7" presStyleCnt="16"/>
+      <dgm:prSet presAssocID="{7CF047C5-7A21-4DCA-910B-CBEC1AA93BA9}" presName="conn2-1" presStyleLbl="parChTrans1D3" presStyleIdx="8" presStyleCnt="19"/>
       <dgm:spPr/>
     </dgm:pt>
     <dgm:pt modelId="{CBB2DB12-BFDC-4EDA-A722-5F84C9B3E47D}" type="pres">
-      <dgm:prSet presAssocID="{7CF047C5-7A21-4DCA-910B-CBEC1AA93BA9}" presName="connTx" presStyleLbl="parChTrans1D3" presStyleIdx="7" presStyleCnt="16"/>
+      <dgm:prSet presAssocID="{7CF047C5-7A21-4DCA-910B-CBEC1AA93BA9}" presName="connTx" presStyleLbl="parChTrans1D3" presStyleIdx="8" presStyleCnt="19"/>
       <dgm:spPr/>
     </dgm:pt>
     <dgm:pt modelId="{AC65B8DF-4A9D-4A73-8587-178FAAC5FE6B}" type="pres">
@@ -6040,7 +6120,7 @@
       <dgm:spPr/>
     </dgm:pt>
     <dgm:pt modelId="{B26068F5-AA96-45E5-9772-412588FC5102}" type="pres">
-      <dgm:prSet presAssocID="{10F04DDC-9425-470F-8153-E7CB032EC473}" presName="LevelTwoTextNode" presStyleLbl="node3" presStyleIdx="7" presStyleCnt="16">
+      <dgm:prSet presAssocID="{10F04DDC-9425-470F-8153-E7CB032EC473}" presName="LevelTwoTextNode" presStyleLbl="node3" presStyleIdx="8" presStyleCnt="19">
         <dgm:presLayoutVars>
           <dgm:chPref val="3"/>
         </dgm:presLayoutVars>
@@ -6052,11 +6132,11 @@
       <dgm:spPr/>
     </dgm:pt>
     <dgm:pt modelId="{135FC9EB-67E4-4ABF-BD8D-7522D07D395B}" type="pres">
-      <dgm:prSet presAssocID="{341C93D3-8A95-4DFB-AA9D-C38CA282C9E7}" presName="conn2-1" presStyleLbl="parChTrans1D3" presStyleIdx="8" presStyleCnt="16"/>
+      <dgm:prSet presAssocID="{341C93D3-8A95-4DFB-AA9D-C38CA282C9E7}" presName="conn2-1" presStyleLbl="parChTrans1D3" presStyleIdx="9" presStyleCnt="19"/>
       <dgm:spPr/>
     </dgm:pt>
     <dgm:pt modelId="{53326395-1FA6-41BE-82C8-2A6B334FD61F}" type="pres">
-      <dgm:prSet presAssocID="{341C93D3-8A95-4DFB-AA9D-C38CA282C9E7}" presName="connTx" presStyleLbl="parChTrans1D3" presStyleIdx="8" presStyleCnt="16"/>
+      <dgm:prSet presAssocID="{341C93D3-8A95-4DFB-AA9D-C38CA282C9E7}" presName="connTx" presStyleLbl="parChTrans1D3" presStyleIdx="9" presStyleCnt="19"/>
       <dgm:spPr/>
     </dgm:pt>
     <dgm:pt modelId="{3D765DFF-A128-4AB2-9026-51A6A26D6C8B}" type="pres">
@@ -6064,7 +6144,7 @@
       <dgm:spPr/>
     </dgm:pt>
     <dgm:pt modelId="{607D34BA-412C-4B85-BA67-89E2C4841B21}" type="pres">
-      <dgm:prSet presAssocID="{10948DB9-C87A-4CB4-AA25-2159E53038FA}" presName="LevelTwoTextNode" presStyleLbl="node3" presStyleIdx="8" presStyleCnt="16">
+      <dgm:prSet presAssocID="{10948DB9-C87A-4CB4-AA25-2159E53038FA}" presName="LevelTwoTextNode" presStyleLbl="node3" presStyleIdx="9" presStyleCnt="19">
         <dgm:presLayoutVars>
           <dgm:chPref val="3"/>
         </dgm:presLayoutVars>
@@ -6076,11 +6156,11 @@
       <dgm:spPr/>
     </dgm:pt>
     <dgm:pt modelId="{39C5E0B3-CFED-4E56-BF4D-C6EC42B08CA4}" type="pres">
-      <dgm:prSet presAssocID="{9F967694-B9EF-45F7-AC9F-9806D8CB5482}" presName="conn2-1" presStyleLbl="parChTrans1D2" presStyleIdx="5" presStyleCnt="10"/>
+      <dgm:prSet presAssocID="{9F967694-B9EF-45F7-AC9F-9806D8CB5482}" presName="conn2-1" presStyleLbl="parChTrans1D2" presStyleIdx="4" presStyleCnt="9"/>
       <dgm:spPr/>
     </dgm:pt>
     <dgm:pt modelId="{FD09A0BE-E95A-4649-B900-A8B38B7CCAB8}" type="pres">
-      <dgm:prSet presAssocID="{9F967694-B9EF-45F7-AC9F-9806D8CB5482}" presName="connTx" presStyleLbl="parChTrans1D2" presStyleIdx="5" presStyleCnt="10"/>
+      <dgm:prSet presAssocID="{9F967694-B9EF-45F7-AC9F-9806D8CB5482}" presName="connTx" presStyleLbl="parChTrans1D2" presStyleIdx="4" presStyleCnt="9"/>
       <dgm:spPr/>
     </dgm:pt>
     <dgm:pt modelId="{06AC1189-6527-4370-B783-783522F2F41E}" type="pres">
@@ -6088,7 +6168,7 @@
       <dgm:spPr/>
     </dgm:pt>
     <dgm:pt modelId="{271F4EE3-041A-417E-86AA-2A20E744A409}" type="pres">
-      <dgm:prSet presAssocID="{EB65517D-69B4-43D8-B5D7-51657BA54F8A}" presName="LevelTwoTextNode" presStyleLbl="node2" presStyleIdx="5" presStyleCnt="10">
+      <dgm:prSet presAssocID="{EB65517D-69B4-43D8-B5D7-51657BA54F8A}" presName="LevelTwoTextNode" presStyleLbl="node2" presStyleIdx="4" presStyleCnt="9">
         <dgm:presLayoutVars>
           <dgm:chPref val="3"/>
         </dgm:presLayoutVars>
@@ -6100,11 +6180,11 @@
       <dgm:spPr/>
     </dgm:pt>
     <dgm:pt modelId="{EA4EB2B3-90DD-478B-AE18-AD42BA736822}" type="pres">
-      <dgm:prSet presAssocID="{0ED2AB80-1B48-415F-BD87-852714594E12}" presName="conn2-1" presStyleLbl="parChTrans1D3" presStyleIdx="9" presStyleCnt="16"/>
+      <dgm:prSet presAssocID="{0ED2AB80-1B48-415F-BD87-852714594E12}" presName="conn2-1" presStyleLbl="parChTrans1D3" presStyleIdx="10" presStyleCnt="19"/>
       <dgm:spPr/>
     </dgm:pt>
     <dgm:pt modelId="{8DBA2CFC-8F38-4609-A1C6-34F16329005B}" type="pres">
-      <dgm:prSet presAssocID="{0ED2AB80-1B48-415F-BD87-852714594E12}" presName="connTx" presStyleLbl="parChTrans1D3" presStyleIdx="9" presStyleCnt="16"/>
+      <dgm:prSet presAssocID="{0ED2AB80-1B48-415F-BD87-852714594E12}" presName="connTx" presStyleLbl="parChTrans1D3" presStyleIdx="10" presStyleCnt="19"/>
       <dgm:spPr/>
     </dgm:pt>
     <dgm:pt modelId="{4E4D9232-03B9-40DB-8F7D-BFA2D7572DB6}" type="pres">
@@ -6112,7 +6192,7 @@
       <dgm:spPr/>
     </dgm:pt>
     <dgm:pt modelId="{AC7753CB-F883-40B6-BB5C-BA83E92BC55E}" type="pres">
-      <dgm:prSet presAssocID="{785ADFEC-7668-46D6-9578-5377B24474CF}" presName="LevelTwoTextNode" presStyleLbl="node3" presStyleIdx="9" presStyleCnt="16">
+      <dgm:prSet presAssocID="{785ADFEC-7668-46D6-9578-5377B24474CF}" presName="LevelTwoTextNode" presStyleLbl="node3" presStyleIdx="10" presStyleCnt="19">
         <dgm:presLayoutVars>
           <dgm:chPref val="3"/>
         </dgm:presLayoutVars>
@@ -6124,11 +6204,11 @@
       <dgm:spPr/>
     </dgm:pt>
     <dgm:pt modelId="{12C9D8AB-E7E2-44A0-B4FC-AC98A3C782E3}" type="pres">
-      <dgm:prSet presAssocID="{C64C22FD-D31D-4129-A644-EAC90AC2F0EF}" presName="conn2-1" presStyleLbl="parChTrans1D2" presStyleIdx="6" presStyleCnt="10"/>
+      <dgm:prSet presAssocID="{C64C22FD-D31D-4129-A644-EAC90AC2F0EF}" presName="conn2-1" presStyleLbl="parChTrans1D2" presStyleIdx="5" presStyleCnt="9"/>
       <dgm:spPr/>
     </dgm:pt>
     <dgm:pt modelId="{DF0001CD-E36D-4A2D-BF6D-7BD168840136}" type="pres">
-      <dgm:prSet presAssocID="{C64C22FD-D31D-4129-A644-EAC90AC2F0EF}" presName="connTx" presStyleLbl="parChTrans1D2" presStyleIdx="6" presStyleCnt="10"/>
+      <dgm:prSet presAssocID="{C64C22FD-D31D-4129-A644-EAC90AC2F0EF}" presName="connTx" presStyleLbl="parChTrans1D2" presStyleIdx="5" presStyleCnt="9"/>
       <dgm:spPr/>
     </dgm:pt>
     <dgm:pt modelId="{BD939958-14CB-4D5D-8DC6-48432645EC79}" type="pres">
@@ -6136,7 +6216,7 @@
       <dgm:spPr/>
     </dgm:pt>
     <dgm:pt modelId="{3BF63452-3BF2-4545-8737-A1D5D56D0AE2}" type="pres">
-      <dgm:prSet presAssocID="{347BA63F-6330-4E17-9091-C819304D8374}" presName="LevelTwoTextNode" presStyleLbl="node2" presStyleIdx="6" presStyleCnt="10">
+      <dgm:prSet presAssocID="{347BA63F-6330-4E17-9091-C819304D8374}" presName="LevelTwoTextNode" presStyleLbl="node2" presStyleIdx="5" presStyleCnt="9">
         <dgm:presLayoutVars>
           <dgm:chPref val="3"/>
         </dgm:presLayoutVars>
@@ -6147,12 +6227,36 @@
       <dgm:prSet presAssocID="{347BA63F-6330-4E17-9091-C819304D8374}" presName="level3hierChild" presStyleCnt="0"/>
       <dgm:spPr/>
     </dgm:pt>
+    <dgm:pt modelId="{04134871-A1B2-42A3-8443-CF220BEEA626}" type="pres">
+      <dgm:prSet presAssocID="{B2BB2EBF-AD6A-47A5-AAAD-6E528895D1C8}" presName="conn2-1" presStyleLbl="parChTrans1D3" presStyleIdx="11" presStyleCnt="19"/>
+      <dgm:spPr/>
+    </dgm:pt>
+    <dgm:pt modelId="{9C583C3F-87FC-4C3D-A139-807944177114}" type="pres">
+      <dgm:prSet presAssocID="{B2BB2EBF-AD6A-47A5-AAAD-6E528895D1C8}" presName="connTx" presStyleLbl="parChTrans1D3" presStyleIdx="11" presStyleCnt="19"/>
+      <dgm:spPr/>
+    </dgm:pt>
+    <dgm:pt modelId="{8F00526B-2979-4B3F-AFD3-121963C72ADD}" type="pres">
+      <dgm:prSet presAssocID="{F592A012-32A7-4C82-BF4D-CA3D12AD7C92}" presName="root2" presStyleCnt="0"/>
+      <dgm:spPr/>
+    </dgm:pt>
+    <dgm:pt modelId="{8EB26111-75BB-4215-B97E-B22026021A64}" type="pres">
+      <dgm:prSet presAssocID="{F592A012-32A7-4C82-BF4D-CA3D12AD7C92}" presName="LevelTwoTextNode" presStyleLbl="node3" presStyleIdx="11" presStyleCnt="19">
+        <dgm:presLayoutVars>
+          <dgm:chPref val="3"/>
+        </dgm:presLayoutVars>
+      </dgm:prSet>
+      <dgm:spPr/>
+    </dgm:pt>
+    <dgm:pt modelId="{EE8BF1A6-4A66-437B-A3A6-598AA67CF687}" type="pres">
+      <dgm:prSet presAssocID="{F592A012-32A7-4C82-BF4D-CA3D12AD7C92}" presName="level3hierChild" presStyleCnt="0"/>
+      <dgm:spPr/>
+    </dgm:pt>
     <dgm:pt modelId="{5F03EFED-E26A-463D-AB17-10FDA3A40EDF}" type="pres">
-      <dgm:prSet presAssocID="{42168C56-2F22-4C47-AD41-80714FFDE7B7}" presName="conn2-1" presStyleLbl="parChTrans1D3" presStyleIdx="10" presStyleCnt="16"/>
+      <dgm:prSet presAssocID="{42168C56-2F22-4C47-AD41-80714FFDE7B7}" presName="conn2-1" presStyleLbl="parChTrans1D3" presStyleIdx="12" presStyleCnt="19"/>
       <dgm:spPr/>
     </dgm:pt>
     <dgm:pt modelId="{24E595D0-FB9E-4FF5-AB08-9E1C975D41DD}" type="pres">
-      <dgm:prSet presAssocID="{42168C56-2F22-4C47-AD41-80714FFDE7B7}" presName="connTx" presStyleLbl="parChTrans1D3" presStyleIdx="10" presStyleCnt="16"/>
+      <dgm:prSet presAssocID="{42168C56-2F22-4C47-AD41-80714FFDE7B7}" presName="connTx" presStyleLbl="parChTrans1D3" presStyleIdx="12" presStyleCnt="19"/>
       <dgm:spPr/>
     </dgm:pt>
     <dgm:pt modelId="{0D032A24-AD1D-4724-8835-CB5BB370434D}" type="pres">
@@ -6160,7 +6264,7 @@
       <dgm:spPr/>
     </dgm:pt>
     <dgm:pt modelId="{44E3D230-76F9-44B0-A1FF-4EE7B7AF9309}" type="pres">
-      <dgm:prSet presAssocID="{4DE3A42A-E3CE-4E99-83D9-D1A6756B3CB9}" presName="LevelTwoTextNode" presStyleLbl="node3" presStyleIdx="10" presStyleCnt="16">
+      <dgm:prSet presAssocID="{4DE3A42A-E3CE-4E99-83D9-D1A6756B3CB9}" presName="LevelTwoTextNode" presStyleLbl="node3" presStyleIdx="12" presStyleCnt="19">
         <dgm:presLayoutVars>
           <dgm:chPref val="3"/>
         </dgm:presLayoutVars>
@@ -6220,11 +6324,11 @@
       <dgm:spPr/>
     </dgm:pt>
     <dgm:pt modelId="{D8B2AAA4-E60A-4753-B86F-A44BEA1FA979}" type="pres">
-      <dgm:prSet presAssocID="{476A2B4E-0CFD-4F03-9824-25789D527EDB}" presName="conn2-1" presStyleLbl="parChTrans1D2" presStyleIdx="7" presStyleCnt="10"/>
+      <dgm:prSet presAssocID="{476A2B4E-0CFD-4F03-9824-25789D527EDB}" presName="conn2-1" presStyleLbl="parChTrans1D2" presStyleIdx="6" presStyleCnt="9"/>
       <dgm:spPr/>
     </dgm:pt>
     <dgm:pt modelId="{F31A25FE-BE86-486C-8D07-460ABEC21614}" type="pres">
-      <dgm:prSet presAssocID="{476A2B4E-0CFD-4F03-9824-25789D527EDB}" presName="connTx" presStyleLbl="parChTrans1D2" presStyleIdx="7" presStyleCnt="10"/>
+      <dgm:prSet presAssocID="{476A2B4E-0CFD-4F03-9824-25789D527EDB}" presName="connTx" presStyleLbl="parChTrans1D2" presStyleIdx="6" presStyleCnt="9"/>
       <dgm:spPr/>
     </dgm:pt>
     <dgm:pt modelId="{732C2A9C-6182-442E-AEAC-08D3E259EA4E}" type="pres">
@@ -6232,7 +6336,7 @@
       <dgm:spPr/>
     </dgm:pt>
     <dgm:pt modelId="{AFEA1595-814A-4ABA-8FAA-8F8A3E1384F4}" type="pres">
-      <dgm:prSet presAssocID="{A48100E6-84E1-4E3F-8C93-442D7A1A23CC}" presName="LevelTwoTextNode" presStyleLbl="node2" presStyleIdx="7" presStyleCnt="10">
+      <dgm:prSet presAssocID="{A48100E6-84E1-4E3F-8C93-442D7A1A23CC}" presName="LevelTwoTextNode" presStyleLbl="node2" presStyleIdx="6" presStyleCnt="9">
         <dgm:presLayoutVars>
           <dgm:chPref val="3"/>
         </dgm:presLayoutVars>
@@ -6243,156 +6347,180 @@
       <dgm:prSet presAssocID="{A48100E6-84E1-4E3F-8C93-442D7A1A23CC}" presName="level3hierChild" presStyleCnt="0"/>
       <dgm:spPr/>
     </dgm:pt>
-    <dgm:pt modelId="{378662CD-6F88-47B9-B6B9-69841423B909}" type="pres">
-      <dgm:prSet presAssocID="{B0804064-996B-41FA-9EBA-EC56EBF3506F}" presName="conn2-1" presStyleLbl="parChTrans1D2" presStyleIdx="8" presStyleCnt="10"/>
-      <dgm:spPr/>
-    </dgm:pt>
-    <dgm:pt modelId="{2DC71E7E-A9AC-4280-9C27-72E8AC8F1854}" type="pres">
-      <dgm:prSet presAssocID="{B0804064-996B-41FA-9EBA-EC56EBF3506F}" presName="connTx" presStyleLbl="parChTrans1D2" presStyleIdx="8" presStyleCnt="10"/>
-      <dgm:spPr/>
-    </dgm:pt>
-    <dgm:pt modelId="{24C01610-04BB-4345-811E-E3EBC681AD73}" type="pres">
-      <dgm:prSet presAssocID="{28ACC96C-DAEE-4690-912C-9633C398023B}" presName="root2" presStyleCnt="0"/>
-      <dgm:spPr/>
-    </dgm:pt>
-    <dgm:pt modelId="{B06B5877-B8A7-47D8-9D2A-18EC02EC0CCC}" type="pres">
-      <dgm:prSet presAssocID="{28ACC96C-DAEE-4690-912C-9633C398023B}" presName="LevelTwoTextNode" presStyleLbl="node2" presStyleIdx="8" presStyleCnt="10">
+    <dgm:pt modelId="{5C3958C2-CEAE-44B8-A983-FBED675CF183}" type="pres">
+      <dgm:prSet presAssocID="{BF467FF0-55CD-4BEF-AE62-398B1B3BB0CF}" presName="conn2-1" presStyleLbl="parChTrans1D3" presStyleIdx="13" presStyleCnt="19"/>
+      <dgm:spPr/>
+    </dgm:pt>
+    <dgm:pt modelId="{A27B6839-EBDE-45D3-9B9A-4872758F60A8}" type="pres">
+      <dgm:prSet presAssocID="{BF467FF0-55CD-4BEF-AE62-398B1B3BB0CF}" presName="connTx" presStyleLbl="parChTrans1D3" presStyleIdx="13" presStyleCnt="19"/>
+      <dgm:spPr/>
+    </dgm:pt>
+    <dgm:pt modelId="{90086A88-E3C0-4574-8BDF-F089F2CDA036}" type="pres">
+      <dgm:prSet presAssocID="{CFA08F81-19C0-472C-9D39-BA1296D1CE78}" presName="root2" presStyleCnt="0"/>
+      <dgm:spPr/>
+    </dgm:pt>
+    <dgm:pt modelId="{62FFF28E-24FB-4030-BBD3-AB45098C2924}" type="pres">
+      <dgm:prSet presAssocID="{CFA08F81-19C0-472C-9D39-BA1296D1CE78}" presName="LevelTwoTextNode" presStyleLbl="node3" presStyleIdx="13" presStyleCnt="19">
         <dgm:presLayoutVars>
           <dgm:chPref val="3"/>
         </dgm:presLayoutVars>
       </dgm:prSet>
       <dgm:spPr/>
     </dgm:pt>
-    <dgm:pt modelId="{D5ECACFF-CA09-42A7-836B-315BF674C053}" type="pres">
-      <dgm:prSet presAssocID="{28ACC96C-DAEE-4690-912C-9633C398023B}" presName="level3hierChild" presStyleCnt="0"/>
-      <dgm:spPr/>
-    </dgm:pt>
-    <dgm:pt modelId="{25FC7CE5-32D4-4442-A335-F18D74AF384E}" type="pres">
-      <dgm:prSet presAssocID="{AD5EE0EA-60D1-43DE-980D-E1501EFCEDE7}" presName="conn2-1" presStyleLbl="parChTrans1D3" presStyleIdx="11" presStyleCnt="16"/>
-      <dgm:spPr/>
-    </dgm:pt>
-    <dgm:pt modelId="{A28AD30D-A7E3-4D4D-BA19-396BEA77EFF6}" type="pres">
-      <dgm:prSet presAssocID="{AD5EE0EA-60D1-43DE-980D-E1501EFCEDE7}" presName="connTx" presStyleLbl="parChTrans1D3" presStyleIdx="11" presStyleCnt="16"/>
-      <dgm:spPr/>
-    </dgm:pt>
-    <dgm:pt modelId="{E425C20D-A330-40DA-9AC4-4D679CEF5AC0}" type="pres">
-      <dgm:prSet presAssocID="{197668C4-8212-48B8-A54E-73002176A9B9}" presName="root2" presStyleCnt="0"/>
-      <dgm:spPr/>
-    </dgm:pt>
-    <dgm:pt modelId="{91413382-3271-47B9-A294-291C47788DDE}" type="pres">
-      <dgm:prSet presAssocID="{197668C4-8212-48B8-A54E-73002176A9B9}" presName="LevelTwoTextNode" presStyleLbl="node3" presStyleIdx="11" presStyleCnt="16">
+    <dgm:pt modelId="{60623B16-5137-45AA-8410-26403A90E21E}" type="pres">
+      <dgm:prSet presAssocID="{CFA08F81-19C0-472C-9D39-BA1296D1CE78}" presName="level3hierChild" presStyleCnt="0"/>
+      <dgm:spPr/>
+    </dgm:pt>
+    <dgm:pt modelId="{378662CD-6F88-47B9-B6B9-69841423B909}" type="pres">
+      <dgm:prSet presAssocID="{B0804064-996B-41FA-9EBA-EC56EBF3506F}" presName="conn2-1" presStyleLbl="parChTrans1D2" presStyleIdx="7" presStyleCnt="9"/>
+      <dgm:spPr/>
+    </dgm:pt>
+    <dgm:pt modelId="{2DC71E7E-A9AC-4280-9C27-72E8AC8F1854}" type="pres">
+      <dgm:prSet presAssocID="{B0804064-996B-41FA-9EBA-EC56EBF3506F}" presName="connTx" presStyleLbl="parChTrans1D2" presStyleIdx="7" presStyleCnt="9"/>
+      <dgm:spPr/>
+    </dgm:pt>
+    <dgm:pt modelId="{24C01610-04BB-4345-811E-E3EBC681AD73}" type="pres">
+      <dgm:prSet presAssocID="{28ACC96C-DAEE-4690-912C-9633C398023B}" presName="root2" presStyleCnt="0"/>
+      <dgm:spPr/>
+    </dgm:pt>
+    <dgm:pt modelId="{B06B5877-B8A7-47D8-9D2A-18EC02EC0CCC}" type="pres">
+      <dgm:prSet presAssocID="{28ACC96C-DAEE-4690-912C-9633C398023B}" presName="LevelTwoTextNode" presStyleLbl="node2" presStyleIdx="7" presStyleCnt="9">
         <dgm:presLayoutVars>
           <dgm:chPref val="3"/>
         </dgm:presLayoutVars>
       </dgm:prSet>
       <dgm:spPr/>
     </dgm:pt>
-    <dgm:pt modelId="{B5B05008-CE48-46CC-B8E8-7BB6E5E6D1A4}" type="pres">
-      <dgm:prSet presAssocID="{197668C4-8212-48B8-A54E-73002176A9B9}" presName="level3hierChild" presStyleCnt="0"/>
-      <dgm:spPr/>
-    </dgm:pt>
-    <dgm:pt modelId="{2EB80B32-B37F-4705-B617-95C3CE1DE02A}" type="pres">
-      <dgm:prSet presAssocID="{D672805F-D531-46CA-8240-38805655CA82}" presName="conn2-1" presStyleLbl="parChTrans1D3" presStyleIdx="12" presStyleCnt="16"/>
-      <dgm:spPr/>
-    </dgm:pt>
-    <dgm:pt modelId="{5BE8BF4C-923D-427A-BEFD-81C08183B908}" type="pres">
-      <dgm:prSet presAssocID="{D672805F-D531-46CA-8240-38805655CA82}" presName="connTx" presStyleLbl="parChTrans1D3" presStyleIdx="12" presStyleCnt="16"/>
-      <dgm:spPr/>
-    </dgm:pt>
-    <dgm:pt modelId="{B655F929-124A-4E9F-AAE6-A41E04976092}" type="pres">
-      <dgm:prSet presAssocID="{5DF6C11B-377F-47FB-BC50-A7E3E32B7B43}" presName="root2" presStyleCnt="0"/>
-      <dgm:spPr/>
-    </dgm:pt>
-    <dgm:pt modelId="{11E28B73-CFAD-4BBB-A008-CC1F386AEDE6}" type="pres">
-      <dgm:prSet presAssocID="{5DF6C11B-377F-47FB-BC50-A7E3E32B7B43}" presName="LevelTwoTextNode" presStyleLbl="node3" presStyleIdx="12" presStyleCnt="16">
+    <dgm:pt modelId="{D5ECACFF-CA09-42A7-836B-315BF674C053}" type="pres">
+      <dgm:prSet presAssocID="{28ACC96C-DAEE-4690-912C-9633C398023B}" presName="level3hierChild" presStyleCnt="0"/>
+      <dgm:spPr/>
+    </dgm:pt>
+    <dgm:pt modelId="{25FC7CE5-32D4-4442-A335-F18D74AF384E}" type="pres">
+      <dgm:prSet presAssocID="{AD5EE0EA-60D1-43DE-980D-E1501EFCEDE7}" presName="conn2-1" presStyleLbl="parChTrans1D3" presStyleIdx="14" presStyleCnt="19"/>
+      <dgm:spPr/>
+    </dgm:pt>
+    <dgm:pt modelId="{A28AD30D-A7E3-4D4D-BA19-396BEA77EFF6}" type="pres">
+      <dgm:prSet presAssocID="{AD5EE0EA-60D1-43DE-980D-E1501EFCEDE7}" presName="connTx" presStyleLbl="parChTrans1D3" presStyleIdx="14" presStyleCnt="19"/>
+      <dgm:spPr/>
+    </dgm:pt>
+    <dgm:pt modelId="{E425C20D-A330-40DA-9AC4-4D679CEF5AC0}" type="pres">
+      <dgm:prSet presAssocID="{197668C4-8212-48B8-A54E-73002176A9B9}" presName="root2" presStyleCnt="0"/>
+      <dgm:spPr/>
+    </dgm:pt>
+    <dgm:pt modelId="{91413382-3271-47B9-A294-291C47788DDE}" type="pres">
+      <dgm:prSet presAssocID="{197668C4-8212-48B8-A54E-73002176A9B9}" presName="LevelTwoTextNode" presStyleLbl="node3" presStyleIdx="14" presStyleCnt="19">
         <dgm:presLayoutVars>
           <dgm:chPref val="3"/>
         </dgm:presLayoutVars>
       </dgm:prSet>
       <dgm:spPr/>
     </dgm:pt>
-    <dgm:pt modelId="{263F1317-EE95-4F0B-86D3-9EE342B74C3C}" type="pres">
-      <dgm:prSet presAssocID="{5DF6C11B-377F-47FB-BC50-A7E3E32B7B43}" presName="level3hierChild" presStyleCnt="0"/>
-      <dgm:spPr/>
-    </dgm:pt>
-    <dgm:pt modelId="{91611C84-6F69-442A-BE8E-E60883D3992E}" type="pres">
-      <dgm:prSet presAssocID="{E5E79FCF-73DE-4917-B161-D2D920AE6114}" presName="conn2-1" presStyleLbl="parChTrans1D2" presStyleIdx="9" presStyleCnt="10"/>
-      <dgm:spPr/>
-    </dgm:pt>
-    <dgm:pt modelId="{09E3F154-2A4A-4683-AA87-420DDFBC0657}" type="pres">
-      <dgm:prSet presAssocID="{E5E79FCF-73DE-4917-B161-D2D920AE6114}" presName="connTx" presStyleLbl="parChTrans1D2" presStyleIdx="9" presStyleCnt="10"/>
-      <dgm:spPr/>
-    </dgm:pt>
-    <dgm:pt modelId="{1B68F77B-268B-454C-9170-C1D50A8C851F}" type="pres">
-      <dgm:prSet presAssocID="{883372AC-54A3-434D-B3FD-47B7FC1A2F94}" presName="root2" presStyleCnt="0"/>
-      <dgm:spPr/>
-    </dgm:pt>
-    <dgm:pt modelId="{5368879E-2E80-4E68-922A-4CB5D72144A4}" type="pres">
-      <dgm:prSet presAssocID="{883372AC-54A3-434D-B3FD-47B7FC1A2F94}" presName="LevelTwoTextNode" presStyleLbl="node2" presStyleIdx="9" presStyleCnt="10">
+    <dgm:pt modelId="{B5B05008-CE48-46CC-B8E8-7BB6E5E6D1A4}" type="pres">
+      <dgm:prSet presAssocID="{197668C4-8212-48B8-A54E-73002176A9B9}" presName="level3hierChild" presStyleCnt="0"/>
+      <dgm:spPr/>
+    </dgm:pt>
+    <dgm:pt modelId="{2EB80B32-B37F-4705-B617-95C3CE1DE02A}" type="pres">
+      <dgm:prSet presAssocID="{D672805F-D531-46CA-8240-38805655CA82}" presName="conn2-1" presStyleLbl="parChTrans1D3" presStyleIdx="15" presStyleCnt="19"/>
+      <dgm:spPr/>
+    </dgm:pt>
+    <dgm:pt modelId="{5BE8BF4C-923D-427A-BEFD-81C08183B908}" type="pres">
+      <dgm:prSet presAssocID="{D672805F-D531-46CA-8240-38805655CA82}" presName="connTx" presStyleLbl="parChTrans1D3" presStyleIdx="15" presStyleCnt="19"/>
+      <dgm:spPr/>
+    </dgm:pt>
+    <dgm:pt modelId="{B655F929-124A-4E9F-AAE6-A41E04976092}" type="pres">
+      <dgm:prSet presAssocID="{5DF6C11B-377F-47FB-BC50-A7E3E32B7B43}" presName="root2" presStyleCnt="0"/>
+      <dgm:spPr/>
+    </dgm:pt>
+    <dgm:pt modelId="{11E28B73-CFAD-4BBB-A008-CC1F386AEDE6}" type="pres">
+      <dgm:prSet presAssocID="{5DF6C11B-377F-47FB-BC50-A7E3E32B7B43}" presName="LevelTwoTextNode" presStyleLbl="node3" presStyleIdx="15" presStyleCnt="19">
         <dgm:presLayoutVars>
           <dgm:chPref val="3"/>
         </dgm:presLayoutVars>
       </dgm:prSet>
       <dgm:spPr/>
     </dgm:pt>
-    <dgm:pt modelId="{6B979742-8847-4FD4-997E-598280239DB5}" type="pres">
-      <dgm:prSet presAssocID="{883372AC-54A3-434D-B3FD-47B7FC1A2F94}" presName="level3hierChild" presStyleCnt="0"/>
-      <dgm:spPr/>
-    </dgm:pt>
-    <dgm:pt modelId="{32E9F333-8720-4DA1-8B72-444466DB6531}" type="pres">
-      <dgm:prSet presAssocID="{F1332BF6-B8C7-4DEA-BE82-35051DA5F48B}" presName="conn2-1" presStyleLbl="parChTrans1D3" presStyleIdx="13" presStyleCnt="16"/>
-      <dgm:spPr/>
-    </dgm:pt>
-    <dgm:pt modelId="{75C9CCF0-4D88-4D36-AF1F-9D292B4F019C}" type="pres">
-      <dgm:prSet presAssocID="{F1332BF6-B8C7-4DEA-BE82-35051DA5F48B}" presName="connTx" presStyleLbl="parChTrans1D3" presStyleIdx="13" presStyleCnt="16"/>
-      <dgm:spPr/>
-    </dgm:pt>
-    <dgm:pt modelId="{17E2A2CF-E14B-45A1-A5AA-3639053417DB}" type="pres">
-      <dgm:prSet presAssocID="{06D4AC17-67B1-4EEF-B1BB-B0ECE09E5C55}" presName="root2" presStyleCnt="0"/>
-      <dgm:spPr/>
-    </dgm:pt>
-    <dgm:pt modelId="{E530F799-1028-4659-A051-38AA046CF67A}" type="pres">
-      <dgm:prSet presAssocID="{06D4AC17-67B1-4EEF-B1BB-B0ECE09E5C55}" presName="LevelTwoTextNode" presStyleLbl="node3" presStyleIdx="13" presStyleCnt="16">
+    <dgm:pt modelId="{263F1317-EE95-4F0B-86D3-9EE342B74C3C}" type="pres">
+      <dgm:prSet presAssocID="{5DF6C11B-377F-47FB-BC50-A7E3E32B7B43}" presName="level3hierChild" presStyleCnt="0"/>
+      <dgm:spPr/>
+    </dgm:pt>
+    <dgm:pt modelId="{91611C84-6F69-442A-BE8E-E60883D3992E}" type="pres">
+      <dgm:prSet presAssocID="{E5E79FCF-73DE-4917-B161-D2D920AE6114}" presName="conn2-1" presStyleLbl="parChTrans1D2" presStyleIdx="8" presStyleCnt="9"/>
+      <dgm:spPr/>
+    </dgm:pt>
+    <dgm:pt modelId="{09E3F154-2A4A-4683-AA87-420DDFBC0657}" type="pres">
+      <dgm:prSet presAssocID="{E5E79FCF-73DE-4917-B161-D2D920AE6114}" presName="connTx" presStyleLbl="parChTrans1D2" presStyleIdx="8" presStyleCnt="9"/>
+      <dgm:spPr/>
+    </dgm:pt>
+    <dgm:pt modelId="{1B68F77B-268B-454C-9170-C1D50A8C851F}" type="pres">
+      <dgm:prSet presAssocID="{883372AC-54A3-434D-B3FD-47B7FC1A2F94}" presName="root2" presStyleCnt="0"/>
+      <dgm:spPr/>
+    </dgm:pt>
+    <dgm:pt modelId="{5368879E-2E80-4E68-922A-4CB5D72144A4}" type="pres">
+      <dgm:prSet presAssocID="{883372AC-54A3-434D-B3FD-47B7FC1A2F94}" presName="LevelTwoTextNode" presStyleLbl="node2" presStyleIdx="8" presStyleCnt="9">
         <dgm:presLayoutVars>
           <dgm:chPref val="3"/>
         </dgm:presLayoutVars>
       </dgm:prSet>
       <dgm:spPr/>
     </dgm:pt>
-    <dgm:pt modelId="{66246243-214A-45A7-B611-4C8B81356B57}" type="pres">
-      <dgm:prSet presAssocID="{06D4AC17-67B1-4EEF-B1BB-B0ECE09E5C55}" presName="level3hierChild" presStyleCnt="0"/>
-      <dgm:spPr/>
-    </dgm:pt>
-    <dgm:pt modelId="{D086EB9A-9366-4275-9D90-B97B61C17427}" type="pres">
-      <dgm:prSet presAssocID="{D88A751F-AD3E-446A-AC38-7AFA6263DB0A}" presName="conn2-1" presStyleLbl="parChTrans1D3" presStyleIdx="14" presStyleCnt="16"/>
-      <dgm:spPr/>
-    </dgm:pt>
-    <dgm:pt modelId="{82C51457-EC67-4EB0-899B-04A898B84EB9}" type="pres">
-      <dgm:prSet presAssocID="{D88A751F-AD3E-446A-AC38-7AFA6263DB0A}" presName="connTx" presStyleLbl="parChTrans1D3" presStyleIdx="14" presStyleCnt="16"/>
-      <dgm:spPr/>
-    </dgm:pt>
-    <dgm:pt modelId="{17F23350-A2F0-4F53-A42E-D6222800C6D5}" type="pres">
-      <dgm:prSet presAssocID="{1D75DDC8-EEF1-49FE-98B9-BC4622DC3AE8}" presName="root2" presStyleCnt="0"/>
-      <dgm:spPr/>
-    </dgm:pt>
-    <dgm:pt modelId="{7A110442-8E3A-4338-A085-AFDB500164A6}" type="pres">
-      <dgm:prSet presAssocID="{1D75DDC8-EEF1-49FE-98B9-BC4622DC3AE8}" presName="LevelTwoTextNode" presStyleLbl="node3" presStyleIdx="14" presStyleCnt="16">
+    <dgm:pt modelId="{6B979742-8847-4FD4-997E-598280239DB5}" type="pres">
+      <dgm:prSet presAssocID="{883372AC-54A3-434D-B3FD-47B7FC1A2F94}" presName="level3hierChild" presStyleCnt="0"/>
+      <dgm:spPr/>
+    </dgm:pt>
+    <dgm:pt modelId="{32E9F333-8720-4DA1-8B72-444466DB6531}" type="pres">
+      <dgm:prSet presAssocID="{F1332BF6-B8C7-4DEA-BE82-35051DA5F48B}" presName="conn2-1" presStyleLbl="parChTrans1D3" presStyleIdx="16" presStyleCnt="19"/>
+      <dgm:spPr/>
+    </dgm:pt>
+    <dgm:pt modelId="{75C9CCF0-4D88-4D36-AF1F-9D292B4F019C}" type="pres">
+      <dgm:prSet presAssocID="{F1332BF6-B8C7-4DEA-BE82-35051DA5F48B}" presName="connTx" presStyleLbl="parChTrans1D3" presStyleIdx="16" presStyleCnt="19"/>
+      <dgm:spPr/>
+    </dgm:pt>
+    <dgm:pt modelId="{17E2A2CF-E14B-45A1-A5AA-3639053417DB}" type="pres">
+      <dgm:prSet presAssocID="{06D4AC17-67B1-4EEF-B1BB-B0ECE09E5C55}" presName="root2" presStyleCnt="0"/>
+      <dgm:spPr/>
+    </dgm:pt>
+    <dgm:pt modelId="{E530F799-1028-4659-A051-38AA046CF67A}" type="pres">
+      <dgm:prSet presAssocID="{06D4AC17-67B1-4EEF-B1BB-B0ECE09E5C55}" presName="LevelTwoTextNode" presStyleLbl="node3" presStyleIdx="16" presStyleCnt="19">
         <dgm:presLayoutVars>
           <dgm:chPref val="3"/>
         </dgm:presLayoutVars>
       </dgm:prSet>
       <dgm:spPr/>
     </dgm:pt>
+    <dgm:pt modelId="{66246243-214A-45A7-B611-4C8B81356B57}" type="pres">
+      <dgm:prSet presAssocID="{06D4AC17-67B1-4EEF-B1BB-B0ECE09E5C55}" presName="level3hierChild" presStyleCnt="0"/>
+      <dgm:spPr/>
+    </dgm:pt>
+    <dgm:pt modelId="{D086EB9A-9366-4275-9D90-B97B61C17427}" type="pres">
+      <dgm:prSet presAssocID="{D88A751F-AD3E-446A-AC38-7AFA6263DB0A}" presName="conn2-1" presStyleLbl="parChTrans1D3" presStyleIdx="17" presStyleCnt="19"/>
+      <dgm:spPr/>
+    </dgm:pt>
+    <dgm:pt modelId="{82C51457-EC67-4EB0-899B-04A898B84EB9}" type="pres">
+      <dgm:prSet presAssocID="{D88A751F-AD3E-446A-AC38-7AFA6263DB0A}" presName="connTx" presStyleLbl="parChTrans1D3" presStyleIdx="17" presStyleCnt="19"/>
+      <dgm:spPr/>
+    </dgm:pt>
+    <dgm:pt modelId="{17F23350-A2F0-4F53-A42E-D6222800C6D5}" type="pres">
+      <dgm:prSet presAssocID="{1D75DDC8-EEF1-49FE-98B9-BC4622DC3AE8}" presName="root2" presStyleCnt="0"/>
+      <dgm:spPr/>
+    </dgm:pt>
+    <dgm:pt modelId="{7A110442-8E3A-4338-A085-AFDB500164A6}" type="pres">
+      <dgm:prSet presAssocID="{1D75DDC8-EEF1-49FE-98B9-BC4622DC3AE8}" presName="LevelTwoTextNode" presStyleLbl="node3" presStyleIdx="17" presStyleCnt="19">
+        <dgm:presLayoutVars>
+          <dgm:chPref val="3"/>
+        </dgm:presLayoutVars>
+      </dgm:prSet>
+      <dgm:spPr/>
+    </dgm:pt>
     <dgm:pt modelId="{254F83E2-E781-4D47-93D3-32E5885037B9}" type="pres">
       <dgm:prSet presAssocID="{1D75DDC8-EEF1-49FE-98B9-BC4622DC3AE8}" presName="level3hierChild" presStyleCnt="0"/>
       <dgm:spPr/>
     </dgm:pt>
     <dgm:pt modelId="{01AAAF48-2C57-4A31-B328-E9A33D27560A}" type="pres">
-      <dgm:prSet presAssocID="{3AD8B49B-CAD2-45C7-8BD2-E443686D8364}" presName="conn2-1" presStyleLbl="parChTrans1D3" presStyleIdx="15" presStyleCnt="16"/>
+      <dgm:prSet presAssocID="{3AD8B49B-CAD2-45C7-8BD2-E443686D8364}" presName="conn2-1" presStyleLbl="parChTrans1D3" presStyleIdx="18" presStyleCnt="19"/>
       <dgm:spPr/>
     </dgm:pt>
     <dgm:pt modelId="{FAE99F2D-4D06-4DE4-BF12-C93688A1E259}" type="pres">
-      <dgm:prSet presAssocID="{3AD8B49B-CAD2-45C7-8BD2-E443686D8364}" presName="connTx" presStyleLbl="parChTrans1D3" presStyleIdx="15" presStyleCnt="16"/>
+      <dgm:prSet presAssocID="{3AD8B49B-CAD2-45C7-8BD2-E443686D8364}" presName="connTx" presStyleLbl="parChTrans1D3" presStyleIdx="18" presStyleCnt="19"/>
       <dgm:spPr/>
     </dgm:pt>
     <dgm:pt modelId="{DCFC9C5F-F3D4-4090-A523-B5F30F098D55}" type="pres">
@@ -6400,7 +6528,7 @@
       <dgm:spPr/>
     </dgm:pt>
     <dgm:pt modelId="{F6EB2A2A-B7CB-4743-93C7-1439D9B838BB}" type="pres">
-      <dgm:prSet presAssocID="{BF6447A2-3917-466A-8BBF-187904A81840}" presName="LevelTwoTextNode" presStyleLbl="node3" presStyleIdx="15" presStyleCnt="16">
+      <dgm:prSet presAssocID="{BF6447A2-3917-466A-8BBF-187904A81840}" presName="LevelTwoTextNode" presStyleLbl="node3" presStyleIdx="18" presStyleCnt="19">
         <dgm:presLayoutVars>
           <dgm:chPref val="3"/>
         </dgm:presLayoutVars>
@@ -6416,18 +6544,17 @@
     <dgm:cxn modelId="{6D784A00-0CA6-42BB-9C0E-9D0B10CA5770}" type="presOf" srcId="{305846AD-47C4-463B-9DBE-6AA8AAAFD9CA}" destId="{999C7719-3DE7-4B52-98EB-ED5E3ACC25AF}" srcOrd="0" destOrd="0" presId="urn:microsoft.com/office/officeart/2005/8/layout/hierarchy2"/>
     <dgm:cxn modelId="{68364A07-FE34-4A84-8488-2B74FDDD1F71}" type="presOf" srcId="{0ED2AB80-1B48-415F-BD87-852714594E12}" destId="{8DBA2CFC-8F38-4609-A1C6-34F16329005B}" srcOrd="1" destOrd="0" presId="urn:microsoft.com/office/officeart/2005/8/layout/hierarchy2"/>
     <dgm:cxn modelId="{54B7330A-2D2F-4908-9BB3-CFE0F535CE85}" type="presOf" srcId="{B0804064-996B-41FA-9EBA-EC56EBF3506F}" destId="{378662CD-6F88-47B9-B6B9-69841423B909}" srcOrd="0" destOrd="0" presId="urn:microsoft.com/office/officeart/2005/8/layout/hierarchy2"/>
-    <dgm:cxn modelId="{C456750C-7A65-4FD0-A78D-1FA300D75AAF}" type="presOf" srcId="{4DE3A42A-E3CE-4E99-83D9-D1A6756B3CB9}" destId="{44E3D230-76F9-44B0-A1FF-4EE7B7AF9309}" srcOrd="0" destOrd="0" presId="urn:microsoft.com/office/officeart/2005/8/layout/hierarchy2"/>
+    <dgm:cxn modelId="{54D33D0B-9EA3-4213-A198-8D0A755AF971}" type="presOf" srcId="{B2BB2EBF-AD6A-47A5-AAAD-6E528895D1C8}" destId="{9C583C3F-87FC-4C3D-A139-807944177114}" srcOrd="1" destOrd="0" presId="urn:microsoft.com/office/officeart/2005/8/layout/hierarchy2"/>
     <dgm:cxn modelId="{F27C130F-731C-4935-8DCA-2E0231A841C4}" type="presOf" srcId="{06D4AC17-67B1-4EEF-B1BB-B0ECE09E5C55}" destId="{E530F799-1028-4659-A051-38AA046CF67A}" srcOrd="0" destOrd="0" presId="urn:microsoft.com/office/officeart/2005/8/layout/hierarchy2"/>
+    <dgm:cxn modelId="{C34DF11C-BA25-4B72-8C24-106FE3DB4DFF}" type="presOf" srcId="{42168C56-2F22-4C47-AD41-80714FFDE7B7}" destId="{5F03EFED-E26A-463D-AB17-10FDA3A40EDF}" srcOrd="0" destOrd="0" presId="urn:microsoft.com/office/officeart/2005/8/layout/hierarchy2"/>
     <dgm:cxn modelId="{E3637B20-8D6A-4331-9C58-E0501718915F}" type="presOf" srcId="{9F967694-B9EF-45F7-AC9F-9806D8CB5482}" destId="{FD09A0BE-E95A-4649-B900-A8B38B7CCAB8}" srcOrd="1" destOrd="0" presId="urn:microsoft.com/office/officeart/2005/8/layout/hierarchy2"/>
     <dgm:cxn modelId="{911C6E21-74D7-4154-82D0-FC6B01637D9A}" type="presOf" srcId="{347BA63F-6330-4E17-9091-C819304D8374}" destId="{3BF63452-3BF2-4545-8737-A1D5D56D0AE2}" srcOrd="0" destOrd="0" presId="urn:microsoft.com/office/officeart/2005/8/layout/hierarchy2"/>
-    <dgm:cxn modelId="{3CAD0829-4311-453A-B452-C74675A5E305}" srcId="{441C9BFF-8AD7-4827-90F5-60BEDCAF3705}" destId="{44363CFA-628E-4026-88F3-8868490E44F8}" srcOrd="3" destOrd="0" parTransId="{A98B9FA4-4126-4C91-AF71-10ACE11266DD}" sibTransId="{AD8C0F6F-44FE-4E14-A2AE-D5615410E79B}"/>
-    <dgm:cxn modelId="{FA0C7329-4816-4A99-A1B0-05BA0A6B6E2F}" srcId="{441C9BFF-8AD7-4827-90F5-60BEDCAF3705}" destId="{4FAD5BCB-A633-465D-8BD9-DBBCAAA0BE04}" srcOrd="0" destOrd="0" parTransId="{6416CC09-3F96-44BB-AC59-2A2488A1DDD5}" sibTransId="{C8AC9772-05CC-4387-B151-0F153D9E535F}"/>
+    <dgm:cxn modelId="{41BFF421-72F9-4206-B088-A06741E1B855}" type="presOf" srcId="{9E9AFA18-4A4C-452D-9BB1-22608177395D}" destId="{29234D45-6B12-405A-BB41-0B6B325EDB82}" srcOrd="0" destOrd="0" presId="urn:microsoft.com/office/officeart/2005/8/layout/hierarchy2"/>
+    <dgm:cxn modelId="{3CAD0829-4311-453A-B452-C74675A5E305}" srcId="{441C9BFF-8AD7-4827-90F5-60BEDCAF3705}" destId="{44363CFA-628E-4026-88F3-8868490E44F8}" srcOrd="2" destOrd="0" parTransId="{A98B9FA4-4126-4C91-AF71-10ACE11266DD}" sibTransId="{AD8C0F6F-44FE-4E14-A2AE-D5615410E79B}"/>
     <dgm:cxn modelId="{01B1DB31-F29F-4975-84E5-E8BC87D06D6B}" type="presOf" srcId="{AD5EE0EA-60D1-43DE-980D-E1501EFCEDE7}" destId="{A28AD30D-A7E3-4D4D-BA19-396BEA77EFF6}" srcOrd="1" destOrd="0" presId="urn:microsoft.com/office/officeart/2005/8/layout/hierarchy2"/>
     <dgm:cxn modelId="{973B4433-1697-4825-8511-A442DE4CE43F}" type="presOf" srcId="{98DE5844-EBFB-4ECB-843E-1E3C116CD0A7}" destId="{286A7A12-60D4-47CD-B68D-EF171A423C08}" srcOrd="0" destOrd="0" presId="urn:microsoft.com/office/officeart/2005/8/layout/hierarchy2"/>
-    <dgm:cxn modelId="{BC7BB833-36EF-465F-A454-626F54A2D496}" type="presOf" srcId="{6416CC09-3F96-44BB-AC59-2A2488A1DDD5}" destId="{0D5A4EF9-6E1B-48C5-A913-DA6986D8DD69}" srcOrd="1" destOrd="0" presId="urn:microsoft.com/office/officeart/2005/8/layout/hierarchy2"/>
-    <dgm:cxn modelId="{DFA7783A-8F12-498C-8F5A-61190E54F0A7}" type="presOf" srcId="{9E9AFA18-4A4C-452D-9BB1-22608177395D}" destId="{29234D45-6B12-405A-BB41-0B6B325EDB82}" srcOrd="0" destOrd="0" presId="urn:microsoft.com/office/officeart/2005/8/layout/hierarchy2"/>
+    <dgm:cxn modelId="{87C67B34-3E30-46DB-9FD7-982C88362CD8}" srcId="{A48100E6-84E1-4E3F-8C93-442D7A1A23CC}" destId="{CFA08F81-19C0-472C-9D39-BA1296D1CE78}" srcOrd="0" destOrd="0" parTransId="{BF467FF0-55CD-4BEF-AE62-398B1B3BB0CF}" sibTransId="{3F60A8A3-F7C3-49CC-8EDC-776A270FA3AF}"/>
     <dgm:cxn modelId="{4178723C-1C8A-4697-8EE2-A42C07993E01}" type="presOf" srcId="{DE023E0B-5C31-4E35-A101-3DA3908C072F}" destId="{5DE2E238-DC7D-4D6D-B25E-0B234F2BA15E}" srcOrd="0" destOrd="0" presId="urn:microsoft.com/office/officeart/2005/8/layout/hierarchy2"/>
-    <dgm:cxn modelId="{B27A313D-0867-407D-891E-8D52F761A465}" type="presOf" srcId="{795061A3-2B93-41B7-8CB3-D2EA827D06F1}" destId="{036B2AA5-2558-47F2-9D9F-A4DFEC8AB0FD}" srcOrd="0" destOrd="0" presId="urn:microsoft.com/office/officeart/2005/8/layout/hierarchy2"/>
     <dgm:cxn modelId="{A925F93D-3DFC-41E9-A05E-EB4FA601FA29}" type="presOf" srcId="{B9579491-E72E-41C5-854B-F50C3EB1B30B}" destId="{8B179800-541D-4D18-9A6D-360FD0D90341}" srcOrd="1" destOrd="0" presId="urn:microsoft.com/office/officeart/2005/8/layout/hierarchy2"/>
     <dgm:cxn modelId="{1E87255D-3050-43FE-A111-4FE832BC6413}" type="presOf" srcId="{B9579491-E72E-41C5-854B-F50C3EB1B30B}" destId="{7B78AD0B-0F14-4EB3-9761-C5899ADE071A}" srcOrd="0" destOrd="0" presId="urn:microsoft.com/office/officeart/2005/8/layout/hierarchy2"/>
     <dgm:cxn modelId="{3DFF0561-3B31-4F6E-95E5-BD6A755F9D52}" type="presOf" srcId="{423859FD-096E-4927-9390-25344E903FBF}" destId="{A043BA73-9C32-449E-A08A-66642C2C4ACE}" srcOrd="0" destOrd="0" presId="urn:microsoft.com/office/officeart/2005/8/layout/hierarchy2"/>
@@ -6436,7 +6563,7 @@
     <dgm:cxn modelId="{DDA32042-0AE1-4B48-80FB-D09F3426CF06}" type="presOf" srcId="{7CF047C5-7A21-4DCA-910B-CBEC1AA93BA9}" destId="{CBB2DB12-BFDC-4EDA-A722-5F84C9B3E47D}" srcOrd="1" destOrd="0" presId="urn:microsoft.com/office/officeart/2005/8/layout/hierarchy2"/>
     <dgm:cxn modelId="{DB998642-40B7-4349-B45E-CA107E4551B7}" type="presOf" srcId="{967C17FD-B87B-4CD0-BD44-345E2E5D2EA3}" destId="{EFD93F6B-5DBE-4367-A332-D077C9E4D0B9}" srcOrd="1" destOrd="0" presId="urn:microsoft.com/office/officeart/2005/8/layout/hierarchy2"/>
     <dgm:cxn modelId="{B100AA42-39EE-40E3-8181-73B06F53C4E6}" type="presOf" srcId="{F1332BF6-B8C7-4DEA-BE82-35051DA5F48B}" destId="{32E9F333-8720-4DA1-8B72-444466DB6531}" srcOrd="0" destOrd="0" presId="urn:microsoft.com/office/officeart/2005/8/layout/hierarchy2"/>
-    <dgm:cxn modelId="{767E8B43-8807-48E0-BEAF-DF7B88535D69}" type="presOf" srcId="{6416CC09-3F96-44BB-AC59-2A2488A1DDD5}" destId="{6C10326B-21D1-4C26-9233-3BC7699D8FAF}" srcOrd="0" destOrd="0" presId="urn:microsoft.com/office/officeart/2005/8/layout/hierarchy2"/>
+    <dgm:cxn modelId="{389D7844-90B5-4C34-801A-4630100BB7A8}" type="presOf" srcId="{F1CBC24F-79B7-4E57-AF2E-D28D63B47584}" destId="{06A15DF9-3259-467D-9FBE-99896C85623A}" srcOrd="1" destOrd="0" presId="urn:microsoft.com/office/officeart/2005/8/layout/hierarchy2"/>
     <dgm:cxn modelId="{D25E5846-8BA0-4EA7-A138-277377929FEE}" type="presOf" srcId="{0E41C96E-49F8-4F4A-AF74-A981293F785F}" destId="{92D90D00-AF98-4698-B612-FD27495A2153}" srcOrd="1" destOrd="0" presId="urn:microsoft.com/office/officeart/2005/8/layout/hierarchy2"/>
     <dgm:cxn modelId="{7475BC66-6220-4184-A503-DBE416C74E3C}" type="presOf" srcId="{34BEB75E-ED6D-4113-9F50-1BF5F1954990}" destId="{DEC2F5EE-E3CD-4D7B-B1CF-579700B998A6}" srcOrd="0" destOrd="0" presId="urn:microsoft.com/office/officeart/2005/8/layout/hierarchy2"/>
     <dgm:cxn modelId="{CF528367-3D4F-4378-8321-BF03242826B5}" type="presOf" srcId="{BF950D71-5670-40D6-AC0F-099BAE4EAFCE}" destId="{3071578A-279D-4516-84DF-019556F063A9}" srcOrd="1" destOrd="0" presId="urn:microsoft.com/office/officeart/2005/8/layout/hierarchy2"/>
@@ -6445,10 +6572,10 @@
     <dgm:cxn modelId="{257C356A-A4DF-4670-B0BD-823653CCA00D}" type="presOf" srcId="{D88A751F-AD3E-446A-AC38-7AFA6263DB0A}" destId="{82C51457-EC67-4EB0-899B-04A898B84EB9}" srcOrd="1" destOrd="0" presId="urn:microsoft.com/office/officeart/2005/8/layout/hierarchy2"/>
     <dgm:cxn modelId="{8B429F4A-B37F-4C2F-A9D7-1EA3403AA4D7}" type="presOf" srcId="{1924ECD5-AA0E-4B54-9424-D53165043932}" destId="{E3EBCE22-10C3-4D1B-B660-1DC78E3C499C}" srcOrd="0" destOrd="0" presId="urn:microsoft.com/office/officeart/2005/8/layout/hierarchy2"/>
     <dgm:cxn modelId="{8459C36A-8B69-49AC-9FD1-583E74425F96}" type="presOf" srcId="{57A8CB2D-79BE-4C74-9A37-D6A913DE1B82}" destId="{1FA8DDB4-E02A-4A22-81DB-AA8FC2F74117}" srcOrd="0" destOrd="0" presId="urn:microsoft.com/office/officeart/2005/8/layout/hierarchy2"/>
-    <dgm:cxn modelId="{14B6C66C-14AB-4380-B83F-2711DF9CE29F}" type="presOf" srcId="{4FAD5BCB-A633-465D-8BD9-DBBCAAA0BE04}" destId="{D7DA86D3-ABEF-4E87-A432-FADC0ECC9688}" srcOrd="0" destOrd="0" presId="urn:microsoft.com/office/officeart/2005/8/layout/hierarchy2"/>
     <dgm:cxn modelId="{523F296D-2CC7-4C29-85F8-5468ED82EAEB}" srcId="{34BEB75E-ED6D-4113-9F50-1BF5F1954990}" destId="{441C9BFF-8AD7-4827-90F5-60BEDCAF3705}" srcOrd="0" destOrd="0" parTransId="{AED53F1B-6F52-4865-A6C0-13F7BB680C57}" sibTransId="{EE93340F-3E48-4F2C-8A92-4BB8BFF38136}"/>
     <dgm:cxn modelId="{0925F36D-56B4-4AA9-AF93-0D4AE4155A60}" type="presOf" srcId="{0E41C96E-49F8-4F4A-AF74-A981293F785F}" destId="{C188F7D5-2228-4D2A-BF64-C8ACD1FEA7E1}" srcOrd="0" destOrd="0" presId="urn:microsoft.com/office/officeart/2005/8/layout/hierarchy2"/>
     <dgm:cxn modelId="{3D86F76D-B8B3-40C3-BAB9-ADC7813A81D0}" type="presOf" srcId="{A98B9FA4-4126-4C91-AF71-10ACE11266DD}" destId="{7F1E5779-795E-4D86-B65E-5D561EA238D1}" srcOrd="1" destOrd="0" presId="urn:microsoft.com/office/officeart/2005/8/layout/hierarchy2"/>
+    <dgm:cxn modelId="{E265FC6D-74B4-40F3-8C7B-053768890182}" type="presOf" srcId="{CFA08F81-19C0-472C-9D39-BA1296D1CE78}" destId="{62FFF28E-24FB-4030-BBD3-AB45098C2924}" srcOrd="0" destOrd="0" presId="urn:microsoft.com/office/officeart/2005/8/layout/hierarchy2"/>
     <dgm:cxn modelId="{C57B504E-E7B8-44A6-BF6D-0E8126B84CEB}" srcId="{1924ECD5-AA0E-4B54-9424-D53165043932}" destId="{F1DABE6E-F8F2-4453-9AF1-0A543F993768}" srcOrd="1" destOrd="0" parTransId="{B9579491-E72E-41C5-854B-F50C3EB1B30B}" sibTransId="{269CB045-857D-4765-8E43-81EB588E44DA}"/>
     <dgm:cxn modelId="{C9DFD94E-56E8-4223-9FCF-944361E752B0}" type="presOf" srcId="{9F967694-B9EF-45F7-AC9F-9806D8CB5482}" destId="{39C5E0B3-CFED-4E56-BF4D-C6EC42B08CA4}" srcOrd="0" destOrd="0" presId="urn:microsoft.com/office/officeart/2005/8/layout/hierarchy2"/>
     <dgm:cxn modelId="{E566904F-10A1-4C2F-AF80-8295BE1E30E1}" type="presOf" srcId="{476A2B4E-0CFD-4F03-9824-25789D527EDB}" destId="{F31A25FE-BE86-486C-8D07-460ABEC21614}" srcOrd="1" destOrd="0" presId="urn:microsoft.com/office/officeart/2005/8/layout/hierarchy2"/>
@@ -6464,61 +6591,69 @@
     <dgm:cxn modelId="{7117AE58-47CE-4D5A-8642-D4C6CB160D3B}" srcId="{1924ECD5-AA0E-4B54-9424-D53165043932}" destId="{10F04DDC-9425-470F-8153-E7CB032EC473}" srcOrd="5" destOrd="0" parTransId="{7CF047C5-7A21-4DCA-910B-CBEC1AA93BA9}" sibTransId="{5F84F869-E56B-4634-ABE7-790FDDE6A648}"/>
     <dgm:cxn modelId="{87291059-C0B4-4495-B758-063E78C1331D}" type="presOf" srcId="{5DF6C11B-377F-47FB-BC50-A7E3E32B7B43}" destId="{11E28B73-CFAD-4BBB-A008-CC1F386AEDE6}" srcOrd="0" destOrd="0" presId="urn:microsoft.com/office/officeart/2005/8/layout/hierarchy2"/>
     <dgm:cxn modelId="{3DF26C79-AD2C-4318-9E57-D6154CA43981}" type="presOf" srcId="{423859FD-096E-4927-9390-25344E903FBF}" destId="{45F67F7A-4A06-48B6-9809-4C8A811B62FF}" srcOrd="1" destOrd="0" presId="urn:microsoft.com/office/officeart/2005/8/layout/hierarchy2"/>
-    <dgm:cxn modelId="{36565A79-726A-49E4-8D06-2B903089FD1B}" srcId="{347BA63F-6330-4E17-9091-C819304D8374}" destId="{4DE3A42A-E3CE-4E99-83D9-D1A6756B3CB9}" srcOrd="0" destOrd="0" parTransId="{42168C56-2F22-4C47-AD41-80714FFDE7B7}" sibTransId="{E7E8FE3B-7C4D-4032-A180-D927C1C52A59}"/>
+    <dgm:cxn modelId="{36565A79-726A-49E4-8D06-2B903089FD1B}" srcId="{347BA63F-6330-4E17-9091-C819304D8374}" destId="{4DE3A42A-E3CE-4E99-83D9-D1A6756B3CB9}" srcOrd="1" destOrd="0" parTransId="{42168C56-2F22-4C47-AD41-80714FFDE7B7}" sibTransId="{E7E8FE3B-7C4D-4032-A180-D927C1C52A59}"/>
+    <dgm:cxn modelId="{DF5EB97B-3918-460A-9281-0A2CB5159B30}" type="presOf" srcId="{BF467FF0-55CD-4BEF-AE62-398B1B3BB0CF}" destId="{A27B6839-EBDE-45D3-9B9A-4872758F60A8}" srcOrd="1" destOrd="0" presId="urn:microsoft.com/office/officeart/2005/8/layout/hierarchy2"/>
     <dgm:cxn modelId="{E83BF77C-687B-491E-8B35-7C27AD7F0B69}" type="presOf" srcId="{BF950D71-5670-40D6-AC0F-099BAE4EAFCE}" destId="{0FF4B651-60BC-45A9-9B32-7B1023775CDB}" srcOrd="0" destOrd="0" presId="urn:microsoft.com/office/officeart/2005/8/layout/hierarchy2"/>
     <dgm:cxn modelId="{92E2BA82-D777-4CB8-9DEE-113D872EBD98}" type="presOf" srcId="{E5E79FCF-73DE-4917-B161-D2D920AE6114}" destId="{09E3F154-2A4A-4683-AA87-420DDFBC0657}" srcOrd="1" destOrd="0" presId="urn:microsoft.com/office/officeart/2005/8/layout/hierarchy2"/>
     <dgm:cxn modelId="{20FFB283-203E-4530-BFB2-DC006DE161FA}" type="presOf" srcId="{967C17FD-B87B-4CD0-BD44-345E2E5D2EA3}" destId="{8C712298-6B9D-436E-BFE2-A58E9E739EB4}" srcOrd="0" destOrd="0" presId="urn:microsoft.com/office/officeart/2005/8/layout/hierarchy2"/>
     <dgm:cxn modelId="{4AF8FD85-6E79-46BD-B9AD-15C5C36DE7A2}" type="presOf" srcId="{A98B9FA4-4126-4C91-AF71-10ACE11266DD}" destId="{C96E9C04-FBD1-4772-B263-2B3C0EF6A4AA}" srcOrd="0" destOrd="0" presId="urn:microsoft.com/office/officeart/2005/8/layout/hierarchy2"/>
     <dgm:cxn modelId="{7A0A5687-8D33-4C97-9CE7-B44967A81946}" srcId="{4DE3A42A-E3CE-4E99-83D9-D1A6756B3CB9}" destId="{9E9AFA18-4A4C-452D-9BB1-22608177395D}" srcOrd="0" destOrd="0" parTransId="{7EB6568E-DE68-41D0-B072-2D0DA56F4F15}" sibTransId="{DB2F4BBF-BA92-46E6-ACB3-D5B8E972779B}"/>
     <dgm:cxn modelId="{EC42BE88-B548-49E6-872E-DE9CF067780A}" type="presOf" srcId="{7CF047C5-7A21-4DCA-910B-CBEC1AA93BA9}" destId="{BC1D81C8-B099-47F2-B07A-82B8D68A6001}" srcOrd="0" destOrd="0" presId="urn:microsoft.com/office/officeart/2005/8/layout/hierarchy2"/>
+    <dgm:cxn modelId="{94BD078E-0BAB-4015-85E1-D179D4E926B6}" type="presOf" srcId="{BF467FF0-55CD-4BEF-AE62-398B1B3BB0CF}" destId="{5C3958C2-CEAE-44B8-A983-FBED675CF183}" srcOrd="0" destOrd="0" presId="urn:microsoft.com/office/officeart/2005/8/layout/hierarchy2"/>
     <dgm:cxn modelId="{C81E8C91-5EF5-45E9-ACD4-E449A9809B80}" srcId="{1924ECD5-AA0E-4B54-9424-D53165043932}" destId="{305846AD-47C4-463B-9DBE-6AA8AAAFD9CA}" srcOrd="3" destOrd="0" parTransId="{57A8CB2D-79BE-4C74-9A37-D6A913DE1B82}" sibTransId="{6A058D6F-D207-4F81-A3FF-D70611BE6534}"/>
     <dgm:cxn modelId="{1047E695-6C97-46AD-8DCA-7FA3784C6205}" srcId="{883372AC-54A3-434D-B3FD-47B7FC1A2F94}" destId="{1D75DDC8-EEF1-49FE-98B9-BC4622DC3AE8}" srcOrd="1" destOrd="0" parTransId="{D88A751F-AD3E-446A-AC38-7AFA6263DB0A}" sibTransId="{0F072DC2-97E0-42C6-BB3C-D2C321EF202A}"/>
-    <dgm:cxn modelId="{2C568396-9ABB-4BCD-B239-144F3DDBA3EC}" srcId="{441C9BFF-8AD7-4827-90F5-60BEDCAF3705}" destId="{883372AC-54A3-434D-B3FD-47B7FC1A2F94}" srcOrd="9" destOrd="0" parTransId="{E5E79FCF-73DE-4917-B161-D2D920AE6114}" sibTransId="{17BA298D-1370-41B5-9B62-7081F499794F}"/>
+    <dgm:cxn modelId="{73773196-2651-4886-A08A-095CEBB4E996}" type="presOf" srcId="{7EB6568E-DE68-41D0-B072-2D0DA56F4F15}" destId="{62EE0031-6C01-48D4-901C-617B43EEBFFD}" srcOrd="1" destOrd="0" presId="urn:microsoft.com/office/officeart/2005/8/layout/hierarchy2"/>
+    <dgm:cxn modelId="{2C568396-9ABB-4BCD-B239-144F3DDBA3EC}" srcId="{441C9BFF-8AD7-4827-90F5-60BEDCAF3705}" destId="{883372AC-54A3-434D-B3FD-47B7FC1A2F94}" srcOrd="8" destOrd="0" parTransId="{E5E79FCF-73DE-4917-B161-D2D920AE6114}" sibTransId="{17BA298D-1370-41B5-9B62-7081F499794F}"/>
     <dgm:cxn modelId="{A9501A97-0C20-4B32-B4FD-6E57482C06FF}" type="presOf" srcId="{785ADFEC-7668-46D6-9578-5377B24474CF}" destId="{AC7753CB-F883-40B6-BB5C-BA83E92BC55E}" srcOrd="0" destOrd="0" presId="urn:microsoft.com/office/officeart/2005/8/layout/hierarchy2"/>
     <dgm:cxn modelId="{33DF3899-0AA9-4D12-8AFD-B5E16AF2A923}" srcId="{EB65517D-69B4-43D8-B5D7-51657BA54F8A}" destId="{785ADFEC-7668-46D6-9578-5377B24474CF}" srcOrd="0" destOrd="0" parTransId="{0ED2AB80-1B48-415F-BD87-852714594E12}" sibTransId="{1114127C-B245-4E79-9FFA-C610A89B9B6C}"/>
     <dgm:cxn modelId="{13986E99-14FD-4079-A8ED-3BF718718836}" type="presOf" srcId="{78DF4B16-5D45-477A-8964-F442889D3554}" destId="{B5C2E9F5-6F09-44C9-8680-D494592CAE60}" srcOrd="1" destOrd="0" presId="urn:microsoft.com/office/officeart/2005/8/layout/hierarchy2"/>
     <dgm:cxn modelId="{30A3539A-F72D-4CA3-9366-62A333DE6AA3}" type="presOf" srcId="{C64C22FD-D31D-4129-A644-EAC90AC2F0EF}" destId="{DF0001CD-E36D-4A2D-BF6D-7BD168840136}" srcOrd="1" destOrd="0" presId="urn:microsoft.com/office/officeart/2005/8/layout/hierarchy2"/>
-    <dgm:cxn modelId="{3517AE9C-6628-4933-8CE6-0CA1EC7C87DD}" srcId="{441C9BFF-8AD7-4827-90F5-60BEDCAF3705}" destId="{347BA63F-6330-4E17-9091-C819304D8374}" srcOrd="6" destOrd="0" parTransId="{C64C22FD-D31D-4129-A644-EAC90AC2F0EF}" sibTransId="{36DAFF60-F4E1-4919-B05F-DD90C1E847D2}"/>
+    <dgm:cxn modelId="{24EFC99A-C5CB-4530-A18D-1BD3ED872C2C}" type="presOf" srcId="{AF051581-B2C4-4A22-B3E9-D040DD094A2F}" destId="{90C51F80-0C58-46F3-92F0-0154754F351F}" srcOrd="1" destOrd="0" presId="urn:microsoft.com/office/officeart/2005/8/layout/hierarchy2"/>
+    <dgm:cxn modelId="{3517AE9C-6628-4933-8CE6-0CA1EC7C87DD}" srcId="{441C9BFF-8AD7-4827-90F5-60BEDCAF3705}" destId="{347BA63F-6330-4E17-9091-C819304D8374}" srcOrd="5" destOrd="0" parTransId="{C64C22FD-D31D-4129-A644-EAC90AC2F0EF}" sibTransId="{36DAFF60-F4E1-4919-B05F-DD90C1E847D2}"/>
+    <dgm:cxn modelId="{748F579E-ADEC-4CB1-9379-58BA4920CA78}" type="presOf" srcId="{42168C56-2F22-4C47-AD41-80714FFDE7B7}" destId="{24E595D0-FB9E-4FF5-AB08-9E1C975D41DD}" srcOrd="1" destOrd="0" presId="urn:microsoft.com/office/officeart/2005/8/layout/hierarchy2"/>
     <dgm:cxn modelId="{4E6F2EA1-CFBA-42A2-B39B-716DCB0351A9}" srcId="{883372AC-54A3-434D-B3FD-47B7FC1A2F94}" destId="{06D4AC17-67B1-4EEF-B1BB-B0ECE09E5C55}" srcOrd="0" destOrd="0" parTransId="{F1332BF6-B8C7-4DEA-BE82-35051DA5F48B}" sibTransId="{6FBF65EE-2A23-49C5-A93C-005CF8AA4457}"/>
     <dgm:cxn modelId="{2E27E4A2-1F8D-49F6-934D-F2F1CBF99B6A}" type="presOf" srcId="{3AD8B49B-CAD2-45C7-8BD2-E443686D8364}" destId="{FAE99F2D-4D06-4DE4-BF12-C93688A1E259}" srcOrd="1" destOrd="0" presId="urn:microsoft.com/office/officeart/2005/8/layout/hierarchy2"/>
-    <dgm:cxn modelId="{3A24A7A4-3CE3-4880-86AF-A650AF8A73E4}" srcId="{441C9BFF-8AD7-4827-90F5-60BEDCAF3705}" destId="{D7009F5C-9656-4E9C-B269-B880E0F0CD6C}" srcOrd="1" destOrd="0" parTransId="{78DF4B16-5D45-477A-8964-F442889D3554}" sibTransId="{6BF38839-62B0-4FD1-9284-ECB1247460A0}"/>
-    <dgm:cxn modelId="{7E7EDEA4-6763-40BA-82A3-4F093EFBF7FD}" srcId="{441C9BFF-8AD7-4827-90F5-60BEDCAF3705}" destId="{28ACC96C-DAEE-4690-912C-9633C398023B}" srcOrd="8" destOrd="0" parTransId="{B0804064-996B-41FA-9EBA-EC56EBF3506F}" sibTransId="{8AF9705A-3B07-4438-A2D1-1293791B0AE2}"/>
+    <dgm:cxn modelId="{463E86A3-E09D-4E63-BE29-B94B84E61717}" srcId="{44363CFA-628E-4026-88F3-8868490E44F8}" destId="{42CB9CC2-555D-4178-BF13-D22FC1A1FC8B}" srcOrd="0" destOrd="0" parTransId="{F1CBC24F-79B7-4E57-AF2E-D28D63B47584}" sibTransId="{37B979F9-447C-44E5-9C58-EDFC2D852E55}"/>
+    <dgm:cxn modelId="{3A24A7A4-3CE3-4880-86AF-A650AF8A73E4}" srcId="{441C9BFF-8AD7-4827-90F5-60BEDCAF3705}" destId="{D7009F5C-9656-4E9C-B269-B880E0F0CD6C}" srcOrd="0" destOrd="0" parTransId="{78DF4B16-5D45-477A-8964-F442889D3554}" sibTransId="{6BF38839-62B0-4FD1-9284-ECB1247460A0}"/>
+    <dgm:cxn modelId="{7E7EDEA4-6763-40BA-82A3-4F093EFBF7FD}" srcId="{441C9BFF-8AD7-4827-90F5-60BEDCAF3705}" destId="{28ACC96C-DAEE-4690-912C-9633C398023B}" srcOrd="7" destOrd="0" parTransId="{B0804064-996B-41FA-9EBA-EC56EBF3506F}" sibTransId="{8AF9705A-3B07-4438-A2D1-1293791B0AE2}"/>
+    <dgm:cxn modelId="{F9DFA9A5-A6D2-4077-8901-A0663B80D2AB}" type="presOf" srcId="{B2BB2EBF-AD6A-47A5-AAAD-6E528895D1C8}" destId="{04134871-A1B2-42A3-8443-CF220BEEA626}" srcOrd="0" destOrd="0" presId="urn:microsoft.com/office/officeart/2005/8/layout/hierarchy2"/>
     <dgm:cxn modelId="{606889A7-C391-4260-A8D2-EF403B720D64}" type="presOf" srcId="{3930E226-FA6F-40B0-905E-754A21C6644C}" destId="{4D8A560A-FD74-4761-86EF-5EB8B6C5B349}" srcOrd="1" destOrd="0" presId="urn:microsoft.com/office/officeart/2005/8/layout/hierarchy2"/>
     <dgm:cxn modelId="{E510A7A7-A305-45F7-8F78-FACDE43197C0}" type="presOf" srcId="{332EBDA1-FC91-42DD-8C1E-2C7B445019B3}" destId="{6554C34C-9C59-4839-8491-2852BEC1AD45}" srcOrd="0" destOrd="0" presId="urn:microsoft.com/office/officeart/2005/8/layout/hierarchy2"/>
-    <dgm:cxn modelId="{1C5B25A9-30D7-4B17-9077-AE5716562504}" srcId="{441C9BFF-8AD7-4827-90F5-60BEDCAF3705}" destId="{EB65517D-69B4-43D8-B5D7-51657BA54F8A}" srcOrd="5" destOrd="0" parTransId="{9F967694-B9EF-45F7-AC9F-9806D8CB5482}" sibTransId="{E544A564-370F-49E5-BAD7-5F5A2C41F0DB}"/>
+    <dgm:cxn modelId="{1C5B25A9-30D7-4B17-9077-AE5716562504}" srcId="{441C9BFF-8AD7-4827-90F5-60BEDCAF3705}" destId="{EB65517D-69B4-43D8-B5D7-51657BA54F8A}" srcOrd="4" destOrd="0" parTransId="{9F967694-B9EF-45F7-AC9F-9806D8CB5482}" sibTransId="{E544A564-370F-49E5-BAD7-5F5A2C41F0DB}"/>
     <dgm:cxn modelId="{C360D1A9-9733-4F49-9ED5-4E55D2439D07}" type="presOf" srcId="{EB65517D-69B4-43D8-B5D7-51657BA54F8A}" destId="{271F4EE3-041A-417E-86AA-2A20E744A409}" srcOrd="0" destOrd="0" presId="urn:microsoft.com/office/officeart/2005/8/layout/hierarchy2"/>
     <dgm:cxn modelId="{F41680AB-FA7B-4F0C-97BB-0C98FFEC8B89}" type="presOf" srcId="{C64C22FD-D31D-4129-A644-EAC90AC2F0EF}" destId="{12C9D8AB-E7E2-44A0-B4FC-AC98A3C782E3}" srcOrd="0" destOrd="0" presId="urn:microsoft.com/office/officeart/2005/8/layout/hierarchy2"/>
     <dgm:cxn modelId="{C06FF2AB-C95C-4BCB-BEE7-B74450B289D0}" type="presOf" srcId="{341C93D3-8A95-4DFB-AA9D-C38CA282C9E7}" destId="{53326395-1FA6-41BE-82C8-2A6B334FD61F}" srcOrd="1" destOrd="0" presId="urn:microsoft.com/office/officeart/2005/8/layout/hierarchy2"/>
-    <dgm:cxn modelId="{A379DEAC-9ED6-46D7-BA90-0F0F0114656E}" srcId="{441C9BFF-8AD7-4827-90F5-60BEDCAF3705}" destId="{1924ECD5-AA0E-4B54-9424-D53165043932}" srcOrd="4" destOrd="0" parTransId="{3930E226-FA6F-40B0-905E-754A21C6644C}" sibTransId="{CBA63FA3-5470-4234-A511-234C76F1D9FA}"/>
-    <dgm:cxn modelId="{FE934DB3-2662-4706-BAEA-B23BC0FBF2E9}" type="presOf" srcId="{AF051581-B2C4-4A22-B3E9-D040DD094A2F}" destId="{90C51F80-0C58-46F3-92F0-0154754F351F}" srcOrd="1" destOrd="0" presId="urn:microsoft.com/office/officeart/2005/8/layout/hierarchy2"/>
+    <dgm:cxn modelId="{A379DEAC-9ED6-46D7-BA90-0F0F0114656E}" srcId="{441C9BFF-8AD7-4827-90F5-60BEDCAF3705}" destId="{1924ECD5-AA0E-4B54-9424-D53165043932}" srcOrd="3" destOrd="0" parTransId="{3930E226-FA6F-40B0-905E-754A21C6644C}" sibTransId="{CBA63FA3-5470-4234-A511-234C76F1D9FA}"/>
     <dgm:cxn modelId="{2E183BB4-EFA5-49B6-B5B6-B56931B30D56}" type="presOf" srcId="{441C9BFF-8AD7-4827-90F5-60BEDCAF3705}" destId="{7575A172-9F99-448E-AE5A-92FB43DC477E}" srcOrd="0" destOrd="0" presId="urn:microsoft.com/office/officeart/2005/8/layout/hierarchy2"/>
     <dgm:cxn modelId="{C77D98B5-5966-4F6B-9CE1-09FEEB2AAD30}" type="presOf" srcId="{44363CFA-628E-4026-88F3-8868490E44F8}" destId="{F9C3364A-13C5-47BA-8BB7-3B25E1C916C9}" srcOrd="0" destOrd="0" presId="urn:microsoft.com/office/officeart/2005/8/layout/hierarchy2"/>
     <dgm:cxn modelId="{09FEB7B7-BCCA-4ED6-8BE2-889652152D0D}" srcId="{98DE5844-EBFB-4ECB-843E-1E3C116CD0A7}" destId="{332EBDA1-FC91-42DD-8C1E-2C7B445019B3}" srcOrd="0" destOrd="0" parTransId="{0E41C96E-49F8-4F4A-AF74-A981293F785F}" sibTransId="{6F50CEDF-F26E-458C-ABDC-9725FAFC71B9}"/>
     <dgm:cxn modelId="{15F064B8-A919-4879-A0F7-C5FEAB2B009E}" type="presOf" srcId="{3930E226-FA6F-40B0-905E-754A21C6644C}" destId="{473DA149-B01E-4717-BDE3-8F55F87B4FD3}" srcOrd="0" destOrd="0" presId="urn:microsoft.com/office/officeart/2005/8/layout/hierarchy2"/>
     <dgm:cxn modelId="{D8EB9AB8-65B5-4F00-97D6-AC77A68B62FE}" srcId="{D7009F5C-9656-4E9C-B269-B880E0F0CD6C}" destId="{028C5DFA-CD08-425A-9808-BE49C21D580B}" srcOrd="0" destOrd="0" parTransId="{E8EB6F71-72ED-410E-A6D6-688CC4C8622F}" sibTransId="{EC8C1563-BCBD-4458-A64C-29451454356E}"/>
+    <dgm:cxn modelId="{F0E05DBC-B217-46B0-903F-AE663FF75F5F}" type="presOf" srcId="{F1CBC24F-79B7-4E57-AF2E-D28D63B47584}" destId="{6EE51342-6B2F-49FD-845F-807CC8F8A458}" srcOrd="0" destOrd="0" presId="urn:microsoft.com/office/officeart/2005/8/layout/hierarchy2"/>
     <dgm:cxn modelId="{422EAABC-044F-4ADC-A921-8C308470E627}" type="presOf" srcId="{78DF4B16-5D45-477A-8964-F442889D3554}" destId="{27067C7C-FC86-4E67-9183-95EE3B98A204}" srcOrd="0" destOrd="0" presId="urn:microsoft.com/office/officeart/2005/8/layout/hierarchy2"/>
+    <dgm:cxn modelId="{EB5D42BD-7812-4149-8EF8-993757477E59}" type="presOf" srcId="{42CB9CC2-555D-4178-BF13-D22FC1A1FC8B}" destId="{6F3CA879-904C-4DE6-B433-E7E9F6F6B9F2}" srcOrd="0" destOrd="0" presId="urn:microsoft.com/office/officeart/2005/8/layout/hierarchy2"/>
     <dgm:cxn modelId="{9476AEBD-5AFB-4A9E-862E-B150AABEEC6C}" type="presOf" srcId="{D88A751F-AD3E-446A-AC38-7AFA6263DB0A}" destId="{D086EB9A-9366-4275-9D90-B97B61C17427}" srcOrd="0" destOrd="0" presId="urn:microsoft.com/office/officeart/2005/8/layout/hierarchy2"/>
-    <dgm:cxn modelId="{D326EDC0-02AB-4EC4-B3D5-C61BAA25637C}" type="presOf" srcId="{42168C56-2F22-4C47-AD41-80714FFDE7B7}" destId="{5F03EFED-E26A-463D-AB17-10FDA3A40EDF}" srcOrd="0" destOrd="0" presId="urn:microsoft.com/office/officeart/2005/8/layout/hierarchy2"/>
     <dgm:cxn modelId="{5B683AC2-CD25-420D-830D-2FE4409A0AAB}" type="presOf" srcId="{D672805F-D531-46CA-8240-38805655CA82}" destId="{5BE8BF4C-923D-427A-BEFD-81C08183B908}" srcOrd="1" destOrd="0" presId="urn:microsoft.com/office/officeart/2005/8/layout/hierarchy2"/>
     <dgm:cxn modelId="{75B451C6-63EE-4F60-A70F-AA00C9EA4D19}" type="presOf" srcId="{197668C4-8212-48B8-A54E-73002176A9B9}" destId="{91413382-3271-47B9-A294-291C47788DDE}" srcOrd="0" destOrd="0" presId="urn:microsoft.com/office/officeart/2005/8/layout/hierarchy2"/>
     <dgm:cxn modelId="{C24887C6-F34C-4CA2-99BD-2437DDEB2607}" type="presOf" srcId="{B829E806-E11E-4BDA-8589-5EF437FD4FD6}" destId="{212B2C79-9789-418A-930F-FFDE49B7E48D}" srcOrd="0" destOrd="0" presId="urn:microsoft.com/office/officeart/2005/8/layout/hierarchy2"/>
-    <dgm:cxn modelId="{83B220C9-575D-4410-9866-5F5B448BA45A}" srcId="{441C9BFF-8AD7-4827-90F5-60BEDCAF3705}" destId="{98DE5844-EBFB-4ECB-843E-1E3C116CD0A7}" srcOrd="2" destOrd="0" parTransId="{B829E806-E11E-4BDA-8589-5EF437FD4FD6}" sibTransId="{964986D0-5530-46C8-8F61-2A4F7C778AD2}"/>
+    <dgm:cxn modelId="{83B220C9-575D-4410-9866-5F5B448BA45A}" srcId="{441C9BFF-8AD7-4827-90F5-60BEDCAF3705}" destId="{98DE5844-EBFB-4ECB-843E-1E3C116CD0A7}" srcOrd="1" destOrd="0" parTransId="{B829E806-E11E-4BDA-8589-5EF437FD4FD6}" sibTransId="{964986D0-5530-46C8-8F61-2A4F7C778AD2}"/>
     <dgm:cxn modelId="{5C61F0CC-28A0-44A5-95B7-A2716234C516}" type="presOf" srcId="{E8EB6F71-72ED-410E-A6D6-688CC4C8622F}" destId="{30A9F46C-FFB9-4F00-A098-6F5DA74C7637}" srcOrd="1" destOrd="0" presId="urn:microsoft.com/office/officeart/2005/8/layout/hierarchy2"/>
     <dgm:cxn modelId="{C86340CD-194F-4541-A0E1-89EB21CA5ACD}" type="presOf" srcId="{F1332BF6-B8C7-4DEA-BE82-35051DA5F48B}" destId="{75C9CCF0-4D88-4D36-AF1F-9D292B4F019C}" srcOrd="1" destOrd="0" presId="urn:microsoft.com/office/officeart/2005/8/layout/hierarchy2"/>
+    <dgm:cxn modelId="{EDE1A4CE-3BE5-43D6-8C36-08A33A805582}" type="presOf" srcId="{7EB6568E-DE68-41D0-B072-2D0DA56F4F15}" destId="{0FEA2678-CA15-40EC-97F4-BD4307BF2C62}" srcOrd="0" destOrd="0" presId="urn:microsoft.com/office/officeart/2005/8/layout/hierarchy2"/>
     <dgm:cxn modelId="{7D58F5CE-EBF9-4EC0-B95B-31F4B2CD2A4B}" type="presOf" srcId="{28ACC96C-DAEE-4690-912C-9633C398023B}" destId="{B06B5877-B8A7-47D8-9D2A-18EC02EC0CCC}" srcOrd="0" destOrd="0" presId="urn:microsoft.com/office/officeart/2005/8/layout/hierarchy2"/>
     <dgm:cxn modelId="{F4BCE7D1-8338-4A62-9DF1-33BFDFAB733E}" type="presOf" srcId="{B0804064-996B-41FA-9EBA-EC56EBF3506F}" destId="{2DC71E7E-A9AC-4280-9C27-72E8AC8F1854}" srcOrd="1" destOrd="0" presId="urn:microsoft.com/office/officeart/2005/8/layout/hierarchy2"/>
-    <dgm:cxn modelId="{B8B8DAD8-4B10-40F0-8ED3-14035B5F0F4D}" srcId="{441C9BFF-8AD7-4827-90F5-60BEDCAF3705}" destId="{A48100E6-84E1-4E3F-8C93-442D7A1A23CC}" srcOrd="7" destOrd="0" parTransId="{476A2B4E-0CFD-4F03-9824-25789D527EDB}" sibTransId="{60462F65-71B6-4ECE-9B21-6A15610060E9}"/>
+    <dgm:cxn modelId="{9E2849D4-FA2A-42F3-9BB8-BDA22B48D6E3}" type="presOf" srcId="{4DE3A42A-E3CE-4E99-83D9-D1A6756B3CB9}" destId="{44E3D230-76F9-44B0-A1FF-4EE7B7AF9309}" srcOrd="0" destOrd="0" presId="urn:microsoft.com/office/officeart/2005/8/layout/hierarchy2"/>
+    <dgm:cxn modelId="{C180BBD6-7EB8-4EA7-A062-C16F03353A91}" type="presOf" srcId="{795061A3-2B93-41B7-8CB3-D2EA827D06F1}" destId="{036B2AA5-2558-47F2-9D9F-A4DFEC8AB0FD}" srcOrd="0" destOrd="0" presId="urn:microsoft.com/office/officeart/2005/8/layout/hierarchy2"/>
+    <dgm:cxn modelId="{B8B8DAD8-4B10-40F0-8ED3-14035B5F0F4D}" srcId="{441C9BFF-8AD7-4827-90F5-60BEDCAF3705}" destId="{A48100E6-84E1-4E3F-8C93-442D7A1A23CC}" srcOrd="6" destOrd="0" parTransId="{476A2B4E-0CFD-4F03-9824-25789D527EDB}" sibTransId="{60462F65-71B6-4ECE-9B21-6A15610060E9}"/>
     <dgm:cxn modelId="{902876D9-9133-4A48-8398-C7CAAFB05485}" srcId="{28ACC96C-DAEE-4690-912C-9633C398023B}" destId="{197668C4-8212-48B8-A54E-73002176A9B9}" srcOrd="0" destOrd="0" parTransId="{AD5EE0EA-60D1-43DE-980D-E1501EFCEDE7}" sibTransId="{ABDB2C2B-782E-4029-89BE-6E5CBB30B114}"/>
-    <dgm:cxn modelId="{532AACDA-8B8A-46CA-A1F4-EBC6D481DD33}" type="presOf" srcId="{AF051581-B2C4-4A22-B3E9-D040DD094A2F}" destId="{F3D8227B-C481-4F68-B984-041A513F0F2F}" srcOrd="0" destOrd="0" presId="urn:microsoft.com/office/officeart/2005/8/layout/hierarchy2"/>
-    <dgm:cxn modelId="{C84BA5DB-988F-46EF-BEFA-28128FD963A9}" type="presOf" srcId="{7EB6568E-DE68-41D0-B072-2D0DA56F4F15}" destId="{0FEA2678-CA15-40EC-97F4-BD4307BF2C62}" srcOrd="0" destOrd="0" presId="urn:microsoft.com/office/officeart/2005/8/layout/hierarchy2"/>
     <dgm:cxn modelId="{D0950DDF-6009-402E-B9FB-DA9F26AE1CB6}" type="presOf" srcId="{E8EB6F71-72ED-410E-A6D6-688CC4C8622F}" destId="{253A9353-D51D-4340-9A0B-0B803298AA5F}" srcOrd="0" destOrd="0" presId="urn:microsoft.com/office/officeart/2005/8/layout/hierarchy2"/>
     <dgm:cxn modelId="{374F36DF-6662-4F92-91D9-3C41AFDDBB98}" srcId="{4DE3A42A-E3CE-4E99-83D9-D1A6756B3CB9}" destId="{795061A3-2B93-41B7-8CB3-D2EA827D06F1}" srcOrd="1" destOrd="0" parTransId="{AF051581-B2C4-4A22-B3E9-D040DD094A2F}" sibTransId="{A5E25A6B-6ACF-4370-BC1D-916D50C4DBFB}"/>
-    <dgm:cxn modelId="{270843DF-8975-4559-9636-228D47AC8E43}" type="presOf" srcId="{42168C56-2F22-4C47-AD41-80714FFDE7B7}" destId="{24E595D0-FB9E-4FF5-AB08-9E1C975D41DD}" srcOrd="1" destOrd="0" presId="urn:microsoft.com/office/officeart/2005/8/layout/hierarchy2"/>
-    <dgm:cxn modelId="{401E06E0-8FD0-4939-89D0-C22DF9CCD9DD}" type="presOf" srcId="{7EB6568E-DE68-41D0-B072-2D0DA56F4F15}" destId="{62EE0031-6C01-48D4-901C-617B43EEBFFD}" srcOrd="1" destOrd="0" presId="urn:microsoft.com/office/officeart/2005/8/layout/hierarchy2"/>
     <dgm:cxn modelId="{C3E1A0E1-7EDE-4831-A677-E7AC915DABBD}" type="presOf" srcId="{1D75DDC8-EEF1-49FE-98B9-BC4622DC3AE8}" destId="{7A110442-8E3A-4338-A085-AFDB500164A6}" srcOrd="0" destOrd="0" presId="urn:microsoft.com/office/officeart/2005/8/layout/hierarchy2"/>
     <dgm:cxn modelId="{10B32BE2-2628-4D7E-A225-9692CF3A3996}" type="presOf" srcId="{AD5EE0EA-60D1-43DE-980D-E1501EFCEDE7}" destId="{25FC7CE5-32D4-4442-A335-F18D74AF384E}" srcOrd="0" destOrd="0" presId="urn:microsoft.com/office/officeart/2005/8/layout/hierarchy2"/>
     <dgm:cxn modelId="{F1AB95E6-6B53-4D05-BB30-F9E3DE402137}" type="presOf" srcId="{10948DB9-C87A-4CB4-AA25-2159E53038FA}" destId="{607D34BA-412C-4B85-BA67-89E2C4841B21}" srcOrd="0" destOrd="0" presId="urn:microsoft.com/office/officeart/2005/8/layout/hierarchy2"/>
+    <dgm:cxn modelId="{700295E7-1286-436F-BEB1-0FB5919EB2F2}" srcId="{347BA63F-6330-4E17-9091-C819304D8374}" destId="{F592A012-32A7-4C82-BF4D-CA3D12AD7C92}" srcOrd="0" destOrd="0" parTransId="{B2BB2EBF-AD6A-47A5-AAAD-6E528895D1C8}" sibTransId="{574B4DA2-D22A-4111-8BAC-4E9491833495}"/>
     <dgm:cxn modelId="{A7E5B9E7-435F-412E-994E-042677F66A38}" srcId="{1924ECD5-AA0E-4B54-9424-D53165043932}" destId="{3C6EA423-D64F-4DC7-B184-24C9BC3512E8}" srcOrd="0" destOrd="0" parTransId="{BF950D71-5670-40D6-AC0F-099BAE4EAFCE}" sibTransId="{172DF7D6-467F-45FD-9576-96B3C7081EEA}"/>
+    <dgm:cxn modelId="{09FE3DEA-2DC8-4344-9B36-74CD1EEAE9F5}" type="presOf" srcId="{AF051581-B2C4-4A22-B3E9-D040DD094A2F}" destId="{F3D8227B-C481-4F68-B984-041A513F0F2F}" srcOrd="0" destOrd="0" presId="urn:microsoft.com/office/officeart/2005/8/layout/hierarchy2"/>
     <dgm:cxn modelId="{AF4B81EB-42EF-4D72-901C-F67CEF2168BC}" type="presOf" srcId="{A48100E6-84E1-4E3F-8C93-442D7A1A23CC}" destId="{AFEA1595-814A-4ABA-8FAA-8F8A3E1384F4}" srcOrd="0" destOrd="0" presId="urn:microsoft.com/office/officeart/2005/8/layout/hierarchy2"/>
     <dgm:cxn modelId="{4FDFA2ED-B79E-47AF-A7D1-362FF3E41002}" srcId="{28ACC96C-DAEE-4690-912C-9633C398023B}" destId="{5DF6C11B-377F-47FB-BC50-A7E3E32B7B43}" srcOrd="1" destOrd="0" parTransId="{D672805F-D531-46CA-8240-38805655CA82}" sibTransId="{02CB11EC-9DE7-441C-B4FD-6C7BD018BCA0}"/>
     <dgm:cxn modelId="{325B53EE-3547-4EBC-89DF-19E405B621F3}" type="presOf" srcId="{10F04DDC-9425-470F-8153-E7CB032EC473}" destId="{B26068F5-AA96-45E5-9772-412588FC5102}" srcOrd="0" destOrd="0" presId="urn:microsoft.com/office/officeart/2005/8/layout/hierarchy2"/>
@@ -6528,17 +6663,13 @@
     <dgm:cxn modelId="{25901FF8-105A-48AD-880F-96F8634DEAFD}" type="presOf" srcId="{0ED2AB80-1B48-415F-BD87-852714594E12}" destId="{EA4EB2B3-90DD-478B-AE18-AD42BA736822}" srcOrd="0" destOrd="0" presId="urn:microsoft.com/office/officeart/2005/8/layout/hierarchy2"/>
     <dgm:cxn modelId="{B301C5F8-EE0B-4948-A763-E6B7BC16C20E}" type="presOf" srcId="{028C5DFA-CD08-425A-9808-BE49C21D580B}" destId="{13D4FB75-0685-4A82-94FD-A244C8E613D4}" srcOrd="0" destOrd="0" presId="urn:microsoft.com/office/officeart/2005/8/layout/hierarchy2"/>
     <dgm:cxn modelId="{719804FB-D49B-4C65-BC61-5CD0F7789CA5}" srcId="{1924ECD5-AA0E-4B54-9424-D53165043932}" destId="{10948DB9-C87A-4CB4-AA25-2159E53038FA}" srcOrd="6" destOrd="0" parTransId="{341C93D3-8A95-4DFB-AA9D-C38CA282C9E7}" sibTransId="{87270465-EDA7-4083-84B6-95D5BD538DDB}"/>
+    <dgm:cxn modelId="{7BF833FD-6B07-450F-998D-CAC6ABB57A0C}" type="presOf" srcId="{F592A012-32A7-4C82-BF4D-CA3D12AD7C92}" destId="{8EB26111-75BB-4215-B97E-B22026021A64}" srcOrd="0" destOrd="0" presId="urn:microsoft.com/office/officeart/2005/8/layout/hierarchy2"/>
     <dgm:cxn modelId="{873CC4B6-ED5C-44C4-AF3F-E22C760E24EE}" type="presParOf" srcId="{DEC2F5EE-E3CD-4D7B-B1CF-579700B998A6}" destId="{C50DF23E-2C78-40EE-BB78-7BCAD7D9BE44}" srcOrd="0" destOrd="0" presId="urn:microsoft.com/office/officeart/2005/8/layout/hierarchy2"/>
     <dgm:cxn modelId="{39959F55-A7CE-49D6-8F85-23304D2DF36A}" type="presParOf" srcId="{C50DF23E-2C78-40EE-BB78-7BCAD7D9BE44}" destId="{7575A172-9F99-448E-AE5A-92FB43DC477E}" srcOrd="0" destOrd="0" presId="urn:microsoft.com/office/officeart/2005/8/layout/hierarchy2"/>
     <dgm:cxn modelId="{B11CAB7A-DDFB-4F33-973E-850D70A7B24A}" type="presParOf" srcId="{C50DF23E-2C78-40EE-BB78-7BCAD7D9BE44}" destId="{26F838D1-66AD-4EC9-90A6-1C1E97C18AFF}" srcOrd="1" destOrd="0" presId="urn:microsoft.com/office/officeart/2005/8/layout/hierarchy2"/>
-    <dgm:cxn modelId="{B36C1EDA-D0D7-429D-92CC-99AD4D0F4C55}" type="presParOf" srcId="{26F838D1-66AD-4EC9-90A6-1C1E97C18AFF}" destId="{6C10326B-21D1-4C26-9233-3BC7699D8FAF}" srcOrd="0" destOrd="0" presId="urn:microsoft.com/office/officeart/2005/8/layout/hierarchy2"/>
-    <dgm:cxn modelId="{79F7EA64-A35C-4A31-8F29-12A4358D5378}" type="presParOf" srcId="{6C10326B-21D1-4C26-9233-3BC7699D8FAF}" destId="{0D5A4EF9-6E1B-48C5-A913-DA6986D8DD69}" srcOrd="0" destOrd="0" presId="urn:microsoft.com/office/officeart/2005/8/layout/hierarchy2"/>
-    <dgm:cxn modelId="{F511C671-8ABE-4C6F-885F-639B0A1A8D7F}" type="presParOf" srcId="{26F838D1-66AD-4EC9-90A6-1C1E97C18AFF}" destId="{1FC1D872-069C-4FE8-B551-68AE1F3C6B1C}" srcOrd="1" destOrd="0" presId="urn:microsoft.com/office/officeart/2005/8/layout/hierarchy2"/>
-    <dgm:cxn modelId="{BFD59B02-52A0-4459-A380-D5CC1F809C39}" type="presParOf" srcId="{1FC1D872-069C-4FE8-B551-68AE1F3C6B1C}" destId="{D7DA86D3-ABEF-4E87-A432-FADC0ECC9688}" srcOrd="0" destOrd="0" presId="urn:microsoft.com/office/officeart/2005/8/layout/hierarchy2"/>
-    <dgm:cxn modelId="{C07341FC-DB04-4CA6-BE00-E97B323594C6}" type="presParOf" srcId="{1FC1D872-069C-4FE8-B551-68AE1F3C6B1C}" destId="{5B7AD95A-52EF-47A6-9140-E241BB99130B}" srcOrd="1" destOrd="0" presId="urn:microsoft.com/office/officeart/2005/8/layout/hierarchy2"/>
-    <dgm:cxn modelId="{314C3F5B-8312-4AF4-8E58-FAA8BAB76403}" type="presParOf" srcId="{26F838D1-66AD-4EC9-90A6-1C1E97C18AFF}" destId="{27067C7C-FC86-4E67-9183-95EE3B98A204}" srcOrd="2" destOrd="0" presId="urn:microsoft.com/office/officeart/2005/8/layout/hierarchy2"/>
+    <dgm:cxn modelId="{314C3F5B-8312-4AF4-8E58-FAA8BAB76403}" type="presParOf" srcId="{26F838D1-66AD-4EC9-90A6-1C1E97C18AFF}" destId="{27067C7C-FC86-4E67-9183-95EE3B98A204}" srcOrd="0" destOrd="0" presId="urn:microsoft.com/office/officeart/2005/8/layout/hierarchy2"/>
     <dgm:cxn modelId="{F0A17766-A297-4667-B22C-B69F21372508}" type="presParOf" srcId="{27067C7C-FC86-4E67-9183-95EE3B98A204}" destId="{B5C2E9F5-6F09-44C9-8680-D494592CAE60}" srcOrd="0" destOrd="0" presId="urn:microsoft.com/office/officeart/2005/8/layout/hierarchy2"/>
-    <dgm:cxn modelId="{FB513A2F-4F65-4533-AD09-DAB4F93C72DE}" type="presParOf" srcId="{26F838D1-66AD-4EC9-90A6-1C1E97C18AFF}" destId="{0F1A15A5-F009-4E2D-A146-5167853892D9}" srcOrd="3" destOrd="0" presId="urn:microsoft.com/office/officeart/2005/8/layout/hierarchy2"/>
+    <dgm:cxn modelId="{FB513A2F-4F65-4533-AD09-DAB4F93C72DE}" type="presParOf" srcId="{26F838D1-66AD-4EC9-90A6-1C1E97C18AFF}" destId="{0F1A15A5-F009-4E2D-A146-5167853892D9}" srcOrd="1" destOrd="0" presId="urn:microsoft.com/office/officeart/2005/8/layout/hierarchy2"/>
     <dgm:cxn modelId="{57BD16D3-B45F-4C5B-94AC-98CE54CBB23C}" type="presParOf" srcId="{0F1A15A5-F009-4E2D-A146-5167853892D9}" destId="{103791C9-8469-491B-96AF-D6FABCFF0997}" srcOrd="0" destOrd="0" presId="urn:microsoft.com/office/officeart/2005/8/layout/hierarchy2"/>
     <dgm:cxn modelId="{EC955EEB-6DA2-453C-B74A-7A7BFE390C04}" type="presParOf" srcId="{0F1A15A5-F009-4E2D-A146-5167853892D9}" destId="{2253E77B-16C4-4E5E-9038-655736C61ACA}" srcOrd="1" destOrd="0" presId="urn:microsoft.com/office/officeart/2005/8/layout/hierarchy2"/>
     <dgm:cxn modelId="{3C669481-F25B-41FD-A936-DC6A6023516D}" type="presParOf" srcId="{2253E77B-16C4-4E5E-9038-655736C61ACA}" destId="{253A9353-D51D-4340-9A0B-0B803298AA5F}" srcOrd="0" destOrd="0" presId="urn:microsoft.com/office/officeart/2005/8/layout/hierarchy2"/>
@@ -6546,9 +6677,9 @@
     <dgm:cxn modelId="{447263D2-A06A-4A94-BEF3-BEB2170775D6}" type="presParOf" srcId="{2253E77B-16C4-4E5E-9038-655736C61ACA}" destId="{862F63D0-5126-4210-A00A-F854E4EFB6D8}" srcOrd="1" destOrd="0" presId="urn:microsoft.com/office/officeart/2005/8/layout/hierarchy2"/>
     <dgm:cxn modelId="{AA767B3D-5BA8-4D5D-B5A6-225CD9F59869}" type="presParOf" srcId="{862F63D0-5126-4210-A00A-F854E4EFB6D8}" destId="{13D4FB75-0685-4A82-94FD-A244C8E613D4}" srcOrd="0" destOrd="0" presId="urn:microsoft.com/office/officeart/2005/8/layout/hierarchy2"/>
     <dgm:cxn modelId="{EB9B97D2-82C3-4184-A72F-DBD302AFAE77}" type="presParOf" srcId="{862F63D0-5126-4210-A00A-F854E4EFB6D8}" destId="{1B0D70C7-7437-4203-825B-E03B641CBD46}" srcOrd="1" destOrd="0" presId="urn:microsoft.com/office/officeart/2005/8/layout/hierarchy2"/>
-    <dgm:cxn modelId="{60199F55-0580-4ACC-A386-FAF673DC4A55}" type="presParOf" srcId="{26F838D1-66AD-4EC9-90A6-1C1E97C18AFF}" destId="{212B2C79-9789-418A-930F-FFDE49B7E48D}" srcOrd="4" destOrd="0" presId="urn:microsoft.com/office/officeart/2005/8/layout/hierarchy2"/>
+    <dgm:cxn modelId="{60199F55-0580-4ACC-A386-FAF673DC4A55}" type="presParOf" srcId="{26F838D1-66AD-4EC9-90A6-1C1E97C18AFF}" destId="{212B2C79-9789-418A-930F-FFDE49B7E48D}" srcOrd="2" destOrd="0" presId="urn:microsoft.com/office/officeart/2005/8/layout/hierarchy2"/>
     <dgm:cxn modelId="{FB851384-9661-4EFD-A682-6B74C8634DE5}" type="presParOf" srcId="{212B2C79-9789-418A-930F-FFDE49B7E48D}" destId="{DEE655FD-1628-4DB1-96D4-7FCE90E5C127}" srcOrd="0" destOrd="0" presId="urn:microsoft.com/office/officeart/2005/8/layout/hierarchy2"/>
-    <dgm:cxn modelId="{6CF4FFB6-6A18-4E70-8530-42E06153993E}" type="presParOf" srcId="{26F838D1-66AD-4EC9-90A6-1C1E97C18AFF}" destId="{07874708-EE43-4086-A906-E4E72267201B}" srcOrd="5" destOrd="0" presId="urn:microsoft.com/office/officeart/2005/8/layout/hierarchy2"/>
+    <dgm:cxn modelId="{6CF4FFB6-6A18-4E70-8530-42E06153993E}" type="presParOf" srcId="{26F838D1-66AD-4EC9-90A6-1C1E97C18AFF}" destId="{07874708-EE43-4086-A906-E4E72267201B}" srcOrd="3" destOrd="0" presId="urn:microsoft.com/office/officeart/2005/8/layout/hierarchy2"/>
     <dgm:cxn modelId="{EB802B0B-E662-4E43-B54F-00D6B08E5106}" type="presParOf" srcId="{07874708-EE43-4086-A906-E4E72267201B}" destId="{286A7A12-60D4-47CD-B68D-EF171A423C08}" srcOrd="0" destOrd="0" presId="urn:microsoft.com/office/officeart/2005/8/layout/hierarchy2"/>
     <dgm:cxn modelId="{7DD53247-2D34-4233-AA50-28866127D059}" type="presParOf" srcId="{07874708-EE43-4086-A906-E4E72267201B}" destId="{8536487C-39E9-49B3-92A9-654D102FFC7F}" srcOrd="1" destOrd="0" presId="urn:microsoft.com/office/officeart/2005/8/layout/hierarchy2"/>
     <dgm:cxn modelId="{7212DE13-2800-4642-BD7C-384089A5F6C0}" type="presParOf" srcId="{8536487C-39E9-49B3-92A9-654D102FFC7F}" destId="{C188F7D5-2228-4D2A-BF64-C8ACD1FEA7E1}" srcOrd="0" destOrd="0" presId="urn:microsoft.com/office/officeart/2005/8/layout/hierarchy2"/>
@@ -6556,14 +6687,19 @@
     <dgm:cxn modelId="{242BF5BC-D77F-4113-A6BF-84E677A9A03C}" type="presParOf" srcId="{8536487C-39E9-49B3-92A9-654D102FFC7F}" destId="{FA37ADEC-4003-46FF-8C31-0D7AAABFBADB}" srcOrd="1" destOrd="0" presId="urn:microsoft.com/office/officeart/2005/8/layout/hierarchy2"/>
     <dgm:cxn modelId="{5B3BEEB4-AEBA-410D-9904-1A79458BD6F6}" type="presParOf" srcId="{FA37ADEC-4003-46FF-8C31-0D7AAABFBADB}" destId="{6554C34C-9C59-4839-8491-2852BEC1AD45}" srcOrd="0" destOrd="0" presId="urn:microsoft.com/office/officeart/2005/8/layout/hierarchy2"/>
     <dgm:cxn modelId="{31ED9B64-DACA-4B4F-A2E2-1094B34E21A5}" type="presParOf" srcId="{FA37ADEC-4003-46FF-8C31-0D7AAABFBADB}" destId="{0C36053D-03DF-4653-BD02-AF47BFD5D90B}" srcOrd="1" destOrd="0" presId="urn:microsoft.com/office/officeart/2005/8/layout/hierarchy2"/>
-    <dgm:cxn modelId="{3B8341C6-78F2-4260-B1AF-201E37A7F7D1}" type="presParOf" srcId="{26F838D1-66AD-4EC9-90A6-1C1E97C18AFF}" destId="{C96E9C04-FBD1-4772-B263-2B3C0EF6A4AA}" srcOrd="6" destOrd="0" presId="urn:microsoft.com/office/officeart/2005/8/layout/hierarchy2"/>
+    <dgm:cxn modelId="{3B8341C6-78F2-4260-B1AF-201E37A7F7D1}" type="presParOf" srcId="{26F838D1-66AD-4EC9-90A6-1C1E97C18AFF}" destId="{C96E9C04-FBD1-4772-B263-2B3C0EF6A4AA}" srcOrd="4" destOrd="0" presId="urn:microsoft.com/office/officeart/2005/8/layout/hierarchy2"/>
     <dgm:cxn modelId="{F6A2FEC4-B664-4400-B226-6DA75697CB68}" type="presParOf" srcId="{C96E9C04-FBD1-4772-B263-2B3C0EF6A4AA}" destId="{7F1E5779-795E-4D86-B65E-5D561EA238D1}" srcOrd="0" destOrd="0" presId="urn:microsoft.com/office/officeart/2005/8/layout/hierarchy2"/>
-    <dgm:cxn modelId="{3DEBF594-6BE2-43AC-8C24-2A727AA9159F}" type="presParOf" srcId="{26F838D1-66AD-4EC9-90A6-1C1E97C18AFF}" destId="{D7D826FF-00F0-44AE-8807-4D8B1D18D86C}" srcOrd="7" destOrd="0" presId="urn:microsoft.com/office/officeart/2005/8/layout/hierarchy2"/>
+    <dgm:cxn modelId="{3DEBF594-6BE2-43AC-8C24-2A727AA9159F}" type="presParOf" srcId="{26F838D1-66AD-4EC9-90A6-1C1E97C18AFF}" destId="{D7D826FF-00F0-44AE-8807-4D8B1D18D86C}" srcOrd="5" destOrd="0" presId="urn:microsoft.com/office/officeart/2005/8/layout/hierarchy2"/>
     <dgm:cxn modelId="{91BDD576-AB41-4E07-8B59-687A665CBE35}" type="presParOf" srcId="{D7D826FF-00F0-44AE-8807-4D8B1D18D86C}" destId="{F9C3364A-13C5-47BA-8BB7-3B25E1C916C9}" srcOrd="0" destOrd="0" presId="urn:microsoft.com/office/officeart/2005/8/layout/hierarchy2"/>
     <dgm:cxn modelId="{0BF1C255-7C18-43F4-BD80-35D4EC693090}" type="presParOf" srcId="{D7D826FF-00F0-44AE-8807-4D8B1D18D86C}" destId="{1864E60F-18FF-44DC-96C0-E3747B9E346A}" srcOrd="1" destOrd="0" presId="urn:microsoft.com/office/officeart/2005/8/layout/hierarchy2"/>
-    <dgm:cxn modelId="{EE0A92D2-56BB-4C59-A40B-4E970C4E8EA9}" type="presParOf" srcId="{26F838D1-66AD-4EC9-90A6-1C1E97C18AFF}" destId="{473DA149-B01E-4717-BDE3-8F55F87B4FD3}" srcOrd="8" destOrd="0" presId="urn:microsoft.com/office/officeart/2005/8/layout/hierarchy2"/>
+    <dgm:cxn modelId="{991D880A-B8CC-4F3B-AC55-5FAF7518B118}" type="presParOf" srcId="{1864E60F-18FF-44DC-96C0-E3747B9E346A}" destId="{6EE51342-6B2F-49FD-845F-807CC8F8A458}" srcOrd="0" destOrd="0" presId="urn:microsoft.com/office/officeart/2005/8/layout/hierarchy2"/>
+    <dgm:cxn modelId="{7894FFDC-BA13-43C5-A75C-287FCF9AD5C2}" type="presParOf" srcId="{6EE51342-6B2F-49FD-845F-807CC8F8A458}" destId="{06A15DF9-3259-467D-9FBE-99896C85623A}" srcOrd="0" destOrd="0" presId="urn:microsoft.com/office/officeart/2005/8/layout/hierarchy2"/>
+    <dgm:cxn modelId="{A93AF983-EC89-4A5F-AEC5-0B5CC094CDFC}" type="presParOf" srcId="{1864E60F-18FF-44DC-96C0-E3747B9E346A}" destId="{8D63D4E8-D93E-4951-A3EA-DB8A5830CCA8}" srcOrd="1" destOrd="0" presId="urn:microsoft.com/office/officeart/2005/8/layout/hierarchy2"/>
+    <dgm:cxn modelId="{5FA1DD85-10C5-4C5D-BB09-A10573CB99D2}" type="presParOf" srcId="{8D63D4E8-D93E-4951-A3EA-DB8A5830CCA8}" destId="{6F3CA879-904C-4DE6-B433-E7E9F6F6B9F2}" srcOrd="0" destOrd="0" presId="urn:microsoft.com/office/officeart/2005/8/layout/hierarchy2"/>
+    <dgm:cxn modelId="{1DE9C110-FB8D-4756-AF8E-289002D19793}" type="presParOf" srcId="{8D63D4E8-D93E-4951-A3EA-DB8A5830CCA8}" destId="{6B39F011-196A-41A4-B81F-9C15D28D4A99}" srcOrd="1" destOrd="0" presId="urn:microsoft.com/office/officeart/2005/8/layout/hierarchy2"/>
+    <dgm:cxn modelId="{EE0A92D2-56BB-4C59-A40B-4E970C4E8EA9}" type="presParOf" srcId="{26F838D1-66AD-4EC9-90A6-1C1E97C18AFF}" destId="{473DA149-B01E-4717-BDE3-8F55F87B4FD3}" srcOrd="6" destOrd="0" presId="urn:microsoft.com/office/officeart/2005/8/layout/hierarchy2"/>
     <dgm:cxn modelId="{BC23C806-0A01-48C6-82C3-761D70067C5E}" type="presParOf" srcId="{473DA149-B01E-4717-BDE3-8F55F87B4FD3}" destId="{4D8A560A-FD74-4761-86EF-5EB8B6C5B349}" srcOrd="0" destOrd="0" presId="urn:microsoft.com/office/officeart/2005/8/layout/hierarchy2"/>
-    <dgm:cxn modelId="{169201F7-A36F-40B7-A55B-04A172BCEBAC}" type="presParOf" srcId="{26F838D1-66AD-4EC9-90A6-1C1E97C18AFF}" destId="{0B97766E-230A-4A74-A7A4-8843BEFF5184}" srcOrd="9" destOrd="0" presId="urn:microsoft.com/office/officeart/2005/8/layout/hierarchy2"/>
+    <dgm:cxn modelId="{169201F7-A36F-40B7-A55B-04A172BCEBAC}" type="presParOf" srcId="{26F838D1-66AD-4EC9-90A6-1C1E97C18AFF}" destId="{0B97766E-230A-4A74-A7A4-8843BEFF5184}" srcOrd="7" destOrd="0" presId="urn:microsoft.com/office/officeart/2005/8/layout/hierarchy2"/>
     <dgm:cxn modelId="{CA20B0A0-9219-4637-849C-F92519B83413}" type="presParOf" srcId="{0B97766E-230A-4A74-A7A4-8843BEFF5184}" destId="{E3EBCE22-10C3-4D1B-B660-1DC78E3C499C}" srcOrd="0" destOrd="0" presId="urn:microsoft.com/office/officeart/2005/8/layout/hierarchy2"/>
     <dgm:cxn modelId="{CA611D4F-BAB5-4535-8D93-376C9526764B}" type="presParOf" srcId="{0B97766E-230A-4A74-A7A4-8843BEFF5184}" destId="{B8A58B79-0668-47A3-BE22-BA0DA428806E}" srcOrd="1" destOrd="0" presId="urn:microsoft.com/office/officeart/2005/8/layout/hierarchy2"/>
     <dgm:cxn modelId="{C5F5D318-FF42-4483-A01F-1B1DD5CEEE78}" type="presParOf" srcId="{B8A58B79-0668-47A3-BE22-BA0DA428806E}" destId="{0FF4B651-60BC-45A9-9B32-7B1023775CDB}" srcOrd="0" destOrd="0" presId="urn:microsoft.com/office/officeart/2005/8/layout/hierarchy2"/>
@@ -6601,9 +6737,9 @@
     <dgm:cxn modelId="{CF623978-4EDC-4118-BC22-5EB50FA38F79}" type="presParOf" srcId="{B8A58B79-0668-47A3-BE22-BA0DA428806E}" destId="{3D765DFF-A128-4AB2-9026-51A6A26D6C8B}" srcOrd="13" destOrd="0" presId="urn:microsoft.com/office/officeart/2005/8/layout/hierarchy2"/>
     <dgm:cxn modelId="{8887A401-01C8-46E1-82CF-5F16E97058CC}" type="presParOf" srcId="{3D765DFF-A128-4AB2-9026-51A6A26D6C8B}" destId="{607D34BA-412C-4B85-BA67-89E2C4841B21}" srcOrd="0" destOrd="0" presId="urn:microsoft.com/office/officeart/2005/8/layout/hierarchy2"/>
     <dgm:cxn modelId="{653AC9E5-0C0F-403B-9F64-0F7EBC0EC7B7}" type="presParOf" srcId="{3D765DFF-A128-4AB2-9026-51A6A26D6C8B}" destId="{EC5134A5-DCAB-4F20-A9EA-25A4F493BE4B}" srcOrd="1" destOrd="0" presId="urn:microsoft.com/office/officeart/2005/8/layout/hierarchy2"/>
-    <dgm:cxn modelId="{7CEF2AB3-1F5D-47B9-A5C5-8843F565E8F9}" type="presParOf" srcId="{26F838D1-66AD-4EC9-90A6-1C1E97C18AFF}" destId="{39C5E0B3-CFED-4E56-BF4D-C6EC42B08CA4}" srcOrd="10" destOrd="0" presId="urn:microsoft.com/office/officeart/2005/8/layout/hierarchy2"/>
+    <dgm:cxn modelId="{7CEF2AB3-1F5D-47B9-A5C5-8843F565E8F9}" type="presParOf" srcId="{26F838D1-66AD-4EC9-90A6-1C1E97C18AFF}" destId="{39C5E0B3-CFED-4E56-BF4D-C6EC42B08CA4}" srcOrd="8" destOrd="0" presId="urn:microsoft.com/office/officeart/2005/8/layout/hierarchy2"/>
     <dgm:cxn modelId="{EA19FB83-F69E-44FC-858C-35575C426584}" type="presParOf" srcId="{39C5E0B3-CFED-4E56-BF4D-C6EC42B08CA4}" destId="{FD09A0BE-E95A-4649-B900-A8B38B7CCAB8}" srcOrd="0" destOrd="0" presId="urn:microsoft.com/office/officeart/2005/8/layout/hierarchy2"/>
-    <dgm:cxn modelId="{12BB889D-886E-4AD8-9A48-4F3493080FDF}" type="presParOf" srcId="{26F838D1-66AD-4EC9-90A6-1C1E97C18AFF}" destId="{06AC1189-6527-4370-B783-783522F2F41E}" srcOrd="11" destOrd="0" presId="urn:microsoft.com/office/officeart/2005/8/layout/hierarchy2"/>
+    <dgm:cxn modelId="{12BB889D-886E-4AD8-9A48-4F3493080FDF}" type="presParOf" srcId="{26F838D1-66AD-4EC9-90A6-1C1E97C18AFF}" destId="{06AC1189-6527-4370-B783-783522F2F41E}" srcOrd="9" destOrd="0" presId="urn:microsoft.com/office/officeart/2005/8/layout/hierarchy2"/>
     <dgm:cxn modelId="{2BD356E9-9F11-49FD-969A-0B8166763F79}" type="presParOf" srcId="{06AC1189-6527-4370-B783-783522F2F41E}" destId="{271F4EE3-041A-417E-86AA-2A20E744A409}" srcOrd="0" destOrd="0" presId="urn:microsoft.com/office/officeart/2005/8/layout/hierarchy2"/>
     <dgm:cxn modelId="{4B93A177-5F4D-426A-8ACF-22A709AF37A3}" type="presParOf" srcId="{06AC1189-6527-4370-B783-783522F2F41E}" destId="{5C0C5B71-57E7-4CBF-B73C-96D733A221A7}" srcOrd="1" destOrd="0" presId="urn:microsoft.com/office/officeart/2005/8/layout/hierarchy2"/>
     <dgm:cxn modelId="{E6FCE549-3F88-4CDA-9FC1-9F7C1629AD5C}" type="presParOf" srcId="{5C0C5B71-57E7-4CBF-B73C-96D733A221A7}" destId="{EA4EB2B3-90DD-478B-AE18-AD42BA736822}" srcOrd="0" destOrd="0" presId="urn:microsoft.com/office/officeart/2005/8/layout/hierarchy2"/>
@@ -6611,34 +6747,44 @@
     <dgm:cxn modelId="{E2752C55-691D-48D1-8D76-91256DECA370}" type="presParOf" srcId="{5C0C5B71-57E7-4CBF-B73C-96D733A221A7}" destId="{4E4D9232-03B9-40DB-8F7D-BFA2D7572DB6}" srcOrd="1" destOrd="0" presId="urn:microsoft.com/office/officeart/2005/8/layout/hierarchy2"/>
     <dgm:cxn modelId="{DD29C9B0-2E71-4856-8E18-C53E7C548803}" type="presParOf" srcId="{4E4D9232-03B9-40DB-8F7D-BFA2D7572DB6}" destId="{AC7753CB-F883-40B6-BB5C-BA83E92BC55E}" srcOrd="0" destOrd="0" presId="urn:microsoft.com/office/officeart/2005/8/layout/hierarchy2"/>
     <dgm:cxn modelId="{FA14D557-6C45-4814-BE5F-23F69391EFA2}" type="presParOf" srcId="{4E4D9232-03B9-40DB-8F7D-BFA2D7572DB6}" destId="{77092C33-8E82-4DF5-B963-27150B6CC364}" srcOrd="1" destOrd="0" presId="urn:microsoft.com/office/officeart/2005/8/layout/hierarchy2"/>
-    <dgm:cxn modelId="{9AEF880A-5BD6-446F-8F49-C62A5A3A4395}" type="presParOf" srcId="{26F838D1-66AD-4EC9-90A6-1C1E97C18AFF}" destId="{12C9D8AB-E7E2-44A0-B4FC-AC98A3C782E3}" srcOrd="12" destOrd="0" presId="urn:microsoft.com/office/officeart/2005/8/layout/hierarchy2"/>
+    <dgm:cxn modelId="{9AEF880A-5BD6-446F-8F49-C62A5A3A4395}" type="presParOf" srcId="{26F838D1-66AD-4EC9-90A6-1C1E97C18AFF}" destId="{12C9D8AB-E7E2-44A0-B4FC-AC98A3C782E3}" srcOrd="10" destOrd="0" presId="urn:microsoft.com/office/officeart/2005/8/layout/hierarchy2"/>
     <dgm:cxn modelId="{E07CB553-9AEF-40F6-84D0-DB5667E9660C}" type="presParOf" srcId="{12C9D8AB-E7E2-44A0-B4FC-AC98A3C782E3}" destId="{DF0001CD-E36D-4A2D-BF6D-7BD168840136}" srcOrd="0" destOrd="0" presId="urn:microsoft.com/office/officeart/2005/8/layout/hierarchy2"/>
-    <dgm:cxn modelId="{90A9FFF3-D42D-48E8-B587-0C63E9A26608}" type="presParOf" srcId="{26F838D1-66AD-4EC9-90A6-1C1E97C18AFF}" destId="{BD939958-14CB-4D5D-8DC6-48432645EC79}" srcOrd="13" destOrd="0" presId="urn:microsoft.com/office/officeart/2005/8/layout/hierarchy2"/>
+    <dgm:cxn modelId="{90A9FFF3-D42D-48E8-B587-0C63E9A26608}" type="presParOf" srcId="{26F838D1-66AD-4EC9-90A6-1C1E97C18AFF}" destId="{BD939958-14CB-4D5D-8DC6-48432645EC79}" srcOrd="11" destOrd="0" presId="urn:microsoft.com/office/officeart/2005/8/layout/hierarchy2"/>
     <dgm:cxn modelId="{04E782AE-3AD7-4C5A-9C95-0D125B3A9A52}" type="presParOf" srcId="{BD939958-14CB-4D5D-8DC6-48432645EC79}" destId="{3BF63452-3BF2-4545-8737-A1D5D56D0AE2}" srcOrd="0" destOrd="0" presId="urn:microsoft.com/office/officeart/2005/8/layout/hierarchy2"/>
     <dgm:cxn modelId="{29C8F2A2-17F3-490B-A659-F6529C41B1BF}" type="presParOf" srcId="{BD939958-14CB-4D5D-8DC6-48432645EC79}" destId="{A35C2FCF-6B65-4965-B2B4-3C417B796487}" srcOrd="1" destOrd="0" presId="urn:microsoft.com/office/officeart/2005/8/layout/hierarchy2"/>
-    <dgm:cxn modelId="{44378052-A8A2-426B-B3D6-2D06F52E48D9}" type="presParOf" srcId="{A35C2FCF-6B65-4965-B2B4-3C417B796487}" destId="{5F03EFED-E26A-463D-AB17-10FDA3A40EDF}" srcOrd="0" destOrd="0" presId="urn:microsoft.com/office/officeart/2005/8/layout/hierarchy2"/>
-    <dgm:cxn modelId="{0768C72E-8619-48C6-A44C-FE1B5C7C3432}" type="presParOf" srcId="{5F03EFED-E26A-463D-AB17-10FDA3A40EDF}" destId="{24E595D0-FB9E-4FF5-AB08-9E1C975D41DD}" srcOrd="0" destOrd="0" presId="urn:microsoft.com/office/officeart/2005/8/layout/hierarchy2"/>
-    <dgm:cxn modelId="{BACC1C3A-5477-4C8F-BF37-45B18F5939A8}" type="presParOf" srcId="{A35C2FCF-6B65-4965-B2B4-3C417B796487}" destId="{0D032A24-AD1D-4724-8835-CB5BB370434D}" srcOrd="1" destOrd="0" presId="urn:microsoft.com/office/officeart/2005/8/layout/hierarchy2"/>
-    <dgm:cxn modelId="{B69993B2-A9B8-464D-AF72-A70679D88541}" type="presParOf" srcId="{0D032A24-AD1D-4724-8835-CB5BB370434D}" destId="{44E3D230-76F9-44B0-A1FF-4EE7B7AF9309}" srcOrd="0" destOrd="0" presId="urn:microsoft.com/office/officeart/2005/8/layout/hierarchy2"/>
-    <dgm:cxn modelId="{333F26B2-4D21-4968-8C87-CEE373D279C5}" type="presParOf" srcId="{0D032A24-AD1D-4724-8835-CB5BB370434D}" destId="{DA7D842F-7B12-4375-BA9F-BC12EBEAAAB5}" srcOrd="1" destOrd="0" presId="urn:microsoft.com/office/officeart/2005/8/layout/hierarchy2"/>
-    <dgm:cxn modelId="{1085B58F-B350-4D7C-861C-1117F8CB3BAA}" type="presParOf" srcId="{DA7D842F-7B12-4375-BA9F-BC12EBEAAAB5}" destId="{0FEA2678-CA15-40EC-97F4-BD4307BF2C62}" srcOrd="0" destOrd="0" presId="urn:microsoft.com/office/officeart/2005/8/layout/hierarchy2"/>
-    <dgm:cxn modelId="{440FCD03-3AE2-470A-9820-2CCC01987F5E}" type="presParOf" srcId="{0FEA2678-CA15-40EC-97F4-BD4307BF2C62}" destId="{62EE0031-6C01-48D4-901C-617B43EEBFFD}" srcOrd="0" destOrd="0" presId="urn:microsoft.com/office/officeart/2005/8/layout/hierarchy2"/>
-    <dgm:cxn modelId="{187B8C13-DE1E-4160-A27F-E1EBD5E49597}" type="presParOf" srcId="{DA7D842F-7B12-4375-BA9F-BC12EBEAAAB5}" destId="{CEB5D94F-156A-4933-9CBA-AC0FFA60607F}" srcOrd="1" destOrd="0" presId="urn:microsoft.com/office/officeart/2005/8/layout/hierarchy2"/>
-    <dgm:cxn modelId="{64B15096-FE55-4FA9-8E6A-39B40547569E}" type="presParOf" srcId="{CEB5D94F-156A-4933-9CBA-AC0FFA60607F}" destId="{29234D45-6B12-405A-BB41-0B6B325EDB82}" srcOrd="0" destOrd="0" presId="urn:microsoft.com/office/officeart/2005/8/layout/hierarchy2"/>
-    <dgm:cxn modelId="{CFD96E59-7375-4F0B-BACD-5998EA5D4806}" type="presParOf" srcId="{CEB5D94F-156A-4933-9CBA-AC0FFA60607F}" destId="{A8096E32-2CB2-4EE8-B2C3-E5D2C1513F60}" srcOrd="1" destOrd="0" presId="urn:microsoft.com/office/officeart/2005/8/layout/hierarchy2"/>
-    <dgm:cxn modelId="{28368E5E-50B5-45A1-837C-FF4D58BEE01D}" type="presParOf" srcId="{DA7D842F-7B12-4375-BA9F-BC12EBEAAAB5}" destId="{F3D8227B-C481-4F68-B984-041A513F0F2F}" srcOrd="2" destOrd="0" presId="urn:microsoft.com/office/officeart/2005/8/layout/hierarchy2"/>
-    <dgm:cxn modelId="{6947E8E4-1922-41BF-B190-B23665AE1BDA}" type="presParOf" srcId="{F3D8227B-C481-4F68-B984-041A513F0F2F}" destId="{90C51F80-0C58-46F3-92F0-0154754F351F}" srcOrd="0" destOrd="0" presId="urn:microsoft.com/office/officeart/2005/8/layout/hierarchy2"/>
-    <dgm:cxn modelId="{02C47F81-A24F-4BB6-9ECD-E84318C5E0AB}" type="presParOf" srcId="{DA7D842F-7B12-4375-BA9F-BC12EBEAAAB5}" destId="{545519F1-43C8-48AF-A011-6ECAB2251705}" srcOrd="3" destOrd="0" presId="urn:microsoft.com/office/officeart/2005/8/layout/hierarchy2"/>
-    <dgm:cxn modelId="{C9A3B458-BC3D-474C-9AE8-91580E77A96E}" type="presParOf" srcId="{545519F1-43C8-48AF-A011-6ECAB2251705}" destId="{036B2AA5-2558-47F2-9D9F-A4DFEC8AB0FD}" srcOrd="0" destOrd="0" presId="urn:microsoft.com/office/officeart/2005/8/layout/hierarchy2"/>
-    <dgm:cxn modelId="{0484CD9C-C67D-4D41-A5C8-5853E49C752A}" type="presParOf" srcId="{545519F1-43C8-48AF-A011-6ECAB2251705}" destId="{41F05790-D736-4596-B225-ABF3082365F4}" srcOrd="1" destOrd="0" presId="urn:microsoft.com/office/officeart/2005/8/layout/hierarchy2"/>
-    <dgm:cxn modelId="{5B1B35A3-9A5F-457F-8F28-BBFB8F7CF323}" type="presParOf" srcId="{26F838D1-66AD-4EC9-90A6-1C1E97C18AFF}" destId="{D8B2AAA4-E60A-4753-B86F-A44BEA1FA979}" srcOrd="14" destOrd="0" presId="urn:microsoft.com/office/officeart/2005/8/layout/hierarchy2"/>
+    <dgm:cxn modelId="{AE087FA2-DAB5-46FD-B671-7D66F676DC0B}" type="presParOf" srcId="{A35C2FCF-6B65-4965-B2B4-3C417B796487}" destId="{04134871-A1B2-42A3-8443-CF220BEEA626}" srcOrd="0" destOrd="0" presId="urn:microsoft.com/office/officeart/2005/8/layout/hierarchy2"/>
+    <dgm:cxn modelId="{DE53E9A2-A2CA-492B-ADE5-30278925EC7B}" type="presParOf" srcId="{04134871-A1B2-42A3-8443-CF220BEEA626}" destId="{9C583C3F-87FC-4C3D-A139-807944177114}" srcOrd="0" destOrd="0" presId="urn:microsoft.com/office/officeart/2005/8/layout/hierarchy2"/>
+    <dgm:cxn modelId="{2290EA80-085F-4801-84FA-9FBCD69D0891}" type="presParOf" srcId="{A35C2FCF-6B65-4965-B2B4-3C417B796487}" destId="{8F00526B-2979-4B3F-AFD3-121963C72ADD}" srcOrd="1" destOrd="0" presId="urn:microsoft.com/office/officeart/2005/8/layout/hierarchy2"/>
+    <dgm:cxn modelId="{07B63C44-9DA7-44E7-88B2-FF6D359C4EED}" type="presParOf" srcId="{8F00526B-2979-4B3F-AFD3-121963C72ADD}" destId="{8EB26111-75BB-4215-B97E-B22026021A64}" srcOrd="0" destOrd="0" presId="urn:microsoft.com/office/officeart/2005/8/layout/hierarchy2"/>
+    <dgm:cxn modelId="{B9EF25DF-72A7-47E7-800D-2E28577FDF5F}" type="presParOf" srcId="{8F00526B-2979-4B3F-AFD3-121963C72ADD}" destId="{EE8BF1A6-4A66-437B-A3A6-598AA67CF687}" srcOrd="1" destOrd="0" presId="urn:microsoft.com/office/officeart/2005/8/layout/hierarchy2"/>
+    <dgm:cxn modelId="{4DE53CF1-4B35-4FA8-8EEB-56174E3FC47C}" type="presParOf" srcId="{A35C2FCF-6B65-4965-B2B4-3C417B796487}" destId="{5F03EFED-E26A-463D-AB17-10FDA3A40EDF}" srcOrd="2" destOrd="0" presId="urn:microsoft.com/office/officeart/2005/8/layout/hierarchy2"/>
+    <dgm:cxn modelId="{0FD87052-3561-468E-B9A6-4AD295DDC757}" type="presParOf" srcId="{5F03EFED-E26A-463D-AB17-10FDA3A40EDF}" destId="{24E595D0-FB9E-4FF5-AB08-9E1C975D41DD}" srcOrd="0" destOrd="0" presId="urn:microsoft.com/office/officeart/2005/8/layout/hierarchy2"/>
+    <dgm:cxn modelId="{A5701337-46C9-46BD-BD5E-A608F131AA87}" type="presParOf" srcId="{A35C2FCF-6B65-4965-B2B4-3C417B796487}" destId="{0D032A24-AD1D-4724-8835-CB5BB370434D}" srcOrd="3" destOrd="0" presId="urn:microsoft.com/office/officeart/2005/8/layout/hierarchy2"/>
+    <dgm:cxn modelId="{99348404-90A0-4499-B920-35E3CCDAFFCD}" type="presParOf" srcId="{0D032A24-AD1D-4724-8835-CB5BB370434D}" destId="{44E3D230-76F9-44B0-A1FF-4EE7B7AF9309}" srcOrd="0" destOrd="0" presId="urn:microsoft.com/office/officeart/2005/8/layout/hierarchy2"/>
+    <dgm:cxn modelId="{F8592636-8B51-4CDF-8DDC-6A98EB498885}" type="presParOf" srcId="{0D032A24-AD1D-4724-8835-CB5BB370434D}" destId="{DA7D842F-7B12-4375-BA9F-BC12EBEAAAB5}" srcOrd="1" destOrd="0" presId="urn:microsoft.com/office/officeart/2005/8/layout/hierarchy2"/>
+    <dgm:cxn modelId="{E5964435-17CC-4286-ADA2-ED07765DF765}" type="presParOf" srcId="{DA7D842F-7B12-4375-BA9F-BC12EBEAAAB5}" destId="{0FEA2678-CA15-40EC-97F4-BD4307BF2C62}" srcOrd="0" destOrd="0" presId="urn:microsoft.com/office/officeart/2005/8/layout/hierarchy2"/>
+    <dgm:cxn modelId="{1A14B307-2D01-4FE3-B93A-0BFDE4329D46}" type="presParOf" srcId="{0FEA2678-CA15-40EC-97F4-BD4307BF2C62}" destId="{62EE0031-6C01-48D4-901C-617B43EEBFFD}" srcOrd="0" destOrd="0" presId="urn:microsoft.com/office/officeart/2005/8/layout/hierarchy2"/>
+    <dgm:cxn modelId="{0F09D22C-7920-4702-B288-8F0F17DA32B2}" type="presParOf" srcId="{DA7D842F-7B12-4375-BA9F-BC12EBEAAAB5}" destId="{CEB5D94F-156A-4933-9CBA-AC0FFA60607F}" srcOrd="1" destOrd="0" presId="urn:microsoft.com/office/officeart/2005/8/layout/hierarchy2"/>
+    <dgm:cxn modelId="{F80D1B3D-5F76-41B5-9139-0D0D9F294F48}" type="presParOf" srcId="{CEB5D94F-156A-4933-9CBA-AC0FFA60607F}" destId="{29234D45-6B12-405A-BB41-0B6B325EDB82}" srcOrd="0" destOrd="0" presId="urn:microsoft.com/office/officeart/2005/8/layout/hierarchy2"/>
+    <dgm:cxn modelId="{10E3459B-7432-43DA-AB73-1C934F67683D}" type="presParOf" srcId="{CEB5D94F-156A-4933-9CBA-AC0FFA60607F}" destId="{A8096E32-2CB2-4EE8-B2C3-E5D2C1513F60}" srcOrd="1" destOrd="0" presId="urn:microsoft.com/office/officeart/2005/8/layout/hierarchy2"/>
+    <dgm:cxn modelId="{C30C04DD-4616-4E85-9350-CA1AEB8F8139}" type="presParOf" srcId="{DA7D842F-7B12-4375-BA9F-BC12EBEAAAB5}" destId="{F3D8227B-C481-4F68-B984-041A513F0F2F}" srcOrd="2" destOrd="0" presId="urn:microsoft.com/office/officeart/2005/8/layout/hierarchy2"/>
+    <dgm:cxn modelId="{1E378503-D95A-42C5-A408-557BE2F4DA1B}" type="presParOf" srcId="{F3D8227B-C481-4F68-B984-041A513F0F2F}" destId="{90C51F80-0C58-46F3-92F0-0154754F351F}" srcOrd="0" destOrd="0" presId="urn:microsoft.com/office/officeart/2005/8/layout/hierarchy2"/>
+    <dgm:cxn modelId="{729D21D9-E1AC-4C84-A53F-0512998B4E95}" type="presParOf" srcId="{DA7D842F-7B12-4375-BA9F-BC12EBEAAAB5}" destId="{545519F1-43C8-48AF-A011-6ECAB2251705}" srcOrd="3" destOrd="0" presId="urn:microsoft.com/office/officeart/2005/8/layout/hierarchy2"/>
+    <dgm:cxn modelId="{0CDA19AB-34D7-413A-BC6E-050A90640D4A}" type="presParOf" srcId="{545519F1-43C8-48AF-A011-6ECAB2251705}" destId="{036B2AA5-2558-47F2-9D9F-A4DFEC8AB0FD}" srcOrd="0" destOrd="0" presId="urn:microsoft.com/office/officeart/2005/8/layout/hierarchy2"/>
+    <dgm:cxn modelId="{50B02E04-463B-408F-B5A5-29DE2CF803F6}" type="presParOf" srcId="{545519F1-43C8-48AF-A011-6ECAB2251705}" destId="{41F05790-D736-4596-B225-ABF3082365F4}" srcOrd="1" destOrd="0" presId="urn:microsoft.com/office/officeart/2005/8/layout/hierarchy2"/>
+    <dgm:cxn modelId="{5B1B35A3-9A5F-457F-8F28-BBFB8F7CF323}" type="presParOf" srcId="{26F838D1-66AD-4EC9-90A6-1C1E97C18AFF}" destId="{D8B2AAA4-E60A-4753-B86F-A44BEA1FA979}" srcOrd="12" destOrd="0" presId="urn:microsoft.com/office/officeart/2005/8/layout/hierarchy2"/>
     <dgm:cxn modelId="{892B6461-1410-451E-AB69-BBD4F74B4E75}" type="presParOf" srcId="{D8B2AAA4-E60A-4753-B86F-A44BEA1FA979}" destId="{F31A25FE-BE86-486C-8D07-460ABEC21614}" srcOrd="0" destOrd="0" presId="urn:microsoft.com/office/officeart/2005/8/layout/hierarchy2"/>
-    <dgm:cxn modelId="{0EEE449B-8DF1-411C-B19B-0AEA0A58C479}" type="presParOf" srcId="{26F838D1-66AD-4EC9-90A6-1C1E97C18AFF}" destId="{732C2A9C-6182-442E-AEAC-08D3E259EA4E}" srcOrd="15" destOrd="0" presId="urn:microsoft.com/office/officeart/2005/8/layout/hierarchy2"/>
+    <dgm:cxn modelId="{0EEE449B-8DF1-411C-B19B-0AEA0A58C479}" type="presParOf" srcId="{26F838D1-66AD-4EC9-90A6-1C1E97C18AFF}" destId="{732C2A9C-6182-442E-AEAC-08D3E259EA4E}" srcOrd="13" destOrd="0" presId="urn:microsoft.com/office/officeart/2005/8/layout/hierarchy2"/>
     <dgm:cxn modelId="{1F0D0130-5904-4C66-BC6E-BEA81224AB85}" type="presParOf" srcId="{732C2A9C-6182-442E-AEAC-08D3E259EA4E}" destId="{AFEA1595-814A-4ABA-8FAA-8F8A3E1384F4}" srcOrd="0" destOrd="0" presId="urn:microsoft.com/office/officeart/2005/8/layout/hierarchy2"/>
     <dgm:cxn modelId="{C721201A-2661-4A3F-AF2C-E9C9972190EA}" type="presParOf" srcId="{732C2A9C-6182-442E-AEAC-08D3E259EA4E}" destId="{314532B6-CFB2-441D-A538-A395D691C620}" srcOrd="1" destOrd="0" presId="urn:microsoft.com/office/officeart/2005/8/layout/hierarchy2"/>
-    <dgm:cxn modelId="{590FA271-5D61-4403-8A1D-6A67490A7FB4}" type="presParOf" srcId="{26F838D1-66AD-4EC9-90A6-1C1E97C18AFF}" destId="{378662CD-6F88-47B9-B6B9-69841423B909}" srcOrd="16" destOrd="0" presId="urn:microsoft.com/office/officeart/2005/8/layout/hierarchy2"/>
+    <dgm:cxn modelId="{1781CC6E-1C0F-4457-8F96-0790E81BEEE2}" type="presParOf" srcId="{314532B6-CFB2-441D-A538-A395D691C620}" destId="{5C3958C2-CEAE-44B8-A983-FBED675CF183}" srcOrd="0" destOrd="0" presId="urn:microsoft.com/office/officeart/2005/8/layout/hierarchy2"/>
+    <dgm:cxn modelId="{658C2E03-5C01-467B-B51B-86EA5059BBBF}" type="presParOf" srcId="{5C3958C2-CEAE-44B8-A983-FBED675CF183}" destId="{A27B6839-EBDE-45D3-9B9A-4872758F60A8}" srcOrd="0" destOrd="0" presId="urn:microsoft.com/office/officeart/2005/8/layout/hierarchy2"/>
+    <dgm:cxn modelId="{5BC57249-3848-4A1E-86B7-58D97D9E9585}" type="presParOf" srcId="{314532B6-CFB2-441D-A538-A395D691C620}" destId="{90086A88-E3C0-4574-8BDF-F089F2CDA036}" srcOrd="1" destOrd="0" presId="urn:microsoft.com/office/officeart/2005/8/layout/hierarchy2"/>
+    <dgm:cxn modelId="{FCAF16DD-F4A0-41E5-B79B-EC55EF5681F5}" type="presParOf" srcId="{90086A88-E3C0-4574-8BDF-F089F2CDA036}" destId="{62FFF28E-24FB-4030-BBD3-AB45098C2924}" srcOrd="0" destOrd="0" presId="urn:microsoft.com/office/officeart/2005/8/layout/hierarchy2"/>
+    <dgm:cxn modelId="{FD63D6BC-A2DA-4976-8821-7AD1A3DDB492}" type="presParOf" srcId="{90086A88-E3C0-4574-8BDF-F089F2CDA036}" destId="{60623B16-5137-45AA-8410-26403A90E21E}" srcOrd="1" destOrd="0" presId="urn:microsoft.com/office/officeart/2005/8/layout/hierarchy2"/>
+    <dgm:cxn modelId="{590FA271-5D61-4403-8A1D-6A67490A7FB4}" type="presParOf" srcId="{26F838D1-66AD-4EC9-90A6-1C1E97C18AFF}" destId="{378662CD-6F88-47B9-B6B9-69841423B909}" srcOrd="14" destOrd="0" presId="urn:microsoft.com/office/officeart/2005/8/layout/hierarchy2"/>
     <dgm:cxn modelId="{09970C1E-214E-493D-A8CF-62F13D42798B}" type="presParOf" srcId="{378662CD-6F88-47B9-B6B9-69841423B909}" destId="{2DC71E7E-A9AC-4280-9C27-72E8AC8F1854}" srcOrd="0" destOrd="0" presId="urn:microsoft.com/office/officeart/2005/8/layout/hierarchy2"/>
-    <dgm:cxn modelId="{136C7C0B-EE2B-4C35-A80B-252EE44BFA5B}" type="presParOf" srcId="{26F838D1-66AD-4EC9-90A6-1C1E97C18AFF}" destId="{24C01610-04BB-4345-811E-E3EBC681AD73}" srcOrd="17" destOrd="0" presId="urn:microsoft.com/office/officeart/2005/8/layout/hierarchy2"/>
+    <dgm:cxn modelId="{136C7C0B-EE2B-4C35-A80B-252EE44BFA5B}" type="presParOf" srcId="{26F838D1-66AD-4EC9-90A6-1C1E97C18AFF}" destId="{24C01610-04BB-4345-811E-E3EBC681AD73}" srcOrd="15" destOrd="0" presId="urn:microsoft.com/office/officeart/2005/8/layout/hierarchy2"/>
     <dgm:cxn modelId="{0CE7FB77-1C3D-4ECF-A155-8EF971666E67}" type="presParOf" srcId="{24C01610-04BB-4345-811E-E3EBC681AD73}" destId="{B06B5877-B8A7-47D8-9D2A-18EC02EC0CCC}" srcOrd="0" destOrd="0" presId="urn:microsoft.com/office/officeart/2005/8/layout/hierarchy2"/>
     <dgm:cxn modelId="{0B714364-BA23-4A44-9B8B-95F036C7D6AD}" type="presParOf" srcId="{24C01610-04BB-4345-811E-E3EBC681AD73}" destId="{D5ECACFF-CA09-42A7-836B-315BF674C053}" srcOrd="1" destOrd="0" presId="urn:microsoft.com/office/officeart/2005/8/layout/hierarchy2"/>
     <dgm:cxn modelId="{30C92EC7-B827-4BCE-BD3D-0276D77E3A4F}" type="presParOf" srcId="{D5ECACFF-CA09-42A7-836B-315BF674C053}" destId="{25FC7CE5-32D4-4442-A335-F18D74AF384E}" srcOrd="0" destOrd="0" presId="urn:microsoft.com/office/officeart/2005/8/layout/hierarchy2"/>
@@ -6651,9 +6797,9 @@
     <dgm:cxn modelId="{60E6991C-65E0-44ED-A83F-20B26C91E513}" type="presParOf" srcId="{D5ECACFF-CA09-42A7-836B-315BF674C053}" destId="{B655F929-124A-4E9F-AAE6-A41E04976092}" srcOrd="3" destOrd="0" presId="urn:microsoft.com/office/officeart/2005/8/layout/hierarchy2"/>
     <dgm:cxn modelId="{465D51CA-A659-44E6-BCE9-BE71BBA7C851}" type="presParOf" srcId="{B655F929-124A-4E9F-AAE6-A41E04976092}" destId="{11E28B73-CFAD-4BBB-A008-CC1F386AEDE6}" srcOrd="0" destOrd="0" presId="urn:microsoft.com/office/officeart/2005/8/layout/hierarchy2"/>
     <dgm:cxn modelId="{059E357E-A199-48D2-AE19-6802E28A7EBE}" type="presParOf" srcId="{B655F929-124A-4E9F-AAE6-A41E04976092}" destId="{263F1317-EE95-4F0B-86D3-9EE342B74C3C}" srcOrd="1" destOrd="0" presId="urn:microsoft.com/office/officeart/2005/8/layout/hierarchy2"/>
-    <dgm:cxn modelId="{3B056FF2-3FD9-495D-9C42-D170AE99B39A}" type="presParOf" srcId="{26F838D1-66AD-4EC9-90A6-1C1E97C18AFF}" destId="{91611C84-6F69-442A-BE8E-E60883D3992E}" srcOrd="18" destOrd="0" presId="urn:microsoft.com/office/officeart/2005/8/layout/hierarchy2"/>
+    <dgm:cxn modelId="{3B056FF2-3FD9-495D-9C42-D170AE99B39A}" type="presParOf" srcId="{26F838D1-66AD-4EC9-90A6-1C1E97C18AFF}" destId="{91611C84-6F69-442A-BE8E-E60883D3992E}" srcOrd="16" destOrd="0" presId="urn:microsoft.com/office/officeart/2005/8/layout/hierarchy2"/>
     <dgm:cxn modelId="{94D6EA25-D0CF-4576-A173-CE27D4F409B2}" type="presParOf" srcId="{91611C84-6F69-442A-BE8E-E60883D3992E}" destId="{09E3F154-2A4A-4683-AA87-420DDFBC0657}" srcOrd="0" destOrd="0" presId="urn:microsoft.com/office/officeart/2005/8/layout/hierarchy2"/>
-    <dgm:cxn modelId="{98D11C66-54AD-4476-BF1C-2CA56C6F518A}" type="presParOf" srcId="{26F838D1-66AD-4EC9-90A6-1C1E97C18AFF}" destId="{1B68F77B-268B-454C-9170-C1D50A8C851F}" srcOrd="19" destOrd="0" presId="urn:microsoft.com/office/officeart/2005/8/layout/hierarchy2"/>
+    <dgm:cxn modelId="{98D11C66-54AD-4476-BF1C-2CA56C6F518A}" type="presParOf" srcId="{26F838D1-66AD-4EC9-90A6-1C1E97C18AFF}" destId="{1B68F77B-268B-454C-9170-C1D50A8C851F}" srcOrd="17" destOrd="0" presId="urn:microsoft.com/office/officeart/2005/8/layout/hierarchy2"/>
     <dgm:cxn modelId="{44CF7D26-176C-4A24-AD48-0B818F38B55C}" type="presParOf" srcId="{1B68F77B-268B-454C-9170-C1D50A8C851F}" destId="{5368879E-2E80-4E68-922A-4CB5D72144A4}" srcOrd="0" destOrd="0" presId="urn:microsoft.com/office/officeart/2005/8/layout/hierarchy2"/>
     <dgm:cxn modelId="{737828E9-D899-48B1-8765-EAD96CBB3C8A}" type="presParOf" srcId="{1B68F77B-268B-454C-9170-C1D50A8C851F}" destId="{6B979742-8847-4FD4-997E-598280239DB5}" srcOrd="1" destOrd="0" presId="urn:microsoft.com/office/officeart/2005/8/layout/hierarchy2"/>
     <dgm:cxn modelId="{8FC1A22E-50F0-4F3B-B538-24B1C1A4711D}" type="presParOf" srcId="{6B979742-8847-4FD4-997E-598280239DB5}" destId="{32E9F333-8720-4DA1-8B72-444466DB6531}" srcOrd="0" destOrd="0" presId="urn:microsoft.com/office/officeart/2005/8/layout/hierarchy2"/>
@@ -9251,8 +9397,8 @@
       </dsp:nvSpPr>
       <dsp:spPr>
         <a:xfrm>
-          <a:off x="7753317" y="5458438"/>
-          <a:ext cx="1186160" cy="593080"/>
+          <a:off x="7915837" y="5492036"/>
+          <a:ext cx="1123652" cy="561826"/>
         </a:xfrm>
         <a:prstGeom prst="roundRect">
           <a:avLst>
@@ -9296,12 +9442,12 @@
         </a:fontRef>
       </dsp:style>
       <dsp:txBody>
-        <a:bodyPr spcFirstLastPara="0" vert="horz" wrap="square" lIns="5080" tIns="5080" rIns="5080" bIns="5080" numCol="1" spcCol="1270" anchor="ctr" anchorCtr="0">
+        <a:bodyPr spcFirstLastPara="0" vert="horz" wrap="square" lIns="4445" tIns="4445" rIns="4445" bIns="4445" numCol="1" spcCol="1270" anchor="ctr" anchorCtr="0">
           <a:noAutofit/>
         </a:bodyPr>
         <a:lstStyle/>
         <a:p>
-          <a:pPr marL="0" lvl="0" indent="0" algn="ctr" defTabSz="355600">
+          <a:pPr marL="0" lvl="0" indent="0" algn="ctr" defTabSz="311150">
             <a:lnSpc>
               <a:spcPct val="90000"/>
             </a:lnSpc>
@@ -9314,25 +9460,25 @@
             <a:buNone/>
           </a:pPr>
           <a:r>
-            <a:rPr lang="en-PH" sz="800" i="0" u="none" kern="1200" dirty="0"/>
+            <a:rPr lang="en-PH" sz="700" i="0" u="none" kern="1200" dirty="0"/>
             <a:t>GET: /</a:t>
           </a:r>
         </a:p>
       </dsp:txBody>
       <dsp:txXfrm>
-        <a:off x="7770688" y="5475809"/>
-        <a:ext cx="1151418" cy="558338"/>
+        <a:off x="7932292" y="5508491"/>
+        <a:ext cx="1090742" cy="528916"/>
       </dsp:txXfrm>
     </dsp:sp>
-    <dsp:sp modelId="{6C10326B-21D1-4C26-9233-3BC7699D8FAF}">
+    <dsp:sp modelId="{27067C7C-FC86-4E67-9183-95EE3B98A204}">
       <dsp:nvSpPr>
         <dsp:cNvPr id="0" name=""/>
         <dsp:cNvSpPr/>
       </dsp:nvSpPr>
       <dsp:spPr>
-        <a:xfrm rot="16498184">
-          <a:off x="6438245" y="3022432"/>
-          <a:ext cx="5476926" cy="8756"/>
+        <a:xfrm rot="16480724">
+          <a:off x="6509114" y="3022877"/>
+          <a:ext cx="5510212" cy="8294"/>
         </a:xfrm>
         <a:custGeom>
           <a:avLst/>
@@ -9343,10 +9489,10 @@
           <a:pathLst>
             <a:path>
               <a:moveTo>
-                <a:pt x="0" y="4378"/>
+                <a:pt x="0" y="4147"/>
               </a:moveTo>
               <a:lnTo>
-                <a:pt x="5476926" y="4378"/>
+                <a:pt x="5510212" y="4147"/>
               </a:lnTo>
             </a:path>
           </a:pathLst>
@@ -9401,19 +9547,19 @@
         </a:p>
       </dsp:txBody>
       <dsp:txXfrm>
-        <a:off x="9039786" y="2889887"/>
-        <a:ext cx="273846" cy="273846"/>
+        <a:off x="9126464" y="2889269"/>
+        <a:ext cx="275510" cy="275510"/>
       </dsp:txXfrm>
     </dsp:sp>
-    <dsp:sp modelId="{D7DA86D3-ABEF-4E87-A432-FADC0ECC9688}">
+    <dsp:sp modelId="{103791C9-8469-491B-96AF-D6FABCFF0997}">
       <dsp:nvSpPr>
         <dsp:cNvPr id="0" name=""/>
         <dsp:cNvSpPr/>
       </dsp:nvSpPr>
       <dsp:spPr>
         <a:xfrm>
-          <a:off x="9413941" y="2102"/>
-          <a:ext cx="1186160" cy="593080"/>
+          <a:off x="9488950" y="186"/>
+          <a:ext cx="1123652" cy="561826"/>
         </a:xfrm>
         <a:prstGeom prst="roundRect">
           <a:avLst>
@@ -9457,12 +9603,12 @@
         </a:fontRef>
       </dsp:style>
       <dsp:txBody>
-        <a:bodyPr spcFirstLastPara="0" vert="horz" wrap="square" lIns="5080" tIns="5080" rIns="5080" bIns="5080" numCol="1" spcCol="1270" anchor="ctr" anchorCtr="0">
+        <a:bodyPr spcFirstLastPara="0" vert="horz" wrap="square" lIns="4445" tIns="4445" rIns="4445" bIns="4445" numCol="1" spcCol="1270" anchor="ctr" anchorCtr="0">
           <a:noAutofit/>
         </a:bodyPr>
         <a:lstStyle/>
         <a:p>
-          <a:pPr marL="0" lvl="0" indent="0" algn="ctr" defTabSz="355600">
+          <a:pPr marL="0" lvl="0" indent="0" algn="ctr" defTabSz="311150">
             <a:lnSpc>
               <a:spcPct val="90000"/>
             </a:lnSpc>
@@ -9475,25 +9621,25 @@
             <a:buNone/>
           </a:pPr>
           <a:r>
-            <a:rPr lang="en-PH" sz="800" i="0" u="none" kern="1200" dirty="0"/>
-            <a:t>GET: /search</a:t>
+            <a:rPr lang="en-PH" sz="700" i="0" u="none" kern="1200" dirty="0"/>
+            <a:t>GET: /login</a:t>
           </a:r>
         </a:p>
       </dsp:txBody>
       <dsp:txXfrm>
-        <a:off x="9431312" y="19473"/>
-        <a:ext cx="1151418" cy="558338"/>
+        <a:off x="9505405" y="16641"/>
+        <a:ext cx="1090742" cy="528916"/>
       </dsp:txXfrm>
     </dsp:sp>
-    <dsp:sp modelId="{27067C7C-FC86-4E67-9183-95EE3B98A204}">
+    <dsp:sp modelId="{253A9353-D51D-4340-9A0B-0B803298AA5F}">
       <dsp:nvSpPr>
         <dsp:cNvPr id="0" name=""/>
         <dsp:cNvSpPr/>
       </dsp:nvSpPr>
       <dsp:spPr>
-        <a:xfrm rot="16540521">
-          <a:off x="6777803" y="3363453"/>
-          <a:ext cx="4797812" cy="8756"/>
+        <a:xfrm>
+          <a:off x="10612603" y="276951"/>
+          <a:ext cx="449460" cy="8294"/>
         </a:xfrm>
         <a:custGeom>
           <a:avLst/>
@@ -9504,10 +9650,10 @@
           <a:pathLst>
             <a:path>
               <a:moveTo>
-                <a:pt x="0" y="4378"/>
+                <a:pt x="0" y="4147"/>
               </a:moveTo>
               <a:lnTo>
-                <a:pt x="4797812" y="4378"/>
+                <a:pt x="449460" y="4147"/>
               </a:lnTo>
             </a:path>
           </a:pathLst>
@@ -9516,7 +9662,7 @@
         <a:ln w="12700" cap="flat" cmpd="sng" algn="ctr">
           <a:solidFill>
             <a:schemeClr val="accent1">
-              <a:shade val="60000"/>
+              <a:shade val="80000"/>
               <a:hueOff val="0"/>
               <a:satOff val="0"/>
               <a:lumOff val="0"/>
@@ -9546,7 +9692,7 @@
         </a:bodyPr>
         <a:lstStyle/>
         <a:p>
-          <a:pPr marL="0" lvl="0" indent="0" algn="ctr" defTabSz="266700">
+          <a:pPr marL="0" lvl="0" indent="0" algn="ctr" defTabSz="222250">
             <a:lnSpc>
               <a:spcPct val="90000"/>
             </a:lnSpc>
@@ -9558,23 +9704,23 @@
             </a:spcAft>
             <a:buNone/>
           </a:pPr>
-          <a:endParaRPr lang="en-PH" sz="600" kern="1200"/>
+          <a:endParaRPr lang="en-PH" sz="500" i="0" u="none" kern="1200"/>
         </a:p>
       </dsp:txBody>
       <dsp:txXfrm>
-        <a:off x="9056763" y="3247886"/>
-        <a:ext cx="239890" cy="239890"/>
+        <a:off x="10826096" y="269862"/>
+        <a:ext cx="22473" cy="22473"/>
       </dsp:txXfrm>
     </dsp:sp>
-    <dsp:sp modelId="{103791C9-8469-491B-96AF-D6FABCFF0997}">
+    <dsp:sp modelId="{13D4FB75-0685-4A82-94FD-A244C8E613D4}">
       <dsp:nvSpPr>
         <dsp:cNvPr id="0" name=""/>
         <dsp:cNvSpPr/>
       </dsp:nvSpPr>
       <dsp:spPr>
         <a:xfrm>
-          <a:off x="9413941" y="684144"/>
-          <a:ext cx="1186160" cy="593080"/>
+          <a:off x="11062063" y="186"/>
+          <a:ext cx="1123652" cy="561826"/>
         </a:xfrm>
         <a:prstGeom prst="roundRect">
           <a:avLst>
@@ -9618,12 +9764,12 @@
         </a:fontRef>
       </dsp:style>
       <dsp:txBody>
-        <a:bodyPr spcFirstLastPara="0" vert="horz" wrap="square" lIns="5080" tIns="5080" rIns="5080" bIns="5080" numCol="1" spcCol="1270" anchor="ctr" anchorCtr="0">
+        <a:bodyPr spcFirstLastPara="0" vert="horz" wrap="square" lIns="4445" tIns="4445" rIns="4445" bIns="4445" numCol="1" spcCol="1270" anchor="ctr" anchorCtr="0">
           <a:noAutofit/>
         </a:bodyPr>
         <a:lstStyle/>
         <a:p>
-          <a:pPr marL="0" lvl="0" indent="0" algn="ctr" defTabSz="355600">
+          <a:pPr marL="0" lvl="0" indent="0" algn="ctr" defTabSz="311150">
             <a:lnSpc>
               <a:spcPct val="90000"/>
             </a:lnSpc>
@@ -9636,25 +9782,25 @@
             <a:buNone/>
           </a:pPr>
           <a:r>
-            <a:rPr lang="en-PH" sz="800" i="0" u="none" kern="1200" dirty="0"/>
-            <a:t>GET: /login</a:t>
+            <a:rPr lang="en-PH" sz="700" i="0" u="none" kern="1200" dirty="0"/>
+            <a:t>POST: /login/in</a:t>
           </a:r>
         </a:p>
       </dsp:txBody>
       <dsp:txXfrm>
-        <a:off x="9431312" y="701515"/>
-        <a:ext cx="1151418" cy="558338"/>
+        <a:off x="11078518" y="16641"/>
+        <a:ext cx="1090742" cy="528916"/>
       </dsp:txXfrm>
     </dsp:sp>
-    <dsp:sp modelId="{253A9353-D51D-4340-9A0B-0B803298AA5F}">
+    <dsp:sp modelId="{212B2C79-9789-418A-930F-FFDE49B7E48D}">
       <dsp:nvSpPr>
         <dsp:cNvPr id="0" name=""/>
         <dsp:cNvSpPr/>
       </dsp:nvSpPr>
       <dsp:spPr>
-        <a:xfrm>
-          <a:off x="10600101" y="976306"/>
-          <a:ext cx="474464" cy="8756"/>
+        <a:xfrm rot="16517954">
+          <a:off x="6830944" y="3345927"/>
+          <a:ext cx="4866550" cy="8294"/>
         </a:xfrm>
         <a:custGeom>
           <a:avLst/>
@@ -9665,10 +9811,10 @@
           <a:pathLst>
             <a:path>
               <a:moveTo>
-                <a:pt x="0" y="4378"/>
+                <a:pt x="0" y="4147"/>
               </a:moveTo>
               <a:lnTo>
-                <a:pt x="474464" y="4378"/>
+                <a:pt x="4866550" y="4147"/>
               </a:lnTo>
             </a:path>
           </a:pathLst>
@@ -9677,7 +9823,7 @@
         <a:ln w="12700" cap="flat" cmpd="sng" algn="ctr">
           <a:solidFill>
             <a:schemeClr val="accent1">
-              <a:shade val="80000"/>
+              <a:shade val="60000"/>
               <a:hueOff val="0"/>
               <a:satOff val="0"/>
               <a:lumOff val="0"/>
@@ -9707,7 +9853,7 @@
         </a:bodyPr>
         <a:lstStyle/>
         <a:p>
-          <a:pPr marL="0" lvl="0" indent="0" algn="ctr" defTabSz="222250">
+          <a:pPr marL="0" lvl="0" indent="0" algn="ctr" defTabSz="266700">
             <a:lnSpc>
               <a:spcPct val="90000"/>
             </a:lnSpc>
@@ -9719,23 +9865,23 @@
             </a:spcAft>
             <a:buNone/>
           </a:pPr>
-          <a:endParaRPr lang="en-PH" sz="500" i="0" u="none" kern="1200"/>
+          <a:endParaRPr lang="en-PH" sz="600" i="0" u="none" kern="1200"/>
         </a:p>
       </dsp:txBody>
       <dsp:txXfrm>
-        <a:off x="10825471" y="968822"/>
-        <a:ext cx="23723" cy="23723"/>
+        <a:off x="9142556" y="3228410"/>
+        <a:ext cx="243327" cy="243327"/>
       </dsp:txXfrm>
     </dsp:sp>
-    <dsp:sp modelId="{13D4FB75-0685-4A82-94FD-A244C8E613D4}">
+    <dsp:sp modelId="{286A7A12-60D4-47CD-B68D-EF171A423C08}">
       <dsp:nvSpPr>
         <dsp:cNvPr id="0" name=""/>
         <dsp:cNvSpPr/>
       </dsp:nvSpPr>
       <dsp:spPr>
         <a:xfrm>
-          <a:off x="11074565" y="684144"/>
-          <a:ext cx="1186160" cy="593080"/>
+          <a:off x="9488950" y="646286"/>
+          <a:ext cx="1123652" cy="561826"/>
         </a:xfrm>
         <a:prstGeom prst="roundRect">
           <a:avLst>
@@ -9779,12 +9925,12 @@
         </a:fontRef>
       </dsp:style>
       <dsp:txBody>
-        <a:bodyPr spcFirstLastPara="0" vert="horz" wrap="square" lIns="5080" tIns="5080" rIns="5080" bIns="5080" numCol="1" spcCol="1270" anchor="ctr" anchorCtr="0">
+        <a:bodyPr spcFirstLastPara="0" vert="horz" wrap="square" lIns="4445" tIns="4445" rIns="4445" bIns="4445" numCol="1" spcCol="1270" anchor="ctr" anchorCtr="0">
           <a:noAutofit/>
         </a:bodyPr>
         <a:lstStyle/>
         <a:p>
-          <a:pPr marL="0" lvl="0" indent="0" algn="ctr" defTabSz="355600">
+          <a:pPr marL="0" lvl="0" indent="0" algn="ctr" defTabSz="311150">
             <a:lnSpc>
               <a:spcPct val="90000"/>
             </a:lnSpc>
@@ -9797,25 +9943,25 @@
             <a:buNone/>
           </a:pPr>
           <a:r>
-            <a:rPr lang="en-PH" sz="800" i="0" u="none" kern="1200" dirty="0"/>
-            <a:t>POST: /login/in</a:t>
+            <a:rPr lang="en-PH" sz="700" i="0" u="none" kern="1200" dirty="0"/>
+            <a:t>GET: /logout</a:t>
           </a:r>
         </a:p>
       </dsp:txBody>
       <dsp:txXfrm>
-        <a:off x="11091936" y="701515"/>
-        <a:ext cx="1151418" cy="558338"/>
+        <a:off x="9505405" y="662741"/>
+        <a:ext cx="1090742" cy="528916"/>
       </dsp:txXfrm>
     </dsp:sp>
-    <dsp:sp modelId="{212B2C79-9789-418A-930F-FFDE49B7E48D}">
+    <dsp:sp modelId="{C188F7D5-2228-4D2A-BF64-C8ACD1FEA7E1}">
       <dsp:nvSpPr>
         <dsp:cNvPr id="0" name=""/>
         <dsp:cNvSpPr/>
       </dsp:nvSpPr>
       <dsp:spPr>
-        <a:xfrm rot="16596808">
-          <a:off x="7116876" y="3704474"/>
-          <a:ext cx="4119665" cy="8756"/>
+        <a:xfrm>
+          <a:off x="10612603" y="923051"/>
+          <a:ext cx="449460" cy="8294"/>
         </a:xfrm>
         <a:custGeom>
           <a:avLst/>
@@ -9826,10 +9972,10 @@
           <a:pathLst>
             <a:path>
               <a:moveTo>
-                <a:pt x="0" y="4378"/>
+                <a:pt x="0" y="4147"/>
               </a:moveTo>
               <a:lnTo>
-                <a:pt x="4119665" y="4378"/>
+                <a:pt x="449460" y="4147"/>
               </a:lnTo>
             </a:path>
           </a:pathLst>
@@ -9838,7 +9984,7 @@
         <a:ln w="12700" cap="flat" cmpd="sng" algn="ctr">
           <a:solidFill>
             <a:schemeClr val="accent1">
-              <a:shade val="60000"/>
+              <a:shade val="80000"/>
               <a:hueOff val="0"/>
               <a:satOff val="0"/>
               <a:lumOff val="0"/>
@@ -9868,7 +10014,7 @@
         </a:bodyPr>
         <a:lstStyle/>
         <a:p>
-          <a:pPr marL="0" lvl="0" indent="0" algn="ctr" defTabSz="266700">
+          <a:pPr marL="0" lvl="0" indent="0" algn="ctr" defTabSz="222250">
             <a:lnSpc>
               <a:spcPct val="90000"/>
             </a:lnSpc>
@@ -9880,23 +10026,23 @@
             </a:spcAft>
             <a:buNone/>
           </a:pPr>
-          <a:endParaRPr lang="en-PH" sz="600" i="0" u="none" kern="1200"/>
+          <a:endParaRPr lang="en-PH" sz="500" i="0" u="none" kern="1200"/>
         </a:p>
       </dsp:txBody>
       <dsp:txXfrm>
-        <a:off x="9073717" y="3605861"/>
-        <a:ext cx="205983" cy="205983"/>
+        <a:off x="10826096" y="915962"/>
+        <a:ext cx="22473" cy="22473"/>
       </dsp:txXfrm>
     </dsp:sp>
-    <dsp:sp modelId="{286A7A12-60D4-47CD-B68D-EF171A423C08}">
+    <dsp:sp modelId="{6554C34C-9C59-4839-8491-2852BEC1AD45}">
       <dsp:nvSpPr>
         <dsp:cNvPr id="0" name=""/>
         <dsp:cNvSpPr/>
       </dsp:nvSpPr>
       <dsp:spPr>
         <a:xfrm>
-          <a:off x="9413941" y="1366186"/>
-          <a:ext cx="1186160" cy="593080"/>
+          <a:off x="11062063" y="646286"/>
+          <a:ext cx="1123652" cy="561826"/>
         </a:xfrm>
         <a:prstGeom prst="roundRect">
           <a:avLst>
@@ -9940,12 +10086,12 @@
         </a:fontRef>
       </dsp:style>
       <dsp:txBody>
-        <a:bodyPr spcFirstLastPara="0" vert="horz" wrap="square" lIns="5080" tIns="5080" rIns="5080" bIns="5080" numCol="1" spcCol="1270" anchor="ctr" anchorCtr="0">
+        <a:bodyPr spcFirstLastPara="0" vert="horz" wrap="square" lIns="4445" tIns="4445" rIns="4445" bIns="4445" numCol="1" spcCol="1270" anchor="ctr" anchorCtr="0">
           <a:noAutofit/>
         </a:bodyPr>
         <a:lstStyle/>
         <a:p>
-          <a:pPr marL="0" lvl="0" indent="0" algn="ctr" defTabSz="355600">
+          <a:pPr marL="0" lvl="0" indent="0" algn="ctr" defTabSz="311150">
             <a:lnSpc>
               <a:spcPct val="90000"/>
             </a:lnSpc>
@@ -9958,25 +10104,25 @@
             <a:buNone/>
           </a:pPr>
           <a:r>
-            <a:rPr lang="en-PH" sz="800" i="0" u="none" kern="1200" dirty="0"/>
-            <a:t>GET: /logout</a:t>
+            <a:rPr lang="en-PH" sz="700" i="0" u="none" kern="1200" dirty="0"/>
+            <a:t>POST: /logout/out</a:t>
           </a:r>
         </a:p>
       </dsp:txBody>
       <dsp:txXfrm>
-        <a:off x="9431312" y="1383557"/>
-        <a:ext cx="1151418" cy="558338"/>
+        <a:off x="11078518" y="662741"/>
+        <a:ext cx="1090742" cy="528916"/>
       </dsp:txXfrm>
     </dsp:sp>
-    <dsp:sp modelId="{C188F7D5-2228-4D2A-BF64-C8ACD1FEA7E1}">
+    <dsp:sp modelId="{C96E9C04-FBD1-4772-B263-2B3C0EF6A4AA}">
       <dsp:nvSpPr>
         <dsp:cNvPr id="0" name=""/>
         <dsp:cNvSpPr/>
       </dsp:nvSpPr>
       <dsp:spPr>
-        <a:xfrm>
-          <a:off x="10600101" y="1658348"/>
-          <a:ext cx="474464" cy="8756"/>
+        <a:xfrm rot="16566524">
+          <a:off x="7152403" y="3668977"/>
+          <a:ext cx="4223633" cy="8294"/>
         </a:xfrm>
         <a:custGeom>
           <a:avLst/>
@@ -9987,10 +10133,10 @@
           <a:pathLst>
             <a:path>
               <a:moveTo>
-                <a:pt x="0" y="4378"/>
+                <a:pt x="0" y="4147"/>
               </a:moveTo>
               <a:lnTo>
-                <a:pt x="474464" y="4378"/>
+                <a:pt x="4223633" y="4147"/>
               </a:lnTo>
             </a:path>
           </a:pathLst>
@@ -9999,7 +10145,7 @@
         <a:ln w="12700" cap="flat" cmpd="sng" algn="ctr">
           <a:solidFill>
             <a:schemeClr val="accent1">
-              <a:shade val="80000"/>
+              <a:shade val="60000"/>
               <a:hueOff val="0"/>
               <a:satOff val="0"/>
               <a:lumOff val="0"/>
@@ -10029,7 +10175,7 @@
         </a:bodyPr>
         <a:lstStyle/>
         <a:p>
-          <a:pPr marL="0" lvl="0" indent="0" algn="ctr" defTabSz="222250">
+          <a:pPr marL="0" lvl="0" indent="0" algn="ctr" defTabSz="266700">
             <a:lnSpc>
               <a:spcPct val="90000"/>
             </a:lnSpc>
@@ -10041,23 +10187,23 @@
             </a:spcAft>
             <a:buNone/>
           </a:pPr>
-          <a:endParaRPr lang="en-PH" sz="500" i="0" u="none" kern="1200"/>
+          <a:endParaRPr lang="en-PH" sz="600" i="0" u="none" kern="1200"/>
         </a:p>
       </dsp:txBody>
       <dsp:txXfrm>
-        <a:off x="10825471" y="1650864"/>
-        <a:ext cx="23723" cy="23723"/>
+        <a:off x="9158629" y="3567533"/>
+        <a:ext cx="211181" cy="211181"/>
       </dsp:txXfrm>
     </dsp:sp>
-    <dsp:sp modelId="{6554C34C-9C59-4839-8491-2852BEC1AD45}">
+    <dsp:sp modelId="{F9C3364A-13C5-47BA-8BB7-3B25E1C916C9}">
       <dsp:nvSpPr>
         <dsp:cNvPr id="0" name=""/>
         <dsp:cNvSpPr/>
       </dsp:nvSpPr>
       <dsp:spPr>
         <a:xfrm>
-          <a:off x="11074565" y="1366186"/>
-          <a:ext cx="1186160" cy="593080"/>
+          <a:off x="9488950" y="1292386"/>
+          <a:ext cx="1123652" cy="561826"/>
         </a:xfrm>
         <a:prstGeom prst="roundRect">
           <a:avLst>
@@ -10101,12 +10247,12 @@
         </a:fontRef>
       </dsp:style>
       <dsp:txBody>
-        <a:bodyPr spcFirstLastPara="0" vert="horz" wrap="square" lIns="5080" tIns="5080" rIns="5080" bIns="5080" numCol="1" spcCol="1270" anchor="ctr" anchorCtr="0">
+        <a:bodyPr spcFirstLastPara="0" vert="horz" wrap="square" lIns="4445" tIns="4445" rIns="4445" bIns="4445" numCol="1" spcCol="1270" anchor="ctr" anchorCtr="0">
           <a:noAutofit/>
         </a:bodyPr>
         <a:lstStyle/>
         <a:p>
-          <a:pPr marL="0" lvl="0" indent="0" algn="ctr" defTabSz="355600">
+          <a:pPr marL="0" lvl="0" indent="0" algn="ctr" defTabSz="311150">
             <a:lnSpc>
               <a:spcPct val="90000"/>
             </a:lnSpc>
@@ -10119,25 +10265,25 @@
             <a:buNone/>
           </a:pPr>
           <a:r>
-            <a:rPr lang="en-PH" sz="800" i="0" u="none" kern="1200" dirty="0"/>
-            <a:t>POST: /logout/out</a:t>
+            <a:rPr lang="en-PH" sz="700" i="0" u="none" kern="1200" dirty="0"/>
+            <a:t>GET: /home</a:t>
           </a:r>
         </a:p>
       </dsp:txBody>
       <dsp:txXfrm>
-        <a:off x="11091936" y="1383557"/>
-        <a:ext cx="1151418" cy="558338"/>
+        <a:off x="9505405" y="1308841"/>
+        <a:ext cx="1090742" cy="528916"/>
       </dsp:txXfrm>
     </dsp:sp>
-    <dsp:sp modelId="{C96E9C04-FBD1-4772-B263-2B3C0EF6A4AA}">
+    <dsp:sp modelId="{6EE51342-6B2F-49FD-845F-807CC8F8A458}">
       <dsp:nvSpPr>
         <dsp:cNvPr id="0" name=""/>
         <dsp:cNvSpPr/>
       </dsp:nvSpPr>
       <dsp:spPr>
-        <a:xfrm rot="16675244">
-          <a:off x="7455180" y="4045495"/>
-          <a:ext cx="3443058" cy="8756"/>
+        <a:xfrm>
+          <a:off x="10612603" y="1569151"/>
+          <a:ext cx="449460" cy="8294"/>
         </a:xfrm>
         <a:custGeom>
           <a:avLst/>
@@ -10148,10 +10294,10 @@
           <a:pathLst>
             <a:path>
               <a:moveTo>
-                <a:pt x="0" y="4378"/>
+                <a:pt x="0" y="4147"/>
               </a:moveTo>
               <a:lnTo>
-                <a:pt x="3443058" y="4378"/>
+                <a:pt x="449460" y="4147"/>
               </a:lnTo>
             </a:path>
           </a:pathLst>
@@ -10160,7 +10306,7 @@
         <a:ln w="12700" cap="flat" cmpd="sng" algn="ctr">
           <a:solidFill>
             <a:schemeClr val="accent1">
-              <a:shade val="60000"/>
+              <a:shade val="80000"/>
               <a:hueOff val="0"/>
               <a:satOff val="0"/>
               <a:lumOff val="0"/>
@@ -10190,7 +10336,7 @@
         </a:bodyPr>
         <a:lstStyle/>
         <a:p>
-          <a:pPr marL="0" lvl="0" indent="0" algn="ctr" defTabSz="266700">
+          <a:pPr marL="0" lvl="0" indent="0" algn="ctr" defTabSz="222250">
             <a:lnSpc>
               <a:spcPct val="90000"/>
             </a:lnSpc>
@@ -10202,23 +10348,23 @@
             </a:spcAft>
             <a:buNone/>
           </a:pPr>
-          <a:endParaRPr lang="en-PH" sz="600" i="0" u="none" kern="1200"/>
+          <a:endParaRPr lang="en-PH" sz="500" kern="1200"/>
         </a:p>
       </dsp:txBody>
       <dsp:txXfrm>
-        <a:off x="9090632" y="3963797"/>
-        <a:ext cx="172152" cy="172152"/>
+        <a:off x="10826096" y="1562062"/>
+        <a:ext cx="22473" cy="22473"/>
       </dsp:txXfrm>
     </dsp:sp>
-    <dsp:sp modelId="{F9C3364A-13C5-47BA-8BB7-3B25E1C916C9}">
+    <dsp:sp modelId="{6F3CA879-904C-4DE6-B433-E7E9F6F6B9F2}">
       <dsp:nvSpPr>
         <dsp:cNvPr id="0" name=""/>
         <dsp:cNvSpPr/>
       </dsp:nvSpPr>
       <dsp:spPr>
         <a:xfrm>
-          <a:off x="9413941" y="2048228"/>
-          <a:ext cx="1186160" cy="593080"/>
+          <a:off x="11062063" y="1292386"/>
+          <a:ext cx="1123652" cy="561826"/>
         </a:xfrm>
         <a:prstGeom prst="roundRect">
           <a:avLst>
@@ -10262,12 +10408,12 @@
         </a:fontRef>
       </dsp:style>
       <dsp:txBody>
-        <a:bodyPr spcFirstLastPara="0" vert="horz" wrap="square" lIns="5080" tIns="5080" rIns="5080" bIns="5080" numCol="1" spcCol="1270" anchor="ctr" anchorCtr="0">
+        <a:bodyPr spcFirstLastPara="0" vert="horz" wrap="square" lIns="4445" tIns="4445" rIns="4445" bIns="4445" numCol="1" spcCol="1270" anchor="ctr" anchorCtr="0">
           <a:noAutofit/>
         </a:bodyPr>
         <a:lstStyle/>
         <a:p>
-          <a:pPr marL="0" lvl="0" indent="0" algn="ctr" defTabSz="355600">
+          <a:pPr marL="0" lvl="0" indent="0" algn="ctr" defTabSz="311150">
             <a:lnSpc>
               <a:spcPct val="90000"/>
             </a:lnSpc>
@@ -10280,14 +10426,14 @@
             <a:buNone/>
           </a:pPr>
           <a:r>
-            <a:rPr lang="en-PH" sz="800" i="0" u="none" kern="1200" dirty="0"/>
-            <a:t>GET: /home</a:t>
+            <a:rPr lang="en-PH" sz="700" i="0" u="none" kern="1200" dirty="0"/>
+            <a:t>GET: /home/search</a:t>
           </a:r>
         </a:p>
       </dsp:txBody>
       <dsp:txXfrm>
-        <a:off x="9431312" y="2065599"/>
-        <a:ext cx="1151418" cy="558338"/>
+        <a:off x="11078518" y="1308841"/>
+        <a:ext cx="1090742" cy="528916"/>
       </dsp:txXfrm>
     </dsp:sp>
     <dsp:sp modelId="{473DA149-B01E-4717-BDE3-8F55F87B4FD3}">
@@ -10296,9 +10442,9 @@
         <dsp:cNvSpPr/>
       </dsp:nvSpPr>
       <dsp:spPr>
-        <a:xfrm rot="17350740">
-          <a:off x="8454587" y="5068558"/>
-          <a:ext cx="1444244" cy="8756"/>
+        <a:xfrm rot="17132988">
+          <a:off x="8425911" y="4961177"/>
+          <a:ext cx="1676618" cy="8294"/>
         </a:xfrm>
         <a:custGeom>
           <a:avLst/>
@@ -10309,10 +10455,10 @@
           <a:pathLst>
             <a:path>
               <a:moveTo>
-                <a:pt x="0" y="4378"/>
+                <a:pt x="0" y="4147"/>
               </a:moveTo>
               <a:lnTo>
-                <a:pt x="1444244" y="4378"/>
+                <a:pt x="1676618" y="4147"/>
               </a:lnTo>
             </a:path>
           </a:pathLst>
@@ -10351,7 +10497,7 @@
         </a:bodyPr>
         <a:lstStyle/>
         <a:p>
-          <a:pPr marL="0" lvl="0" indent="0" algn="ctr" defTabSz="222250">
+          <a:pPr marL="0" lvl="0" indent="0" algn="ctr" defTabSz="266700">
             <a:lnSpc>
               <a:spcPct val="90000"/>
             </a:lnSpc>
@@ -10363,12 +10509,12 @@
             </a:spcAft>
             <a:buNone/>
           </a:pPr>
-          <a:endParaRPr lang="en-PH" sz="500" kern="1200"/>
+          <a:endParaRPr lang="en-PH" sz="600" kern="1200"/>
         </a:p>
       </dsp:txBody>
       <dsp:txXfrm>
-        <a:off x="9140603" y="5036830"/>
-        <a:ext cx="72212" cy="72212"/>
+        <a:off x="9222304" y="4923409"/>
+        <a:ext cx="83830" cy="83830"/>
       </dsp:txXfrm>
     </dsp:sp>
     <dsp:sp modelId="{E3EBCE22-10C3-4D1B-B660-1DC78E3C499C}">
@@ -10378,8 +10524,8 @@
       </dsp:nvSpPr>
       <dsp:spPr>
         <a:xfrm>
-          <a:off x="9413941" y="4094354"/>
-          <a:ext cx="1186160" cy="593080"/>
+          <a:off x="9488950" y="3876786"/>
+          <a:ext cx="1123652" cy="561826"/>
         </a:xfrm>
         <a:prstGeom prst="roundRect">
           <a:avLst>
@@ -10423,12 +10569,12 @@
         </a:fontRef>
       </dsp:style>
       <dsp:txBody>
-        <a:bodyPr spcFirstLastPara="0" vert="horz" wrap="square" lIns="5080" tIns="5080" rIns="5080" bIns="5080" numCol="1" spcCol="1270" anchor="ctr" anchorCtr="0">
+        <a:bodyPr spcFirstLastPara="0" vert="horz" wrap="square" lIns="4445" tIns="4445" rIns="4445" bIns="4445" numCol="1" spcCol="1270" anchor="ctr" anchorCtr="0">
           <a:noAutofit/>
         </a:bodyPr>
         <a:lstStyle/>
         <a:p>
-          <a:pPr marL="0" lvl="0" indent="0" algn="ctr" defTabSz="355600">
+          <a:pPr marL="0" lvl="0" indent="0" algn="ctr" defTabSz="311150">
             <a:lnSpc>
               <a:spcPct val="90000"/>
             </a:lnSpc>
@@ -10441,22 +10587,22 @@
             <a:buNone/>
           </a:pPr>
           <a:r>
-            <a:rPr lang="en-PH" sz="800" i="0" u="none" kern="1200" dirty="0"/>
+            <a:rPr lang="en-PH" sz="700" i="0" u="none" kern="1200" dirty="0"/>
             <a:t>GET: /post/&lt;</a:t>
           </a:r>
           <a:r>
-            <a:rPr lang="en-PH" sz="800" i="0" u="none" kern="1200" dirty="0" err="1"/>
+            <a:rPr lang="en-PH" sz="700" i="0" u="none" kern="1200" dirty="0" err="1"/>
             <a:t>posthash</a:t>
           </a:r>
           <a:r>
-            <a:rPr lang="en-PH" sz="800" i="0" u="none" kern="1200" dirty="0"/>
+            <a:rPr lang="en-PH" sz="700" i="0" u="none" kern="1200" dirty="0"/>
             <a:t>&gt;</a:t>
           </a:r>
         </a:p>
       </dsp:txBody>
       <dsp:txXfrm>
-        <a:off x="9431312" y="4111725"/>
-        <a:ext cx="1151418" cy="558338"/>
+        <a:off x="9505405" y="3893241"/>
+        <a:ext cx="1090742" cy="528916"/>
       </dsp:txXfrm>
     </dsp:sp>
     <dsp:sp modelId="{0FF4B651-60BC-45A9-9B32-7B1023775CDB}">
@@ -10466,8 +10612,8 @@
       </dsp:nvSpPr>
       <dsp:spPr>
         <a:xfrm rot="16983315">
-          <a:off x="9787125" y="3363453"/>
-          <a:ext cx="2100416" cy="8756"/>
+          <a:off x="9842468" y="3184402"/>
+          <a:ext cx="1989729" cy="8294"/>
         </a:xfrm>
         <a:custGeom>
           <a:avLst/>
@@ -10478,10 +10624,10 @@
           <a:pathLst>
             <a:path>
               <a:moveTo>
-                <a:pt x="0" y="4378"/>
+                <a:pt x="0" y="4147"/>
               </a:moveTo>
               <a:lnTo>
-                <a:pt x="2100416" y="4378"/>
+                <a:pt x="1989729" y="4147"/>
               </a:lnTo>
             </a:path>
           </a:pathLst>
@@ -10536,8 +10682,8 @@
         </a:p>
       </dsp:txBody>
       <dsp:txXfrm>
-        <a:off x="10784823" y="3315321"/>
-        <a:ext cx="105020" cy="105020"/>
+        <a:off x="10787590" y="3138806"/>
+        <a:ext cx="99486" cy="99486"/>
       </dsp:txXfrm>
     </dsp:sp>
     <dsp:sp modelId="{37A89C3A-9A87-4C6E-A902-4A1633161A8E}">
@@ -10547,8 +10693,8 @@
       </dsp:nvSpPr>
       <dsp:spPr>
         <a:xfrm>
-          <a:off x="11074565" y="2048228"/>
-          <a:ext cx="1186160" cy="593080"/>
+          <a:off x="11062063" y="1938486"/>
+          <a:ext cx="1123652" cy="561826"/>
         </a:xfrm>
         <a:prstGeom prst="roundRect">
           <a:avLst>
@@ -10592,12 +10738,12 @@
         </a:fontRef>
       </dsp:style>
       <dsp:txBody>
-        <a:bodyPr spcFirstLastPara="0" vert="horz" wrap="square" lIns="5080" tIns="5080" rIns="5080" bIns="5080" numCol="1" spcCol="1270" anchor="ctr" anchorCtr="0">
+        <a:bodyPr spcFirstLastPara="0" vert="horz" wrap="square" lIns="4445" tIns="4445" rIns="4445" bIns="4445" numCol="1" spcCol="1270" anchor="ctr" anchorCtr="0">
           <a:noAutofit/>
         </a:bodyPr>
         <a:lstStyle/>
         <a:p>
-          <a:pPr marL="0" lvl="0" indent="0" algn="ctr" defTabSz="355600">
+          <a:pPr marL="0" lvl="0" indent="0" algn="ctr" defTabSz="311150">
             <a:lnSpc>
               <a:spcPct val="90000"/>
             </a:lnSpc>
@@ -10610,22 +10756,22 @@
             <a:buNone/>
           </a:pPr>
           <a:r>
-            <a:rPr lang="en-PH" sz="800" i="0" u="none" kern="1200" dirty="0"/>
+            <a:rPr lang="en-PH" sz="700" i="0" u="none" kern="1200" dirty="0"/>
             <a:t>POST: /post/&lt;</a:t>
           </a:r>
           <a:r>
-            <a:rPr lang="en-PH" sz="800" i="0" u="none" kern="1200" dirty="0" err="1"/>
+            <a:rPr lang="en-PH" sz="700" i="0" u="none" kern="1200" dirty="0" err="1"/>
             <a:t>posthash</a:t>
           </a:r>
           <a:r>
-            <a:rPr lang="en-PH" sz="800" i="0" u="none" kern="1200" dirty="0"/>
+            <a:rPr lang="en-PH" sz="700" i="0" u="none" kern="1200" dirty="0"/>
             <a:t>&gt;/edit</a:t>
           </a:r>
         </a:p>
       </dsp:txBody>
       <dsp:txXfrm>
-        <a:off x="11091936" y="2065599"/>
-        <a:ext cx="1151418" cy="558338"/>
+        <a:off x="11078518" y="1954941"/>
+        <a:ext cx="1090742" cy="528916"/>
       </dsp:txXfrm>
     </dsp:sp>
     <dsp:sp modelId="{7B78AD0B-0F14-4EB3-9761-C5899ADE071A}">
@@ -10635,8 +10781,8 @@
       </dsp:nvSpPr>
       <dsp:spPr>
         <a:xfrm rot="17350740">
-          <a:off x="10115211" y="3704474"/>
-          <a:ext cx="1444244" cy="8756"/>
+          <a:off x="10153265" y="3507452"/>
+          <a:ext cx="1368136" cy="8294"/>
         </a:xfrm>
         <a:custGeom>
           <a:avLst/>
@@ -10647,10 +10793,10 @@
           <a:pathLst>
             <a:path>
               <a:moveTo>
-                <a:pt x="0" y="4378"/>
+                <a:pt x="0" y="4147"/>
               </a:moveTo>
               <a:lnTo>
-                <a:pt x="1444244" y="4378"/>
+                <a:pt x="1368136" y="4147"/>
               </a:lnTo>
             </a:path>
           </a:pathLst>
@@ -10705,8 +10851,8 @@
         </a:p>
       </dsp:txBody>
       <dsp:txXfrm>
-        <a:off x="10801227" y="3672746"/>
-        <a:ext cx="72212" cy="72212"/>
+        <a:off x="10803130" y="3477396"/>
+        <a:ext cx="68406" cy="68406"/>
       </dsp:txXfrm>
     </dsp:sp>
     <dsp:sp modelId="{4059EFC5-DB18-4D53-9C14-CD82C7978762}">
@@ -10716,8 +10862,8 @@
       </dsp:nvSpPr>
       <dsp:spPr>
         <a:xfrm>
-          <a:off x="11074565" y="2730270"/>
-          <a:ext cx="1186160" cy="593080"/>
+          <a:off x="11062063" y="2584586"/>
+          <a:ext cx="1123652" cy="561826"/>
         </a:xfrm>
         <a:prstGeom prst="roundRect">
           <a:avLst>
@@ -10761,12 +10907,12 @@
         </a:fontRef>
       </dsp:style>
       <dsp:txBody>
-        <a:bodyPr spcFirstLastPara="0" vert="horz" wrap="square" lIns="5080" tIns="5080" rIns="5080" bIns="5080" numCol="1" spcCol="1270" anchor="ctr" anchorCtr="0">
+        <a:bodyPr spcFirstLastPara="0" vert="horz" wrap="square" lIns="4445" tIns="4445" rIns="4445" bIns="4445" numCol="1" spcCol="1270" anchor="ctr" anchorCtr="0">
           <a:noAutofit/>
         </a:bodyPr>
         <a:lstStyle/>
         <a:p>
-          <a:pPr marL="0" lvl="0" indent="0" algn="ctr" defTabSz="355600">
+          <a:pPr marL="0" lvl="0" indent="0" algn="ctr" defTabSz="311150">
             <a:lnSpc>
               <a:spcPct val="90000"/>
             </a:lnSpc>
@@ -10779,22 +10925,22 @@
             <a:buNone/>
           </a:pPr>
           <a:r>
-            <a:rPr lang="en-PH" sz="800" i="0" u="none" kern="1200" dirty="0"/>
+            <a:rPr lang="en-PH" sz="700" i="0" u="none" kern="1200" dirty="0"/>
             <a:t>PATCH: /post/&lt;</a:t>
           </a:r>
           <a:r>
-            <a:rPr lang="en-PH" sz="800" i="0" u="none" kern="1200" dirty="0" err="1"/>
+            <a:rPr lang="en-PH" sz="700" i="0" u="none" kern="1200" dirty="0" err="1"/>
             <a:t>posthash</a:t>
           </a:r>
           <a:r>
-            <a:rPr lang="en-PH" sz="800" i="0" u="none" kern="1200" dirty="0"/>
+            <a:rPr lang="en-PH" sz="700" i="0" u="none" kern="1200" dirty="0"/>
             <a:t>&gt;/save</a:t>
           </a:r>
         </a:p>
       </dsp:txBody>
       <dsp:txXfrm>
-        <a:off x="11091936" y="2747641"/>
-        <a:ext cx="1151418" cy="558338"/>
+        <a:off x="11078518" y="2601041"/>
+        <a:ext cx="1090742" cy="528916"/>
       </dsp:txXfrm>
     </dsp:sp>
     <dsp:sp modelId="{A043BA73-9C32-449E-A08A-66642C2C4ACE}">
@@ -10804,8 +10950,8 @@
       </dsp:nvSpPr>
       <dsp:spPr>
         <a:xfrm rot="18289469">
-          <a:off x="10421912" y="4045495"/>
-          <a:ext cx="830841" cy="8756"/>
+          <a:off x="10443804" y="3830502"/>
+          <a:ext cx="787058" cy="8294"/>
         </a:xfrm>
         <a:custGeom>
           <a:avLst/>
@@ -10816,10 +10962,10 @@
           <a:pathLst>
             <a:path>
               <a:moveTo>
-                <a:pt x="0" y="4378"/>
+                <a:pt x="0" y="4147"/>
               </a:moveTo>
               <a:lnTo>
-                <a:pt x="830841" y="4378"/>
+                <a:pt x="787058" y="4147"/>
               </a:lnTo>
             </a:path>
           </a:pathLst>
@@ -10874,8 +11020,8 @@
         </a:p>
       </dsp:txBody>
       <dsp:txXfrm>
-        <a:off x="10816562" y="4029102"/>
-        <a:ext cx="41542" cy="41542"/>
+        <a:off x="10817657" y="3814973"/>
+        <a:ext cx="39352" cy="39352"/>
       </dsp:txXfrm>
     </dsp:sp>
     <dsp:sp modelId="{AA97344C-E5D0-4014-8838-AABE32C20FFC}">
@@ -10885,8 +11031,8 @@
       </dsp:nvSpPr>
       <dsp:spPr>
         <a:xfrm>
-          <a:off x="11074565" y="3412312"/>
-          <a:ext cx="1186160" cy="593080"/>
+          <a:off x="11062063" y="3230686"/>
+          <a:ext cx="1123652" cy="561826"/>
         </a:xfrm>
         <a:prstGeom prst="roundRect">
           <a:avLst>
@@ -10930,12 +11076,12 @@
         </a:fontRef>
       </dsp:style>
       <dsp:txBody>
-        <a:bodyPr spcFirstLastPara="0" vert="horz" wrap="square" lIns="5080" tIns="5080" rIns="5080" bIns="5080" numCol="1" spcCol="1270" anchor="ctr" anchorCtr="0">
+        <a:bodyPr spcFirstLastPara="0" vert="horz" wrap="square" lIns="4445" tIns="4445" rIns="4445" bIns="4445" numCol="1" spcCol="1270" anchor="ctr" anchorCtr="0">
           <a:noAutofit/>
         </a:bodyPr>
         <a:lstStyle/>
         <a:p>
-          <a:pPr marL="0" lvl="0" indent="0" algn="ctr" defTabSz="355600">
+          <a:pPr marL="0" lvl="0" indent="0" algn="ctr" defTabSz="311150">
             <a:lnSpc>
               <a:spcPct val="90000"/>
             </a:lnSpc>
@@ -10948,22 +11094,22 @@
             <a:buNone/>
           </a:pPr>
           <a:r>
-            <a:rPr lang="en-PH" sz="800" i="0" u="none" kern="1200" dirty="0"/>
+            <a:rPr lang="en-PH" sz="700" i="0" u="none" kern="1200" dirty="0"/>
             <a:t>DELETE: /post/&lt;</a:t>
           </a:r>
           <a:r>
-            <a:rPr lang="en-PH" sz="800" i="0" u="none" kern="1200" dirty="0" err="1"/>
+            <a:rPr lang="en-PH" sz="700" i="0" u="none" kern="1200" dirty="0" err="1"/>
             <a:t>posthash</a:t>
           </a:r>
           <a:r>
-            <a:rPr lang="en-PH" sz="800" i="0" u="none" kern="1200" dirty="0"/>
+            <a:rPr lang="en-PH" sz="700" i="0" u="none" kern="1200" dirty="0"/>
             <a:t>&gt;/delete</a:t>
           </a:r>
         </a:p>
       </dsp:txBody>
       <dsp:txXfrm>
-        <a:off x="11091936" y="3429683"/>
-        <a:ext cx="1151418" cy="558338"/>
+        <a:off x="11078518" y="3247141"/>
+        <a:ext cx="1090742" cy="528916"/>
       </dsp:txXfrm>
     </dsp:sp>
     <dsp:sp modelId="{1FA8DDB4-E02A-4A22-81DB-AA8FC2F74117}">
@@ -10973,8 +11119,8 @@
       </dsp:nvSpPr>
       <dsp:spPr>
         <a:xfrm>
-          <a:off x="10600101" y="4386516"/>
-          <a:ext cx="474464" cy="8756"/>
+          <a:off x="10612603" y="4153552"/>
+          <a:ext cx="449460" cy="8294"/>
         </a:xfrm>
         <a:custGeom>
           <a:avLst/>
@@ -10985,10 +11131,10 @@
           <a:pathLst>
             <a:path>
               <a:moveTo>
-                <a:pt x="0" y="4378"/>
+                <a:pt x="0" y="4147"/>
               </a:moveTo>
               <a:lnTo>
-                <a:pt x="474464" y="4378"/>
+                <a:pt x="449460" y="4147"/>
               </a:lnTo>
             </a:path>
           </a:pathLst>
@@ -11043,8 +11189,8 @@
         </a:p>
       </dsp:txBody>
       <dsp:txXfrm>
-        <a:off x="10825471" y="4379033"/>
-        <a:ext cx="23723" cy="23723"/>
+        <a:off x="10826096" y="4146463"/>
+        <a:ext cx="22473" cy="22473"/>
       </dsp:txXfrm>
     </dsp:sp>
     <dsp:sp modelId="{999C7719-3DE7-4B52-98EB-ED5E3ACC25AF}">
@@ -11054,8 +11200,8 @@
       </dsp:nvSpPr>
       <dsp:spPr>
         <a:xfrm>
-          <a:off x="11074565" y="4094354"/>
-          <a:ext cx="1186160" cy="593080"/>
+          <a:off x="11062063" y="3876786"/>
+          <a:ext cx="1123652" cy="561826"/>
         </a:xfrm>
         <a:prstGeom prst="roundRect">
           <a:avLst>
@@ -11099,12 +11245,12 @@
         </a:fontRef>
       </dsp:style>
       <dsp:txBody>
-        <a:bodyPr spcFirstLastPara="0" vert="horz" wrap="square" lIns="5080" tIns="5080" rIns="5080" bIns="5080" numCol="1" spcCol="1270" anchor="ctr" anchorCtr="0">
+        <a:bodyPr spcFirstLastPara="0" vert="horz" wrap="square" lIns="4445" tIns="4445" rIns="4445" bIns="4445" numCol="1" spcCol="1270" anchor="ctr" anchorCtr="0">
           <a:noAutofit/>
         </a:bodyPr>
         <a:lstStyle/>
         <a:p>
-          <a:pPr marL="0" lvl="0" indent="0" algn="ctr" defTabSz="355600">
+          <a:pPr marL="0" lvl="0" indent="0" algn="ctr" defTabSz="311150">
             <a:lnSpc>
               <a:spcPct val="90000"/>
             </a:lnSpc>
@@ -11117,14 +11263,14 @@
             <a:buNone/>
           </a:pPr>
           <a:r>
-            <a:rPr lang="en-PH" sz="800" i="0" u="none" kern="1200" dirty="0"/>
+            <a:rPr lang="en-PH" sz="700" i="0" u="none" kern="1200" dirty="0"/>
             <a:t>POST: /post/new</a:t>
           </a:r>
         </a:p>
       </dsp:txBody>
       <dsp:txXfrm>
-        <a:off x="11091936" y="4111725"/>
-        <a:ext cx="1151418" cy="558338"/>
+        <a:off x="11078518" y="3893241"/>
+        <a:ext cx="1090742" cy="528916"/>
       </dsp:txXfrm>
     </dsp:sp>
     <dsp:sp modelId="{8C712298-6B9D-436E-BFE2-A58E9E739EB4}">
@@ -11134,8 +11280,8 @@
       </dsp:nvSpPr>
       <dsp:spPr>
         <a:xfrm rot="3310531">
-          <a:off x="10421912" y="4727537"/>
-          <a:ext cx="830841" cy="8756"/>
+          <a:off x="10443804" y="4476602"/>
+          <a:ext cx="787058" cy="8294"/>
         </a:xfrm>
         <a:custGeom>
           <a:avLst/>
@@ -11146,10 +11292,10 @@
           <a:pathLst>
             <a:path>
               <a:moveTo>
-                <a:pt x="0" y="4378"/>
+                <a:pt x="0" y="4147"/>
               </a:moveTo>
               <a:lnTo>
-                <a:pt x="830841" y="4378"/>
+                <a:pt x="787058" y="4147"/>
               </a:lnTo>
             </a:path>
           </a:pathLst>
@@ -11204,8 +11350,8 @@
         </a:p>
       </dsp:txBody>
       <dsp:txXfrm>
-        <a:off x="10816562" y="4711144"/>
-        <a:ext cx="41542" cy="41542"/>
+        <a:off x="10817657" y="4461073"/>
+        <a:ext cx="39352" cy="39352"/>
       </dsp:txXfrm>
     </dsp:sp>
     <dsp:sp modelId="{5DE2E238-DC7D-4D6D-B25E-0B234F2BA15E}">
@@ -11215,8 +11361,8 @@
       </dsp:nvSpPr>
       <dsp:spPr>
         <a:xfrm>
-          <a:off x="11074565" y="4776396"/>
-          <a:ext cx="1186160" cy="593080"/>
+          <a:off x="11062063" y="4522886"/>
+          <a:ext cx="1123652" cy="561826"/>
         </a:xfrm>
         <a:prstGeom prst="roundRect">
           <a:avLst>
@@ -11260,12 +11406,12 @@
         </a:fontRef>
       </dsp:style>
       <dsp:txBody>
-        <a:bodyPr spcFirstLastPara="0" vert="horz" wrap="square" lIns="5080" tIns="5080" rIns="5080" bIns="5080" numCol="1" spcCol="1270" anchor="ctr" anchorCtr="0">
+        <a:bodyPr spcFirstLastPara="0" vert="horz" wrap="square" lIns="4445" tIns="4445" rIns="4445" bIns="4445" numCol="1" spcCol="1270" anchor="ctr" anchorCtr="0">
           <a:noAutofit/>
         </a:bodyPr>
         <a:lstStyle/>
         <a:p>
-          <a:pPr marL="0" lvl="0" indent="0" algn="ctr" defTabSz="355600">
+          <a:pPr marL="0" lvl="0" indent="0" algn="ctr" defTabSz="311150">
             <a:lnSpc>
               <a:spcPct val="90000"/>
             </a:lnSpc>
@@ -11278,14 +11424,14 @@
             <a:buNone/>
           </a:pPr>
           <a:r>
-            <a:rPr lang="en-PH" sz="800" i="0" u="none" kern="1200" dirty="0"/>
+            <a:rPr lang="en-PH" sz="700" i="0" u="none" kern="1200" dirty="0"/>
             <a:t>POST: /post/like</a:t>
           </a:r>
         </a:p>
       </dsp:txBody>
       <dsp:txXfrm>
-        <a:off x="11091936" y="4793767"/>
-        <a:ext cx="1151418" cy="558338"/>
+        <a:off x="11078518" y="4539341"/>
+        <a:ext cx="1090742" cy="528916"/>
       </dsp:txXfrm>
     </dsp:sp>
     <dsp:sp modelId="{BC1D81C8-B099-47F2-B07A-82B8D68A6001}">
@@ -11295,8 +11441,8 @@
       </dsp:nvSpPr>
       <dsp:spPr>
         <a:xfrm rot="4249260">
-          <a:off x="10115211" y="5068558"/>
-          <a:ext cx="1444244" cy="8756"/>
+          <a:off x="10153265" y="4799652"/>
+          <a:ext cx="1368136" cy="8294"/>
         </a:xfrm>
         <a:custGeom>
           <a:avLst/>
@@ -11307,10 +11453,10 @@
           <a:pathLst>
             <a:path>
               <a:moveTo>
-                <a:pt x="0" y="4378"/>
+                <a:pt x="0" y="4147"/>
               </a:moveTo>
               <a:lnTo>
-                <a:pt x="1444244" y="4378"/>
+                <a:pt x="1368136" y="4147"/>
               </a:lnTo>
             </a:path>
           </a:pathLst>
@@ -11365,8 +11511,8 @@
         </a:p>
       </dsp:txBody>
       <dsp:txXfrm>
-        <a:off x="10801227" y="5036830"/>
-        <a:ext cx="72212" cy="72212"/>
+        <a:off x="10803130" y="4769596"/>
+        <a:ext cx="68406" cy="68406"/>
       </dsp:txXfrm>
     </dsp:sp>
     <dsp:sp modelId="{B26068F5-AA96-45E5-9772-412588FC5102}">
@@ -11376,8 +11522,8 @@
       </dsp:nvSpPr>
       <dsp:spPr>
         <a:xfrm>
-          <a:off x="11074565" y="5458438"/>
-          <a:ext cx="1186160" cy="593080"/>
+          <a:off x="11062063" y="5168986"/>
+          <a:ext cx="1123652" cy="561826"/>
         </a:xfrm>
         <a:prstGeom prst="roundRect">
           <a:avLst>
@@ -11421,12 +11567,12 @@
         </a:fontRef>
       </dsp:style>
       <dsp:txBody>
-        <a:bodyPr spcFirstLastPara="0" vert="horz" wrap="square" lIns="5080" tIns="5080" rIns="5080" bIns="5080" numCol="1" spcCol="1270" anchor="ctr" anchorCtr="0">
+        <a:bodyPr spcFirstLastPara="0" vert="horz" wrap="square" lIns="4445" tIns="4445" rIns="4445" bIns="4445" numCol="1" spcCol="1270" anchor="ctr" anchorCtr="0">
           <a:noAutofit/>
         </a:bodyPr>
         <a:lstStyle/>
         <a:p>
-          <a:pPr marL="0" lvl="0" indent="0" algn="ctr" defTabSz="355600">
+          <a:pPr marL="0" lvl="0" indent="0" algn="ctr" defTabSz="311150">
             <a:lnSpc>
               <a:spcPct val="90000"/>
             </a:lnSpc>
@@ -11439,14 +11585,14 @@
             <a:buNone/>
           </a:pPr>
           <a:r>
-            <a:rPr lang="en-PH" sz="800" i="0" u="none" kern="1200" dirty="0"/>
+            <a:rPr lang="en-PH" sz="700" i="0" u="none" kern="1200" dirty="0"/>
             <a:t>POST: /post/report</a:t>
           </a:r>
         </a:p>
       </dsp:txBody>
       <dsp:txXfrm>
-        <a:off x="11091936" y="5475809"/>
-        <a:ext cx="1151418" cy="558338"/>
+        <a:off x="11078518" y="5185441"/>
+        <a:ext cx="1090742" cy="528916"/>
       </dsp:txXfrm>
     </dsp:sp>
     <dsp:sp modelId="{135FC9EB-67E4-4ABF-BD8D-7522D07D395B}">
@@ -11456,8 +11602,8 @@
       </dsp:nvSpPr>
       <dsp:spPr>
         <a:xfrm rot="4616685">
-          <a:off x="9787125" y="5409579"/>
-          <a:ext cx="2100416" cy="8756"/>
+          <a:off x="9842468" y="5122702"/>
+          <a:ext cx="1989729" cy="8294"/>
         </a:xfrm>
         <a:custGeom>
           <a:avLst/>
@@ -11468,10 +11614,10 @@
           <a:pathLst>
             <a:path>
               <a:moveTo>
-                <a:pt x="0" y="4378"/>
+                <a:pt x="0" y="4147"/>
               </a:moveTo>
               <a:lnTo>
-                <a:pt x="2100416" y="4378"/>
+                <a:pt x="1989729" y="4147"/>
               </a:lnTo>
             </a:path>
           </a:pathLst>
@@ -11526,8 +11672,8 @@
         </a:p>
       </dsp:txBody>
       <dsp:txXfrm>
-        <a:off x="10784823" y="5361447"/>
-        <a:ext cx="105020" cy="105020"/>
+        <a:off x="10787590" y="5077106"/>
+        <a:ext cx="99486" cy="99486"/>
       </dsp:txXfrm>
     </dsp:sp>
     <dsp:sp modelId="{607D34BA-412C-4B85-BA67-89E2C4841B21}">
@@ -11537,8 +11683,8 @@
       </dsp:nvSpPr>
       <dsp:spPr>
         <a:xfrm>
-          <a:off x="11074565" y="6140481"/>
-          <a:ext cx="1186160" cy="593080"/>
+          <a:off x="11062063" y="5815086"/>
+          <a:ext cx="1123652" cy="561826"/>
         </a:xfrm>
         <a:prstGeom prst="roundRect">
           <a:avLst>
@@ -11582,12 +11728,12 @@
         </a:fontRef>
       </dsp:style>
       <dsp:txBody>
-        <a:bodyPr spcFirstLastPara="0" vert="horz" wrap="square" lIns="5080" tIns="5080" rIns="5080" bIns="5080" numCol="1" spcCol="1270" anchor="ctr" anchorCtr="0">
+        <a:bodyPr spcFirstLastPara="0" vert="horz" wrap="square" lIns="4445" tIns="4445" rIns="4445" bIns="4445" numCol="1" spcCol="1270" anchor="ctr" anchorCtr="0">
           <a:noAutofit/>
         </a:bodyPr>
         <a:lstStyle/>
         <a:p>
-          <a:pPr marL="0" lvl="0" indent="0" algn="ctr" defTabSz="355600">
+          <a:pPr marL="0" lvl="0" indent="0" algn="ctr" defTabSz="311150">
             <a:lnSpc>
               <a:spcPct val="90000"/>
             </a:lnSpc>
@@ -11600,14 +11746,14 @@
             <a:buNone/>
           </a:pPr>
           <a:r>
-            <a:rPr lang="en-PH" sz="800" i="0" u="none" kern="1200" dirty="0"/>
+            <a:rPr lang="en-PH" sz="700" i="0" u="none" kern="1200" dirty="0"/>
             <a:t>POST: /post/comment</a:t>
           </a:r>
         </a:p>
       </dsp:txBody>
       <dsp:txXfrm>
-        <a:off x="11091936" y="6157852"/>
-        <a:ext cx="1151418" cy="558338"/>
+        <a:off x="11078518" y="5831541"/>
+        <a:ext cx="1090742" cy="528916"/>
       </dsp:txXfrm>
     </dsp:sp>
     <dsp:sp modelId="{39C5E0B3-CFED-4E56-BF4D-C6EC42B08CA4}">
@@ -11616,9 +11762,9 @@
         <dsp:cNvSpPr/>
       </dsp:nvSpPr>
       <dsp:spPr>
-        <a:xfrm rot="4249260">
-          <a:off x="8454587" y="6432642"/>
-          <a:ext cx="1444244" cy="8756"/>
+        <a:xfrm rot="3907178">
+          <a:off x="8730069" y="6253377"/>
+          <a:ext cx="1068301" cy="8294"/>
         </a:xfrm>
         <a:custGeom>
           <a:avLst/>
@@ -11629,10 +11775,10 @@
           <a:pathLst>
             <a:path>
               <a:moveTo>
-                <a:pt x="0" y="4378"/>
+                <a:pt x="0" y="4147"/>
               </a:moveTo>
               <a:lnTo>
-                <a:pt x="1444244" y="4378"/>
+                <a:pt x="1068301" y="4147"/>
               </a:lnTo>
             </a:path>
           </a:pathLst>
@@ -11687,8 +11833,8 @@
         </a:p>
       </dsp:txBody>
       <dsp:txXfrm>
-        <a:off x="9140603" y="6400914"/>
-        <a:ext cx="72212" cy="72212"/>
+        <a:off x="9237512" y="6230817"/>
+        <a:ext cx="53415" cy="53415"/>
       </dsp:txXfrm>
     </dsp:sp>
     <dsp:sp modelId="{271F4EE3-041A-417E-86AA-2A20E744A409}">
@@ -11698,8 +11844,8 @@
       </dsp:nvSpPr>
       <dsp:spPr>
         <a:xfrm>
-          <a:off x="9413941" y="6822523"/>
-          <a:ext cx="1186160" cy="593080"/>
+          <a:off x="9488950" y="6461187"/>
+          <a:ext cx="1123652" cy="561826"/>
         </a:xfrm>
         <a:prstGeom prst="roundRect">
           <a:avLst>
@@ -11743,12 +11889,12 @@
         </a:fontRef>
       </dsp:style>
       <dsp:txBody>
-        <a:bodyPr spcFirstLastPara="0" vert="horz" wrap="square" lIns="5080" tIns="5080" rIns="5080" bIns="5080" numCol="1" spcCol="1270" anchor="ctr" anchorCtr="0">
+        <a:bodyPr spcFirstLastPara="0" vert="horz" wrap="square" lIns="4445" tIns="4445" rIns="4445" bIns="4445" numCol="1" spcCol="1270" anchor="ctr" anchorCtr="0">
           <a:noAutofit/>
         </a:bodyPr>
         <a:lstStyle/>
         <a:p>
-          <a:pPr marL="0" lvl="0" indent="0" algn="ctr" defTabSz="355600">
+          <a:pPr marL="0" lvl="0" indent="0" algn="ctr" defTabSz="311150">
             <a:lnSpc>
               <a:spcPct val="90000"/>
             </a:lnSpc>
@@ -11761,14 +11907,14 @@
             <a:buNone/>
           </a:pPr>
           <a:r>
-            <a:rPr lang="en-PH" sz="800" i="0" u="none" kern="1200" dirty="0"/>
+            <a:rPr lang="en-PH" sz="700" i="0" u="none" kern="1200" dirty="0"/>
             <a:t>GET: /signup</a:t>
           </a:r>
         </a:p>
       </dsp:txBody>
       <dsp:txXfrm>
-        <a:off x="9431312" y="6839894"/>
-        <a:ext cx="1151418" cy="558338"/>
+        <a:off x="9505405" y="6477642"/>
+        <a:ext cx="1090742" cy="528916"/>
       </dsp:txXfrm>
     </dsp:sp>
     <dsp:sp modelId="{EA4EB2B3-90DD-478B-AE18-AD42BA736822}">
@@ -11778,8 +11924,8 @@
       </dsp:nvSpPr>
       <dsp:spPr>
         <a:xfrm>
-          <a:off x="10600101" y="7114685"/>
-          <a:ext cx="474464" cy="8756"/>
+          <a:off x="10612603" y="6737952"/>
+          <a:ext cx="449460" cy="8294"/>
         </a:xfrm>
         <a:custGeom>
           <a:avLst/>
@@ -11790,10 +11936,10 @@
           <a:pathLst>
             <a:path>
               <a:moveTo>
-                <a:pt x="0" y="4378"/>
+                <a:pt x="0" y="4147"/>
               </a:moveTo>
               <a:lnTo>
-                <a:pt x="474464" y="4378"/>
+                <a:pt x="449460" y="4147"/>
               </a:lnTo>
             </a:path>
           </a:pathLst>
@@ -11848,8 +11994,8 @@
         </a:p>
       </dsp:txBody>
       <dsp:txXfrm>
-        <a:off x="10825471" y="7107201"/>
-        <a:ext cx="23723" cy="23723"/>
+        <a:off x="10826096" y="6730863"/>
+        <a:ext cx="22473" cy="22473"/>
       </dsp:txXfrm>
     </dsp:sp>
     <dsp:sp modelId="{AC7753CB-F883-40B6-BB5C-BA83E92BC55E}">
@@ -11859,8 +12005,8 @@
       </dsp:nvSpPr>
       <dsp:spPr>
         <a:xfrm>
-          <a:off x="11074565" y="6822523"/>
-          <a:ext cx="1186160" cy="593080"/>
+          <a:off x="11062063" y="6461187"/>
+          <a:ext cx="1123652" cy="561826"/>
         </a:xfrm>
         <a:prstGeom prst="roundRect">
           <a:avLst>
@@ -11904,12 +12050,12 @@
         </a:fontRef>
       </dsp:style>
       <dsp:txBody>
-        <a:bodyPr spcFirstLastPara="0" vert="horz" wrap="square" lIns="5080" tIns="5080" rIns="5080" bIns="5080" numCol="1" spcCol="1270" anchor="ctr" anchorCtr="0">
+        <a:bodyPr spcFirstLastPara="0" vert="horz" wrap="square" lIns="4445" tIns="4445" rIns="4445" bIns="4445" numCol="1" spcCol="1270" anchor="ctr" anchorCtr="0">
           <a:noAutofit/>
         </a:bodyPr>
         <a:lstStyle/>
         <a:p>
-          <a:pPr marL="0" lvl="0" indent="0" algn="ctr" defTabSz="355600">
+          <a:pPr marL="0" lvl="0" indent="0" algn="ctr" defTabSz="311150">
             <a:lnSpc>
               <a:spcPct val="90000"/>
             </a:lnSpc>
@@ -11922,14 +12068,14 @@
             <a:buNone/>
           </a:pPr>
           <a:r>
-            <a:rPr lang="en-PH" sz="800" i="0" u="none" kern="1200" dirty="0"/>
+            <a:rPr lang="en-PH" sz="700" i="0" u="none" kern="1200" dirty="0"/>
             <a:t>POST: /signup/save</a:t>
           </a:r>
         </a:p>
       </dsp:txBody>
       <dsp:txXfrm>
-        <a:off x="11091936" y="6839894"/>
-        <a:ext cx="1151418" cy="558338"/>
+        <a:off x="11078518" y="6477642"/>
+        <a:ext cx="1090742" cy="528916"/>
       </dsp:txXfrm>
     </dsp:sp>
     <dsp:sp modelId="{12C9D8AB-E7E2-44A0-B4FC-AC98A3C782E3}">
@@ -11938,9 +12084,9 @@
         <dsp:cNvSpPr/>
       </dsp:nvSpPr>
       <dsp:spPr>
-        <a:xfrm rot="4725511">
-          <a:off x="7959788" y="6944174"/>
-          <a:ext cx="2433842" cy="8756"/>
+        <a:xfrm rot="4616685">
+          <a:off x="8269355" y="6737952"/>
+          <a:ext cx="1989729" cy="8294"/>
         </a:xfrm>
         <a:custGeom>
           <a:avLst/>
@@ -11951,10 +12097,10 @@
           <a:pathLst>
             <a:path>
               <a:moveTo>
-                <a:pt x="0" y="4378"/>
+                <a:pt x="0" y="4147"/>
               </a:moveTo>
               <a:lnTo>
-                <a:pt x="2433842" y="4378"/>
+                <a:pt x="1989729" y="4147"/>
               </a:lnTo>
             </a:path>
           </a:pathLst>
@@ -12009,8 +12155,8 @@
         </a:p>
       </dsp:txBody>
       <dsp:txXfrm>
-        <a:off x="9115863" y="6887706"/>
-        <a:ext cx="121692" cy="121692"/>
+        <a:off x="9214476" y="6692356"/>
+        <a:ext cx="99486" cy="99486"/>
       </dsp:txXfrm>
     </dsp:sp>
     <dsp:sp modelId="{3BF63452-3BF2-4545-8737-A1D5D56D0AE2}">
@@ -12020,8 +12166,8 @@
       </dsp:nvSpPr>
       <dsp:spPr>
         <a:xfrm>
-          <a:off x="9413941" y="7845586"/>
-          <a:ext cx="1186160" cy="593080"/>
+          <a:off x="9488950" y="7430337"/>
+          <a:ext cx="1123652" cy="561826"/>
         </a:xfrm>
         <a:prstGeom prst="roundRect">
           <a:avLst>
@@ -12065,12 +12211,12 @@
         </a:fontRef>
       </dsp:style>
       <dsp:txBody>
-        <a:bodyPr spcFirstLastPara="0" vert="horz" wrap="square" lIns="5080" tIns="5080" rIns="5080" bIns="5080" numCol="1" spcCol="1270" anchor="ctr" anchorCtr="0">
+        <a:bodyPr spcFirstLastPara="0" vert="horz" wrap="square" lIns="4445" tIns="4445" rIns="4445" bIns="4445" numCol="1" spcCol="1270" anchor="ctr" anchorCtr="0">
           <a:noAutofit/>
         </a:bodyPr>
         <a:lstStyle/>
         <a:p>
-          <a:pPr marL="0" lvl="0" indent="0" algn="ctr" defTabSz="355600">
+          <a:pPr marL="0" lvl="0" indent="0" algn="ctr" defTabSz="311150">
             <a:lnSpc>
               <a:spcPct val="90000"/>
             </a:lnSpc>
@@ -12083,25 +12229,25 @@
             <a:buNone/>
           </a:pPr>
           <a:r>
-            <a:rPr lang="en-PH" sz="800" i="0" u="none" kern="1200" dirty="0"/>
+            <a:rPr lang="en-PH" sz="700" i="0" u="none" kern="1200" dirty="0"/>
             <a:t>GET: /profile</a:t>
           </a:r>
         </a:p>
       </dsp:txBody>
       <dsp:txXfrm>
-        <a:off x="9431312" y="7862957"/>
-        <a:ext cx="1151418" cy="558338"/>
+        <a:off x="9505405" y="7446792"/>
+        <a:ext cx="1090742" cy="528916"/>
       </dsp:txXfrm>
     </dsp:sp>
-    <dsp:sp modelId="{5F03EFED-E26A-463D-AB17-10FDA3A40EDF}">
+    <dsp:sp modelId="{04134871-A1B2-42A3-8443-CF220BEEA626}">
       <dsp:nvSpPr>
         <dsp:cNvPr id="0" name=""/>
         <dsp:cNvSpPr/>
       </dsp:nvSpPr>
       <dsp:spPr>
-        <a:xfrm>
-          <a:off x="10600101" y="8137748"/>
-          <a:ext cx="474464" cy="8756"/>
+        <a:xfrm rot="19457599">
+          <a:off x="10560577" y="7545577"/>
+          <a:ext cx="553512" cy="8294"/>
         </a:xfrm>
         <a:custGeom>
           <a:avLst/>
@@ -12112,10 +12258,10 @@
           <a:pathLst>
             <a:path>
               <a:moveTo>
-                <a:pt x="0" y="4378"/>
+                <a:pt x="0" y="4147"/>
               </a:moveTo>
               <a:lnTo>
-                <a:pt x="474464" y="4378"/>
+                <a:pt x="553512" y="4147"/>
               </a:lnTo>
             </a:path>
           </a:pathLst>
@@ -12166,23 +12312,23 @@
             </a:spcAft>
             <a:buNone/>
           </a:pPr>
-          <a:endParaRPr lang="en-PH" sz="500" i="0" u="none" kern="1200"/>
+          <a:endParaRPr lang="en-PH" sz="500" kern="1200"/>
         </a:p>
       </dsp:txBody>
       <dsp:txXfrm>
-        <a:off x="10825471" y="8130264"/>
-        <a:ext cx="23723" cy="23723"/>
+        <a:off x="10823495" y="7535887"/>
+        <a:ext cx="27675" cy="27675"/>
       </dsp:txXfrm>
     </dsp:sp>
-    <dsp:sp modelId="{44E3D230-76F9-44B0-A1FF-4EE7B7AF9309}">
+    <dsp:sp modelId="{8EB26111-75BB-4215-B97E-B22026021A64}">
       <dsp:nvSpPr>
         <dsp:cNvPr id="0" name=""/>
         <dsp:cNvSpPr/>
       </dsp:nvSpPr>
       <dsp:spPr>
         <a:xfrm>
-          <a:off x="11074565" y="7845586"/>
-          <a:ext cx="1186160" cy="593080"/>
+          <a:off x="11062063" y="7107287"/>
+          <a:ext cx="1123652" cy="561826"/>
         </a:xfrm>
         <a:prstGeom prst="roundRect">
           <a:avLst>
@@ -12226,12 +12372,12 @@
         </a:fontRef>
       </dsp:style>
       <dsp:txBody>
-        <a:bodyPr spcFirstLastPara="0" vert="horz" wrap="square" lIns="5080" tIns="5080" rIns="5080" bIns="5080" numCol="1" spcCol="1270" anchor="ctr" anchorCtr="0">
+        <a:bodyPr spcFirstLastPara="0" vert="horz" wrap="square" lIns="4445" tIns="4445" rIns="4445" bIns="4445" numCol="1" spcCol="1270" anchor="ctr" anchorCtr="0">
           <a:noAutofit/>
         </a:bodyPr>
         <a:lstStyle/>
         <a:p>
-          <a:pPr marL="0" lvl="0" indent="0" algn="ctr" defTabSz="355600">
+          <a:pPr marL="0" lvl="0" indent="0" algn="ctr" defTabSz="311150">
             <a:lnSpc>
               <a:spcPct val="90000"/>
             </a:lnSpc>
@@ -12244,25 +12390,25 @@
             <a:buNone/>
           </a:pPr>
           <a:r>
-            <a:rPr lang="en-PH" sz="800" i="0" u="none" kern="1200" dirty="0"/>
-            <a:t>GET: /profile/settings</a:t>
+            <a:rPr lang="en-PH" sz="700" i="0" u="none" kern="1200" dirty="0"/>
+            <a:t>GET: /profile/search</a:t>
           </a:r>
         </a:p>
       </dsp:txBody>
       <dsp:txXfrm>
-        <a:off x="11091936" y="7862957"/>
-        <a:ext cx="1151418" cy="558338"/>
+        <a:off x="11078518" y="7123742"/>
+        <a:ext cx="1090742" cy="528916"/>
       </dsp:txXfrm>
     </dsp:sp>
-    <dsp:sp modelId="{0FEA2678-CA15-40EC-97F4-BD4307BF2C62}">
+    <dsp:sp modelId="{5F03EFED-E26A-463D-AB17-10FDA3A40EDF}">
       <dsp:nvSpPr>
         <dsp:cNvPr id="0" name=""/>
         <dsp:cNvSpPr/>
       </dsp:nvSpPr>
       <dsp:spPr>
-        <a:xfrm rot="19457599">
-          <a:off x="12205805" y="7967237"/>
-          <a:ext cx="584304" cy="8756"/>
+        <a:xfrm rot="2142401">
+          <a:off x="10560577" y="7868627"/>
+          <a:ext cx="553512" cy="8294"/>
         </a:xfrm>
         <a:custGeom>
           <a:avLst/>
@@ -12273,10 +12419,10 @@
           <a:pathLst>
             <a:path>
               <a:moveTo>
-                <a:pt x="0" y="4378"/>
+                <a:pt x="0" y="4147"/>
               </a:moveTo>
               <a:lnTo>
-                <a:pt x="584304" y="4378"/>
+                <a:pt x="553512" y="4147"/>
               </a:lnTo>
             </a:path>
           </a:pathLst>
@@ -12331,19 +12477,19 @@
         </a:p>
       </dsp:txBody>
       <dsp:txXfrm>
-        <a:off x="12483350" y="7957008"/>
-        <a:ext cx="29215" cy="29215"/>
+        <a:off x="10823495" y="7858937"/>
+        <a:ext cx="27675" cy="27675"/>
       </dsp:txXfrm>
     </dsp:sp>
-    <dsp:sp modelId="{29234D45-6B12-405A-BB41-0B6B325EDB82}">
+    <dsp:sp modelId="{44E3D230-76F9-44B0-A1FF-4EE7B7AF9309}">
       <dsp:nvSpPr>
         <dsp:cNvPr id="0" name=""/>
         <dsp:cNvSpPr/>
       </dsp:nvSpPr>
       <dsp:spPr>
         <a:xfrm>
-          <a:off x="12735189" y="7504565"/>
-          <a:ext cx="1186160" cy="593080"/>
+          <a:off x="11062063" y="7753387"/>
+          <a:ext cx="1123652" cy="561826"/>
         </a:xfrm>
         <a:prstGeom prst="roundRect">
           <a:avLst>
@@ -12387,12 +12533,12 @@
         </a:fontRef>
       </dsp:style>
       <dsp:txBody>
-        <a:bodyPr spcFirstLastPara="0" vert="horz" wrap="square" lIns="5080" tIns="5080" rIns="5080" bIns="5080" numCol="1" spcCol="1270" anchor="ctr" anchorCtr="0">
+        <a:bodyPr spcFirstLastPara="0" vert="horz" wrap="square" lIns="4445" tIns="4445" rIns="4445" bIns="4445" numCol="1" spcCol="1270" anchor="ctr" anchorCtr="0">
           <a:noAutofit/>
         </a:bodyPr>
         <a:lstStyle/>
         <a:p>
-          <a:pPr marL="0" lvl="0" indent="0" algn="ctr" defTabSz="355600">
+          <a:pPr marL="0" lvl="0" indent="0" algn="ctr" defTabSz="311150">
             <a:lnSpc>
               <a:spcPct val="90000"/>
             </a:lnSpc>
@@ -12405,25 +12551,25 @@
             <a:buNone/>
           </a:pPr>
           <a:r>
-            <a:rPr lang="en-PH" sz="800" i="0" u="none" kern="1200" dirty="0"/>
-            <a:t>PATCH: profile/settings/save</a:t>
+            <a:rPr lang="en-PH" sz="700" i="0" u="none" kern="1200" dirty="0"/>
+            <a:t>GET: /profile/settings</a:t>
           </a:r>
         </a:p>
       </dsp:txBody>
       <dsp:txXfrm>
-        <a:off x="12752560" y="7521936"/>
-        <a:ext cx="1151418" cy="558338"/>
+        <a:off x="11078518" y="7769842"/>
+        <a:ext cx="1090742" cy="528916"/>
       </dsp:txXfrm>
     </dsp:sp>
-    <dsp:sp modelId="{F3D8227B-C481-4F68-B984-041A513F0F2F}">
+    <dsp:sp modelId="{0FEA2678-CA15-40EC-97F4-BD4307BF2C62}">
       <dsp:nvSpPr>
         <dsp:cNvPr id="0" name=""/>
         <dsp:cNvSpPr/>
       </dsp:nvSpPr>
       <dsp:spPr>
-        <a:xfrm rot="2142401">
-          <a:off x="12205805" y="8308258"/>
-          <a:ext cx="584304" cy="8756"/>
+        <a:xfrm rot="19457599">
+          <a:off x="12133690" y="7868627"/>
+          <a:ext cx="553512" cy="8294"/>
         </a:xfrm>
         <a:custGeom>
           <a:avLst/>
@@ -12434,10 +12580,10 @@
           <a:pathLst>
             <a:path>
               <a:moveTo>
-                <a:pt x="0" y="4378"/>
+                <a:pt x="0" y="4147"/>
               </a:moveTo>
               <a:lnTo>
-                <a:pt x="584304" y="4378"/>
+                <a:pt x="553512" y="4147"/>
               </a:lnTo>
             </a:path>
           </a:pathLst>
@@ -12488,23 +12634,23 @@
             </a:spcAft>
             <a:buNone/>
           </a:pPr>
-          <a:endParaRPr lang="en-PH" sz="500" kern="1200"/>
+          <a:endParaRPr lang="en-PH" sz="500" i="0" u="none" kern="1200"/>
         </a:p>
       </dsp:txBody>
       <dsp:txXfrm>
-        <a:off x="12483350" y="8298029"/>
-        <a:ext cx="29215" cy="29215"/>
+        <a:off x="12396608" y="7858937"/>
+        <a:ext cx="27675" cy="27675"/>
       </dsp:txXfrm>
     </dsp:sp>
-    <dsp:sp modelId="{036B2AA5-2558-47F2-9D9F-A4DFEC8AB0FD}">
+    <dsp:sp modelId="{29234D45-6B12-405A-BB41-0B6B325EDB82}">
       <dsp:nvSpPr>
         <dsp:cNvPr id="0" name=""/>
         <dsp:cNvSpPr/>
       </dsp:nvSpPr>
       <dsp:spPr>
         <a:xfrm>
-          <a:off x="12735189" y="8186607"/>
-          <a:ext cx="1186160" cy="593080"/>
+          <a:off x="12635177" y="7430337"/>
+          <a:ext cx="1123652" cy="561826"/>
         </a:xfrm>
         <a:prstGeom prst="roundRect">
           <a:avLst>
@@ -12548,12 +12694,12 @@
         </a:fontRef>
       </dsp:style>
       <dsp:txBody>
-        <a:bodyPr spcFirstLastPara="0" vert="horz" wrap="square" lIns="5080" tIns="5080" rIns="5080" bIns="5080" numCol="1" spcCol="1270" anchor="ctr" anchorCtr="0">
+        <a:bodyPr spcFirstLastPara="0" vert="horz" wrap="square" lIns="4445" tIns="4445" rIns="4445" bIns="4445" numCol="1" spcCol="1270" anchor="ctr" anchorCtr="0">
           <a:noAutofit/>
         </a:bodyPr>
         <a:lstStyle/>
         <a:p>
-          <a:pPr marL="0" lvl="0" indent="0" algn="ctr" defTabSz="355600">
+          <a:pPr marL="0" lvl="0" indent="0" algn="ctr" defTabSz="311150">
             <a:lnSpc>
               <a:spcPct val="90000"/>
             </a:lnSpc>
@@ -12566,25 +12712,25 @@
             <a:buNone/>
           </a:pPr>
           <a:r>
-            <a:rPr lang="en-PH" sz="800" i="0" u="none" kern="1200" dirty="0"/>
-            <a:t>DELETE: profile/settings/delete</a:t>
+            <a:rPr lang="en-PH" sz="700" i="0" u="none" kern="1200" dirty="0"/>
+            <a:t>PATCH: profile/settings/save</a:t>
           </a:r>
         </a:p>
       </dsp:txBody>
       <dsp:txXfrm>
-        <a:off x="12752560" y="8203978"/>
-        <a:ext cx="1151418" cy="558338"/>
+        <a:off x="12651632" y="7446792"/>
+        <a:ext cx="1090742" cy="528916"/>
       </dsp:txXfrm>
     </dsp:sp>
-    <dsp:sp modelId="{D8B2AAA4-E60A-4753-B86F-A44BEA1FA979}">
+    <dsp:sp modelId="{F3D8227B-C481-4F68-B984-041A513F0F2F}">
       <dsp:nvSpPr>
         <dsp:cNvPr id="0" name=""/>
         <dsp:cNvSpPr/>
       </dsp:nvSpPr>
       <dsp:spPr>
-        <a:xfrm rot="4872735">
-          <a:off x="7623886" y="7285195"/>
-          <a:ext cx="3105646" cy="8756"/>
+        <a:xfrm rot="2142401">
+          <a:off x="12133690" y="8191677"/>
+          <a:ext cx="553512" cy="8294"/>
         </a:xfrm>
         <a:custGeom>
           <a:avLst/>
@@ -12595,10 +12741,10 @@
           <a:pathLst>
             <a:path>
               <a:moveTo>
-                <a:pt x="0" y="4378"/>
+                <a:pt x="0" y="4147"/>
               </a:moveTo>
               <a:lnTo>
-                <a:pt x="3105646" y="4378"/>
+                <a:pt x="553512" y="4147"/>
               </a:lnTo>
             </a:path>
           </a:pathLst>
@@ -12607,7 +12753,7 @@
         <a:ln w="12700" cap="flat" cmpd="sng" algn="ctr">
           <a:solidFill>
             <a:schemeClr val="accent1">
-              <a:shade val="60000"/>
+              <a:shade val="80000"/>
               <a:hueOff val="0"/>
               <a:satOff val="0"/>
               <a:lumOff val="0"/>
@@ -12637,7 +12783,7 @@
         </a:bodyPr>
         <a:lstStyle/>
         <a:p>
-          <a:pPr marL="0" lvl="0" indent="0" algn="ctr" defTabSz="266700">
+          <a:pPr marL="0" lvl="0" indent="0" algn="ctr" defTabSz="222250">
             <a:lnSpc>
               <a:spcPct val="90000"/>
             </a:lnSpc>
@@ -12649,23 +12795,23 @@
             </a:spcAft>
             <a:buNone/>
           </a:pPr>
-          <a:endParaRPr lang="en-PH" sz="600" kern="1200"/>
+          <a:endParaRPr lang="en-PH" sz="500" kern="1200"/>
         </a:p>
       </dsp:txBody>
       <dsp:txXfrm>
-        <a:off x="9099068" y="7211932"/>
-        <a:ext cx="155282" cy="155282"/>
+        <a:off x="12396608" y="8181987"/>
+        <a:ext cx="27675" cy="27675"/>
       </dsp:txXfrm>
     </dsp:sp>
-    <dsp:sp modelId="{AFEA1595-814A-4ABA-8FAA-8F8A3E1384F4}">
+    <dsp:sp modelId="{036B2AA5-2558-47F2-9D9F-A4DFEC8AB0FD}">
       <dsp:nvSpPr>
         <dsp:cNvPr id="0" name=""/>
         <dsp:cNvSpPr/>
       </dsp:nvSpPr>
       <dsp:spPr>
         <a:xfrm>
-          <a:off x="9413941" y="8527628"/>
-          <a:ext cx="1186160" cy="593080"/>
+          <a:off x="12635177" y="8076437"/>
+          <a:ext cx="1123652" cy="561826"/>
         </a:xfrm>
         <a:prstGeom prst="roundRect">
           <a:avLst>
@@ -12709,12 +12855,12 @@
         </a:fontRef>
       </dsp:style>
       <dsp:txBody>
-        <a:bodyPr spcFirstLastPara="0" vert="horz" wrap="square" lIns="5080" tIns="5080" rIns="5080" bIns="5080" numCol="1" spcCol="1270" anchor="ctr" anchorCtr="0">
+        <a:bodyPr spcFirstLastPara="0" vert="horz" wrap="square" lIns="4445" tIns="4445" rIns="4445" bIns="4445" numCol="1" spcCol="1270" anchor="ctr" anchorCtr="0">
           <a:noAutofit/>
         </a:bodyPr>
         <a:lstStyle/>
         <a:p>
-          <a:pPr marL="0" lvl="0" indent="0" algn="ctr" defTabSz="355600">
+          <a:pPr marL="0" lvl="0" indent="0" algn="ctr" defTabSz="311150">
             <a:lnSpc>
               <a:spcPct val="90000"/>
             </a:lnSpc>
@@ -12727,25 +12873,25 @@
             <a:buNone/>
           </a:pPr>
           <a:r>
-            <a:rPr lang="en-PH" sz="800" i="0" u="none" kern="1200" dirty="0"/>
-            <a:t>GET: /user/&lt;username&gt;</a:t>
+            <a:rPr lang="en-PH" sz="700" i="0" u="none" kern="1200" dirty="0"/>
+            <a:t>DELETE: profile/settings/delete</a:t>
           </a:r>
         </a:p>
       </dsp:txBody>
       <dsp:txXfrm>
-        <a:off x="9431312" y="8544999"/>
-        <a:ext cx="1151418" cy="558338"/>
+        <a:off x="12651632" y="8092892"/>
+        <a:ext cx="1090742" cy="528916"/>
       </dsp:txXfrm>
     </dsp:sp>
-    <dsp:sp modelId="{378662CD-6F88-47B9-B6B9-69841423B909}">
+    <dsp:sp modelId="{D8B2AAA4-E60A-4753-B86F-A44BEA1FA979}">
       <dsp:nvSpPr>
         <dsp:cNvPr id="0" name=""/>
         <dsp:cNvSpPr/>
       </dsp:nvSpPr>
       <dsp:spPr>
-        <a:xfrm rot="4967483">
-          <a:off x="7286150" y="7626216"/>
-          <a:ext cx="3781118" cy="8756"/>
+        <a:xfrm rot="4872735">
+          <a:off x="7793227" y="7222527"/>
+          <a:ext cx="2941986" cy="8294"/>
         </a:xfrm>
         <a:custGeom>
           <a:avLst/>
@@ -12756,10 +12902,10 @@
           <a:pathLst>
             <a:path>
               <a:moveTo>
-                <a:pt x="0" y="4378"/>
+                <a:pt x="0" y="4147"/>
               </a:moveTo>
               <a:lnTo>
-                <a:pt x="3781118" y="4378"/>
+                <a:pt x="2941986" y="4147"/>
               </a:lnTo>
             </a:path>
           </a:pathLst>
@@ -12814,19 +12960,19 @@
         </a:p>
       </dsp:txBody>
       <dsp:txXfrm>
-        <a:off x="9082181" y="7536066"/>
-        <a:ext cx="189055" cy="189055"/>
+        <a:off x="9190670" y="7153125"/>
+        <a:ext cx="147099" cy="147099"/>
       </dsp:txXfrm>
     </dsp:sp>
-    <dsp:sp modelId="{B06B5877-B8A7-47D8-9D2A-18EC02EC0CCC}">
+    <dsp:sp modelId="{AFEA1595-814A-4ABA-8FAA-8F8A3E1384F4}">
       <dsp:nvSpPr>
         <dsp:cNvPr id="0" name=""/>
         <dsp:cNvSpPr/>
       </dsp:nvSpPr>
       <dsp:spPr>
         <a:xfrm>
-          <a:off x="9413941" y="9209670"/>
-          <a:ext cx="1186160" cy="593080"/>
+          <a:off x="9488950" y="8399487"/>
+          <a:ext cx="1123652" cy="561826"/>
         </a:xfrm>
         <a:prstGeom prst="roundRect">
           <a:avLst>
@@ -12870,12 +13016,12 @@
         </a:fontRef>
       </dsp:style>
       <dsp:txBody>
-        <a:bodyPr spcFirstLastPara="0" vert="horz" wrap="square" lIns="5080" tIns="5080" rIns="5080" bIns="5080" numCol="1" spcCol="1270" anchor="ctr" anchorCtr="0">
+        <a:bodyPr spcFirstLastPara="0" vert="horz" wrap="square" lIns="4445" tIns="4445" rIns="4445" bIns="4445" numCol="1" spcCol="1270" anchor="ctr" anchorCtr="0">
           <a:noAutofit/>
         </a:bodyPr>
         <a:lstStyle/>
         <a:p>
-          <a:pPr marL="0" lvl="0" indent="0" algn="ctr" defTabSz="355600">
+          <a:pPr marL="0" lvl="0" indent="0" algn="ctr" defTabSz="311150">
             <a:lnSpc>
               <a:spcPct val="90000"/>
             </a:lnSpc>
@@ -12888,25 +13034,25 @@
             <a:buNone/>
           </a:pPr>
           <a:r>
-            <a:rPr lang="en-PH" sz="800" i="0" u="none" kern="1200" dirty="0"/>
-            <a:t>NONE: /validate</a:t>
+            <a:rPr lang="en-PH" sz="700" i="0" u="none" kern="1200" dirty="0"/>
+            <a:t>GET: /user/&lt;username&gt;</a:t>
           </a:r>
         </a:p>
       </dsp:txBody>
       <dsp:txXfrm>
-        <a:off x="9431312" y="9227041"/>
-        <a:ext cx="1151418" cy="558338"/>
+        <a:off x="9505405" y="8415942"/>
+        <a:ext cx="1090742" cy="528916"/>
       </dsp:txXfrm>
     </dsp:sp>
-    <dsp:sp modelId="{25FC7CE5-32D4-4442-A335-F18D74AF384E}">
+    <dsp:sp modelId="{5C3958C2-CEAE-44B8-A983-FBED675CF183}">
       <dsp:nvSpPr>
         <dsp:cNvPr id="0" name=""/>
         <dsp:cNvSpPr/>
       </dsp:nvSpPr>
       <dsp:spPr>
-        <a:xfrm rot="19457599">
-          <a:off x="10545181" y="9331321"/>
-          <a:ext cx="584304" cy="8756"/>
+        <a:xfrm>
+          <a:off x="10612603" y="8676253"/>
+          <a:ext cx="449460" cy="8294"/>
         </a:xfrm>
         <a:custGeom>
           <a:avLst/>
@@ -12917,10 +13063,10 @@
           <a:pathLst>
             <a:path>
               <a:moveTo>
-                <a:pt x="0" y="4378"/>
+                <a:pt x="0" y="4147"/>
               </a:moveTo>
               <a:lnTo>
-                <a:pt x="584304" y="4378"/>
+                <a:pt x="449460" y="4147"/>
               </a:lnTo>
             </a:path>
           </a:pathLst>
@@ -12975,19 +13121,19 @@
         </a:p>
       </dsp:txBody>
       <dsp:txXfrm>
-        <a:off x="10822725" y="9321092"/>
-        <a:ext cx="29215" cy="29215"/>
+        <a:off x="10826096" y="8669163"/>
+        <a:ext cx="22473" cy="22473"/>
       </dsp:txXfrm>
     </dsp:sp>
-    <dsp:sp modelId="{91413382-3271-47B9-A294-291C47788DDE}">
+    <dsp:sp modelId="{62FFF28E-24FB-4030-BBD3-AB45098C2924}">
       <dsp:nvSpPr>
         <dsp:cNvPr id="0" name=""/>
         <dsp:cNvSpPr/>
       </dsp:nvSpPr>
       <dsp:spPr>
         <a:xfrm>
-          <a:off x="11074565" y="8868649"/>
-          <a:ext cx="1186160" cy="593080"/>
+          <a:off x="11062063" y="8399487"/>
+          <a:ext cx="1123652" cy="561826"/>
         </a:xfrm>
         <a:prstGeom prst="roundRect">
           <a:avLst>
@@ -13031,12 +13177,12 @@
         </a:fontRef>
       </dsp:style>
       <dsp:txBody>
-        <a:bodyPr spcFirstLastPara="0" vert="horz" wrap="square" lIns="5080" tIns="5080" rIns="5080" bIns="5080" numCol="1" spcCol="1270" anchor="ctr" anchorCtr="0">
+        <a:bodyPr spcFirstLastPara="0" vert="horz" wrap="square" lIns="4445" tIns="4445" rIns="4445" bIns="4445" numCol="1" spcCol="1270" anchor="ctr" anchorCtr="0">
           <a:noAutofit/>
         </a:bodyPr>
         <a:lstStyle/>
         <a:p>
-          <a:pPr marL="0" lvl="0" indent="0" algn="ctr" defTabSz="355600">
+          <a:pPr marL="0" lvl="0" indent="0" algn="ctr" defTabSz="311150">
             <a:lnSpc>
               <a:spcPct val="90000"/>
             </a:lnSpc>
@@ -13049,25 +13195,33 @@
             <a:buNone/>
           </a:pPr>
           <a:r>
-            <a:rPr lang="en-PH" sz="800" i="0" u="none" kern="1200" dirty="0"/>
-            <a:t>POST: /validate/password</a:t>
+            <a:rPr lang="en-PH" sz="700" i="0" u="none" kern="1200" dirty="0"/>
+            <a:t>GET: /</a:t>
+          </a:r>
+          <a:r>
+            <a:rPr lang="en-PH" sz="700" i="0" u="none" kern="1200"/>
+            <a:t>user/&lt;</a:t>
+          </a:r>
+          <a:r>
+            <a:rPr lang="en-PH" sz="700" i="0" u="none" kern="1200" dirty="0"/>
+            <a:t>username&gt;/search</a:t>
           </a:r>
         </a:p>
       </dsp:txBody>
       <dsp:txXfrm>
-        <a:off x="11091936" y="8886020"/>
-        <a:ext cx="1151418" cy="558338"/>
+        <a:off x="11078518" y="8415942"/>
+        <a:ext cx="1090742" cy="528916"/>
       </dsp:txXfrm>
     </dsp:sp>
-    <dsp:sp modelId="{2EB80B32-B37F-4705-B617-95C3CE1DE02A}">
+    <dsp:sp modelId="{378662CD-6F88-47B9-B6B9-69841423B909}">
       <dsp:nvSpPr>
         <dsp:cNvPr id="0" name=""/>
         <dsp:cNvSpPr/>
       </dsp:nvSpPr>
       <dsp:spPr>
-        <a:xfrm rot="2142401">
-          <a:off x="10545181" y="9672342"/>
-          <a:ext cx="584304" cy="8756"/>
+        <a:xfrm rot="5003192">
+          <a:off x="7312935" y="7707102"/>
+          <a:ext cx="3902569" cy="8294"/>
         </a:xfrm>
         <a:custGeom>
           <a:avLst/>
@@ -13078,10 +13232,10 @@
           <a:pathLst>
             <a:path>
               <a:moveTo>
-                <a:pt x="0" y="4378"/>
+                <a:pt x="0" y="4147"/>
               </a:moveTo>
               <a:lnTo>
-                <a:pt x="584304" y="4378"/>
+                <a:pt x="3902569" y="4147"/>
               </a:lnTo>
             </a:path>
           </a:pathLst>
@@ -13090,7 +13244,7 @@
         <a:ln w="12700" cap="flat" cmpd="sng" algn="ctr">
           <a:solidFill>
             <a:schemeClr val="accent1">
-              <a:shade val="80000"/>
+              <a:shade val="60000"/>
               <a:hueOff val="0"/>
               <a:satOff val="0"/>
               <a:lumOff val="0"/>
@@ -13120,7 +13274,7 @@
         </a:bodyPr>
         <a:lstStyle/>
         <a:p>
-          <a:pPr marL="0" lvl="0" indent="0" algn="ctr" defTabSz="222250">
+          <a:pPr marL="0" lvl="0" indent="0" algn="ctr" defTabSz="266700">
             <a:lnSpc>
               <a:spcPct val="90000"/>
             </a:lnSpc>
@@ -13132,23 +13286,23 @@
             </a:spcAft>
             <a:buNone/>
           </a:pPr>
-          <a:endParaRPr lang="en-PH" sz="500" kern="1200"/>
+          <a:endParaRPr lang="en-PH" sz="600" kern="1200"/>
         </a:p>
       </dsp:txBody>
       <dsp:txXfrm>
-        <a:off x="10822725" y="9662113"/>
-        <a:ext cx="29215" cy="29215"/>
+        <a:off x="9166655" y="7613686"/>
+        <a:ext cx="195128" cy="195128"/>
       </dsp:txXfrm>
     </dsp:sp>
-    <dsp:sp modelId="{11E28B73-CFAD-4BBB-A008-CC1F386AEDE6}">
+    <dsp:sp modelId="{B06B5877-B8A7-47D8-9D2A-18EC02EC0CCC}">
       <dsp:nvSpPr>
         <dsp:cNvPr id="0" name=""/>
         <dsp:cNvSpPr/>
       </dsp:nvSpPr>
       <dsp:spPr>
         <a:xfrm>
-          <a:off x="11074565" y="9550691"/>
-          <a:ext cx="1186160" cy="593080"/>
+          <a:off x="9488950" y="9368637"/>
+          <a:ext cx="1123652" cy="561826"/>
         </a:xfrm>
         <a:prstGeom prst="roundRect">
           <a:avLst>
@@ -13192,12 +13346,12 @@
         </a:fontRef>
       </dsp:style>
       <dsp:txBody>
-        <a:bodyPr spcFirstLastPara="0" vert="horz" wrap="square" lIns="5080" tIns="5080" rIns="5080" bIns="5080" numCol="1" spcCol="1270" anchor="ctr" anchorCtr="0">
+        <a:bodyPr spcFirstLastPara="0" vert="horz" wrap="square" lIns="4445" tIns="4445" rIns="4445" bIns="4445" numCol="1" spcCol="1270" anchor="ctr" anchorCtr="0">
           <a:noAutofit/>
         </a:bodyPr>
         <a:lstStyle/>
         <a:p>
-          <a:pPr marL="0" lvl="0" indent="0" algn="ctr" defTabSz="355600">
+          <a:pPr marL="0" lvl="0" indent="0" algn="ctr" defTabSz="311150">
             <a:lnSpc>
               <a:spcPct val="90000"/>
             </a:lnSpc>
@@ -13210,25 +13364,25 @@
             <a:buNone/>
           </a:pPr>
           <a:r>
-            <a:rPr lang="en-PH" sz="800" i="0" u="none" kern="1200" dirty="0"/>
-            <a:t>POST: /validate/username</a:t>
+            <a:rPr lang="en-PH" sz="700" i="0" u="none" kern="1200" dirty="0"/>
+            <a:t>NONE: /validate</a:t>
           </a:r>
         </a:p>
       </dsp:txBody>
       <dsp:txXfrm>
-        <a:off x="11091936" y="9568062"/>
-        <a:ext cx="1151418" cy="558338"/>
+        <a:off x="9505405" y="9385092"/>
+        <a:ext cx="1090742" cy="528916"/>
       </dsp:txXfrm>
     </dsp:sp>
-    <dsp:sp modelId="{91611C84-6F69-442A-BE8E-E60883D3992E}">
+    <dsp:sp modelId="{25FC7CE5-32D4-4442-A335-F18D74AF384E}">
       <dsp:nvSpPr>
         <dsp:cNvPr id="0" name=""/>
         <dsp:cNvSpPr/>
       </dsp:nvSpPr>
       <dsp:spPr>
-        <a:xfrm rot="5101816">
-          <a:off x="6438245" y="8478769"/>
-          <a:ext cx="5476926" cy="8756"/>
+        <a:xfrm rot="19457599">
+          <a:off x="10560577" y="9483878"/>
+          <a:ext cx="553512" cy="8294"/>
         </a:xfrm>
         <a:custGeom>
           <a:avLst/>
@@ -13239,10 +13393,10 @@
           <a:pathLst>
             <a:path>
               <a:moveTo>
-                <a:pt x="0" y="4378"/>
+                <a:pt x="0" y="4147"/>
               </a:moveTo>
               <a:lnTo>
-                <a:pt x="5476926" y="4378"/>
+                <a:pt x="553512" y="4147"/>
               </a:lnTo>
             </a:path>
           </a:pathLst>
@@ -13251,7 +13405,7 @@
         <a:ln w="12700" cap="flat" cmpd="sng" algn="ctr">
           <a:solidFill>
             <a:schemeClr val="accent1">
-              <a:shade val="60000"/>
+              <a:shade val="80000"/>
               <a:hueOff val="0"/>
               <a:satOff val="0"/>
               <a:lumOff val="0"/>
@@ -13281,7 +13435,7 @@
         </a:bodyPr>
         <a:lstStyle/>
         <a:p>
-          <a:pPr marL="0" lvl="0" indent="0" algn="ctr" defTabSz="266700">
+          <a:pPr marL="0" lvl="0" indent="0" algn="ctr" defTabSz="222250">
             <a:lnSpc>
               <a:spcPct val="90000"/>
             </a:lnSpc>
@@ -13293,23 +13447,23 @@
             </a:spcAft>
             <a:buNone/>
           </a:pPr>
-          <a:endParaRPr lang="en-PH" sz="600" kern="1200"/>
+          <a:endParaRPr lang="en-PH" sz="500" kern="1200"/>
         </a:p>
       </dsp:txBody>
       <dsp:txXfrm>
-        <a:off x="9039786" y="8346224"/>
-        <a:ext cx="273846" cy="273846"/>
+        <a:off x="10823495" y="9474187"/>
+        <a:ext cx="27675" cy="27675"/>
       </dsp:txXfrm>
     </dsp:sp>
-    <dsp:sp modelId="{5368879E-2E80-4E68-922A-4CB5D72144A4}">
+    <dsp:sp modelId="{91413382-3271-47B9-A294-291C47788DDE}">
       <dsp:nvSpPr>
         <dsp:cNvPr id="0" name=""/>
         <dsp:cNvSpPr/>
       </dsp:nvSpPr>
       <dsp:spPr>
         <a:xfrm>
-          <a:off x="9413941" y="10914775"/>
-          <a:ext cx="1186160" cy="593080"/>
+          <a:off x="11062063" y="9045587"/>
+          <a:ext cx="1123652" cy="561826"/>
         </a:xfrm>
         <a:prstGeom prst="roundRect">
           <a:avLst>
@@ -13353,12 +13507,12 @@
         </a:fontRef>
       </dsp:style>
       <dsp:txBody>
-        <a:bodyPr spcFirstLastPara="0" vert="horz" wrap="square" lIns="5080" tIns="5080" rIns="5080" bIns="5080" numCol="1" spcCol="1270" anchor="ctr" anchorCtr="0">
+        <a:bodyPr spcFirstLastPara="0" vert="horz" wrap="square" lIns="4445" tIns="4445" rIns="4445" bIns="4445" numCol="1" spcCol="1270" anchor="ctr" anchorCtr="0">
           <a:noAutofit/>
         </a:bodyPr>
         <a:lstStyle/>
         <a:p>
-          <a:pPr marL="0" lvl="0" indent="0" algn="ctr" defTabSz="355600">
+          <a:pPr marL="0" lvl="0" indent="0" algn="ctr" defTabSz="311150">
             <a:lnSpc>
               <a:spcPct val="90000"/>
             </a:lnSpc>
@@ -13371,25 +13525,25 @@
             <a:buNone/>
           </a:pPr>
           <a:r>
-            <a:rPr lang="en-PH" sz="800" i="0" u="none" kern="1200" dirty="0"/>
-            <a:t>NONE: /debug</a:t>
+            <a:rPr lang="en-PH" sz="700" i="0" u="none" kern="1200" dirty="0"/>
+            <a:t>POST: /validate/password</a:t>
           </a:r>
         </a:p>
       </dsp:txBody>
       <dsp:txXfrm>
-        <a:off x="9431312" y="10932146"/>
-        <a:ext cx="1151418" cy="558338"/>
+        <a:off x="11078518" y="9062042"/>
+        <a:ext cx="1090742" cy="528916"/>
       </dsp:txXfrm>
     </dsp:sp>
-    <dsp:sp modelId="{32E9F333-8720-4DA1-8B72-444466DB6531}">
+    <dsp:sp modelId="{2EB80B32-B37F-4705-B617-95C3CE1DE02A}">
       <dsp:nvSpPr>
         <dsp:cNvPr id="0" name=""/>
         <dsp:cNvSpPr/>
       </dsp:nvSpPr>
       <dsp:spPr>
-        <a:xfrm rot="18289469">
-          <a:off x="10421912" y="10865916"/>
-          <a:ext cx="830841" cy="8756"/>
+        <a:xfrm rot="2142401">
+          <a:off x="10560577" y="9806928"/>
+          <a:ext cx="553512" cy="8294"/>
         </a:xfrm>
         <a:custGeom>
           <a:avLst/>
@@ -13400,10 +13554,10 @@
           <a:pathLst>
             <a:path>
               <a:moveTo>
-                <a:pt x="0" y="4378"/>
+                <a:pt x="0" y="4147"/>
               </a:moveTo>
               <a:lnTo>
-                <a:pt x="830841" y="4378"/>
+                <a:pt x="553512" y="4147"/>
               </a:lnTo>
             </a:path>
           </a:pathLst>
@@ -13458,19 +13612,19 @@
         </a:p>
       </dsp:txBody>
       <dsp:txXfrm>
-        <a:off x="10816562" y="10849523"/>
-        <a:ext cx="41542" cy="41542"/>
+        <a:off x="10823495" y="9797237"/>
+        <a:ext cx="27675" cy="27675"/>
       </dsp:txXfrm>
     </dsp:sp>
-    <dsp:sp modelId="{E530F799-1028-4659-A051-38AA046CF67A}">
+    <dsp:sp modelId="{11E28B73-CFAD-4BBB-A008-CC1F386AEDE6}">
       <dsp:nvSpPr>
         <dsp:cNvPr id="0" name=""/>
         <dsp:cNvSpPr/>
       </dsp:nvSpPr>
       <dsp:spPr>
         <a:xfrm>
-          <a:off x="11074565" y="10232733"/>
-          <a:ext cx="1186160" cy="593080"/>
+          <a:off x="11062063" y="9691687"/>
+          <a:ext cx="1123652" cy="561826"/>
         </a:xfrm>
         <a:prstGeom prst="roundRect">
           <a:avLst>
@@ -13514,12 +13668,12 @@
         </a:fontRef>
       </dsp:style>
       <dsp:txBody>
-        <a:bodyPr spcFirstLastPara="0" vert="horz" wrap="square" lIns="5080" tIns="5080" rIns="5080" bIns="5080" numCol="1" spcCol="1270" anchor="ctr" anchorCtr="0">
+        <a:bodyPr spcFirstLastPara="0" vert="horz" wrap="square" lIns="4445" tIns="4445" rIns="4445" bIns="4445" numCol="1" spcCol="1270" anchor="ctr" anchorCtr="0">
           <a:noAutofit/>
         </a:bodyPr>
         <a:lstStyle/>
         <a:p>
-          <a:pPr marL="0" lvl="0" indent="0" algn="ctr" defTabSz="355600">
+          <a:pPr marL="0" lvl="0" indent="0" algn="ctr" defTabSz="311150">
             <a:lnSpc>
               <a:spcPct val="90000"/>
             </a:lnSpc>
@@ -13532,26 +13686,25 @@
             <a:buNone/>
           </a:pPr>
           <a:r>
-            <a:rPr lang="en-PH" sz="800" b="0" kern="1200" dirty="0"/>
-            <a:t>GET: /debug/home</a:t>
+            <a:rPr lang="en-PH" sz="700" i="0" u="none" kern="1200" dirty="0"/>
+            <a:t>POST: /validate/username</a:t>
           </a:r>
-          <a:endParaRPr lang="en-PH" sz="800" i="0" u="none" kern="1200" dirty="0"/>
         </a:p>
       </dsp:txBody>
       <dsp:txXfrm>
-        <a:off x="11091936" y="10250104"/>
-        <a:ext cx="1151418" cy="558338"/>
+        <a:off x="11078518" y="9708142"/>
+        <a:ext cx="1090742" cy="528916"/>
       </dsp:txXfrm>
     </dsp:sp>
-    <dsp:sp modelId="{D086EB9A-9366-4275-9D90-B97B61C17427}">
+    <dsp:sp modelId="{91611C84-6F69-442A-BE8E-E60883D3992E}">
       <dsp:nvSpPr>
         <dsp:cNvPr id="0" name=""/>
         <dsp:cNvSpPr/>
       </dsp:nvSpPr>
       <dsp:spPr>
-        <a:xfrm>
-          <a:off x="10600101" y="11206937"/>
-          <a:ext cx="474464" cy="8756"/>
+        <a:xfrm rot="5119276">
+          <a:off x="6509114" y="8514728"/>
+          <a:ext cx="5510212" cy="8294"/>
         </a:xfrm>
         <a:custGeom>
           <a:avLst/>
@@ -13562,10 +13715,10 @@
           <a:pathLst>
             <a:path>
               <a:moveTo>
-                <a:pt x="0" y="4378"/>
+                <a:pt x="0" y="4147"/>
               </a:moveTo>
               <a:lnTo>
-                <a:pt x="474464" y="4378"/>
+                <a:pt x="5510212" y="4147"/>
               </a:lnTo>
             </a:path>
           </a:pathLst>
@@ -13574,7 +13727,7 @@
         <a:ln w="12700" cap="flat" cmpd="sng" algn="ctr">
           <a:solidFill>
             <a:schemeClr val="accent1">
-              <a:shade val="80000"/>
+              <a:shade val="60000"/>
               <a:hueOff val="0"/>
               <a:satOff val="0"/>
               <a:lumOff val="0"/>
@@ -13604,7 +13757,7 @@
         </a:bodyPr>
         <a:lstStyle/>
         <a:p>
-          <a:pPr marL="0" lvl="0" indent="0" algn="ctr" defTabSz="222250">
+          <a:pPr marL="0" lvl="0" indent="0" algn="ctr" defTabSz="266700">
             <a:lnSpc>
               <a:spcPct val="90000"/>
             </a:lnSpc>
@@ -13616,23 +13769,23 @@
             </a:spcAft>
             <a:buNone/>
           </a:pPr>
-          <a:endParaRPr lang="en-PH" sz="500" kern="1200"/>
+          <a:endParaRPr lang="en-PH" sz="600" kern="1200"/>
         </a:p>
       </dsp:txBody>
       <dsp:txXfrm>
-        <a:off x="10825471" y="11199454"/>
-        <a:ext cx="23723" cy="23723"/>
+        <a:off x="9126464" y="8381120"/>
+        <a:ext cx="275510" cy="275510"/>
       </dsp:txXfrm>
     </dsp:sp>
-    <dsp:sp modelId="{7A110442-8E3A-4338-A085-AFDB500164A6}">
+    <dsp:sp modelId="{5368879E-2E80-4E68-922A-4CB5D72144A4}">
       <dsp:nvSpPr>
         <dsp:cNvPr id="0" name=""/>
         <dsp:cNvSpPr/>
       </dsp:nvSpPr>
       <dsp:spPr>
         <a:xfrm>
-          <a:off x="11074565" y="10914775"/>
-          <a:ext cx="1186160" cy="593080"/>
+          <a:off x="9488950" y="10983887"/>
+          <a:ext cx="1123652" cy="561826"/>
         </a:xfrm>
         <a:prstGeom prst="roundRect">
           <a:avLst>
@@ -13676,12 +13829,12 @@
         </a:fontRef>
       </dsp:style>
       <dsp:txBody>
-        <a:bodyPr spcFirstLastPara="0" vert="horz" wrap="square" lIns="5080" tIns="5080" rIns="5080" bIns="5080" numCol="1" spcCol="1270" anchor="ctr" anchorCtr="0">
+        <a:bodyPr spcFirstLastPara="0" vert="horz" wrap="square" lIns="4445" tIns="4445" rIns="4445" bIns="4445" numCol="1" spcCol="1270" anchor="ctr" anchorCtr="0">
           <a:noAutofit/>
         </a:bodyPr>
         <a:lstStyle/>
         <a:p>
-          <a:pPr marL="0" lvl="0" indent="0" algn="ctr" defTabSz="355600">
+          <a:pPr marL="0" lvl="0" indent="0" algn="ctr" defTabSz="311150">
             <a:lnSpc>
               <a:spcPct val="90000"/>
             </a:lnSpc>
@@ -13694,30 +13847,25 @@
             <a:buNone/>
           </a:pPr>
           <a:r>
-            <a:rPr lang="en-PH" sz="800" i="0" u="none" kern="1200" dirty="0"/>
-            <a:t>GET: </a:t>
+            <a:rPr lang="en-PH" sz="700" i="0" u="none" kern="1200" dirty="0"/>
+            <a:t>NONE: /debug</a:t>
           </a:r>
-          <a:r>
-            <a:rPr lang="en-PH" sz="800" b="0" kern="1200" dirty="0"/>
-            <a:t>/debug/profile</a:t>
-          </a:r>
-          <a:endParaRPr lang="en-PH" sz="800" i="0" u="none" kern="1200" dirty="0"/>
         </a:p>
       </dsp:txBody>
       <dsp:txXfrm>
-        <a:off x="11091936" y="10932146"/>
-        <a:ext cx="1151418" cy="558338"/>
+        <a:off x="9505405" y="11000342"/>
+        <a:ext cx="1090742" cy="528916"/>
       </dsp:txXfrm>
     </dsp:sp>
-    <dsp:sp modelId="{01AAAF48-2C57-4A31-B328-E9A33D27560A}">
+    <dsp:sp modelId="{32E9F333-8720-4DA1-8B72-444466DB6531}">
       <dsp:nvSpPr>
         <dsp:cNvPr id="0" name=""/>
         <dsp:cNvSpPr/>
       </dsp:nvSpPr>
       <dsp:spPr>
-        <a:xfrm rot="3310531">
-          <a:off x="10421912" y="11547958"/>
-          <a:ext cx="830841" cy="8756"/>
+        <a:xfrm rot="18289469">
+          <a:off x="10443804" y="10937603"/>
+          <a:ext cx="787058" cy="8294"/>
         </a:xfrm>
         <a:custGeom>
           <a:avLst/>
@@ -13728,10 +13876,10 @@
           <a:pathLst>
             <a:path>
               <a:moveTo>
-                <a:pt x="0" y="4378"/>
+                <a:pt x="0" y="4147"/>
               </a:moveTo>
               <a:lnTo>
-                <a:pt x="830841" y="4378"/>
+                <a:pt x="787058" y="4147"/>
               </a:lnTo>
             </a:path>
           </a:pathLst>
@@ -13786,19 +13934,19 @@
         </a:p>
       </dsp:txBody>
       <dsp:txXfrm>
-        <a:off x="10816562" y="11531565"/>
-        <a:ext cx="41542" cy="41542"/>
+        <a:off x="10817657" y="10922074"/>
+        <a:ext cx="39352" cy="39352"/>
       </dsp:txXfrm>
     </dsp:sp>
-    <dsp:sp modelId="{F6EB2A2A-B7CB-4743-93C7-1439D9B838BB}">
+    <dsp:sp modelId="{E530F799-1028-4659-A051-38AA046CF67A}">
       <dsp:nvSpPr>
         <dsp:cNvPr id="0" name=""/>
         <dsp:cNvSpPr/>
       </dsp:nvSpPr>
       <dsp:spPr>
         <a:xfrm>
-          <a:off x="11074565" y="11596817"/>
-          <a:ext cx="1186160" cy="593080"/>
+          <a:off x="11062063" y="10337787"/>
+          <a:ext cx="1123652" cy="561826"/>
         </a:xfrm>
         <a:prstGeom prst="roundRect">
           <a:avLst>
@@ -13842,12 +13990,12 @@
         </a:fontRef>
       </dsp:style>
       <dsp:txBody>
-        <a:bodyPr spcFirstLastPara="0" vert="horz" wrap="square" lIns="5080" tIns="5080" rIns="5080" bIns="5080" numCol="1" spcCol="1270" anchor="ctr" anchorCtr="0">
+        <a:bodyPr spcFirstLastPara="0" vert="horz" wrap="square" lIns="4445" tIns="4445" rIns="4445" bIns="4445" numCol="1" spcCol="1270" anchor="ctr" anchorCtr="0">
           <a:noAutofit/>
         </a:bodyPr>
         <a:lstStyle/>
         <a:p>
-          <a:pPr marL="0" lvl="0" indent="0" algn="ctr" defTabSz="355600">
+          <a:pPr marL="0" lvl="0" indent="0" algn="ctr" defTabSz="311150">
             <a:lnSpc>
               <a:spcPct val="90000"/>
             </a:lnSpc>
@@ -13860,15 +14008,343 @@
             <a:buNone/>
           </a:pPr>
           <a:r>
-            <a:rPr lang="en-PH" sz="800" b="0" kern="1200" dirty="0"/>
-            <a:t>GET: /debug/user/&lt;username&gt;</a:t>
+            <a:rPr lang="en-PH" sz="700" b="0" kern="1200" dirty="0"/>
+            <a:t>GET: /debug/home</a:t>
           </a:r>
-          <a:endParaRPr lang="en-PH" sz="800" i="0" u="none" kern="1200" dirty="0"/>
+          <a:endParaRPr lang="en-PH" sz="700" i="0" u="none" kern="1200" dirty="0"/>
         </a:p>
       </dsp:txBody>
       <dsp:txXfrm>
-        <a:off x="11091936" y="11614188"/>
-        <a:ext cx="1151418" cy="558338"/>
+        <a:off x="11078518" y="10354242"/>
+        <a:ext cx="1090742" cy="528916"/>
+      </dsp:txXfrm>
+    </dsp:sp>
+    <dsp:sp modelId="{D086EB9A-9366-4275-9D90-B97B61C17427}">
+      <dsp:nvSpPr>
+        <dsp:cNvPr id="0" name=""/>
+        <dsp:cNvSpPr/>
+      </dsp:nvSpPr>
+      <dsp:spPr>
+        <a:xfrm>
+          <a:off x="10612603" y="11260653"/>
+          <a:ext cx="449460" cy="8294"/>
+        </a:xfrm>
+        <a:custGeom>
+          <a:avLst/>
+          <a:gdLst/>
+          <a:ahLst/>
+          <a:cxnLst/>
+          <a:rect l="0" t="0" r="0" b="0"/>
+          <a:pathLst>
+            <a:path>
+              <a:moveTo>
+                <a:pt x="0" y="4147"/>
+              </a:moveTo>
+              <a:lnTo>
+                <a:pt x="449460" y="4147"/>
+              </a:lnTo>
+            </a:path>
+          </a:pathLst>
+        </a:custGeom>
+        <a:noFill/>
+        <a:ln w="12700" cap="flat" cmpd="sng" algn="ctr">
+          <a:solidFill>
+            <a:schemeClr val="accent1">
+              <a:shade val="80000"/>
+              <a:hueOff val="0"/>
+              <a:satOff val="0"/>
+              <a:lumOff val="0"/>
+              <a:alphaOff val="0"/>
+            </a:schemeClr>
+          </a:solidFill>
+          <a:prstDash val="solid"/>
+          <a:miter lim="800000"/>
+        </a:ln>
+        <a:effectLst/>
+      </dsp:spPr>
+      <dsp:style>
+        <a:lnRef idx="2">
+          <a:scrgbClr r="0" g="0" b="0"/>
+        </a:lnRef>
+        <a:fillRef idx="0">
+          <a:scrgbClr r="0" g="0" b="0"/>
+        </a:fillRef>
+        <a:effectRef idx="0">
+          <a:scrgbClr r="0" g="0" b="0"/>
+        </a:effectRef>
+        <a:fontRef idx="minor"/>
+      </dsp:style>
+      <dsp:txBody>
+        <a:bodyPr spcFirstLastPara="0" vert="horz" wrap="square" lIns="12700" tIns="0" rIns="12700" bIns="0" numCol="1" spcCol="1270" anchor="ctr" anchorCtr="0">
+          <a:noAutofit/>
+        </a:bodyPr>
+        <a:lstStyle/>
+        <a:p>
+          <a:pPr marL="0" lvl="0" indent="0" algn="ctr" defTabSz="222250">
+            <a:lnSpc>
+              <a:spcPct val="90000"/>
+            </a:lnSpc>
+            <a:spcBef>
+              <a:spcPct val="0"/>
+            </a:spcBef>
+            <a:spcAft>
+              <a:spcPct val="35000"/>
+            </a:spcAft>
+            <a:buNone/>
+          </a:pPr>
+          <a:endParaRPr lang="en-PH" sz="500" kern="1200"/>
+        </a:p>
+      </dsp:txBody>
+      <dsp:txXfrm>
+        <a:off x="10826096" y="11253564"/>
+        <a:ext cx="22473" cy="22473"/>
+      </dsp:txXfrm>
+    </dsp:sp>
+    <dsp:sp modelId="{7A110442-8E3A-4338-A085-AFDB500164A6}">
+      <dsp:nvSpPr>
+        <dsp:cNvPr id="0" name=""/>
+        <dsp:cNvSpPr/>
+      </dsp:nvSpPr>
+      <dsp:spPr>
+        <a:xfrm>
+          <a:off x="11062063" y="10983887"/>
+          <a:ext cx="1123652" cy="561826"/>
+        </a:xfrm>
+        <a:prstGeom prst="roundRect">
+          <a:avLst>
+            <a:gd name="adj" fmla="val 10000"/>
+          </a:avLst>
+        </a:prstGeom>
+        <a:solidFill>
+          <a:schemeClr val="accent1">
+            <a:hueOff val="0"/>
+            <a:satOff val="0"/>
+            <a:lumOff val="0"/>
+            <a:alphaOff val="0"/>
+          </a:schemeClr>
+        </a:solidFill>
+        <a:ln w="12700" cap="flat" cmpd="sng" algn="ctr">
+          <a:solidFill>
+            <a:schemeClr val="lt1">
+              <a:hueOff val="0"/>
+              <a:satOff val="0"/>
+              <a:lumOff val="0"/>
+              <a:alphaOff val="0"/>
+            </a:schemeClr>
+          </a:solidFill>
+          <a:prstDash val="solid"/>
+          <a:miter lim="800000"/>
+        </a:ln>
+        <a:effectLst/>
+      </dsp:spPr>
+      <dsp:style>
+        <a:lnRef idx="2">
+          <a:scrgbClr r="0" g="0" b="0"/>
+        </a:lnRef>
+        <a:fillRef idx="1">
+          <a:scrgbClr r="0" g="0" b="0"/>
+        </a:fillRef>
+        <a:effectRef idx="0">
+          <a:scrgbClr r="0" g="0" b="0"/>
+        </a:effectRef>
+        <a:fontRef idx="minor">
+          <a:schemeClr val="lt1"/>
+        </a:fontRef>
+      </dsp:style>
+      <dsp:txBody>
+        <a:bodyPr spcFirstLastPara="0" vert="horz" wrap="square" lIns="4445" tIns="4445" rIns="4445" bIns="4445" numCol="1" spcCol="1270" anchor="ctr" anchorCtr="0">
+          <a:noAutofit/>
+        </a:bodyPr>
+        <a:lstStyle/>
+        <a:p>
+          <a:pPr marL="0" lvl="0" indent="0" algn="ctr" defTabSz="311150">
+            <a:lnSpc>
+              <a:spcPct val="90000"/>
+            </a:lnSpc>
+            <a:spcBef>
+              <a:spcPct val="0"/>
+            </a:spcBef>
+            <a:spcAft>
+              <a:spcPct val="35000"/>
+            </a:spcAft>
+            <a:buNone/>
+          </a:pPr>
+          <a:r>
+            <a:rPr lang="en-PH" sz="700" i="0" u="none" kern="1200" dirty="0"/>
+            <a:t>GET: </a:t>
+          </a:r>
+          <a:r>
+            <a:rPr lang="en-PH" sz="700" b="0" kern="1200" dirty="0"/>
+            <a:t>/debug/profile</a:t>
+          </a:r>
+          <a:endParaRPr lang="en-PH" sz="700" i="0" u="none" kern="1200" dirty="0"/>
+        </a:p>
+      </dsp:txBody>
+      <dsp:txXfrm>
+        <a:off x="11078518" y="11000342"/>
+        <a:ext cx="1090742" cy="528916"/>
+      </dsp:txXfrm>
+    </dsp:sp>
+    <dsp:sp modelId="{01AAAF48-2C57-4A31-B328-E9A33D27560A}">
+      <dsp:nvSpPr>
+        <dsp:cNvPr id="0" name=""/>
+        <dsp:cNvSpPr/>
+      </dsp:nvSpPr>
+      <dsp:spPr>
+        <a:xfrm rot="3310531">
+          <a:off x="10443804" y="11583703"/>
+          <a:ext cx="787058" cy="8294"/>
+        </a:xfrm>
+        <a:custGeom>
+          <a:avLst/>
+          <a:gdLst/>
+          <a:ahLst/>
+          <a:cxnLst/>
+          <a:rect l="0" t="0" r="0" b="0"/>
+          <a:pathLst>
+            <a:path>
+              <a:moveTo>
+                <a:pt x="0" y="4147"/>
+              </a:moveTo>
+              <a:lnTo>
+                <a:pt x="787058" y="4147"/>
+              </a:lnTo>
+            </a:path>
+          </a:pathLst>
+        </a:custGeom>
+        <a:noFill/>
+        <a:ln w="12700" cap="flat" cmpd="sng" algn="ctr">
+          <a:solidFill>
+            <a:schemeClr val="accent1">
+              <a:shade val="80000"/>
+              <a:hueOff val="0"/>
+              <a:satOff val="0"/>
+              <a:lumOff val="0"/>
+              <a:alphaOff val="0"/>
+            </a:schemeClr>
+          </a:solidFill>
+          <a:prstDash val="solid"/>
+          <a:miter lim="800000"/>
+        </a:ln>
+        <a:effectLst/>
+      </dsp:spPr>
+      <dsp:style>
+        <a:lnRef idx="2">
+          <a:scrgbClr r="0" g="0" b="0"/>
+        </a:lnRef>
+        <a:fillRef idx="0">
+          <a:scrgbClr r="0" g="0" b="0"/>
+        </a:fillRef>
+        <a:effectRef idx="0">
+          <a:scrgbClr r="0" g="0" b="0"/>
+        </a:effectRef>
+        <a:fontRef idx="minor"/>
+      </dsp:style>
+      <dsp:txBody>
+        <a:bodyPr spcFirstLastPara="0" vert="horz" wrap="square" lIns="12700" tIns="0" rIns="12700" bIns="0" numCol="1" spcCol="1270" anchor="ctr" anchorCtr="0">
+          <a:noAutofit/>
+        </a:bodyPr>
+        <a:lstStyle/>
+        <a:p>
+          <a:pPr marL="0" lvl="0" indent="0" algn="ctr" defTabSz="222250">
+            <a:lnSpc>
+              <a:spcPct val="90000"/>
+            </a:lnSpc>
+            <a:spcBef>
+              <a:spcPct val="0"/>
+            </a:spcBef>
+            <a:spcAft>
+              <a:spcPct val="35000"/>
+            </a:spcAft>
+            <a:buNone/>
+          </a:pPr>
+          <a:endParaRPr lang="en-PH" sz="500" kern="1200"/>
+        </a:p>
+      </dsp:txBody>
+      <dsp:txXfrm>
+        <a:off x="10817657" y="11568174"/>
+        <a:ext cx="39352" cy="39352"/>
+      </dsp:txXfrm>
+    </dsp:sp>
+    <dsp:sp modelId="{F6EB2A2A-B7CB-4743-93C7-1439D9B838BB}">
+      <dsp:nvSpPr>
+        <dsp:cNvPr id="0" name=""/>
+        <dsp:cNvSpPr/>
+      </dsp:nvSpPr>
+      <dsp:spPr>
+        <a:xfrm>
+          <a:off x="11062063" y="11629987"/>
+          <a:ext cx="1123652" cy="561826"/>
+        </a:xfrm>
+        <a:prstGeom prst="roundRect">
+          <a:avLst>
+            <a:gd name="adj" fmla="val 10000"/>
+          </a:avLst>
+        </a:prstGeom>
+        <a:solidFill>
+          <a:schemeClr val="accent1">
+            <a:hueOff val="0"/>
+            <a:satOff val="0"/>
+            <a:lumOff val="0"/>
+            <a:alphaOff val="0"/>
+          </a:schemeClr>
+        </a:solidFill>
+        <a:ln w="12700" cap="flat" cmpd="sng" algn="ctr">
+          <a:solidFill>
+            <a:schemeClr val="lt1">
+              <a:hueOff val="0"/>
+              <a:satOff val="0"/>
+              <a:lumOff val="0"/>
+              <a:alphaOff val="0"/>
+            </a:schemeClr>
+          </a:solidFill>
+          <a:prstDash val="solid"/>
+          <a:miter lim="800000"/>
+        </a:ln>
+        <a:effectLst/>
+      </dsp:spPr>
+      <dsp:style>
+        <a:lnRef idx="2">
+          <a:scrgbClr r="0" g="0" b="0"/>
+        </a:lnRef>
+        <a:fillRef idx="1">
+          <a:scrgbClr r="0" g="0" b="0"/>
+        </a:fillRef>
+        <a:effectRef idx="0">
+          <a:scrgbClr r="0" g="0" b="0"/>
+        </a:effectRef>
+        <a:fontRef idx="minor">
+          <a:schemeClr val="lt1"/>
+        </a:fontRef>
+      </dsp:style>
+      <dsp:txBody>
+        <a:bodyPr spcFirstLastPara="0" vert="horz" wrap="square" lIns="4445" tIns="4445" rIns="4445" bIns="4445" numCol="1" spcCol="1270" anchor="ctr" anchorCtr="0">
+          <a:noAutofit/>
+        </a:bodyPr>
+        <a:lstStyle/>
+        <a:p>
+          <a:pPr marL="0" lvl="0" indent="0" algn="ctr" defTabSz="311150">
+            <a:lnSpc>
+              <a:spcPct val="90000"/>
+            </a:lnSpc>
+            <a:spcBef>
+              <a:spcPct val="0"/>
+            </a:spcBef>
+            <a:spcAft>
+              <a:spcPct val="35000"/>
+            </a:spcAft>
+            <a:buNone/>
+          </a:pPr>
+          <a:r>
+            <a:rPr lang="en-PH" sz="700" b="0" kern="1200" dirty="0"/>
+            <a:t>GET: /debug/user/&lt;username&gt;</a:t>
+          </a:r>
+          <a:endParaRPr lang="en-PH" sz="700" i="0" u="none" kern="1200" dirty="0"/>
+        </a:p>
+      </dsp:txBody>
+      <dsp:txXfrm>
+        <a:off x="11078518" y="11646442"/>
+        <a:ext cx="1090742" cy="528916"/>
       </dsp:txXfrm>
     </dsp:sp>
   </dsp:spTree>
@@ -26708,7 +27184,7 @@
           <a:p>
             <a:fld id="{2CDD62A0-B891-4650-A5BB-561AD783AD7C}" type="datetimeFigureOut">
               <a:rPr lang="en-PH" smtClean="0"/>
-              <a:t>01/06/2022</a:t>
+              <a:t>02/06/2022</a:t>
             </a:fld>
             <a:endParaRPr lang="en-PH"/>
           </a:p>
@@ -26878,7 +27354,7 @@
           <a:p>
             <a:fld id="{2CDD62A0-B891-4650-A5BB-561AD783AD7C}" type="datetimeFigureOut">
               <a:rPr lang="en-PH" smtClean="0"/>
-              <a:t>01/06/2022</a:t>
+              <a:t>02/06/2022</a:t>
             </a:fld>
             <a:endParaRPr lang="en-PH"/>
           </a:p>
@@ -27058,7 +27534,7 @@
           <a:p>
             <a:fld id="{2CDD62A0-B891-4650-A5BB-561AD783AD7C}" type="datetimeFigureOut">
               <a:rPr lang="en-PH" smtClean="0"/>
-              <a:t>01/06/2022</a:t>
+              <a:t>02/06/2022</a:t>
             </a:fld>
             <a:endParaRPr lang="en-PH"/>
           </a:p>
@@ -27228,7 +27704,7 @@
           <a:p>
             <a:fld id="{2CDD62A0-B891-4650-A5BB-561AD783AD7C}" type="datetimeFigureOut">
               <a:rPr lang="en-PH" smtClean="0"/>
-              <a:t>01/06/2022</a:t>
+              <a:t>02/06/2022</a:t>
             </a:fld>
             <a:endParaRPr lang="en-PH"/>
           </a:p>
@@ -27472,7 +27948,7 @@
           <a:p>
             <a:fld id="{2CDD62A0-B891-4650-A5BB-561AD783AD7C}" type="datetimeFigureOut">
               <a:rPr lang="en-PH" smtClean="0"/>
-              <a:t>01/06/2022</a:t>
+              <a:t>02/06/2022</a:t>
             </a:fld>
             <a:endParaRPr lang="en-PH"/>
           </a:p>
@@ -27704,7 +28180,7 @@
           <a:p>
             <a:fld id="{2CDD62A0-B891-4650-A5BB-561AD783AD7C}" type="datetimeFigureOut">
               <a:rPr lang="en-PH" smtClean="0"/>
-              <a:t>01/06/2022</a:t>
+              <a:t>02/06/2022</a:t>
             </a:fld>
             <a:endParaRPr lang="en-PH"/>
           </a:p>
@@ -28071,7 +28547,7 @@
           <a:p>
             <a:fld id="{2CDD62A0-B891-4650-A5BB-561AD783AD7C}" type="datetimeFigureOut">
               <a:rPr lang="en-PH" smtClean="0"/>
-              <a:t>01/06/2022</a:t>
+              <a:t>02/06/2022</a:t>
             </a:fld>
             <a:endParaRPr lang="en-PH"/>
           </a:p>
@@ -28189,7 +28665,7 @@
           <a:p>
             <a:fld id="{2CDD62A0-B891-4650-A5BB-561AD783AD7C}" type="datetimeFigureOut">
               <a:rPr lang="en-PH" smtClean="0"/>
-              <a:t>01/06/2022</a:t>
+              <a:t>02/06/2022</a:t>
             </a:fld>
             <a:endParaRPr lang="en-PH"/>
           </a:p>
@@ -28284,7 +28760,7 @@
           <a:p>
             <a:fld id="{2CDD62A0-B891-4650-A5BB-561AD783AD7C}" type="datetimeFigureOut">
               <a:rPr lang="en-PH" smtClean="0"/>
-              <a:t>01/06/2022</a:t>
+              <a:t>02/06/2022</a:t>
             </a:fld>
             <a:endParaRPr lang="en-PH"/>
           </a:p>
@@ -28561,7 +29037,7 @@
           <a:p>
             <a:fld id="{2CDD62A0-B891-4650-A5BB-561AD783AD7C}" type="datetimeFigureOut">
               <a:rPr lang="en-PH" smtClean="0"/>
-              <a:t>01/06/2022</a:t>
+              <a:t>02/06/2022</a:t>
             </a:fld>
             <a:endParaRPr lang="en-PH"/>
           </a:p>
@@ -28818,7 +29294,7 @@
           <a:p>
             <a:fld id="{2CDD62A0-B891-4650-A5BB-561AD783AD7C}" type="datetimeFigureOut">
               <a:rPr lang="en-PH" smtClean="0"/>
-              <a:t>01/06/2022</a:t>
+              <a:t>02/06/2022</a:t>
             </a:fld>
             <a:endParaRPr lang="en-PH"/>
           </a:p>
@@ -29031,7 +29507,7 @@
           <a:p>
             <a:fld id="{2CDD62A0-B891-4650-A5BB-561AD783AD7C}" type="datetimeFigureOut">
               <a:rPr lang="en-PH" smtClean="0"/>
-              <a:t>01/06/2022</a:t>
+              <a:t>02/06/2022</a:t>
             </a:fld>
             <a:endParaRPr lang="en-PH"/>
           </a:p>
@@ -29724,7 +30200,7 @@
             <p:ph idx="1"/>
             <p:extLst>
               <p:ext uri="{D42A27DB-BD31-4B8C-83A1-F6EECF244321}">
-                <p14:modId xmlns:p14="http://schemas.microsoft.com/office/powerpoint/2010/main" val="3881367563"/>
+                <p14:modId xmlns:p14="http://schemas.microsoft.com/office/powerpoint/2010/main" val="3281674426"/>
               </p:ext>
             </p:extLst>
           </p:nvPr>

--- a/Documentation/MCO Design.pptx
+++ b/Documentation/MCO Design.pptx
@@ -8519,6 +8519,28 @@
         </a:p>
       </dgm:t>
     </dgm:pt>
+    <dgm:pt modelId="{B0945135-00C2-4848-8BCA-EDA1501DE99E}">
+      <dgm:prSet phldrT="[Text]"/>
+      <dgm:spPr/>
+      <dgm:t>
+        <a:bodyPr/>
+        <a:lstStyle/>
+        <a:p>
+          <a:r>
+            <a:rPr lang="en-PH" dirty="0"/>
+            <a:t>username</a:t>
+          </a:r>
+        </a:p>
+      </dgm:t>
+    </dgm:pt>
+    <dgm:pt modelId="{A59D336F-BFB6-4BFF-BE81-E3C8CC498F1A}" type="parTrans" cxnId="{636B3BCF-532D-4047-8474-5790C1777EB0}">
+      <dgm:prSet/>
+      <dgm:spPr/>
+    </dgm:pt>
+    <dgm:pt modelId="{FC7DCAB0-BA98-4265-AD8A-DF187A3E8C8B}" type="sibTrans" cxnId="{636B3BCF-532D-4047-8474-5790C1777EB0}">
+      <dgm:prSet/>
+      <dgm:spPr/>
+    </dgm:pt>
     <dgm:pt modelId="{A53C3E2D-9468-4D6A-86F3-0A39811EAEBC}" type="pres">
       <dgm:prSet presAssocID="{34BEB75E-ED6D-4113-9F50-1BF5F1954990}" presName="vert0" presStyleCnt="0">
         <dgm:presLayoutVars>
@@ -8538,7 +8560,7 @@
       <dgm:spPr/>
     </dgm:pt>
     <dgm:pt modelId="{5FC1690E-C7BC-4915-804E-04E93AF8C6DB}" type="pres">
-      <dgm:prSet presAssocID="{441C9BFF-8AD7-4827-90F5-60BEDCAF3705}" presName="tx1" presStyleLbl="revTx" presStyleIdx="0" presStyleCnt="5"/>
+      <dgm:prSet presAssocID="{441C9BFF-8AD7-4827-90F5-60BEDCAF3705}" presName="tx1" presStyleLbl="revTx" presStyleIdx="0" presStyleCnt="6"/>
       <dgm:spPr/>
     </dgm:pt>
     <dgm:pt modelId="{E50B94C4-2295-4969-B215-8449DBB952CE}" type="pres">
@@ -8558,7 +8580,7 @@
       <dgm:spPr/>
     </dgm:pt>
     <dgm:pt modelId="{99212178-0F69-4232-AF45-059B522B7556}" type="pres">
-      <dgm:prSet presAssocID="{0343F91B-04B1-44B9-AD95-2DD0EF17E913}" presName="tx2" presStyleLbl="revTx" presStyleIdx="1" presStyleCnt="5"/>
+      <dgm:prSet presAssocID="{0343F91B-04B1-44B9-AD95-2DD0EF17E913}" presName="tx2" presStyleLbl="revTx" presStyleIdx="1" presStyleCnt="6"/>
       <dgm:spPr/>
     </dgm:pt>
     <dgm:pt modelId="{AA689E00-DD9A-4A60-BC95-28AF77840FB9}" type="pres">
@@ -8566,7 +8588,7 @@
       <dgm:spPr/>
     </dgm:pt>
     <dgm:pt modelId="{B3251EAE-C421-4680-B2CD-B6F258D5514C}" type="pres">
-      <dgm:prSet presAssocID="{0343F91B-04B1-44B9-AD95-2DD0EF17E913}" presName="thinLine2b" presStyleLbl="callout" presStyleIdx="0" presStyleCnt="4"/>
+      <dgm:prSet presAssocID="{0343F91B-04B1-44B9-AD95-2DD0EF17E913}" presName="thinLine2b" presStyleLbl="callout" presStyleIdx="0" presStyleCnt="5"/>
       <dgm:spPr/>
     </dgm:pt>
     <dgm:pt modelId="{F3932B5F-97E4-472F-A833-4F623D751327}" type="pres">
@@ -8582,7 +8604,7 @@
       <dgm:spPr/>
     </dgm:pt>
     <dgm:pt modelId="{B9601A66-50FB-49A2-9AB4-CE706B4CDF38}" type="pres">
-      <dgm:prSet presAssocID="{2D3E486A-0782-4884-8D94-44B5902905F3}" presName="tx2" presStyleLbl="revTx" presStyleIdx="2" presStyleCnt="5"/>
+      <dgm:prSet presAssocID="{2D3E486A-0782-4884-8D94-44B5902905F3}" presName="tx2" presStyleLbl="revTx" presStyleIdx="2" presStyleCnt="6"/>
       <dgm:spPr/>
     </dgm:pt>
     <dgm:pt modelId="{C9BB2B4F-F130-4E14-A440-DBFA0C0848B6}" type="pres">
@@ -8590,7 +8612,7 @@
       <dgm:spPr/>
     </dgm:pt>
     <dgm:pt modelId="{C2D98C45-9979-4013-BF1B-30825DCF5DBD}" type="pres">
-      <dgm:prSet presAssocID="{2D3E486A-0782-4884-8D94-44B5902905F3}" presName="thinLine2b" presStyleLbl="callout" presStyleIdx="1" presStyleCnt="4"/>
+      <dgm:prSet presAssocID="{2D3E486A-0782-4884-8D94-44B5902905F3}" presName="thinLine2b" presStyleLbl="callout" presStyleIdx="1" presStyleCnt="5"/>
       <dgm:spPr/>
     </dgm:pt>
     <dgm:pt modelId="{F329DAE7-D8FE-4AAB-9FCE-93FA7401596E}" type="pres">
@@ -8606,7 +8628,7 @@
       <dgm:spPr/>
     </dgm:pt>
     <dgm:pt modelId="{DFDF3CE2-76E7-49FB-B50E-A08C1FA95CF7}" type="pres">
-      <dgm:prSet presAssocID="{320E96CF-9EA4-458D-A184-9072F78057E9}" presName="tx2" presStyleLbl="revTx" presStyleIdx="3" presStyleCnt="5"/>
+      <dgm:prSet presAssocID="{320E96CF-9EA4-458D-A184-9072F78057E9}" presName="tx2" presStyleLbl="revTx" presStyleIdx="3" presStyleCnt="6"/>
       <dgm:spPr/>
     </dgm:pt>
     <dgm:pt modelId="{D68A34B2-3351-4301-A773-E1F10B143D8C}" type="pres">
@@ -8614,7 +8636,7 @@
       <dgm:spPr/>
     </dgm:pt>
     <dgm:pt modelId="{259B6B5F-4D91-46AF-B461-60153417BB58}" type="pres">
-      <dgm:prSet presAssocID="{320E96CF-9EA4-458D-A184-9072F78057E9}" presName="thinLine2b" presStyleLbl="callout" presStyleIdx="2" presStyleCnt="4"/>
+      <dgm:prSet presAssocID="{320E96CF-9EA4-458D-A184-9072F78057E9}" presName="thinLine2b" presStyleLbl="callout" presStyleIdx="2" presStyleCnt="5"/>
       <dgm:spPr/>
     </dgm:pt>
     <dgm:pt modelId="{3516315F-84FA-4F7F-AC32-F9FA09D9CA49}" type="pres">
@@ -8630,7 +8652,7 @@
       <dgm:spPr/>
     </dgm:pt>
     <dgm:pt modelId="{B700C9BC-8230-4920-B8A3-1FA4AC47556A}" type="pres">
-      <dgm:prSet presAssocID="{85ACF861-0686-421F-9708-AA77893A911C}" presName="tx2" presStyleLbl="revTx" presStyleIdx="4" presStyleCnt="5"/>
+      <dgm:prSet presAssocID="{85ACF861-0686-421F-9708-AA77893A911C}" presName="tx2" presStyleLbl="revTx" presStyleIdx="4" presStyleCnt="6"/>
       <dgm:spPr/>
     </dgm:pt>
     <dgm:pt modelId="{61AFA3EB-8030-40D3-A67C-BCF1612DB568}" type="pres">
@@ -8638,11 +8660,35 @@
       <dgm:spPr/>
     </dgm:pt>
     <dgm:pt modelId="{D81E8F91-3B98-4BE8-87B4-91FBDC175A0C}" type="pres">
-      <dgm:prSet presAssocID="{85ACF861-0686-421F-9708-AA77893A911C}" presName="thinLine2b" presStyleLbl="callout" presStyleIdx="3" presStyleCnt="4"/>
+      <dgm:prSet presAssocID="{85ACF861-0686-421F-9708-AA77893A911C}" presName="thinLine2b" presStyleLbl="callout" presStyleIdx="3" presStyleCnt="5"/>
       <dgm:spPr/>
     </dgm:pt>
     <dgm:pt modelId="{EB6087EF-0B35-4A50-8172-AE952640CB00}" type="pres">
       <dgm:prSet presAssocID="{85ACF861-0686-421F-9708-AA77893A911C}" presName="vertSpace2b" presStyleCnt="0"/>
+      <dgm:spPr/>
+    </dgm:pt>
+    <dgm:pt modelId="{8556F52E-1BCD-4C62-9380-8E21A1C1ABC2}" type="pres">
+      <dgm:prSet presAssocID="{B0945135-00C2-4848-8BCA-EDA1501DE99E}" presName="horz2" presStyleCnt="0"/>
+      <dgm:spPr/>
+    </dgm:pt>
+    <dgm:pt modelId="{2521F4B5-30EE-47F5-92E6-C856186AE9E3}" type="pres">
+      <dgm:prSet presAssocID="{B0945135-00C2-4848-8BCA-EDA1501DE99E}" presName="horzSpace2" presStyleCnt="0"/>
+      <dgm:spPr/>
+    </dgm:pt>
+    <dgm:pt modelId="{D85A60D1-8B03-4A8E-9ECC-96F4B4B6A3BE}" type="pres">
+      <dgm:prSet presAssocID="{B0945135-00C2-4848-8BCA-EDA1501DE99E}" presName="tx2" presStyleLbl="revTx" presStyleIdx="5" presStyleCnt="6"/>
+      <dgm:spPr/>
+    </dgm:pt>
+    <dgm:pt modelId="{C3A3EC75-809D-44C4-A2DB-BFD211C4926A}" type="pres">
+      <dgm:prSet presAssocID="{B0945135-00C2-4848-8BCA-EDA1501DE99E}" presName="vert2" presStyleCnt="0"/>
+      <dgm:spPr/>
+    </dgm:pt>
+    <dgm:pt modelId="{FF02FEB7-DBA3-49A1-A565-87ACFB623F55}" type="pres">
+      <dgm:prSet presAssocID="{B0945135-00C2-4848-8BCA-EDA1501DE99E}" presName="thinLine2b" presStyleLbl="callout" presStyleIdx="4" presStyleCnt="5"/>
+      <dgm:spPr/>
+    </dgm:pt>
+    <dgm:pt modelId="{A9C0B7D6-13CC-49D9-8440-BB92E9D67789}" type="pres">
+      <dgm:prSet presAssocID="{B0945135-00C2-4848-8BCA-EDA1501DE99E}" presName="vertSpace2b" presStyleCnt="0"/>
       <dgm:spPr/>
     </dgm:pt>
   </dgm:ptLst>
@@ -8657,6 +8703,8 @@
     <dgm:cxn modelId="{646F4EA6-EC3E-45F9-BFAE-4224B5BDD780}" type="presOf" srcId="{2D3E486A-0782-4884-8D94-44B5902905F3}" destId="{B9601A66-50FB-49A2-9AB4-CE706B4CDF38}" srcOrd="0" destOrd="0" presId="urn:microsoft.com/office/officeart/2008/layout/LinedList"/>
     <dgm:cxn modelId="{169556AA-CA65-499C-BCDD-6D07B37C3B58}" type="presOf" srcId="{34BEB75E-ED6D-4113-9F50-1BF5F1954990}" destId="{A53C3E2D-9468-4D6A-86F3-0A39811EAEBC}" srcOrd="0" destOrd="0" presId="urn:microsoft.com/office/officeart/2008/layout/LinedList"/>
     <dgm:cxn modelId="{848F4EC6-712D-4BB3-95AD-432EFCD357E0}" srcId="{441C9BFF-8AD7-4827-90F5-60BEDCAF3705}" destId="{85ACF861-0686-421F-9708-AA77893A911C}" srcOrd="3" destOrd="0" parTransId="{E6D61EBA-7EBB-4451-AB83-1EC41517358D}" sibTransId="{90A3D637-F46D-4E49-888E-B8B650C2751C}"/>
+    <dgm:cxn modelId="{C16C24CB-E9AF-4B2A-BA71-F1FCA2864636}" type="presOf" srcId="{B0945135-00C2-4848-8BCA-EDA1501DE99E}" destId="{D85A60D1-8B03-4A8E-9ECC-96F4B4B6A3BE}" srcOrd="0" destOrd="0" presId="urn:microsoft.com/office/officeart/2008/layout/LinedList"/>
+    <dgm:cxn modelId="{636B3BCF-532D-4047-8474-5790C1777EB0}" srcId="{441C9BFF-8AD7-4827-90F5-60BEDCAF3705}" destId="{B0945135-00C2-4848-8BCA-EDA1501DE99E}" srcOrd="4" destOrd="0" parTransId="{A59D336F-BFB6-4BFF-BE81-E3C8CC498F1A}" sibTransId="{FC7DCAB0-BA98-4265-AD8A-DF187A3E8C8B}"/>
     <dgm:cxn modelId="{5ED1DCF6-133A-4E4D-A6AE-3CDAA3462BB4}" srcId="{441C9BFF-8AD7-4827-90F5-60BEDCAF3705}" destId="{0343F91B-04B1-44B9-AD95-2DD0EF17E913}" srcOrd="0" destOrd="0" parTransId="{8C909893-7B0F-43C4-9FB9-EEAAA9BE00AE}" sibTransId="{C5EA28BD-D948-4077-839B-924BC1EC2BAA}"/>
     <dgm:cxn modelId="{471EA54E-EFD6-4DFC-BA78-AEB72B966D03}" type="presParOf" srcId="{A53C3E2D-9468-4D6A-86F3-0A39811EAEBC}" destId="{5622B4C3-266E-4697-AAE0-54DD76537A7C}" srcOrd="0" destOrd="0" presId="urn:microsoft.com/office/officeart/2008/layout/LinedList"/>
     <dgm:cxn modelId="{19C3A6AA-3DE8-4E77-A70D-C95AD8A19B6C}" type="presParOf" srcId="{A53C3E2D-9468-4D6A-86F3-0A39811EAEBC}" destId="{B8FC07D7-1C10-42C3-9CE5-3922EAFE4FB7}" srcOrd="1" destOrd="0" presId="urn:microsoft.com/office/officeart/2008/layout/LinedList"/>
@@ -8687,6 +8735,12 @@
     <dgm:cxn modelId="{6407191B-1F56-47AA-AD4B-604AC0C46A84}" type="presParOf" srcId="{B71A8220-4D7E-404E-AAFE-A90F9500D194}" destId="{61AFA3EB-8030-40D3-A67C-BCF1612DB568}" srcOrd="2" destOrd="0" presId="urn:microsoft.com/office/officeart/2008/layout/LinedList"/>
     <dgm:cxn modelId="{08115236-EC53-456C-83D7-4EF68CB7D5FC}" type="presParOf" srcId="{E50B94C4-2295-4969-B215-8449DBB952CE}" destId="{D81E8F91-3B98-4BE8-87B4-91FBDC175A0C}" srcOrd="11" destOrd="0" presId="urn:microsoft.com/office/officeart/2008/layout/LinedList"/>
     <dgm:cxn modelId="{22C01BDC-4207-4080-8945-D864EB9A6CAB}" type="presParOf" srcId="{E50B94C4-2295-4969-B215-8449DBB952CE}" destId="{EB6087EF-0B35-4A50-8172-AE952640CB00}" srcOrd="12" destOrd="0" presId="urn:microsoft.com/office/officeart/2008/layout/LinedList"/>
+    <dgm:cxn modelId="{33AEDD74-1148-4384-91B0-B2FF4B402BE0}" type="presParOf" srcId="{E50B94C4-2295-4969-B215-8449DBB952CE}" destId="{8556F52E-1BCD-4C62-9380-8E21A1C1ABC2}" srcOrd="13" destOrd="0" presId="urn:microsoft.com/office/officeart/2008/layout/LinedList"/>
+    <dgm:cxn modelId="{A3A2F783-3C7D-43E0-BCD2-CE09EA82B628}" type="presParOf" srcId="{8556F52E-1BCD-4C62-9380-8E21A1C1ABC2}" destId="{2521F4B5-30EE-47F5-92E6-C856186AE9E3}" srcOrd="0" destOrd="0" presId="urn:microsoft.com/office/officeart/2008/layout/LinedList"/>
+    <dgm:cxn modelId="{ECCDB83A-253F-4AC8-B743-87263246F85C}" type="presParOf" srcId="{8556F52E-1BCD-4C62-9380-8E21A1C1ABC2}" destId="{D85A60D1-8B03-4A8E-9ECC-96F4B4B6A3BE}" srcOrd="1" destOrd="0" presId="urn:microsoft.com/office/officeart/2008/layout/LinedList"/>
+    <dgm:cxn modelId="{C2B41C7B-57AE-4D10-875F-2780E1170A24}" type="presParOf" srcId="{8556F52E-1BCD-4C62-9380-8E21A1C1ABC2}" destId="{C3A3EC75-809D-44C4-A2DB-BFD211C4926A}" srcOrd="2" destOrd="0" presId="urn:microsoft.com/office/officeart/2008/layout/LinedList"/>
+    <dgm:cxn modelId="{5E58D894-6A8E-4B17-AD5E-09697A4918CD}" type="presParOf" srcId="{E50B94C4-2295-4969-B215-8449DBB952CE}" destId="{FF02FEB7-DBA3-49A1-A565-87ACFB623F55}" srcOrd="14" destOrd="0" presId="urn:microsoft.com/office/officeart/2008/layout/LinedList"/>
+    <dgm:cxn modelId="{2116DEFC-D77D-4C88-AFE9-10FBA64310E8}" type="presParOf" srcId="{E50B94C4-2295-4969-B215-8449DBB952CE}" destId="{A9C0B7D6-13CC-49D9-8440-BB92E9D67789}" srcOrd="15" destOrd="0" presId="urn:microsoft.com/office/officeart/2008/layout/LinedList"/>
   </dgm:cxnLst>
   <dgm:bg/>
   <dgm:whole/>
@@ -16751,8 +16805,8 @@
       </dsp:nvSpPr>
       <dsp:spPr>
         <a:xfrm>
-          <a:off x="1474470" y="143321"/>
-          <a:ext cx="5383530" cy="2866429"/>
+          <a:off x="1474470" y="114895"/>
+          <a:ext cx="5383530" cy="2297906"/>
         </a:xfrm>
         <a:prstGeom prst="rect">
           <a:avLst/>
@@ -16801,8 +16855,8 @@
         </a:p>
       </dsp:txBody>
       <dsp:txXfrm>
-        <a:off x="1474470" y="143321"/>
-        <a:ext cx="5383530" cy="2866429"/>
+        <a:off x="1474470" y="114895"/>
+        <a:ext cx="5383530" cy="2297906"/>
       </dsp:txXfrm>
     </dsp:sp>
     <dsp:sp modelId="{B3251EAE-C421-4680-B2CD-B6F258D5514C}">
@@ -16812,7 +16866,7 @@
       </dsp:nvSpPr>
       <dsp:spPr>
         <a:xfrm>
-          <a:off x="1371600" y="3009751"/>
+          <a:off x="1371600" y="2412801"/>
           <a:ext cx="5486400" cy="0"/>
         </a:xfrm>
         <a:prstGeom prst="line">
@@ -16861,8 +16915,8 @@
       </dsp:nvSpPr>
       <dsp:spPr>
         <a:xfrm>
-          <a:off x="1474470" y="3153072"/>
-          <a:ext cx="5383530" cy="2866429"/>
+          <a:off x="1474470" y="2527696"/>
+          <a:ext cx="5383530" cy="2297906"/>
         </a:xfrm>
         <a:prstGeom prst="rect">
           <a:avLst/>
@@ -16910,8 +16964,8 @@
         </a:p>
       </dsp:txBody>
       <dsp:txXfrm>
-        <a:off x="1474470" y="3153072"/>
-        <a:ext cx="5383530" cy="2866429"/>
+        <a:off x="1474470" y="2527696"/>
+        <a:ext cx="5383530" cy="2297906"/>
       </dsp:txXfrm>
     </dsp:sp>
     <dsp:sp modelId="{C2D98C45-9979-4013-BF1B-30825DCF5DBD}">
@@ -16921,7 +16975,7 @@
       </dsp:nvSpPr>
       <dsp:spPr>
         <a:xfrm>
-          <a:off x="1371600" y="6019502"/>
+          <a:off x="1371600" y="4825603"/>
           <a:ext cx="5486400" cy="0"/>
         </a:xfrm>
         <a:prstGeom prst="line">
@@ -16970,8 +17024,8 @@
       </dsp:nvSpPr>
       <dsp:spPr>
         <a:xfrm>
-          <a:off x="1474470" y="6162823"/>
-          <a:ext cx="5383530" cy="2866429"/>
+          <a:off x="1474470" y="4940498"/>
+          <a:ext cx="5383530" cy="2297906"/>
         </a:xfrm>
         <a:prstGeom prst="rect">
           <a:avLst/>
@@ -17020,8 +17074,8 @@
         </a:p>
       </dsp:txBody>
       <dsp:txXfrm>
-        <a:off x="1474470" y="6162823"/>
-        <a:ext cx="5383530" cy="2866429"/>
+        <a:off x="1474470" y="4940498"/>
+        <a:ext cx="5383530" cy="2297906"/>
       </dsp:txXfrm>
     </dsp:sp>
     <dsp:sp modelId="{259B6B5F-4D91-46AF-B461-60153417BB58}">
@@ -17031,7 +17085,7 @@
       </dsp:nvSpPr>
       <dsp:spPr>
         <a:xfrm>
-          <a:off x="1371600" y="9029253"/>
+          <a:off x="1371600" y="7238404"/>
           <a:ext cx="5486400" cy="0"/>
         </a:xfrm>
         <a:prstGeom prst="line">
@@ -17080,8 +17134,8 @@
       </dsp:nvSpPr>
       <dsp:spPr>
         <a:xfrm>
-          <a:off x="1474470" y="9172575"/>
-          <a:ext cx="5383530" cy="2866429"/>
+          <a:off x="1474470" y="7353299"/>
+          <a:ext cx="5383530" cy="2297906"/>
         </a:xfrm>
         <a:prstGeom prst="rect">
           <a:avLst/>
@@ -17129,8 +17183,8 @@
         </a:p>
       </dsp:txBody>
       <dsp:txXfrm>
-        <a:off x="1474470" y="9172575"/>
-        <a:ext cx="5383530" cy="2866429"/>
+        <a:off x="1474470" y="7353299"/>
+        <a:ext cx="5383530" cy="2297906"/>
       </dsp:txXfrm>
     </dsp:sp>
     <dsp:sp modelId="{D81E8F91-3B98-4BE8-87B4-91FBDC175A0C}">
@@ -17140,7 +17194,116 @@
       </dsp:nvSpPr>
       <dsp:spPr>
         <a:xfrm>
-          <a:off x="1371600" y="12039004"/>
+          <a:off x="1371600" y="9651206"/>
+          <a:ext cx="5486400" cy="0"/>
+        </a:xfrm>
+        <a:prstGeom prst="line">
+          <a:avLst/>
+        </a:prstGeom>
+        <a:solidFill>
+          <a:schemeClr val="accent1">
+            <a:hueOff val="0"/>
+            <a:satOff val="0"/>
+            <a:lumOff val="0"/>
+            <a:alphaOff val="0"/>
+          </a:schemeClr>
+        </a:solidFill>
+        <a:ln w="12700" cap="flat" cmpd="sng" algn="ctr">
+          <a:solidFill>
+            <a:schemeClr val="accent1">
+              <a:tint val="50000"/>
+              <a:hueOff val="0"/>
+              <a:satOff val="0"/>
+              <a:lumOff val="0"/>
+              <a:alphaOff val="0"/>
+            </a:schemeClr>
+          </a:solidFill>
+          <a:prstDash val="solid"/>
+          <a:miter lim="800000"/>
+        </a:ln>
+        <a:effectLst/>
+      </dsp:spPr>
+      <dsp:style>
+        <a:lnRef idx="2">
+          <a:scrgbClr r="0" g="0" b="0"/>
+        </a:lnRef>
+        <a:fillRef idx="1">
+          <a:scrgbClr r="0" g="0" b="0"/>
+        </a:fillRef>
+        <a:effectRef idx="0">
+          <a:scrgbClr r="0" g="0" b="0"/>
+        </a:effectRef>
+        <a:fontRef idx="minor"/>
+      </dsp:style>
+    </dsp:sp>
+    <dsp:sp modelId="{D85A60D1-8B03-4A8E-9ECC-96F4B4B6A3BE}">
+      <dsp:nvSpPr>
+        <dsp:cNvPr id="0" name=""/>
+        <dsp:cNvSpPr/>
+      </dsp:nvSpPr>
+      <dsp:spPr>
+        <a:xfrm>
+          <a:off x="1474470" y="9766101"/>
+          <a:ext cx="5383530" cy="2297906"/>
+        </a:xfrm>
+        <a:prstGeom prst="rect">
+          <a:avLst/>
+        </a:prstGeom>
+        <a:noFill/>
+        <a:ln>
+          <a:noFill/>
+        </a:ln>
+        <a:effectLst/>
+      </dsp:spPr>
+      <dsp:style>
+        <a:lnRef idx="0">
+          <a:scrgbClr r="0" g="0" b="0"/>
+        </a:lnRef>
+        <a:fillRef idx="0">
+          <a:scrgbClr r="0" g="0" b="0"/>
+        </a:fillRef>
+        <a:effectRef idx="0">
+          <a:scrgbClr r="0" g="0" b="0"/>
+        </a:effectRef>
+        <a:fontRef idx="minor"/>
+      </dsp:style>
+      <dsp:txBody>
+        <a:bodyPr spcFirstLastPara="0" vert="horz" wrap="square" lIns="247650" tIns="247650" rIns="247650" bIns="247650" numCol="1" spcCol="1270" anchor="t" anchorCtr="0">
+          <a:noAutofit/>
+        </a:bodyPr>
+        <a:lstStyle/>
+        <a:p>
+          <a:pPr marL="0" lvl="0" indent="0" algn="l" defTabSz="2889250">
+            <a:lnSpc>
+              <a:spcPct val="90000"/>
+            </a:lnSpc>
+            <a:spcBef>
+              <a:spcPct val="0"/>
+            </a:spcBef>
+            <a:spcAft>
+              <a:spcPct val="35000"/>
+            </a:spcAft>
+            <a:buNone/>
+          </a:pPr>
+          <a:r>
+            <a:rPr lang="en-PH" sz="6500" kern="1200" dirty="0"/>
+            <a:t>username</a:t>
+          </a:r>
+        </a:p>
+      </dsp:txBody>
+      <dsp:txXfrm>
+        <a:off x="1474470" y="9766101"/>
+        <a:ext cx="5383530" cy="2297906"/>
+      </dsp:txXfrm>
+    </dsp:sp>
+    <dsp:sp modelId="{FF02FEB7-DBA3-49A1-A565-87ACFB623F55}">
+      <dsp:nvSpPr>
+        <dsp:cNvPr id="0" name=""/>
+        <dsp:cNvSpPr/>
+      </dsp:nvSpPr>
+      <dsp:spPr>
+        <a:xfrm>
+          <a:off x="1371600" y="12064007"/>
           <a:ext cx="5486400" cy="0"/>
         </a:xfrm>
         <a:prstGeom prst="line">
@@ -30470,7 +30633,7 @@
             <p:ph idx="1"/>
             <p:extLst>
               <p:ext uri="{D42A27DB-BD31-4B8C-83A1-F6EECF244321}">
-                <p14:modId xmlns:p14="http://schemas.microsoft.com/office/powerpoint/2010/main" val="538238341"/>
+                <p14:modId xmlns:p14="http://schemas.microsoft.com/office/powerpoint/2010/main" val="3514423746"/>
               </p:ext>
             </p:extLst>
           </p:nvPr>

--- a/Documentation/MCO Design.pptx
+++ b/Documentation/MCO Design.pptx
@@ -5661,7 +5661,7 @@
         </a:p>
       </dgm:t>
     </dgm:pt>
-    <dgm:pt modelId="{42CB9CC2-555D-4178-BF13-D22FC1A1FC8B}">
+    <dgm:pt modelId="{F592A012-32A7-4C82-BF4D-CA3D12AD7C92}">
       <dgm:prSet phldrT="[Text]" custT="1"/>
       <dgm:spPr/>
       <dgm:t>
@@ -5670,44 +5670,13 @@
         <a:p>
           <a:r>
             <a:rPr lang="en-PH" sz="700" i="0" u="none" dirty="0"/>
-            <a:t>GET: /home/search</a:t>
+            <a:t>GET: /profile</a:t>
           </a:r>
-        </a:p>
-      </dgm:t>
-    </dgm:pt>
-    <dgm:pt modelId="{F1CBC24F-79B7-4E57-AF2E-D28D63B47584}" type="parTrans" cxnId="{463E86A3-E09D-4E63-BE29-B94B84E61717}">
-      <dgm:prSet/>
-      <dgm:spPr/>
-      <dgm:t>
-        <a:bodyPr/>
-        <a:lstStyle/>
-        <a:p>
-          <a:endParaRPr lang="en-PH" sz="2000"/>
-        </a:p>
-      </dgm:t>
-    </dgm:pt>
-    <dgm:pt modelId="{37B979F9-447C-44E5-9C58-EDFC2D852E55}" type="sibTrans" cxnId="{463E86A3-E09D-4E63-BE29-B94B84E61717}">
-      <dgm:prSet/>
-      <dgm:spPr/>
-      <dgm:t>
-        <a:bodyPr/>
-        <a:lstStyle/>
-        <a:p>
-          <a:endParaRPr lang="en-PH" sz="2000"/>
-        </a:p>
-      </dgm:t>
-    </dgm:pt>
-    <dgm:pt modelId="{F592A012-32A7-4C82-BF4D-CA3D12AD7C92}">
-      <dgm:prSet phldrT="[Text]" custT="1"/>
-      <dgm:spPr/>
-      <dgm:t>
-        <a:bodyPr/>
-        <a:lstStyle/>
-        <a:p>
           <a:r>
-            <a:rPr lang="en-PH" sz="700" i="0" u="none" dirty="0"/>
-            <a:t>GET: /profile/search</a:t>
+            <a:rPr lang="en-PH" sz="700" i="0" u="none"/>
+            <a:t>/search</a:t>
           </a:r>
+          <a:endParaRPr lang="en-PH" sz="700" i="0" u="none" dirty="0"/>
         </a:p>
       </dgm:t>
     </dgm:pt>
@@ -5777,6 +5746,42 @@
         </a:p>
       </dgm:t>
     </dgm:pt>
+    <dgm:pt modelId="{96724C7A-EE30-47A6-9381-5DC25884F477}">
+      <dgm:prSet phldrT="[Text]" custT="1"/>
+      <dgm:spPr/>
+      <dgm:t>
+        <a:bodyPr/>
+        <a:lstStyle/>
+        <a:p>
+          <a:r>
+            <a:rPr lang="en-PH" sz="700" i="0" u="none" dirty="0"/>
+            <a:t>GET: /search/&lt;search&gt;.&lt;category&gt;</a:t>
+          </a:r>
+        </a:p>
+      </dgm:t>
+    </dgm:pt>
+    <dgm:pt modelId="{F3B87950-7EEB-43CA-9B2F-CAA9BB32339E}" type="parTrans" cxnId="{BF48D9A9-32D2-4DE1-A75D-CF0158E95C4B}">
+      <dgm:prSet/>
+      <dgm:spPr/>
+      <dgm:t>
+        <a:bodyPr/>
+        <a:lstStyle/>
+        <a:p>
+          <a:endParaRPr lang="en-PH"/>
+        </a:p>
+      </dgm:t>
+    </dgm:pt>
+    <dgm:pt modelId="{85718796-8201-4DFB-8DEF-CF0C19857CF8}" type="sibTrans" cxnId="{BF48D9A9-32D2-4DE1-A75D-CF0158E95C4B}">
+      <dgm:prSet/>
+      <dgm:spPr/>
+      <dgm:t>
+        <a:bodyPr/>
+        <a:lstStyle/>
+        <a:p>
+          <a:endParaRPr lang="en-PH"/>
+        </a:p>
+      </dgm:t>
+    </dgm:pt>
     <dgm:pt modelId="{25F16154-0014-45A6-B140-723A8E51B73E}" type="pres">
       <dgm:prSet presAssocID="{34BEB75E-ED6D-4113-9F50-1BF5F1954990}" presName="hierChild1" presStyleCnt="0">
         <dgm:presLayoutVars>
@@ -5819,7 +5824,7 @@
       <dgm:spPr/>
     </dgm:pt>
     <dgm:pt modelId="{354E7CF5-257F-4A9A-995F-6B7E3019C585}" type="pres">
-      <dgm:prSet presAssocID="{78DF4B16-5D45-477A-8964-F442889D3554}" presName="Name64" presStyleLbl="parChTrans1D2" presStyleIdx="0" presStyleCnt="9"/>
+      <dgm:prSet presAssocID="{78DF4B16-5D45-477A-8964-F442889D3554}" presName="Name64" presStyleLbl="parChTrans1D2" presStyleIdx="0" presStyleCnt="10"/>
       <dgm:spPr/>
     </dgm:pt>
     <dgm:pt modelId="{1537E03D-18A4-4B79-AA09-85CA7195BA61}" type="pres">
@@ -5835,7 +5840,7 @@
       <dgm:spPr/>
     </dgm:pt>
     <dgm:pt modelId="{CB5AA0EA-4EB1-412D-B3CC-64162133A8FE}" type="pres">
-      <dgm:prSet presAssocID="{D7009F5C-9656-4E9C-B269-B880E0F0CD6C}" presName="rootText" presStyleLbl="node2" presStyleIdx="0" presStyleCnt="9">
+      <dgm:prSet presAssocID="{D7009F5C-9656-4E9C-B269-B880E0F0CD6C}" presName="rootText" presStyleLbl="node2" presStyleIdx="0" presStyleCnt="10">
         <dgm:presLayoutVars>
           <dgm:chPref val="3"/>
         </dgm:presLayoutVars>
@@ -5843,7 +5848,7 @@
       <dgm:spPr/>
     </dgm:pt>
     <dgm:pt modelId="{A0E3F985-7D62-429C-AFD8-779DCB4495E1}" type="pres">
-      <dgm:prSet presAssocID="{D7009F5C-9656-4E9C-B269-B880E0F0CD6C}" presName="rootConnector" presStyleLbl="node2" presStyleIdx="0" presStyleCnt="9"/>
+      <dgm:prSet presAssocID="{D7009F5C-9656-4E9C-B269-B880E0F0CD6C}" presName="rootConnector" presStyleLbl="node2" presStyleIdx="0" presStyleCnt="10"/>
       <dgm:spPr/>
     </dgm:pt>
     <dgm:pt modelId="{C087EC8C-BF30-45A8-981F-6251EA4C6D64}" type="pres">
@@ -5851,7 +5856,7 @@
       <dgm:spPr/>
     </dgm:pt>
     <dgm:pt modelId="{30686600-836A-4BDA-894B-A190C94D51F2}" type="pres">
-      <dgm:prSet presAssocID="{E8EB6F71-72ED-410E-A6D6-688CC4C8622F}" presName="Name64" presStyleLbl="parChTrans1D3" presStyleIdx="0" presStyleCnt="17"/>
+      <dgm:prSet presAssocID="{E8EB6F71-72ED-410E-A6D6-688CC4C8622F}" presName="Name64" presStyleLbl="parChTrans1D3" presStyleIdx="0" presStyleCnt="16"/>
       <dgm:spPr/>
     </dgm:pt>
     <dgm:pt modelId="{41C1F7FC-0795-4C20-954F-7EAB16CB83DC}" type="pres">
@@ -5867,7 +5872,7 @@
       <dgm:spPr/>
     </dgm:pt>
     <dgm:pt modelId="{81986015-B6F5-4188-BC1C-47189F699523}" type="pres">
-      <dgm:prSet presAssocID="{028C5DFA-CD08-425A-9808-BE49C21D580B}" presName="rootText" presStyleLbl="node3" presStyleIdx="0" presStyleCnt="17">
+      <dgm:prSet presAssocID="{028C5DFA-CD08-425A-9808-BE49C21D580B}" presName="rootText" presStyleLbl="node3" presStyleIdx="0" presStyleCnt="16">
         <dgm:presLayoutVars>
           <dgm:chPref val="3"/>
         </dgm:presLayoutVars>
@@ -5875,7 +5880,7 @@
       <dgm:spPr/>
     </dgm:pt>
     <dgm:pt modelId="{695D5462-ADEC-4120-8519-1D5A8FF5DE0D}" type="pres">
-      <dgm:prSet presAssocID="{028C5DFA-CD08-425A-9808-BE49C21D580B}" presName="rootConnector" presStyleLbl="node3" presStyleIdx="0" presStyleCnt="17"/>
+      <dgm:prSet presAssocID="{028C5DFA-CD08-425A-9808-BE49C21D580B}" presName="rootConnector" presStyleLbl="node3" presStyleIdx="0" presStyleCnt="16"/>
       <dgm:spPr/>
     </dgm:pt>
     <dgm:pt modelId="{9F1DA143-A4CC-47D4-94BB-6947E92E96FE}" type="pres">
@@ -5891,7 +5896,7 @@
       <dgm:spPr/>
     </dgm:pt>
     <dgm:pt modelId="{1DFF7AF7-401C-47B1-A9F5-DCB0268C9DD1}" type="pres">
-      <dgm:prSet presAssocID="{B829E806-E11E-4BDA-8589-5EF437FD4FD6}" presName="Name64" presStyleLbl="parChTrans1D2" presStyleIdx="1" presStyleCnt="9"/>
+      <dgm:prSet presAssocID="{B829E806-E11E-4BDA-8589-5EF437FD4FD6}" presName="Name64" presStyleLbl="parChTrans1D2" presStyleIdx="1" presStyleCnt="10"/>
       <dgm:spPr/>
     </dgm:pt>
     <dgm:pt modelId="{177EA0C4-8DEE-4E1F-8A09-EBA6AADAB3FD}" type="pres">
@@ -5907,7 +5912,7 @@
       <dgm:spPr/>
     </dgm:pt>
     <dgm:pt modelId="{722F8D5D-1F66-417D-B44C-CD4A8F97425D}" type="pres">
-      <dgm:prSet presAssocID="{98DE5844-EBFB-4ECB-843E-1E3C116CD0A7}" presName="rootText" presStyleLbl="node2" presStyleIdx="1" presStyleCnt="9">
+      <dgm:prSet presAssocID="{98DE5844-EBFB-4ECB-843E-1E3C116CD0A7}" presName="rootText" presStyleLbl="node2" presStyleIdx="1" presStyleCnt="10">
         <dgm:presLayoutVars>
           <dgm:chPref val="3"/>
         </dgm:presLayoutVars>
@@ -5915,7 +5920,7 @@
       <dgm:spPr/>
     </dgm:pt>
     <dgm:pt modelId="{681089C0-A8AE-4F9C-BCEE-5F5384DFB299}" type="pres">
-      <dgm:prSet presAssocID="{98DE5844-EBFB-4ECB-843E-1E3C116CD0A7}" presName="rootConnector" presStyleLbl="node2" presStyleIdx="1" presStyleCnt="9"/>
+      <dgm:prSet presAssocID="{98DE5844-EBFB-4ECB-843E-1E3C116CD0A7}" presName="rootConnector" presStyleLbl="node2" presStyleIdx="1" presStyleCnt="10"/>
       <dgm:spPr/>
     </dgm:pt>
     <dgm:pt modelId="{7FE2C005-03C2-41C3-96B4-EE2474318686}" type="pres">
@@ -5923,7 +5928,7 @@
       <dgm:spPr/>
     </dgm:pt>
     <dgm:pt modelId="{20B7615B-0FCF-4E02-B678-F32A6829BF45}" type="pres">
-      <dgm:prSet presAssocID="{0E41C96E-49F8-4F4A-AF74-A981293F785F}" presName="Name64" presStyleLbl="parChTrans1D3" presStyleIdx="1" presStyleCnt="17"/>
+      <dgm:prSet presAssocID="{0E41C96E-49F8-4F4A-AF74-A981293F785F}" presName="Name64" presStyleLbl="parChTrans1D3" presStyleIdx="1" presStyleCnt="16"/>
       <dgm:spPr/>
     </dgm:pt>
     <dgm:pt modelId="{34F5EAEE-540D-4C0C-8512-CB6DA23E90F5}" type="pres">
@@ -5939,7 +5944,7 @@
       <dgm:spPr/>
     </dgm:pt>
     <dgm:pt modelId="{0D631D49-DE9D-4792-9A6C-A983781D0868}" type="pres">
-      <dgm:prSet presAssocID="{332EBDA1-FC91-42DD-8C1E-2C7B445019B3}" presName="rootText" presStyleLbl="node3" presStyleIdx="1" presStyleCnt="17">
+      <dgm:prSet presAssocID="{332EBDA1-FC91-42DD-8C1E-2C7B445019B3}" presName="rootText" presStyleLbl="node3" presStyleIdx="1" presStyleCnt="16">
         <dgm:presLayoutVars>
           <dgm:chPref val="3"/>
         </dgm:presLayoutVars>
@@ -5947,7 +5952,7 @@
       <dgm:spPr/>
     </dgm:pt>
     <dgm:pt modelId="{A9B67C11-509F-4F8A-8F9C-7E076BDA0F94}" type="pres">
-      <dgm:prSet presAssocID="{332EBDA1-FC91-42DD-8C1E-2C7B445019B3}" presName="rootConnector" presStyleLbl="node3" presStyleIdx="1" presStyleCnt="17"/>
+      <dgm:prSet presAssocID="{332EBDA1-FC91-42DD-8C1E-2C7B445019B3}" presName="rootConnector" presStyleLbl="node3" presStyleIdx="1" presStyleCnt="16"/>
       <dgm:spPr/>
     </dgm:pt>
     <dgm:pt modelId="{ADAA0072-5B73-4C66-A144-4CA1C5C48E18}" type="pres">
@@ -5963,7 +5968,7 @@
       <dgm:spPr/>
     </dgm:pt>
     <dgm:pt modelId="{4A05E9B4-107B-4A09-97F3-F3C932CC1FAB}" type="pres">
-      <dgm:prSet presAssocID="{A98B9FA4-4126-4C91-AF71-10ACE11266DD}" presName="Name64" presStyleLbl="parChTrans1D2" presStyleIdx="2" presStyleCnt="9"/>
+      <dgm:prSet presAssocID="{A98B9FA4-4126-4C91-AF71-10ACE11266DD}" presName="Name64" presStyleLbl="parChTrans1D2" presStyleIdx="2" presStyleCnt="10"/>
       <dgm:spPr/>
     </dgm:pt>
     <dgm:pt modelId="{3420C9C4-9186-4212-B9F0-0BF1E991A6A8}" type="pres">
@@ -5979,7 +5984,7 @@
       <dgm:spPr/>
     </dgm:pt>
     <dgm:pt modelId="{7E563FBE-F4AA-495E-94B1-06B29D84521A}" type="pres">
-      <dgm:prSet presAssocID="{44363CFA-628E-4026-88F3-8868490E44F8}" presName="rootText" presStyleLbl="node2" presStyleIdx="2" presStyleCnt="9">
+      <dgm:prSet presAssocID="{44363CFA-628E-4026-88F3-8868490E44F8}" presName="rootText" presStyleLbl="node2" presStyleIdx="2" presStyleCnt="10">
         <dgm:presLayoutVars>
           <dgm:chPref val="3"/>
         </dgm:presLayoutVars>
@@ -5987,55 +5992,55 @@
       <dgm:spPr/>
     </dgm:pt>
     <dgm:pt modelId="{A8AACF81-C233-4509-AFED-EB29B5B740C0}" type="pres">
-      <dgm:prSet presAssocID="{44363CFA-628E-4026-88F3-8868490E44F8}" presName="rootConnector" presStyleLbl="node2" presStyleIdx="2" presStyleCnt="9"/>
+      <dgm:prSet presAssocID="{44363CFA-628E-4026-88F3-8868490E44F8}" presName="rootConnector" presStyleLbl="node2" presStyleIdx="2" presStyleCnt="10"/>
       <dgm:spPr/>
     </dgm:pt>
     <dgm:pt modelId="{7E3D806E-C5F6-40F0-AC0F-89EB7BE038AC}" type="pres">
       <dgm:prSet presAssocID="{44363CFA-628E-4026-88F3-8868490E44F8}" presName="hierChild4" presStyleCnt="0"/>
       <dgm:spPr/>
     </dgm:pt>
-    <dgm:pt modelId="{F3998E3E-9E2B-46FA-8854-18200D889F0A}" type="pres">
-      <dgm:prSet presAssocID="{F1CBC24F-79B7-4E57-AF2E-D28D63B47584}" presName="Name64" presStyleLbl="parChTrans1D3" presStyleIdx="2" presStyleCnt="17"/>
-      <dgm:spPr/>
-    </dgm:pt>
-    <dgm:pt modelId="{1D478D54-7EEE-49AF-97F3-E0051C7D8530}" type="pres">
-      <dgm:prSet presAssocID="{42CB9CC2-555D-4178-BF13-D22FC1A1FC8B}" presName="hierRoot2" presStyleCnt="0">
+    <dgm:pt modelId="{55D71158-61DA-43B0-BBB3-A48133494E5D}" type="pres">
+      <dgm:prSet presAssocID="{44363CFA-628E-4026-88F3-8868490E44F8}" presName="hierChild5" presStyleCnt="0"/>
+      <dgm:spPr/>
+    </dgm:pt>
+    <dgm:pt modelId="{F445D70D-1BFB-4B56-B7A3-7541F3FAC69C}" type="pres">
+      <dgm:prSet presAssocID="{F3B87950-7EEB-43CA-9B2F-CAA9BB32339E}" presName="Name64" presStyleLbl="parChTrans1D2" presStyleIdx="3" presStyleCnt="10"/>
+      <dgm:spPr/>
+    </dgm:pt>
+    <dgm:pt modelId="{1288CB5E-A49F-4ECE-BBAF-CFFE1513FBD9}" type="pres">
+      <dgm:prSet presAssocID="{96724C7A-EE30-47A6-9381-5DC25884F477}" presName="hierRoot2" presStyleCnt="0">
         <dgm:presLayoutVars>
           <dgm:hierBranch val="init"/>
         </dgm:presLayoutVars>
       </dgm:prSet>
       <dgm:spPr/>
     </dgm:pt>
-    <dgm:pt modelId="{ECAFC37C-0F84-4998-BFBF-F75EEAFC73A7}" type="pres">
-      <dgm:prSet presAssocID="{42CB9CC2-555D-4178-BF13-D22FC1A1FC8B}" presName="rootComposite" presStyleCnt="0"/>
-      <dgm:spPr/>
-    </dgm:pt>
-    <dgm:pt modelId="{2462B95B-AB99-4F60-B782-94A955F4A91D}" type="pres">
-      <dgm:prSet presAssocID="{42CB9CC2-555D-4178-BF13-D22FC1A1FC8B}" presName="rootText" presStyleLbl="node3" presStyleIdx="2" presStyleCnt="17">
+    <dgm:pt modelId="{FFD41D2D-C57F-4E86-9D82-3A4E029C151B}" type="pres">
+      <dgm:prSet presAssocID="{96724C7A-EE30-47A6-9381-5DC25884F477}" presName="rootComposite" presStyleCnt="0"/>
+      <dgm:spPr/>
+    </dgm:pt>
+    <dgm:pt modelId="{6F197927-C0F0-4E1F-8BDD-63D6333E4128}" type="pres">
+      <dgm:prSet presAssocID="{96724C7A-EE30-47A6-9381-5DC25884F477}" presName="rootText" presStyleLbl="node2" presStyleIdx="3" presStyleCnt="10">
         <dgm:presLayoutVars>
           <dgm:chPref val="3"/>
         </dgm:presLayoutVars>
       </dgm:prSet>
       <dgm:spPr/>
     </dgm:pt>
-    <dgm:pt modelId="{65B06B9F-40DD-4895-802B-3144362FA1CF}" type="pres">
-      <dgm:prSet presAssocID="{42CB9CC2-555D-4178-BF13-D22FC1A1FC8B}" presName="rootConnector" presStyleLbl="node3" presStyleIdx="2" presStyleCnt="17"/>
-      <dgm:spPr/>
-    </dgm:pt>
-    <dgm:pt modelId="{F89DE78C-A63B-4519-959F-87A0FE1F0674}" type="pres">
-      <dgm:prSet presAssocID="{42CB9CC2-555D-4178-BF13-D22FC1A1FC8B}" presName="hierChild4" presStyleCnt="0"/>
-      <dgm:spPr/>
-    </dgm:pt>
-    <dgm:pt modelId="{4CF098B7-C0AE-42FC-952E-1FD324BB19C1}" type="pres">
-      <dgm:prSet presAssocID="{42CB9CC2-555D-4178-BF13-D22FC1A1FC8B}" presName="hierChild5" presStyleCnt="0"/>
-      <dgm:spPr/>
-    </dgm:pt>
-    <dgm:pt modelId="{55D71158-61DA-43B0-BBB3-A48133494E5D}" type="pres">
-      <dgm:prSet presAssocID="{44363CFA-628E-4026-88F3-8868490E44F8}" presName="hierChild5" presStyleCnt="0"/>
+    <dgm:pt modelId="{3011C056-181A-4382-A4BD-1AB94E8CAFA5}" type="pres">
+      <dgm:prSet presAssocID="{96724C7A-EE30-47A6-9381-5DC25884F477}" presName="rootConnector" presStyleLbl="node2" presStyleIdx="3" presStyleCnt="10"/>
+      <dgm:spPr/>
+    </dgm:pt>
+    <dgm:pt modelId="{99853177-708A-4208-8F93-8DEAB7B4D005}" type="pres">
+      <dgm:prSet presAssocID="{96724C7A-EE30-47A6-9381-5DC25884F477}" presName="hierChild4" presStyleCnt="0"/>
+      <dgm:spPr/>
+    </dgm:pt>
+    <dgm:pt modelId="{4425E58A-B09F-4492-9E2E-EF86A787C2D5}" type="pres">
+      <dgm:prSet presAssocID="{96724C7A-EE30-47A6-9381-5DC25884F477}" presName="hierChild5" presStyleCnt="0"/>
       <dgm:spPr/>
     </dgm:pt>
     <dgm:pt modelId="{E02661CD-9A9D-4BFF-A9A6-5BDAD8DBA7F6}" type="pres">
-      <dgm:prSet presAssocID="{3930E226-FA6F-40B0-905E-754A21C6644C}" presName="Name64" presStyleLbl="parChTrans1D2" presStyleIdx="3" presStyleCnt="9"/>
+      <dgm:prSet presAssocID="{3930E226-FA6F-40B0-905E-754A21C6644C}" presName="Name64" presStyleLbl="parChTrans1D2" presStyleIdx="4" presStyleCnt="10"/>
       <dgm:spPr/>
     </dgm:pt>
     <dgm:pt modelId="{4CE3BB66-7651-48E6-A7F4-3C5100F8EE34}" type="pres">
@@ -6051,7 +6056,7 @@
       <dgm:spPr/>
     </dgm:pt>
     <dgm:pt modelId="{05DB6E90-F1BC-4563-8BE1-362C4FBDDAA7}" type="pres">
-      <dgm:prSet presAssocID="{1924ECD5-AA0E-4B54-9424-D53165043932}" presName="rootText" presStyleLbl="node2" presStyleIdx="3" presStyleCnt="9">
+      <dgm:prSet presAssocID="{1924ECD5-AA0E-4B54-9424-D53165043932}" presName="rootText" presStyleLbl="node2" presStyleIdx="4" presStyleCnt="10">
         <dgm:presLayoutVars>
           <dgm:chPref val="3"/>
         </dgm:presLayoutVars>
@@ -6059,7 +6064,7 @@
       <dgm:spPr/>
     </dgm:pt>
     <dgm:pt modelId="{113FE10A-F086-4E22-A831-70FC6DC86A8B}" type="pres">
-      <dgm:prSet presAssocID="{1924ECD5-AA0E-4B54-9424-D53165043932}" presName="rootConnector" presStyleLbl="node2" presStyleIdx="3" presStyleCnt="9"/>
+      <dgm:prSet presAssocID="{1924ECD5-AA0E-4B54-9424-D53165043932}" presName="rootConnector" presStyleLbl="node2" presStyleIdx="4" presStyleCnt="10"/>
       <dgm:spPr/>
     </dgm:pt>
     <dgm:pt modelId="{C122CBDF-EA40-43E4-A64E-1A6C4CD027E3}" type="pres">
@@ -6067,7 +6072,7 @@
       <dgm:spPr/>
     </dgm:pt>
     <dgm:pt modelId="{2C161664-926C-4B13-83A6-714117ACC934}" type="pres">
-      <dgm:prSet presAssocID="{BF950D71-5670-40D6-AC0F-099BAE4EAFCE}" presName="Name64" presStyleLbl="parChTrans1D3" presStyleIdx="3" presStyleCnt="17"/>
+      <dgm:prSet presAssocID="{BF950D71-5670-40D6-AC0F-099BAE4EAFCE}" presName="Name64" presStyleLbl="parChTrans1D3" presStyleIdx="2" presStyleCnt="16"/>
       <dgm:spPr/>
     </dgm:pt>
     <dgm:pt modelId="{04761C5F-FBA2-4F90-A00A-92B8C795A8F3}" type="pres">
@@ -6083,7 +6088,7 @@
       <dgm:spPr/>
     </dgm:pt>
     <dgm:pt modelId="{86B18651-4B39-4A90-8CF0-600AB3AADA34}" type="pres">
-      <dgm:prSet presAssocID="{3C6EA423-D64F-4DC7-B184-24C9BC3512E8}" presName="rootText" presStyleLbl="node3" presStyleIdx="3" presStyleCnt="17">
+      <dgm:prSet presAssocID="{3C6EA423-D64F-4DC7-B184-24C9BC3512E8}" presName="rootText" presStyleLbl="node3" presStyleIdx="2" presStyleCnt="16">
         <dgm:presLayoutVars>
           <dgm:chPref val="3"/>
         </dgm:presLayoutVars>
@@ -6091,7 +6096,7 @@
       <dgm:spPr/>
     </dgm:pt>
     <dgm:pt modelId="{1F365EA9-8A2A-4AC9-B613-127193CA87A7}" type="pres">
-      <dgm:prSet presAssocID="{3C6EA423-D64F-4DC7-B184-24C9BC3512E8}" presName="rootConnector" presStyleLbl="node3" presStyleIdx="3" presStyleCnt="17"/>
+      <dgm:prSet presAssocID="{3C6EA423-D64F-4DC7-B184-24C9BC3512E8}" presName="rootConnector" presStyleLbl="node3" presStyleIdx="2" presStyleCnt="16"/>
       <dgm:spPr/>
     </dgm:pt>
     <dgm:pt modelId="{3EBAC2DB-F6EC-4F3C-BF19-444B14373D97}" type="pres">
@@ -6103,7 +6108,7 @@
       <dgm:spPr/>
     </dgm:pt>
     <dgm:pt modelId="{CA1AB297-D82E-4522-A7CE-89EB46DE0AC9}" type="pres">
-      <dgm:prSet presAssocID="{B9579491-E72E-41C5-854B-F50C3EB1B30B}" presName="Name64" presStyleLbl="parChTrans1D3" presStyleIdx="4" presStyleCnt="17"/>
+      <dgm:prSet presAssocID="{B9579491-E72E-41C5-854B-F50C3EB1B30B}" presName="Name64" presStyleLbl="parChTrans1D3" presStyleIdx="3" presStyleCnt="16"/>
       <dgm:spPr/>
     </dgm:pt>
     <dgm:pt modelId="{6CEFEAD8-F2B2-4BBA-9A38-16D79769C3DB}" type="pres">
@@ -6119,7 +6124,7 @@
       <dgm:spPr/>
     </dgm:pt>
     <dgm:pt modelId="{AE10DB7C-6AB9-4575-8BB0-A927B8D0D8FA}" type="pres">
-      <dgm:prSet presAssocID="{F1DABE6E-F8F2-4453-9AF1-0A543F993768}" presName="rootText" presStyleLbl="node3" presStyleIdx="4" presStyleCnt="17">
+      <dgm:prSet presAssocID="{F1DABE6E-F8F2-4453-9AF1-0A543F993768}" presName="rootText" presStyleLbl="node3" presStyleIdx="3" presStyleCnt="16">
         <dgm:presLayoutVars>
           <dgm:chPref val="3"/>
         </dgm:presLayoutVars>
@@ -6127,7 +6132,7 @@
       <dgm:spPr/>
     </dgm:pt>
     <dgm:pt modelId="{BA7A41BE-8274-4075-96DE-C47F030A9798}" type="pres">
-      <dgm:prSet presAssocID="{F1DABE6E-F8F2-4453-9AF1-0A543F993768}" presName="rootConnector" presStyleLbl="node3" presStyleIdx="4" presStyleCnt="17"/>
+      <dgm:prSet presAssocID="{F1DABE6E-F8F2-4453-9AF1-0A543F993768}" presName="rootConnector" presStyleLbl="node3" presStyleIdx="3" presStyleCnt="16"/>
       <dgm:spPr/>
     </dgm:pt>
     <dgm:pt modelId="{4B4DDD85-B313-44EB-A723-A25C09B10438}" type="pres">
@@ -6139,7 +6144,7 @@
       <dgm:spPr/>
     </dgm:pt>
     <dgm:pt modelId="{54886875-7235-4762-AA2E-82B15FFCB5F9}" type="pres">
-      <dgm:prSet presAssocID="{423859FD-096E-4927-9390-25344E903FBF}" presName="Name64" presStyleLbl="parChTrans1D3" presStyleIdx="5" presStyleCnt="17"/>
+      <dgm:prSet presAssocID="{423859FD-096E-4927-9390-25344E903FBF}" presName="Name64" presStyleLbl="parChTrans1D3" presStyleIdx="4" presStyleCnt="16"/>
       <dgm:spPr/>
     </dgm:pt>
     <dgm:pt modelId="{6D5AC0C9-0D78-46C3-A229-9326335B49CE}" type="pres">
@@ -6155,7 +6160,7 @@
       <dgm:spPr/>
     </dgm:pt>
     <dgm:pt modelId="{9A7971A1-2C58-4EC6-BED5-83583828F48A}" type="pres">
-      <dgm:prSet presAssocID="{A1C6BA05-AD07-4670-B0CD-118E17FA1993}" presName="rootText" presStyleLbl="node3" presStyleIdx="5" presStyleCnt="17">
+      <dgm:prSet presAssocID="{A1C6BA05-AD07-4670-B0CD-118E17FA1993}" presName="rootText" presStyleLbl="node3" presStyleIdx="4" presStyleCnt="16">
         <dgm:presLayoutVars>
           <dgm:chPref val="3"/>
         </dgm:presLayoutVars>
@@ -6163,7 +6168,7 @@
       <dgm:spPr/>
     </dgm:pt>
     <dgm:pt modelId="{AD70A0C9-B96F-454F-9C31-6174FC7A426C}" type="pres">
-      <dgm:prSet presAssocID="{A1C6BA05-AD07-4670-B0CD-118E17FA1993}" presName="rootConnector" presStyleLbl="node3" presStyleIdx="5" presStyleCnt="17"/>
+      <dgm:prSet presAssocID="{A1C6BA05-AD07-4670-B0CD-118E17FA1993}" presName="rootConnector" presStyleLbl="node3" presStyleIdx="4" presStyleCnt="16"/>
       <dgm:spPr/>
     </dgm:pt>
     <dgm:pt modelId="{5048878E-6491-4218-BC03-A7A1EB7B2D55}" type="pres">
@@ -6175,7 +6180,7 @@
       <dgm:spPr/>
     </dgm:pt>
     <dgm:pt modelId="{F96B956B-5837-4962-AA1E-51181F232425}" type="pres">
-      <dgm:prSet presAssocID="{57A8CB2D-79BE-4C74-9A37-D6A913DE1B82}" presName="Name64" presStyleLbl="parChTrans1D3" presStyleIdx="6" presStyleCnt="17"/>
+      <dgm:prSet presAssocID="{57A8CB2D-79BE-4C74-9A37-D6A913DE1B82}" presName="Name64" presStyleLbl="parChTrans1D3" presStyleIdx="5" presStyleCnt="16"/>
       <dgm:spPr/>
     </dgm:pt>
     <dgm:pt modelId="{CCCAB1C2-CC54-4955-B27C-0ACBDA5CFFFC}" type="pres">
@@ -6191,7 +6196,7 @@
       <dgm:spPr/>
     </dgm:pt>
     <dgm:pt modelId="{4C2E8825-CD3A-4B5F-9FE3-B3DBBF3B5932}" type="pres">
-      <dgm:prSet presAssocID="{305846AD-47C4-463B-9DBE-6AA8AAAFD9CA}" presName="rootText" presStyleLbl="node3" presStyleIdx="6" presStyleCnt="17">
+      <dgm:prSet presAssocID="{305846AD-47C4-463B-9DBE-6AA8AAAFD9CA}" presName="rootText" presStyleLbl="node3" presStyleIdx="5" presStyleCnt="16">
         <dgm:presLayoutVars>
           <dgm:chPref val="3"/>
         </dgm:presLayoutVars>
@@ -6199,7 +6204,7 @@
       <dgm:spPr/>
     </dgm:pt>
     <dgm:pt modelId="{57027ED7-6DBF-4BF3-A446-A01F11AB9C08}" type="pres">
-      <dgm:prSet presAssocID="{305846AD-47C4-463B-9DBE-6AA8AAAFD9CA}" presName="rootConnector" presStyleLbl="node3" presStyleIdx="6" presStyleCnt="17"/>
+      <dgm:prSet presAssocID="{305846AD-47C4-463B-9DBE-6AA8AAAFD9CA}" presName="rootConnector" presStyleLbl="node3" presStyleIdx="5" presStyleCnt="16"/>
       <dgm:spPr/>
     </dgm:pt>
     <dgm:pt modelId="{3E145665-14CD-49F4-83C2-94028C9102B3}" type="pres">
@@ -6211,7 +6216,7 @@
       <dgm:spPr/>
     </dgm:pt>
     <dgm:pt modelId="{DDB737D1-B170-410E-B636-D69C244AB233}" type="pres">
-      <dgm:prSet presAssocID="{967C17FD-B87B-4CD0-BD44-345E2E5D2EA3}" presName="Name64" presStyleLbl="parChTrans1D3" presStyleIdx="7" presStyleCnt="17"/>
+      <dgm:prSet presAssocID="{967C17FD-B87B-4CD0-BD44-345E2E5D2EA3}" presName="Name64" presStyleLbl="parChTrans1D3" presStyleIdx="6" presStyleCnt="16"/>
       <dgm:spPr/>
     </dgm:pt>
     <dgm:pt modelId="{47C8BA3F-8FAA-42E9-A3CA-78328083DA82}" type="pres">
@@ -6227,7 +6232,7 @@
       <dgm:spPr/>
     </dgm:pt>
     <dgm:pt modelId="{DC56E3C8-3C4C-42C3-AD88-4684E55FBA33}" type="pres">
-      <dgm:prSet presAssocID="{DE023E0B-5C31-4E35-A101-3DA3908C072F}" presName="rootText" presStyleLbl="node3" presStyleIdx="7" presStyleCnt="17">
+      <dgm:prSet presAssocID="{DE023E0B-5C31-4E35-A101-3DA3908C072F}" presName="rootText" presStyleLbl="node3" presStyleIdx="6" presStyleCnt="16">
         <dgm:presLayoutVars>
           <dgm:chPref val="3"/>
         </dgm:presLayoutVars>
@@ -6235,7 +6240,7 @@
       <dgm:spPr/>
     </dgm:pt>
     <dgm:pt modelId="{2598BA0F-D367-40C0-A1E8-6D3A540D2343}" type="pres">
-      <dgm:prSet presAssocID="{DE023E0B-5C31-4E35-A101-3DA3908C072F}" presName="rootConnector" presStyleLbl="node3" presStyleIdx="7" presStyleCnt="17"/>
+      <dgm:prSet presAssocID="{DE023E0B-5C31-4E35-A101-3DA3908C072F}" presName="rootConnector" presStyleLbl="node3" presStyleIdx="6" presStyleCnt="16"/>
       <dgm:spPr/>
     </dgm:pt>
     <dgm:pt modelId="{470F6D3B-ACB6-4362-99C0-7D0B43C00076}" type="pres">
@@ -6247,7 +6252,7 @@
       <dgm:spPr/>
     </dgm:pt>
     <dgm:pt modelId="{2E53B9A6-410F-49A9-951C-6B6DC53931B0}" type="pres">
-      <dgm:prSet presAssocID="{7CF047C5-7A21-4DCA-910B-CBEC1AA93BA9}" presName="Name64" presStyleLbl="parChTrans1D3" presStyleIdx="8" presStyleCnt="17"/>
+      <dgm:prSet presAssocID="{7CF047C5-7A21-4DCA-910B-CBEC1AA93BA9}" presName="Name64" presStyleLbl="parChTrans1D3" presStyleIdx="7" presStyleCnt="16"/>
       <dgm:spPr/>
     </dgm:pt>
     <dgm:pt modelId="{7EBFEE65-B093-4ED9-9318-012DB1B19F8F}" type="pres">
@@ -6263,7 +6268,7 @@
       <dgm:spPr/>
     </dgm:pt>
     <dgm:pt modelId="{0BAD29FA-B2C8-4B8C-95DF-C171B7B462A6}" type="pres">
-      <dgm:prSet presAssocID="{10F04DDC-9425-470F-8153-E7CB032EC473}" presName="rootText" presStyleLbl="node3" presStyleIdx="8" presStyleCnt="17">
+      <dgm:prSet presAssocID="{10F04DDC-9425-470F-8153-E7CB032EC473}" presName="rootText" presStyleLbl="node3" presStyleIdx="7" presStyleCnt="16">
         <dgm:presLayoutVars>
           <dgm:chPref val="3"/>
         </dgm:presLayoutVars>
@@ -6271,7 +6276,7 @@
       <dgm:spPr/>
     </dgm:pt>
     <dgm:pt modelId="{A8510BB4-6AB4-4C7C-8DE1-2E6D90AB0CBB}" type="pres">
-      <dgm:prSet presAssocID="{10F04DDC-9425-470F-8153-E7CB032EC473}" presName="rootConnector" presStyleLbl="node3" presStyleIdx="8" presStyleCnt="17"/>
+      <dgm:prSet presAssocID="{10F04DDC-9425-470F-8153-E7CB032EC473}" presName="rootConnector" presStyleLbl="node3" presStyleIdx="7" presStyleCnt="16"/>
       <dgm:spPr/>
     </dgm:pt>
     <dgm:pt modelId="{A7538064-31F6-42A8-B552-B7D8D1147DAF}" type="pres">
@@ -6283,7 +6288,7 @@
       <dgm:spPr/>
     </dgm:pt>
     <dgm:pt modelId="{51976BDE-E76E-4333-9C70-CDE9D5A040E7}" type="pres">
-      <dgm:prSet presAssocID="{341C93D3-8A95-4DFB-AA9D-C38CA282C9E7}" presName="Name64" presStyleLbl="parChTrans1D3" presStyleIdx="9" presStyleCnt="17"/>
+      <dgm:prSet presAssocID="{341C93D3-8A95-4DFB-AA9D-C38CA282C9E7}" presName="Name64" presStyleLbl="parChTrans1D3" presStyleIdx="8" presStyleCnt="16"/>
       <dgm:spPr/>
     </dgm:pt>
     <dgm:pt modelId="{E7BA088C-5F51-4FDB-9FB8-AE754F4DC4A6}" type="pres">
@@ -6299,7 +6304,7 @@
       <dgm:spPr/>
     </dgm:pt>
     <dgm:pt modelId="{3CFF1962-B170-4E02-981E-F70C7372C79C}" type="pres">
-      <dgm:prSet presAssocID="{10948DB9-C87A-4CB4-AA25-2159E53038FA}" presName="rootText" presStyleLbl="node3" presStyleIdx="9" presStyleCnt="17">
+      <dgm:prSet presAssocID="{10948DB9-C87A-4CB4-AA25-2159E53038FA}" presName="rootText" presStyleLbl="node3" presStyleIdx="8" presStyleCnt="16">
         <dgm:presLayoutVars>
           <dgm:chPref val="3"/>
         </dgm:presLayoutVars>
@@ -6307,7 +6312,7 @@
       <dgm:spPr/>
     </dgm:pt>
     <dgm:pt modelId="{022775FB-6EEC-479D-926F-56A4BDEAF1D1}" type="pres">
-      <dgm:prSet presAssocID="{10948DB9-C87A-4CB4-AA25-2159E53038FA}" presName="rootConnector" presStyleLbl="node3" presStyleIdx="9" presStyleCnt="17"/>
+      <dgm:prSet presAssocID="{10948DB9-C87A-4CB4-AA25-2159E53038FA}" presName="rootConnector" presStyleLbl="node3" presStyleIdx="8" presStyleCnt="16"/>
       <dgm:spPr/>
     </dgm:pt>
     <dgm:pt modelId="{48F48EC7-0620-4A81-BF2E-E631E92093F7}" type="pres">
@@ -6323,7 +6328,7 @@
       <dgm:spPr/>
     </dgm:pt>
     <dgm:pt modelId="{F9F44E01-F016-4373-BD3F-A88044A144FF}" type="pres">
-      <dgm:prSet presAssocID="{9F967694-B9EF-45F7-AC9F-9806D8CB5482}" presName="Name64" presStyleLbl="parChTrans1D2" presStyleIdx="4" presStyleCnt="9"/>
+      <dgm:prSet presAssocID="{9F967694-B9EF-45F7-AC9F-9806D8CB5482}" presName="Name64" presStyleLbl="parChTrans1D2" presStyleIdx="5" presStyleCnt="10"/>
       <dgm:spPr/>
     </dgm:pt>
     <dgm:pt modelId="{5383851E-AB4F-4BF7-9045-8B49CCE7BE1D}" type="pres">
@@ -6339,7 +6344,7 @@
       <dgm:spPr/>
     </dgm:pt>
     <dgm:pt modelId="{819A6740-CEEB-4D64-86BD-69F09515069C}" type="pres">
-      <dgm:prSet presAssocID="{EB65517D-69B4-43D8-B5D7-51657BA54F8A}" presName="rootText" presStyleLbl="node2" presStyleIdx="4" presStyleCnt="9">
+      <dgm:prSet presAssocID="{EB65517D-69B4-43D8-B5D7-51657BA54F8A}" presName="rootText" presStyleLbl="node2" presStyleIdx="5" presStyleCnt="10">
         <dgm:presLayoutVars>
           <dgm:chPref val="3"/>
         </dgm:presLayoutVars>
@@ -6347,7 +6352,7 @@
       <dgm:spPr/>
     </dgm:pt>
     <dgm:pt modelId="{E9B709A5-743B-425E-B240-5093DC15D472}" type="pres">
-      <dgm:prSet presAssocID="{EB65517D-69B4-43D8-B5D7-51657BA54F8A}" presName="rootConnector" presStyleLbl="node2" presStyleIdx="4" presStyleCnt="9"/>
+      <dgm:prSet presAssocID="{EB65517D-69B4-43D8-B5D7-51657BA54F8A}" presName="rootConnector" presStyleLbl="node2" presStyleIdx="5" presStyleCnt="10"/>
       <dgm:spPr/>
     </dgm:pt>
     <dgm:pt modelId="{D414BC10-0EB8-47A0-B968-5F4463419A65}" type="pres">
@@ -6355,7 +6360,7 @@
       <dgm:spPr/>
     </dgm:pt>
     <dgm:pt modelId="{336E4257-DF9E-48AA-97CF-5A883E63F3DE}" type="pres">
-      <dgm:prSet presAssocID="{0ED2AB80-1B48-415F-BD87-852714594E12}" presName="Name64" presStyleLbl="parChTrans1D3" presStyleIdx="10" presStyleCnt="17"/>
+      <dgm:prSet presAssocID="{0ED2AB80-1B48-415F-BD87-852714594E12}" presName="Name64" presStyleLbl="parChTrans1D3" presStyleIdx="9" presStyleCnt="16"/>
       <dgm:spPr/>
     </dgm:pt>
     <dgm:pt modelId="{8E9652F8-B230-41AF-8D7E-E6CC98C66D0D}" type="pres">
@@ -6371,7 +6376,7 @@
       <dgm:spPr/>
     </dgm:pt>
     <dgm:pt modelId="{B91A4BAB-B5F1-477A-87F1-F762AC724B3E}" type="pres">
-      <dgm:prSet presAssocID="{785ADFEC-7668-46D6-9578-5377B24474CF}" presName="rootText" presStyleLbl="node3" presStyleIdx="10" presStyleCnt="17">
+      <dgm:prSet presAssocID="{785ADFEC-7668-46D6-9578-5377B24474CF}" presName="rootText" presStyleLbl="node3" presStyleIdx="9" presStyleCnt="16">
         <dgm:presLayoutVars>
           <dgm:chPref val="3"/>
         </dgm:presLayoutVars>
@@ -6379,7 +6384,7 @@
       <dgm:spPr/>
     </dgm:pt>
     <dgm:pt modelId="{5F764B6A-BC71-4DC0-8150-D056759B1D75}" type="pres">
-      <dgm:prSet presAssocID="{785ADFEC-7668-46D6-9578-5377B24474CF}" presName="rootConnector" presStyleLbl="node3" presStyleIdx="10" presStyleCnt="17"/>
+      <dgm:prSet presAssocID="{785ADFEC-7668-46D6-9578-5377B24474CF}" presName="rootConnector" presStyleLbl="node3" presStyleIdx="9" presStyleCnt="16"/>
       <dgm:spPr/>
     </dgm:pt>
     <dgm:pt modelId="{C479403A-1D94-4F67-8BA1-7FD6B49A4306}" type="pres">
@@ -6395,7 +6400,7 @@
       <dgm:spPr/>
     </dgm:pt>
     <dgm:pt modelId="{2D20D328-5620-4DB1-9AE9-ADD27AC7B8F5}" type="pres">
-      <dgm:prSet presAssocID="{C64C22FD-D31D-4129-A644-EAC90AC2F0EF}" presName="Name64" presStyleLbl="parChTrans1D2" presStyleIdx="5" presStyleCnt="9"/>
+      <dgm:prSet presAssocID="{C64C22FD-D31D-4129-A644-EAC90AC2F0EF}" presName="Name64" presStyleLbl="parChTrans1D2" presStyleIdx="6" presStyleCnt="10"/>
       <dgm:spPr/>
     </dgm:pt>
     <dgm:pt modelId="{6214AF22-B6E4-469B-A004-9A13548093CE}" type="pres">
@@ -6411,7 +6416,7 @@
       <dgm:spPr/>
     </dgm:pt>
     <dgm:pt modelId="{2A2867CB-CA48-4D15-BDD1-AEE4D30C5C71}" type="pres">
-      <dgm:prSet presAssocID="{347BA63F-6330-4E17-9091-C819304D8374}" presName="rootText" presStyleLbl="node2" presStyleIdx="5" presStyleCnt="9">
+      <dgm:prSet presAssocID="{347BA63F-6330-4E17-9091-C819304D8374}" presName="rootText" presStyleLbl="node2" presStyleIdx="6" presStyleCnt="10">
         <dgm:presLayoutVars>
           <dgm:chPref val="3"/>
         </dgm:presLayoutVars>
@@ -6419,7 +6424,7 @@
       <dgm:spPr/>
     </dgm:pt>
     <dgm:pt modelId="{2E3E037F-66A4-4E32-88C9-13723390D309}" type="pres">
-      <dgm:prSet presAssocID="{347BA63F-6330-4E17-9091-C819304D8374}" presName="rootConnector" presStyleLbl="node2" presStyleIdx="5" presStyleCnt="9"/>
+      <dgm:prSet presAssocID="{347BA63F-6330-4E17-9091-C819304D8374}" presName="rootConnector" presStyleLbl="node2" presStyleIdx="6" presStyleCnt="10"/>
       <dgm:spPr/>
     </dgm:pt>
     <dgm:pt modelId="{17A3315F-888D-4773-8E1D-F85FAF6DC68C}" type="pres">
@@ -6427,7 +6432,7 @@
       <dgm:spPr/>
     </dgm:pt>
     <dgm:pt modelId="{57FCA201-C372-42EC-BE6F-AA451AC42FF2}" type="pres">
-      <dgm:prSet presAssocID="{B2BB2EBF-AD6A-47A5-AAAD-6E528895D1C8}" presName="Name64" presStyleLbl="parChTrans1D3" presStyleIdx="11" presStyleCnt="17"/>
+      <dgm:prSet presAssocID="{B2BB2EBF-AD6A-47A5-AAAD-6E528895D1C8}" presName="Name64" presStyleLbl="parChTrans1D3" presStyleIdx="10" presStyleCnt="16"/>
       <dgm:spPr/>
     </dgm:pt>
     <dgm:pt modelId="{CC7F2A4B-C83E-4F6E-B446-0618D0BE64EB}" type="pres">
@@ -6443,7 +6448,7 @@
       <dgm:spPr/>
     </dgm:pt>
     <dgm:pt modelId="{CC81E544-050C-42F2-9A23-930845DEEF2C}" type="pres">
-      <dgm:prSet presAssocID="{F592A012-32A7-4C82-BF4D-CA3D12AD7C92}" presName="rootText" presStyleLbl="node3" presStyleIdx="11" presStyleCnt="17">
+      <dgm:prSet presAssocID="{F592A012-32A7-4C82-BF4D-CA3D12AD7C92}" presName="rootText" presStyleLbl="node3" presStyleIdx="10" presStyleCnt="16">
         <dgm:presLayoutVars>
           <dgm:chPref val="3"/>
         </dgm:presLayoutVars>
@@ -6451,7 +6456,7 @@
       <dgm:spPr/>
     </dgm:pt>
     <dgm:pt modelId="{9BA74907-CC52-4A3D-BECF-252907E38BF8}" type="pres">
-      <dgm:prSet presAssocID="{F592A012-32A7-4C82-BF4D-CA3D12AD7C92}" presName="rootConnector" presStyleLbl="node3" presStyleIdx="11" presStyleCnt="17"/>
+      <dgm:prSet presAssocID="{F592A012-32A7-4C82-BF4D-CA3D12AD7C92}" presName="rootConnector" presStyleLbl="node3" presStyleIdx="10" presStyleCnt="16"/>
       <dgm:spPr/>
     </dgm:pt>
     <dgm:pt modelId="{A72D9BE7-D00E-40E0-9CE9-9AB7358508D0}" type="pres">
@@ -6463,7 +6468,7 @@
       <dgm:spPr/>
     </dgm:pt>
     <dgm:pt modelId="{CB5056A5-2DD9-4A9F-8293-EE12A55AF83F}" type="pres">
-      <dgm:prSet presAssocID="{42168C56-2F22-4C47-AD41-80714FFDE7B7}" presName="Name64" presStyleLbl="parChTrans1D3" presStyleIdx="12" presStyleCnt="17"/>
+      <dgm:prSet presAssocID="{42168C56-2F22-4C47-AD41-80714FFDE7B7}" presName="Name64" presStyleLbl="parChTrans1D3" presStyleIdx="11" presStyleCnt="16"/>
       <dgm:spPr/>
     </dgm:pt>
     <dgm:pt modelId="{7BEE19CE-A9CD-4FA6-8CB7-CF65AEAFD2AB}" type="pres">
@@ -6479,7 +6484,7 @@
       <dgm:spPr/>
     </dgm:pt>
     <dgm:pt modelId="{E10FB195-6400-4935-BFBA-6C89C0AC2BE0}" type="pres">
-      <dgm:prSet presAssocID="{4DE3A42A-E3CE-4E99-83D9-D1A6756B3CB9}" presName="rootText" presStyleLbl="node3" presStyleIdx="12" presStyleCnt="17">
+      <dgm:prSet presAssocID="{4DE3A42A-E3CE-4E99-83D9-D1A6756B3CB9}" presName="rootText" presStyleLbl="node3" presStyleIdx="11" presStyleCnt="16">
         <dgm:presLayoutVars>
           <dgm:chPref val="3"/>
         </dgm:presLayoutVars>
@@ -6487,7 +6492,7 @@
       <dgm:spPr/>
     </dgm:pt>
     <dgm:pt modelId="{F8808B5F-A76A-40AE-9849-E9A8520E2365}" type="pres">
-      <dgm:prSet presAssocID="{4DE3A42A-E3CE-4E99-83D9-D1A6756B3CB9}" presName="rootConnector" presStyleLbl="node3" presStyleIdx="12" presStyleCnt="17"/>
+      <dgm:prSet presAssocID="{4DE3A42A-E3CE-4E99-83D9-D1A6756B3CB9}" presName="rootConnector" presStyleLbl="node3" presStyleIdx="11" presStyleCnt="16"/>
       <dgm:spPr/>
     </dgm:pt>
     <dgm:pt modelId="{F0FD0631-3043-4D40-890F-736EEF5E91E8}" type="pres">
@@ -6575,7 +6580,7 @@
       <dgm:spPr/>
     </dgm:pt>
     <dgm:pt modelId="{31A5A8B2-0FDF-4B15-8459-92EFD81FD626}" type="pres">
-      <dgm:prSet presAssocID="{476A2B4E-0CFD-4F03-9824-25789D527EDB}" presName="Name64" presStyleLbl="parChTrans1D2" presStyleIdx="6" presStyleCnt="9"/>
+      <dgm:prSet presAssocID="{476A2B4E-0CFD-4F03-9824-25789D527EDB}" presName="Name64" presStyleLbl="parChTrans1D2" presStyleIdx="7" presStyleCnt="10"/>
       <dgm:spPr/>
     </dgm:pt>
     <dgm:pt modelId="{1B26BFB1-470D-4C7C-A28B-73C56F6DDA9D}" type="pres">
@@ -6591,7 +6596,7 @@
       <dgm:spPr/>
     </dgm:pt>
     <dgm:pt modelId="{03C67C4F-9566-4A9F-9740-3314E609EC66}" type="pres">
-      <dgm:prSet presAssocID="{A48100E6-84E1-4E3F-8C93-442D7A1A23CC}" presName="rootText" presStyleLbl="node2" presStyleIdx="6" presStyleCnt="9">
+      <dgm:prSet presAssocID="{A48100E6-84E1-4E3F-8C93-442D7A1A23CC}" presName="rootText" presStyleLbl="node2" presStyleIdx="7" presStyleCnt="10">
         <dgm:presLayoutVars>
           <dgm:chPref val="3"/>
         </dgm:presLayoutVars>
@@ -6599,7 +6604,7 @@
       <dgm:spPr/>
     </dgm:pt>
     <dgm:pt modelId="{4215B2A0-ECB5-469A-8071-38F2D4607FAA}" type="pres">
-      <dgm:prSet presAssocID="{A48100E6-84E1-4E3F-8C93-442D7A1A23CC}" presName="rootConnector" presStyleLbl="node2" presStyleIdx="6" presStyleCnt="9"/>
+      <dgm:prSet presAssocID="{A48100E6-84E1-4E3F-8C93-442D7A1A23CC}" presName="rootConnector" presStyleLbl="node2" presStyleIdx="7" presStyleCnt="10"/>
       <dgm:spPr/>
     </dgm:pt>
     <dgm:pt modelId="{0CBB5EAA-E511-496D-A368-9F5A1F66D638}" type="pres">
@@ -6607,7 +6612,7 @@
       <dgm:spPr/>
     </dgm:pt>
     <dgm:pt modelId="{B534A36E-F9EC-4311-B1DF-EA82917C6F6D}" type="pres">
-      <dgm:prSet presAssocID="{BF467FF0-55CD-4BEF-AE62-398B1B3BB0CF}" presName="Name64" presStyleLbl="parChTrans1D3" presStyleIdx="13" presStyleCnt="17"/>
+      <dgm:prSet presAssocID="{BF467FF0-55CD-4BEF-AE62-398B1B3BB0CF}" presName="Name64" presStyleLbl="parChTrans1D3" presStyleIdx="12" presStyleCnt="16"/>
       <dgm:spPr/>
     </dgm:pt>
     <dgm:pt modelId="{CB462D06-F90A-4D72-B443-F240C99D0DBB}" type="pres">
@@ -6623,7 +6628,7 @@
       <dgm:spPr/>
     </dgm:pt>
     <dgm:pt modelId="{8A5EDA7B-2921-4F34-8137-D1C6E7E07DEE}" type="pres">
-      <dgm:prSet presAssocID="{CFA08F81-19C0-472C-9D39-BA1296D1CE78}" presName="rootText" presStyleLbl="node3" presStyleIdx="13" presStyleCnt="17">
+      <dgm:prSet presAssocID="{CFA08F81-19C0-472C-9D39-BA1296D1CE78}" presName="rootText" presStyleLbl="node3" presStyleIdx="12" presStyleCnt="16">
         <dgm:presLayoutVars>
           <dgm:chPref val="3"/>
         </dgm:presLayoutVars>
@@ -6631,7 +6636,7 @@
       <dgm:spPr/>
     </dgm:pt>
     <dgm:pt modelId="{A3D12080-8FFA-455C-B6E3-282C2E6BC88D}" type="pres">
-      <dgm:prSet presAssocID="{CFA08F81-19C0-472C-9D39-BA1296D1CE78}" presName="rootConnector" presStyleLbl="node3" presStyleIdx="13" presStyleCnt="17"/>
+      <dgm:prSet presAssocID="{CFA08F81-19C0-472C-9D39-BA1296D1CE78}" presName="rootConnector" presStyleLbl="node3" presStyleIdx="12" presStyleCnt="16"/>
       <dgm:spPr/>
     </dgm:pt>
     <dgm:pt modelId="{995D431E-5762-478B-99C7-EEAD1B1C0248}" type="pres">
@@ -6647,7 +6652,7 @@
       <dgm:spPr/>
     </dgm:pt>
     <dgm:pt modelId="{2E60BB58-8EF7-4B20-B1FD-ED9F22FE7A4D}" type="pres">
-      <dgm:prSet presAssocID="{B0804064-996B-41FA-9EBA-EC56EBF3506F}" presName="Name64" presStyleLbl="parChTrans1D2" presStyleIdx="7" presStyleCnt="9"/>
+      <dgm:prSet presAssocID="{B0804064-996B-41FA-9EBA-EC56EBF3506F}" presName="Name64" presStyleLbl="parChTrans1D2" presStyleIdx="8" presStyleCnt="10"/>
       <dgm:spPr/>
     </dgm:pt>
     <dgm:pt modelId="{AC177508-4990-4145-A30A-C7DAF7DB2412}" type="pres">
@@ -6663,7 +6668,7 @@
       <dgm:spPr/>
     </dgm:pt>
     <dgm:pt modelId="{3D03D195-B2A0-4E0E-98B5-C02B3E4D07C7}" type="pres">
-      <dgm:prSet presAssocID="{28ACC96C-DAEE-4690-912C-9633C398023B}" presName="rootText" presStyleLbl="node2" presStyleIdx="7" presStyleCnt="9">
+      <dgm:prSet presAssocID="{28ACC96C-DAEE-4690-912C-9633C398023B}" presName="rootText" presStyleLbl="node2" presStyleIdx="8" presStyleCnt="10">
         <dgm:presLayoutVars>
           <dgm:chPref val="3"/>
         </dgm:presLayoutVars>
@@ -6671,7 +6676,7 @@
       <dgm:spPr/>
     </dgm:pt>
     <dgm:pt modelId="{C1BDBCAC-F9A7-4527-8104-0ECD90EFED0E}" type="pres">
-      <dgm:prSet presAssocID="{28ACC96C-DAEE-4690-912C-9633C398023B}" presName="rootConnector" presStyleLbl="node2" presStyleIdx="7" presStyleCnt="9"/>
+      <dgm:prSet presAssocID="{28ACC96C-DAEE-4690-912C-9633C398023B}" presName="rootConnector" presStyleLbl="node2" presStyleIdx="8" presStyleCnt="10"/>
       <dgm:spPr/>
     </dgm:pt>
     <dgm:pt modelId="{1DEC196C-CC11-4D09-8F04-C7E49CD49237}" type="pres">
@@ -6679,7 +6684,7 @@
       <dgm:spPr/>
     </dgm:pt>
     <dgm:pt modelId="{A05180F1-AD61-415E-9524-8C8676139CA1}" type="pres">
-      <dgm:prSet presAssocID="{AD5EE0EA-60D1-43DE-980D-E1501EFCEDE7}" presName="Name64" presStyleLbl="parChTrans1D3" presStyleIdx="14" presStyleCnt="17"/>
+      <dgm:prSet presAssocID="{AD5EE0EA-60D1-43DE-980D-E1501EFCEDE7}" presName="Name64" presStyleLbl="parChTrans1D3" presStyleIdx="13" presStyleCnt="16"/>
       <dgm:spPr/>
     </dgm:pt>
     <dgm:pt modelId="{E44F98BA-FF58-492D-8FC6-2A9F0DA6B168}" type="pres">
@@ -6695,7 +6700,7 @@
       <dgm:spPr/>
     </dgm:pt>
     <dgm:pt modelId="{5A414EAD-06E0-4406-B805-5E2104B3D0DD}" type="pres">
-      <dgm:prSet presAssocID="{197668C4-8212-48B8-A54E-73002176A9B9}" presName="rootText" presStyleLbl="node3" presStyleIdx="14" presStyleCnt="17">
+      <dgm:prSet presAssocID="{197668C4-8212-48B8-A54E-73002176A9B9}" presName="rootText" presStyleLbl="node3" presStyleIdx="13" presStyleCnt="16">
         <dgm:presLayoutVars>
           <dgm:chPref val="3"/>
         </dgm:presLayoutVars>
@@ -6703,7 +6708,7 @@
       <dgm:spPr/>
     </dgm:pt>
     <dgm:pt modelId="{D3237EA4-DDFD-4ACC-8BBF-EBC804C5BA7F}" type="pres">
-      <dgm:prSet presAssocID="{197668C4-8212-48B8-A54E-73002176A9B9}" presName="rootConnector" presStyleLbl="node3" presStyleIdx="14" presStyleCnt="17"/>
+      <dgm:prSet presAssocID="{197668C4-8212-48B8-A54E-73002176A9B9}" presName="rootConnector" presStyleLbl="node3" presStyleIdx="13" presStyleCnt="16"/>
       <dgm:spPr/>
     </dgm:pt>
     <dgm:pt modelId="{E319DE10-5A65-4DC9-A5E1-619480052656}" type="pres">
@@ -6715,7 +6720,7 @@
       <dgm:spPr/>
     </dgm:pt>
     <dgm:pt modelId="{6CFD0781-BADE-4BD9-AE24-C3DC12DAF7F8}" type="pres">
-      <dgm:prSet presAssocID="{D672805F-D531-46CA-8240-38805655CA82}" presName="Name64" presStyleLbl="parChTrans1D3" presStyleIdx="15" presStyleCnt="17"/>
+      <dgm:prSet presAssocID="{D672805F-D531-46CA-8240-38805655CA82}" presName="Name64" presStyleLbl="parChTrans1D3" presStyleIdx="14" presStyleCnt="16"/>
       <dgm:spPr/>
     </dgm:pt>
     <dgm:pt modelId="{4C6079FA-FDD2-4A91-BAB5-594A8947F392}" type="pres">
@@ -6731,7 +6736,7 @@
       <dgm:spPr/>
     </dgm:pt>
     <dgm:pt modelId="{E4CF3A31-AE00-43BC-B93C-2DE86D4CC973}" type="pres">
-      <dgm:prSet presAssocID="{5DF6C11B-377F-47FB-BC50-A7E3E32B7B43}" presName="rootText" presStyleLbl="node3" presStyleIdx="15" presStyleCnt="17">
+      <dgm:prSet presAssocID="{5DF6C11B-377F-47FB-BC50-A7E3E32B7B43}" presName="rootText" presStyleLbl="node3" presStyleIdx="14" presStyleCnt="16">
         <dgm:presLayoutVars>
           <dgm:chPref val="3"/>
         </dgm:presLayoutVars>
@@ -6739,7 +6744,7 @@
       <dgm:spPr/>
     </dgm:pt>
     <dgm:pt modelId="{7FB98923-33F3-4B6E-A104-716FC1B85402}" type="pres">
-      <dgm:prSet presAssocID="{5DF6C11B-377F-47FB-BC50-A7E3E32B7B43}" presName="rootConnector" presStyleLbl="node3" presStyleIdx="15" presStyleCnt="17"/>
+      <dgm:prSet presAssocID="{5DF6C11B-377F-47FB-BC50-A7E3E32B7B43}" presName="rootConnector" presStyleLbl="node3" presStyleIdx="14" presStyleCnt="16"/>
       <dgm:spPr/>
     </dgm:pt>
     <dgm:pt modelId="{EEB3AF85-ECA6-4A99-BFD8-ACA1C2E11394}" type="pres">
@@ -6755,7 +6760,7 @@
       <dgm:spPr/>
     </dgm:pt>
     <dgm:pt modelId="{2CC426F1-4296-4502-B9CF-4D231D33D696}" type="pres">
-      <dgm:prSet presAssocID="{E5E79FCF-73DE-4917-B161-D2D920AE6114}" presName="Name64" presStyleLbl="parChTrans1D2" presStyleIdx="8" presStyleCnt="9"/>
+      <dgm:prSet presAssocID="{E5E79FCF-73DE-4917-B161-D2D920AE6114}" presName="Name64" presStyleLbl="parChTrans1D2" presStyleIdx="9" presStyleCnt="10"/>
       <dgm:spPr/>
     </dgm:pt>
     <dgm:pt modelId="{1C8BA471-17D6-4B09-9A38-3E69395074A7}" type="pres">
@@ -6771,7 +6776,7 @@
       <dgm:spPr/>
     </dgm:pt>
     <dgm:pt modelId="{B713F195-15C1-4F58-AAA4-FEE3AAA2278A}" type="pres">
-      <dgm:prSet presAssocID="{883372AC-54A3-434D-B3FD-47B7FC1A2F94}" presName="rootText" presStyleLbl="node2" presStyleIdx="8" presStyleCnt="9">
+      <dgm:prSet presAssocID="{883372AC-54A3-434D-B3FD-47B7FC1A2F94}" presName="rootText" presStyleLbl="node2" presStyleIdx="9" presStyleCnt="10">
         <dgm:presLayoutVars>
           <dgm:chPref val="3"/>
         </dgm:presLayoutVars>
@@ -6779,7 +6784,7 @@
       <dgm:spPr/>
     </dgm:pt>
     <dgm:pt modelId="{426F63BF-BA70-4B77-B917-BC18BD8B4FF9}" type="pres">
-      <dgm:prSet presAssocID="{883372AC-54A3-434D-B3FD-47B7FC1A2F94}" presName="rootConnector" presStyleLbl="node2" presStyleIdx="8" presStyleCnt="9"/>
+      <dgm:prSet presAssocID="{883372AC-54A3-434D-B3FD-47B7FC1A2F94}" presName="rootConnector" presStyleLbl="node2" presStyleIdx="9" presStyleCnt="10"/>
       <dgm:spPr/>
     </dgm:pt>
     <dgm:pt modelId="{DE26A943-6E8A-4F14-AE5F-18FB06EB3D8A}" type="pres">
@@ -6787,7 +6792,7 @@
       <dgm:spPr/>
     </dgm:pt>
     <dgm:pt modelId="{BB7E1592-6A61-4BF8-98BA-0391E87B0C1B}" type="pres">
-      <dgm:prSet presAssocID="{F1332BF6-B8C7-4DEA-BE82-35051DA5F48B}" presName="Name64" presStyleLbl="parChTrans1D3" presStyleIdx="16" presStyleCnt="17"/>
+      <dgm:prSet presAssocID="{F1332BF6-B8C7-4DEA-BE82-35051DA5F48B}" presName="Name64" presStyleLbl="parChTrans1D3" presStyleIdx="15" presStyleCnt="16"/>
       <dgm:spPr/>
     </dgm:pt>
     <dgm:pt modelId="{B569C3E5-30FA-4D92-8ABE-C526AA7A1A87}" type="pres">
@@ -6803,7 +6808,7 @@
       <dgm:spPr/>
     </dgm:pt>
     <dgm:pt modelId="{1E3288A7-BF23-4BB5-80BD-8CC56FFAD560}" type="pres">
-      <dgm:prSet presAssocID="{06D4AC17-67B1-4EEF-B1BB-B0ECE09E5C55}" presName="rootText" presStyleLbl="node3" presStyleIdx="16" presStyleCnt="17">
+      <dgm:prSet presAssocID="{06D4AC17-67B1-4EEF-B1BB-B0ECE09E5C55}" presName="rootText" presStyleLbl="node3" presStyleIdx="15" presStyleCnt="16">
         <dgm:presLayoutVars>
           <dgm:chPref val="3"/>
         </dgm:presLayoutVars>
@@ -6811,7 +6816,7 @@
       <dgm:spPr/>
     </dgm:pt>
     <dgm:pt modelId="{0F06C5A5-B561-4EAF-BDE5-66929F0BECCA}" type="pres">
-      <dgm:prSet presAssocID="{06D4AC17-67B1-4EEF-B1BB-B0ECE09E5C55}" presName="rootConnector" presStyleLbl="node3" presStyleIdx="16" presStyleCnt="17"/>
+      <dgm:prSet presAssocID="{06D4AC17-67B1-4EEF-B1BB-B0ECE09E5C55}" presName="rootConnector" presStyleLbl="node3" presStyleIdx="15" presStyleCnt="16"/>
       <dgm:spPr/>
     </dgm:pt>
     <dgm:pt modelId="{D1627A9B-85B2-425E-B147-B761C08ABE96}" type="pres">
@@ -6853,7 +6858,6 @@
     <dgm:cxn modelId="{9EC29740-5605-4B4B-9211-BA703851C0A2}" type="presOf" srcId="{795061A3-2B93-41B7-8CB3-D2EA827D06F1}" destId="{5149C0C6-E11C-4AB0-947A-FEDDB9A1B641}" srcOrd="0" destOrd="0" presId="urn:microsoft.com/office/officeart/2009/3/layout/HorizontalOrganizationChart"/>
     <dgm:cxn modelId="{8D26395E-B394-4554-9080-473F616A0E49}" type="presOf" srcId="{98DE5844-EBFB-4ECB-843E-1E3C116CD0A7}" destId="{681089C0-A8AE-4F9C-BCEE-5F5384DFB299}" srcOrd="1" destOrd="0" presId="urn:microsoft.com/office/officeart/2009/3/layout/HorizontalOrganizationChart"/>
     <dgm:cxn modelId="{65F5B95E-902C-4ACD-A4CA-6DD287D27472}" type="presOf" srcId="{476A2B4E-0CFD-4F03-9824-25789D527EDB}" destId="{31A5A8B2-0FDF-4B15-8459-92EFD81FD626}" srcOrd="0" destOrd="0" presId="urn:microsoft.com/office/officeart/2009/3/layout/HorizontalOrganizationChart"/>
-    <dgm:cxn modelId="{062F3941-AA5A-497E-9D71-E0E097553EEE}" type="presOf" srcId="{42CB9CC2-555D-4178-BF13-D22FC1A1FC8B}" destId="{2462B95B-AB99-4F60-B782-94A955F4A91D}" srcOrd="0" destOrd="0" presId="urn:microsoft.com/office/officeart/2009/3/layout/HorizontalOrganizationChart"/>
     <dgm:cxn modelId="{AAB6AF41-2264-4F2D-B4A2-D749F7CCD617}" type="presOf" srcId="{57A8CB2D-79BE-4C74-9A37-D6A913DE1B82}" destId="{F96B956B-5837-4962-AA1E-51181F232425}" srcOrd="0" destOrd="0" presId="urn:microsoft.com/office/officeart/2009/3/layout/HorizontalOrganizationChart"/>
     <dgm:cxn modelId="{4091E661-0EEF-408D-BF24-558628C0A4F1}" type="presOf" srcId="{332EBDA1-FC91-42DD-8C1E-2C7B445019B3}" destId="{0D631D49-DE9D-4792-9A6C-A983781D0868}" srcOrd="0" destOrd="0" presId="urn:microsoft.com/office/officeart/2009/3/layout/HorizontalOrganizationChart"/>
     <dgm:cxn modelId="{E3BB8A62-A08B-4A8C-9496-BC555FE1CCFC}" type="presOf" srcId="{7CF047C5-7A21-4DCA-910B-CBEC1AA93BA9}" destId="{2E53B9A6-410F-49A9-951C-6B6DC53931B0}" srcOrd="0" destOrd="0" presId="urn:microsoft.com/office/officeart/2009/3/layout/HorizontalOrganizationChart"/>
@@ -6882,37 +6886,38 @@
     <dgm:cxn modelId="{7117AE58-47CE-4D5A-8642-D4C6CB160D3B}" srcId="{1924ECD5-AA0E-4B54-9424-D53165043932}" destId="{10F04DDC-9425-470F-8153-E7CB032EC473}" srcOrd="5" destOrd="0" parTransId="{7CF047C5-7A21-4DCA-910B-CBEC1AA93BA9}" sibTransId="{5F84F869-E56B-4634-ABE7-790FDDE6A648}"/>
     <dgm:cxn modelId="{FDBDBC58-FD13-4FEA-86DD-C2F7B04781EC}" type="presOf" srcId="{D7009F5C-9656-4E9C-B269-B880E0F0CD6C}" destId="{CB5AA0EA-4EB1-412D-B3CC-64162133A8FE}" srcOrd="0" destOrd="0" presId="urn:microsoft.com/office/officeart/2009/3/layout/HorizontalOrganizationChart"/>
     <dgm:cxn modelId="{36565A79-726A-49E4-8D06-2B903089FD1B}" srcId="{347BA63F-6330-4E17-9091-C819304D8374}" destId="{4DE3A42A-E3CE-4E99-83D9-D1A6756B3CB9}" srcOrd="1" destOrd="0" parTransId="{42168C56-2F22-4C47-AD41-80714FFDE7B7}" sibTransId="{E7E8FE3B-7C4D-4032-A180-D927C1C52A59}"/>
+    <dgm:cxn modelId="{433EDE7A-B9FC-41D1-AA64-7020CAB4A3E8}" type="presOf" srcId="{F3B87950-7EEB-43CA-9B2F-CAA9BB32339E}" destId="{F445D70D-1BFB-4B56-B7A3-7541F3FAC69C}" srcOrd="0" destOrd="0" presId="urn:microsoft.com/office/officeart/2009/3/layout/HorizontalOrganizationChart"/>
     <dgm:cxn modelId="{D5EC277E-D168-46D3-B712-834F294040B0}" type="presOf" srcId="{AF051581-B2C4-4A22-B3E9-D040DD094A2F}" destId="{BA52E6F3-CA60-4E17-A6A4-2CE0C065527E}" srcOrd="0" destOrd="0" presId="urn:microsoft.com/office/officeart/2009/3/layout/HorizontalOrganizationChart"/>
     <dgm:cxn modelId="{989EA880-FDF7-4548-B722-D7CBE9256ECE}" type="presOf" srcId="{10948DB9-C87A-4CB4-AA25-2159E53038FA}" destId="{3CFF1962-B170-4E02-981E-F70C7372C79C}" srcOrd="0" destOrd="0" presId="urn:microsoft.com/office/officeart/2009/3/layout/HorizontalOrganizationChart"/>
     <dgm:cxn modelId="{0F991585-F202-41C6-85DF-EFC1A8F651EF}" type="presOf" srcId="{B0804064-996B-41FA-9EBA-EC56EBF3506F}" destId="{2E60BB58-8EF7-4B20-B1FD-ED9F22FE7A4D}" srcOrd="0" destOrd="0" presId="urn:microsoft.com/office/officeart/2009/3/layout/HorizontalOrganizationChart"/>
     <dgm:cxn modelId="{04030B86-B606-4E3C-940B-8858B67F7919}" type="presOf" srcId="{A48100E6-84E1-4E3F-8C93-442D7A1A23CC}" destId="{03C67C4F-9566-4A9F-9740-3314E609EC66}" srcOrd="0" destOrd="0" presId="urn:microsoft.com/office/officeart/2009/3/layout/HorizontalOrganizationChart"/>
     <dgm:cxn modelId="{FAC72887-1C55-49E0-AF35-13A2443B0429}" type="presOf" srcId="{0ED2AB80-1B48-415F-BD87-852714594E12}" destId="{336E4257-DF9E-48AA-97CF-5A883E63F3DE}" srcOrd="0" destOrd="0" presId="urn:microsoft.com/office/officeart/2009/3/layout/HorizontalOrganizationChart"/>
     <dgm:cxn modelId="{7A0A5687-8D33-4C97-9CE7-B44967A81946}" srcId="{4DE3A42A-E3CE-4E99-83D9-D1A6756B3CB9}" destId="{9E9AFA18-4A4C-452D-9BB1-22608177395D}" srcOrd="0" destOrd="0" parTransId="{7EB6568E-DE68-41D0-B072-2D0DA56F4F15}" sibTransId="{DB2F4BBF-BA92-46E6-ACB3-D5B8E972779B}"/>
+    <dgm:cxn modelId="{FFEF628B-41BE-42F1-8C81-FAD470D2FE73}" type="presOf" srcId="{96724C7A-EE30-47A6-9381-5DC25884F477}" destId="{3011C056-181A-4382-A4BD-1AB94E8CAFA5}" srcOrd="1" destOrd="0" presId="urn:microsoft.com/office/officeart/2009/3/layout/HorizontalOrganizationChart"/>
     <dgm:cxn modelId="{DD4A4E91-5A3E-43C3-BF85-FA5F28827418}" type="presOf" srcId="{06D4AC17-67B1-4EEF-B1BB-B0ECE09E5C55}" destId="{0F06C5A5-B561-4EAF-BDE5-66929F0BECCA}" srcOrd="1" destOrd="0" presId="urn:microsoft.com/office/officeart/2009/3/layout/HorizontalOrganizationChart"/>
     <dgm:cxn modelId="{C81E8C91-5EF5-45E9-ACD4-E449A9809B80}" srcId="{1924ECD5-AA0E-4B54-9424-D53165043932}" destId="{305846AD-47C4-463B-9DBE-6AA8AAAFD9CA}" srcOrd="3" destOrd="0" parTransId="{57A8CB2D-79BE-4C74-9A37-D6A913DE1B82}" sibTransId="{6A058D6F-D207-4F81-A3FF-D70611BE6534}"/>
     <dgm:cxn modelId="{18F49E93-D0C6-4FF8-ABA8-F1A56DA431BB}" type="presOf" srcId="{44363CFA-628E-4026-88F3-8868490E44F8}" destId="{7E563FBE-F4AA-495E-94B1-06B29D84521A}" srcOrd="0" destOrd="0" presId="urn:microsoft.com/office/officeart/2009/3/layout/HorizontalOrganizationChart"/>
     <dgm:cxn modelId="{79E56195-F54E-448F-9A9E-9027BF58A4FF}" type="presOf" srcId="{9E9AFA18-4A4C-452D-9BB1-22608177395D}" destId="{A063358C-0698-42F7-9923-2B9323B852DF}" srcOrd="0" destOrd="0" presId="urn:microsoft.com/office/officeart/2009/3/layout/HorizontalOrganizationChart"/>
-    <dgm:cxn modelId="{2C568396-9ABB-4BCD-B239-144F3DDBA3EC}" srcId="{441C9BFF-8AD7-4827-90F5-60BEDCAF3705}" destId="{883372AC-54A3-434D-B3FD-47B7FC1A2F94}" srcOrd="8" destOrd="0" parTransId="{E5E79FCF-73DE-4917-B161-D2D920AE6114}" sibTransId="{17BA298D-1370-41B5-9B62-7081F499794F}"/>
+    <dgm:cxn modelId="{2C568396-9ABB-4BCD-B239-144F3DDBA3EC}" srcId="{441C9BFF-8AD7-4827-90F5-60BEDCAF3705}" destId="{883372AC-54A3-434D-B3FD-47B7FC1A2F94}" srcOrd="9" destOrd="0" parTransId="{E5E79FCF-73DE-4917-B161-D2D920AE6114}" sibTransId="{17BA298D-1370-41B5-9B62-7081F499794F}"/>
     <dgm:cxn modelId="{C404EF97-B6B9-46B1-B871-AB0215495D5D}" type="presOf" srcId="{EB65517D-69B4-43D8-B5D7-51657BA54F8A}" destId="{E9B709A5-743B-425E-B240-5093DC15D472}" srcOrd="1" destOrd="0" presId="urn:microsoft.com/office/officeart/2009/3/layout/HorizontalOrganizationChart"/>
     <dgm:cxn modelId="{33DF3899-0AA9-4D12-8AFD-B5E16AF2A923}" srcId="{EB65517D-69B4-43D8-B5D7-51657BA54F8A}" destId="{785ADFEC-7668-46D6-9578-5377B24474CF}" srcOrd="0" destOrd="0" parTransId="{0ED2AB80-1B48-415F-BD87-852714594E12}" sibTransId="{1114127C-B245-4E79-9FFA-C610A89B9B6C}"/>
     <dgm:cxn modelId="{56DC039B-512A-4A12-BC5D-031CC563B705}" type="presOf" srcId="{4DE3A42A-E3CE-4E99-83D9-D1A6756B3CB9}" destId="{F8808B5F-A76A-40AE-9849-E9A8520E2365}" srcOrd="1" destOrd="0" presId="urn:microsoft.com/office/officeart/2009/3/layout/HorizontalOrganizationChart"/>
-    <dgm:cxn modelId="{3517AE9C-6628-4933-8CE6-0CA1EC7C87DD}" srcId="{441C9BFF-8AD7-4827-90F5-60BEDCAF3705}" destId="{347BA63F-6330-4E17-9091-C819304D8374}" srcOrd="5" destOrd="0" parTransId="{C64C22FD-D31D-4129-A644-EAC90AC2F0EF}" sibTransId="{36DAFF60-F4E1-4919-B05F-DD90C1E847D2}"/>
+    <dgm:cxn modelId="{3517AE9C-6628-4933-8CE6-0CA1EC7C87DD}" srcId="{441C9BFF-8AD7-4827-90F5-60BEDCAF3705}" destId="{347BA63F-6330-4E17-9091-C819304D8374}" srcOrd="6" destOrd="0" parTransId="{C64C22FD-D31D-4129-A644-EAC90AC2F0EF}" sibTransId="{36DAFF60-F4E1-4919-B05F-DD90C1E847D2}"/>
     <dgm:cxn modelId="{6074019E-2B37-4C6F-88FA-62FE51E1AD3F}" type="presOf" srcId="{B9579491-E72E-41C5-854B-F50C3EB1B30B}" destId="{CA1AB297-D82E-4522-A7CE-89EB46DE0AC9}" srcOrd="0" destOrd="0" presId="urn:microsoft.com/office/officeart/2009/3/layout/HorizontalOrganizationChart"/>
     <dgm:cxn modelId="{4E6F2EA1-CFBA-42A2-B39B-716DCB0351A9}" srcId="{883372AC-54A3-434D-B3FD-47B7FC1A2F94}" destId="{06D4AC17-67B1-4EEF-B1BB-B0ECE09E5C55}" srcOrd="0" destOrd="0" parTransId="{F1332BF6-B8C7-4DEA-BE82-35051DA5F48B}" sibTransId="{6FBF65EE-2A23-49C5-A93C-005CF8AA4457}"/>
     <dgm:cxn modelId="{63A174A1-EE8F-459F-B87E-00D2E94FE573}" type="presOf" srcId="{0E41C96E-49F8-4F4A-AF74-A981293F785F}" destId="{20B7615B-0FCF-4E02-B678-F32A6829BF45}" srcOrd="0" destOrd="0" presId="urn:microsoft.com/office/officeart/2009/3/layout/HorizontalOrganizationChart"/>
     <dgm:cxn modelId="{94F716A3-AC4E-4C4B-8A01-722C623E6B91}" type="presOf" srcId="{F592A012-32A7-4C82-BF4D-CA3D12AD7C92}" destId="{CC81E544-050C-42F2-9A23-930845DEEF2C}" srcOrd="0" destOrd="0" presId="urn:microsoft.com/office/officeart/2009/3/layout/HorizontalOrganizationChart"/>
-    <dgm:cxn modelId="{463E86A3-E09D-4E63-BE29-B94B84E61717}" srcId="{44363CFA-628E-4026-88F3-8868490E44F8}" destId="{42CB9CC2-555D-4178-BF13-D22FC1A1FC8B}" srcOrd="0" destOrd="0" parTransId="{F1CBC24F-79B7-4E57-AF2E-D28D63B47584}" sibTransId="{37B979F9-447C-44E5-9C58-EDFC2D852E55}"/>
     <dgm:cxn modelId="{3A24A7A4-3CE3-4880-86AF-A650AF8A73E4}" srcId="{441C9BFF-8AD7-4827-90F5-60BEDCAF3705}" destId="{D7009F5C-9656-4E9C-B269-B880E0F0CD6C}" srcOrd="0" destOrd="0" parTransId="{78DF4B16-5D45-477A-8964-F442889D3554}" sibTransId="{6BF38839-62B0-4FD1-9284-ECB1247460A0}"/>
-    <dgm:cxn modelId="{7E7EDEA4-6763-40BA-82A3-4F093EFBF7FD}" srcId="{441C9BFF-8AD7-4827-90F5-60BEDCAF3705}" destId="{28ACC96C-DAEE-4690-912C-9633C398023B}" srcOrd="7" destOrd="0" parTransId="{B0804064-996B-41FA-9EBA-EC56EBF3506F}" sibTransId="{8AF9705A-3B07-4438-A2D1-1293791B0AE2}"/>
+    <dgm:cxn modelId="{7E7EDEA4-6763-40BA-82A3-4F093EFBF7FD}" srcId="{441C9BFF-8AD7-4827-90F5-60BEDCAF3705}" destId="{28ACC96C-DAEE-4690-912C-9633C398023B}" srcOrd="8" destOrd="0" parTransId="{B0804064-996B-41FA-9EBA-EC56EBF3506F}" sibTransId="{8AF9705A-3B07-4438-A2D1-1293791B0AE2}"/>
     <dgm:cxn modelId="{6ED42EA5-BFD8-46EF-8B42-BF6F627A6507}" type="presOf" srcId="{78DF4B16-5D45-477A-8964-F442889D3554}" destId="{354E7CF5-257F-4A9A-995F-6B7E3019C585}" srcOrd="0" destOrd="0" presId="urn:microsoft.com/office/officeart/2009/3/layout/HorizontalOrganizationChart"/>
-    <dgm:cxn modelId="{1C5B25A9-30D7-4B17-9077-AE5716562504}" srcId="{441C9BFF-8AD7-4827-90F5-60BEDCAF3705}" destId="{EB65517D-69B4-43D8-B5D7-51657BA54F8A}" srcOrd="4" destOrd="0" parTransId="{9F967694-B9EF-45F7-AC9F-9806D8CB5482}" sibTransId="{E544A564-370F-49E5-BAD7-5F5A2C41F0DB}"/>
+    <dgm:cxn modelId="{1C5B25A9-30D7-4B17-9077-AE5716562504}" srcId="{441C9BFF-8AD7-4827-90F5-60BEDCAF3705}" destId="{EB65517D-69B4-43D8-B5D7-51657BA54F8A}" srcOrd="5" destOrd="0" parTransId="{9F967694-B9EF-45F7-AC9F-9806D8CB5482}" sibTransId="{E544A564-370F-49E5-BAD7-5F5A2C41F0DB}"/>
     <dgm:cxn modelId="{5642D1A9-F6B4-4D68-829E-93ADC111E528}" type="presOf" srcId="{E8EB6F71-72ED-410E-A6D6-688CC4C8622F}" destId="{30686600-836A-4BDA-894B-A190C94D51F2}" srcOrd="0" destOrd="0" presId="urn:microsoft.com/office/officeart/2009/3/layout/HorizontalOrganizationChart"/>
-    <dgm:cxn modelId="{A379DEAC-9ED6-46D7-BA90-0F0F0114656E}" srcId="{441C9BFF-8AD7-4827-90F5-60BEDCAF3705}" destId="{1924ECD5-AA0E-4B54-9424-D53165043932}" srcOrd="3" destOrd="0" parTransId="{3930E226-FA6F-40B0-905E-754A21C6644C}" sibTransId="{CBA63FA3-5470-4234-A511-234C76F1D9FA}"/>
+    <dgm:cxn modelId="{BF48D9A9-32D2-4DE1-A75D-CF0158E95C4B}" srcId="{441C9BFF-8AD7-4827-90F5-60BEDCAF3705}" destId="{96724C7A-EE30-47A6-9381-5DC25884F477}" srcOrd="3" destOrd="0" parTransId="{F3B87950-7EEB-43CA-9B2F-CAA9BB32339E}" sibTransId="{85718796-8201-4DFB-8DEF-CF0C19857CF8}"/>
+    <dgm:cxn modelId="{A379DEAC-9ED6-46D7-BA90-0F0F0114656E}" srcId="{441C9BFF-8AD7-4827-90F5-60BEDCAF3705}" destId="{1924ECD5-AA0E-4B54-9424-D53165043932}" srcOrd="4" destOrd="0" parTransId="{3930E226-FA6F-40B0-905E-754A21C6644C}" sibTransId="{CBA63FA3-5470-4234-A511-234C76F1D9FA}"/>
     <dgm:cxn modelId="{D00FB7AD-0B55-4657-8731-B7D180BF7E2D}" type="presOf" srcId="{A1C6BA05-AD07-4670-B0CD-118E17FA1993}" destId="{AD70A0C9-B96F-454F-9C31-6174FC7A426C}" srcOrd="1" destOrd="0" presId="urn:microsoft.com/office/officeart/2009/3/layout/HorizontalOrganizationChart"/>
     <dgm:cxn modelId="{98DC4EAE-A2E2-44AC-8036-87CA16B249CD}" type="presOf" srcId="{3930E226-FA6F-40B0-905E-754A21C6644C}" destId="{E02661CD-9A9D-4BFF-A9A6-5BDAD8DBA7F6}" srcOrd="0" destOrd="0" presId="urn:microsoft.com/office/officeart/2009/3/layout/HorizontalOrganizationChart"/>
     <dgm:cxn modelId="{BFAE2EAF-253E-4870-A9B5-BD05B9C88A6C}" type="presOf" srcId="{9E9AFA18-4A4C-452D-9BB1-22608177395D}" destId="{7E787785-54EC-41F4-A62C-9C6FEA7262F7}" srcOrd="1" destOrd="0" presId="urn:microsoft.com/office/officeart/2009/3/layout/HorizontalOrganizationChart"/>
     <dgm:cxn modelId="{BD7E55B1-5421-4B89-91FD-BBDF59B7DCBA}" type="presOf" srcId="{06D4AC17-67B1-4EEF-B1BB-B0ECE09E5C55}" destId="{1E3288A7-BF23-4BB5-80BD-8CC56FFAD560}" srcOrd="0" destOrd="0" presId="urn:microsoft.com/office/officeart/2009/3/layout/HorizontalOrganizationChart"/>
-    <dgm:cxn modelId="{723E74B4-C0E2-4BA2-A980-0E2439C872D1}" type="presOf" srcId="{42CB9CC2-555D-4178-BF13-D22FC1A1FC8B}" destId="{65B06B9F-40DD-4895-802B-3144362FA1CF}" srcOrd="1" destOrd="0" presId="urn:microsoft.com/office/officeart/2009/3/layout/HorizontalOrganizationChart"/>
     <dgm:cxn modelId="{2411E5B4-6609-4D02-AACE-BDB9205DA825}" type="presOf" srcId="{4DE3A42A-E3CE-4E99-83D9-D1A6756B3CB9}" destId="{E10FB195-6400-4935-BFBA-6C89C0AC2BE0}" srcOrd="0" destOrd="0" presId="urn:microsoft.com/office/officeart/2009/3/layout/HorizontalOrganizationChart"/>
     <dgm:cxn modelId="{616F42B6-4845-4E3D-A22B-54404C3AB1DB}" type="presOf" srcId="{28ACC96C-DAEE-4690-912C-9633C398023B}" destId="{3D03D195-B2A0-4E0E-98B5-C02B3E4D07C7}" srcOrd="0" destOrd="0" presId="urn:microsoft.com/office/officeart/2009/3/layout/HorizontalOrganizationChart"/>
     <dgm:cxn modelId="{039E70B6-AEAD-4D38-A9CF-07EB8BB9A8A9}" type="presOf" srcId="{785ADFEC-7668-46D6-9578-5377B24474CF}" destId="{5F764B6A-BC71-4DC0-8150-D056759B1D75}" srcOrd="1" destOrd="0" presId="urn:microsoft.com/office/officeart/2009/3/layout/HorizontalOrganizationChart"/>
@@ -6925,14 +6930,13 @@
     <dgm:cxn modelId="{83B220C9-575D-4410-9866-5F5B448BA45A}" srcId="{441C9BFF-8AD7-4827-90F5-60BEDCAF3705}" destId="{98DE5844-EBFB-4ECB-843E-1E3C116CD0A7}" srcOrd="1" destOrd="0" parTransId="{B829E806-E11E-4BDA-8589-5EF437FD4FD6}" sibTransId="{964986D0-5530-46C8-8F61-2A4F7C778AD2}"/>
     <dgm:cxn modelId="{B90251CF-F73F-47D9-8498-C239EE1B7985}" type="presOf" srcId="{3C6EA423-D64F-4DC7-B184-24C9BC3512E8}" destId="{86B18651-4B39-4A90-8CF0-600AB3AADA34}" srcOrd="0" destOrd="0" presId="urn:microsoft.com/office/officeart/2009/3/layout/HorizontalOrganizationChart"/>
     <dgm:cxn modelId="{AC44A5D4-9619-4EF2-93DD-18E3F9F19672}" type="presOf" srcId="{CFA08F81-19C0-472C-9D39-BA1296D1CE78}" destId="{A3D12080-8FFA-455C-B6E3-282C2E6BC88D}" srcOrd="1" destOrd="0" presId="urn:microsoft.com/office/officeart/2009/3/layout/HorizontalOrganizationChart"/>
-    <dgm:cxn modelId="{B8B8DAD8-4B10-40F0-8ED3-14035B5F0F4D}" srcId="{441C9BFF-8AD7-4827-90F5-60BEDCAF3705}" destId="{A48100E6-84E1-4E3F-8C93-442D7A1A23CC}" srcOrd="6" destOrd="0" parTransId="{476A2B4E-0CFD-4F03-9824-25789D527EDB}" sibTransId="{60462F65-71B6-4ECE-9B21-6A15610060E9}"/>
+    <dgm:cxn modelId="{B8B8DAD8-4B10-40F0-8ED3-14035B5F0F4D}" srcId="{441C9BFF-8AD7-4827-90F5-60BEDCAF3705}" destId="{A48100E6-84E1-4E3F-8C93-442D7A1A23CC}" srcOrd="7" destOrd="0" parTransId="{476A2B4E-0CFD-4F03-9824-25789D527EDB}" sibTransId="{60462F65-71B6-4ECE-9B21-6A15610060E9}"/>
     <dgm:cxn modelId="{902876D9-9133-4A48-8398-C7CAAFB05485}" srcId="{28ACC96C-DAEE-4690-912C-9633C398023B}" destId="{197668C4-8212-48B8-A54E-73002176A9B9}" srcOrd="0" destOrd="0" parTransId="{AD5EE0EA-60D1-43DE-980D-E1501EFCEDE7}" sibTransId="{ABDB2C2B-782E-4029-89BE-6E5CBB30B114}"/>
     <dgm:cxn modelId="{3CFDE7DB-9DC2-42B6-8549-B5DAF358711C}" type="presOf" srcId="{F1DABE6E-F8F2-4453-9AF1-0A543F993768}" destId="{BA7A41BE-8274-4075-96DE-C47F030A9798}" srcOrd="1" destOrd="0" presId="urn:microsoft.com/office/officeart/2009/3/layout/HorizontalOrganizationChart"/>
     <dgm:cxn modelId="{FECFB1DC-AA63-4142-9768-DA45F979508C}" type="presOf" srcId="{E5E79FCF-73DE-4917-B161-D2D920AE6114}" destId="{2CC426F1-4296-4502-B9CF-4D231D33D696}" srcOrd="0" destOrd="0" presId="urn:microsoft.com/office/officeart/2009/3/layout/HorizontalOrganizationChart"/>
     <dgm:cxn modelId="{374F36DF-6662-4F92-91D9-3C41AFDDBB98}" srcId="{4DE3A42A-E3CE-4E99-83D9-D1A6756B3CB9}" destId="{795061A3-2B93-41B7-8CB3-D2EA827D06F1}" srcOrd="1" destOrd="0" parTransId="{AF051581-B2C4-4A22-B3E9-D040DD094A2F}" sibTransId="{A5E25A6B-6ACF-4370-BC1D-916D50C4DBFB}"/>
     <dgm:cxn modelId="{20BD02E1-128E-4948-9A9C-DC8302C028F6}" type="presOf" srcId="{B829E806-E11E-4BDA-8589-5EF437FD4FD6}" destId="{1DFF7AF7-401C-47B1-A9F5-DCB0268C9DD1}" srcOrd="0" destOrd="0" presId="urn:microsoft.com/office/officeart/2009/3/layout/HorizontalOrganizationChart"/>
     <dgm:cxn modelId="{2E5DBDE1-14C2-47F1-A6AB-E7C7CA645FA7}" type="presOf" srcId="{441C9BFF-8AD7-4827-90F5-60BEDCAF3705}" destId="{02FD5E70-B61F-494A-A61C-65028AADF7EE}" srcOrd="1" destOrd="0" presId="urn:microsoft.com/office/officeart/2009/3/layout/HorizontalOrganizationChart"/>
-    <dgm:cxn modelId="{FBF3E0E1-4C64-41C0-9485-6AF93F00CC7E}" type="presOf" srcId="{F1CBC24F-79B7-4E57-AF2E-D28D63B47584}" destId="{F3998E3E-9E2B-46FA-8854-18200D889F0A}" srcOrd="0" destOrd="0" presId="urn:microsoft.com/office/officeart/2009/3/layout/HorizontalOrganizationChart"/>
     <dgm:cxn modelId="{2EE21EE5-7707-45B4-949D-1214C52DB4F7}" type="presOf" srcId="{883372AC-54A3-434D-B3FD-47B7FC1A2F94}" destId="{426F63BF-BA70-4B77-B917-BC18BD8B4FF9}" srcOrd="1" destOrd="0" presId="urn:microsoft.com/office/officeart/2009/3/layout/HorizontalOrganizationChart"/>
     <dgm:cxn modelId="{B2C5F7E6-5EE6-43BA-A759-B014CE7DD6F3}" type="presOf" srcId="{CFA08F81-19C0-472C-9D39-BA1296D1CE78}" destId="{8A5EDA7B-2921-4F34-8137-D1C6E7E07DEE}" srcOrd="0" destOrd="0" presId="urn:microsoft.com/office/officeart/2009/3/layout/HorizontalOrganizationChart"/>
     <dgm:cxn modelId="{700295E7-1286-436F-BEB1-0FB5919EB2F2}" srcId="{347BA63F-6330-4E17-9091-C819304D8374}" destId="{F592A012-32A7-4C82-BF4D-CA3D12AD7C92}" srcOrd="0" destOrd="0" parTransId="{B2BB2EBF-AD6A-47A5-AAAD-6E528895D1C8}" sibTransId="{574B4DA2-D22A-4111-8BAC-4E9491833495}"/>
@@ -6946,6 +6950,7 @@
     <dgm:cxn modelId="{6D0C3AFC-B2F5-4920-BE58-36C806FC1456}" type="presOf" srcId="{A98B9FA4-4126-4C91-AF71-10ACE11266DD}" destId="{4A05E9B4-107B-4A09-97F3-F3C932CC1FAB}" srcOrd="0" destOrd="0" presId="urn:microsoft.com/office/officeart/2009/3/layout/HorizontalOrganizationChart"/>
     <dgm:cxn modelId="{19B63CFC-F418-400B-8075-3F0D4AE7A80A}" type="presOf" srcId="{A48100E6-84E1-4E3F-8C93-442D7A1A23CC}" destId="{4215B2A0-ECB5-469A-8071-38F2D4607FAA}" srcOrd="1" destOrd="0" presId="urn:microsoft.com/office/officeart/2009/3/layout/HorizontalOrganizationChart"/>
     <dgm:cxn modelId="{543554FC-5D19-4ACE-931B-F05C0E6C093E}" type="presOf" srcId="{B2BB2EBF-AD6A-47A5-AAAD-6E528895D1C8}" destId="{57FCA201-C372-42EC-BE6F-AA451AC42FF2}" srcOrd="0" destOrd="0" presId="urn:microsoft.com/office/officeart/2009/3/layout/HorizontalOrganizationChart"/>
+    <dgm:cxn modelId="{860CA4FE-FF2E-4525-AF91-5940F3645185}" type="presOf" srcId="{96724C7A-EE30-47A6-9381-5DC25884F477}" destId="{6F197927-C0F0-4E1F-8BDD-63D6333E4128}" srcOrd="0" destOrd="0" presId="urn:microsoft.com/office/officeart/2009/3/layout/HorizontalOrganizationChart"/>
     <dgm:cxn modelId="{E787BFFE-BAED-44BD-A637-95E061EA5F89}" type="presOf" srcId="{10F04DDC-9425-470F-8153-E7CB032EC473}" destId="{0BAD29FA-B2C8-4B8C-95DF-C171B7B462A6}" srcOrd="0" destOrd="0" presId="urn:microsoft.com/office/officeart/2009/3/layout/HorizontalOrganizationChart"/>
     <dgm:cxn modelId="{7C3537FF-FE27-4A60-B4FA-192BE4994274}" type="presOf" srcId="{DE023E0B-5C31-4E35-A101-3DA3908C072F}" destId="{2598BA0F-D367-40C0-A1E8-6D3A540D2343}" srcOrd="1" destOrd="0" presId="urn:microsoft.com/office/officeart/2009/3/layout/HorizontalOrganizationChart"/>
     <dgm:cxn modelId="{8DB8826C-54FC-4E66-930D-018192B4FCF7}" type="presParOf" srcId="{25F16154-0014-45A6-B140-723A8E51B73E}" destId="{9195A26E-B8ED-4A2B-8846-BB93914FD321}" srcOrd="0" destOrd="0" presId="urn:microsoft.com/office/officeart/2009/3/layout/HorizontalOrganizationChart"/>
@@ -6987,16 +6992,16 @@
     <dgm:cxn modelId="{104252AE-7C10-4F01-8A77-FC174061B045}" type="presParOf" srcId="{64D37154-1815-4AC9-93B5-04BD5D717D6F}" destId="{7E563FBE-F4AA-495E-94B1-06B29D84521A}" srcOrd="0" destOrd="0" presId="urn:microsoft.com/office/officeart/2009/3/layout/HorizontalOrganizationChart"/>
     <dgm:cxn modelId="{974A17EF-97C2-4610-B67C-8ABF7B10F692}" type="presParOf" srcId="{64D37154-1815-4AC9-93B5-04BD5D717D6F}" destId="{A8AACF81-C233-4509-AFED-EB29B5B740C0}" srcOrd="1" destOrd="0" presId="urn:microsoft.com/office/officeart/2009/3/layout/HorizontalOrganizationChart"/>
     <dgm:cxn modelId="{CAEA3F21-650C-43DB-8DA3-23A6C9827600}" type="presParOf" srcId="{3420C9C4-9186-4212-B9F0-0BF1E991A6A8}" destId="{7E3D806E-C5F6-40F0-AC0F-89EB7BE038AC}" srcOrd="1" destOrd="0" presId="urn:microsoft.com/office/officeart/2009/3/layout/HorizontalOrganizationChart"/>
-    <dgm:cxn modelId="{2CFF61FC-48AA-41BD-8857-037EF153A172}" type="presParOf" srcId="{7E3D806E-C5F6-40F0-AC0F-89EB7BE038AC}" destId="{F3998E3E-9E2B-46FA-8854-18200D889F0A}" srcOrd="0" destOrd="0" presId="urn:microsoft.com/office/officeart/2009/3/layout/HorizontalOrganizationChart"/>
-    <dgm:cxn modelId="{A83C1232-E7E2-45EC-852F-08DB57A170E3}" type="presParOf" srcId="{7E3D806E-C5F6-40F0-AC0F-89EB7BE038AC}" destId="{1D478D54-7EEE-49AF-97F3-E0051C7D8530}" srcOrd="1" destOrd="0" presId="urn:microsoft.com/office/officeart/2009/3/layout/HorizontalOrganizationChart"/>
-    <dgm:cxn modelId="{DFFCCB23-4BEC-4F57-94F9-93EE83B7CE6E}" type="presParOf" srcId="{1D478D54-7EEE-49AF-97F3-E0051C7D8530}" destId="{ECAFC37C-0F84-4998-BFBF-F75EEAFC73A7}" srcOrd="0" destOrd="0" presId="urn:microsoft.com/office/officeart/2009/3/layout/HorizontalOrganizationChart"/>
-    <dgm:cxn modelId="{177D4194-D077-4453-B744-67FF38823A30}" type="presParOf" srcId="{ECAFC37C-0F84-4998-BFBF-F75EEAFC73A7}" destId="{2462B95B-AB99-4F60-B782-94A955F4A91D}" srcOrd="0" destOrd="0" presId="urn:microsoft.com/office/officeart/2009/3/layout/HorizontalOrganizationChart"/>
-    <dgm:cxn modelId="{23D36913-F1CA-4337-B600-DBAC6F3AE82F}" type="presParOf" srcId="{ECAFC37C-0F84-4998-BFBF-F75EEAFC73A7}" destId="{65B06B9F-40DD-4895-802B-3144362FA1CF}" srcOrd="1" destOrd="0" presId="urn:microsoft.com/office/officeart/2009/3/layout/HorizontalOrganizationChart"/>
-    <dgm:cxn modelId="{94567A55-C68E-4AE8-801C-75EC4C425551}" type="presParOf" srcId="{1D478D54-7EEE-49AF-97F3-E0051C7D8530}" destId="{F89DE78C-A63B-4519-959F-87A0FE1F0674}" srcOrd="1" destOrd="0" presId="urn:microsoft.com/office/officeart/2009/3/layout/HorizontalOrganizationChart"/>
-    <dgm:cxn modelId="{1BCB4A42-0D52-46DE-B506-60BDAB3D4A08}" type="presParOf" srcId="{1D478D54-7EEE-49AF-97F3-E0051C7D8530}" destId="{4CF098B7-C0AE-42FC-952E-1FD324BB19C1}" srcOrd="2" destOrd="0" presId="urn:microsoft.com/office/officeart/2009/3/layout/HorizontalOrganizationChart"/>
     <dgm:cxn modelId="{54BEB229-2C94-4B0E-829B-B20A06F2E585}" type="presParOf" srcId="{3420C9C4-9186-4212-B9F0-0BF1E991A6A8}" destId="{55D71158-61DA-43B0-BBB3-A48133494E5D}" srcOrd="2" destOrd="0" presId="urn:microsoft.com/office/officeart/2009/3/layout/HorizontalOrganizationChart"/>
-    <dgm:cxn modelId="{D8E9AE4C-CEE5-4638-8564-C6131CCA6372}" type="presParOf" srcId="{B11E59E4-EFA3-4078-8C19-E03DF94EE744}" destId="{E02661CD-9A9D-4BFF-A9A6-5BDAD8DBA7F6}" srcOrd="6" destOrd="0" presId="urn:microsoft.com/office/officeart/2009/3/layout/HorizontalOrganizationChart"/>
-    <dgm:cxn modelId="{983DDEE9-959B-441A-9D34-50652FEBEDFD}" type="presParOf" srcId="{B11E59E4-EFA3-4078-8C19-E03DF94EE744}" destId="{4CE3BB66-7651-48E6-A7F4-3C5100F8EE34}" srcOrd="7" destOrd="0" presId="urn:microsoft.com/office/officeart/2009/3/layout/HorizontalOrganizationChart"/>
+    <dgm:cxn modelId="{4B89A3C5-A0E1-4038-A3A2-9D686A8A8352}" type="presParOf" srcId="{B11E59E4-EFA3-4078-8C19-E03DF94EE744}" destId="{F445D70D-1BFB-4B56-B7A3-7541F3FAC69C}" srcOrd="6" destOrd="0" presId="urn:microsoft.com/office/officeart/2009/3/layout/HorizontalOrganizationChart"/>
+    <dgm:cxn modelId="{9F5F8555-B487-40B8-B4EE-908815270986}" type="presParOf" srcId="{B11E59E4-EFA3-4078-8C19-E03DF94EE744}" destId="{1288CB5E-A49F-4ECE-BBAF-CFFE1513FBD9}" srcOrd="7" destOrd="0" presId="urn:microsoft.com/office/officeart/2009/3/layout/HorizontalOrganizationChart"/>
+    <dgm:cxn modelId="{E84B775B-024D-4303-B3BC-4FB5A931F3ED}" type="presParOf" srcId="{1288CB5E-A49F-4ECE-BBAF-CFFE1513FBD9}" destId="{FFD41D2D-C57F-4E86-9D82-3A4E029C151B}" srcOrd="0" destOrd="0" presId="urn:microsoft.com/office/officeart/2009/3/layout/HorizontalOrganizationChart"/>
+    <dgm:cxn modelId="{FDAF95C5-BD92-4C85-926F-0DB92A13DD1D}" type="presParOf" srcId="{FFD41D2D-C57F-4E86-9D82-3A4E029C151B}" destId="{6F197927-C0F0-4E1F-8BDD-63D6333E4128}" srcOrd="0" destOrd="0" presId="urn:microsoft.com/office/officeart/2009/3/layout/HorizontalOrganizationChart"/>
+    <dgm:cxn modelId="{000B3E75-C79C-4504-8506-88DFE3FA8193}" type="presParOf" srcId="{FFD41D2D-C57F-4E86-9D82-3A4E029C151B}" destId="{3011C056-181A-4382-A4BD-1AB94E8CAFA5}" srcOrd="1" destOrd="0" presId="urn:microsoft.com/office/officeart/2009/3/layout/HorizontalOrganizationChart"/>
+    <dgm:cxn modelId="{ED8F6C18-7FC6-4825-8D94-79E584AA33A9}" type="presParOf" srcId="{1288CB5E-A49F-4ECE-BBAF-CFFE1513FBD9}" destId="{99853177-708A-4208-8F93-8DEAB7B4D005}" srcOrd="1" destOrd="0" presId="urn:microsoft.com/office/officeart/2009/3/layout/HorizontalOrganizationChart"/>
+    <dgm:cxn modelId="{B1EDD321-B88F-4463-ACD9-9C9CB41C5245}" type="presParOf" srcId="{1288CB5E-A49F-4ECE-BBAF-CFFE1513FBD9}" destId="{4425E58A-B09F-4492-9E2E-EF86A787C2D5}" srcOrd="2" destOrd="0" presId="urn:microsoft.com/office/officeart/2009/3/layout/HorizontalOrganizationChart"/>
+    <dgm:cxn modelId="{D8E9AE4C-CEE5-4638-8564-C6131CCA6372}" type="presParOf" srcId="{B11E59E4-EFA3-4078-8C19-E03DF94EE744}" destId="{E02661CD-9A9D-4BFF-A9A6-5BDAD8DBA7F6}" srcOrd="8" destOrd="0" presId="urn:microsoft.com/office/officeart/2009/3/layout/HorizontalOrganizationChart"/>
+    <dgm:cxn modelId="{983DDEE9-959B-441A-9D34-50652FEBEDFD}" type="presParOf" srcId="{B11E59E4-EFA3-4078-8C19-E03DF94EE744}" destId="{4CE3BB66-7651-48E6-A7F4-3C5100F8EE34}" srcOrd="9" destOrd="0" presId="urn:microsoft.com/office/officeart/2009/3/layout/HorizontalOrganizationChart"/>
     <dgm:cxn modelId="{CAF5F97D-A0DC-4CEB-ACCC-45737918B14C}" type="presParOf" srcId="{4CE3BB66-7651-48E6-A7F4-3C5100F8EE34}" destId="{176FE710-8331-4539-AD75-3B3F581D7D52}" srcOrd="0" destOrd="0" presId="urn:microsoft.com/office/officeart/2009/3/layout/HorizontalOrganizationChart"/>
     <dgm:cxn modelId="{6A47E166-8773-4107-A161-10098D4A5E05}" type="presParOf" srcId="{176FE710-8331-4539-AD75-3B3F581D7D52}" destId="{05DB6E90-F1BC-4563-8BE1-362C4FBDDAA7}" srcOrd="0" destOrd="0" presId="urn:microsoft.com/office/officeart/2009/3/layout/HorizontalOrganizationChart"/>
     <dgm:cxn modelId="{46176E91-2267-4C46-B264-E35B8EE0F269}" type="presParOf" srcId="{176FE710-8331-4539-AD75-3B3F581D7D52}" destId="{113FE10A-F086-4E22-A831-70FC6DC86A8B}" srcOrd="1" destOrd="0" presId="urn:microsoft.com/office/officeart/2009/3/layout/HorizontalOrganizationChart"/>
@@ -7051,8 +7056,8 @@
     <dgm:cxn modelId="{8D7239F0-75ED-4CBF-9C7D-06F93382B700}" type="presParOf" srcId="{E7BA088C-5F51-4FDB-9FB8-AE754F4DC4A6}" destId="{48F48EC7-0620-4A81-BF2E-E631E92093F7}" srcOrd="1" destOrd="0" presId="urn:microsoft.com/office/officeart/2009/3/layout/HorizontalOrganizationChart"/>
     <dgm:cxn modelId="{64743C8B-E1F9-496F-8150-A368683D0D53}" type="presParOf" srcId="{E7BA088C-5F51-4FDB-9FB8-AE754F4DC4A6}" destId="{62A3CA34-D47B-453D-9259-ED4D8E60230B}" srcOrd="2" destOrd="0" presId="urn:microsoft.com/office/officeart/2009/3/layout/HorizontalOrganizationChart"/>
     <dgm:cxn modelId="{5436EE19-CB76-4F5A-B3E8-0E91B31AAE68}" type="presParOf" srcId="{4CE3BB66-7651-48E6-A7F4-3C5100F8EE34}" destId="{FC4DDE14-D075-4474-B6D7-F8B9699DFE52}" srcOrd="2" destOrd="0" presId="urn:microsoft.com/office/officeart/2009/3/layout/HorizontalOrganizationChart"/>
-    <dgm:cxn modelId="{05FC4A88-EBAF-4866-A92F-A208F3D0AEFB}" type="presParOf" srcId="{B11E59E4-EFA3-4078-8C19-E03DF94EE744}" destId="{F9F44E01-F016-4373-BD3F-A88044A144FF}" srcOrd="8" destOrd="0" presId="urn:microsoft.com/office/officeart/2009/3/layout/HorizontalOrganizationChart"/>
-    <dgm:cxn modelId="{4341D2DC-487D-4580-9FBA-D448B32E08AE}" type="presParOf" srcId="{B11E59E4-EFA3-4078-8C19-E03DF94EE744}" destId="{5383851E-AB4F-4BF7-9045-8B49CCE7BE1D}" srcOrd="9" destOrd="0" presId="urn:microsoft.com/office/officeart/2009/3/layout/HorizontalOrganizationChart"/>
+    <dgm:cxn modelId="{05FC4A88-EBAF-4866-A92F-A208F3D0AEFB}" type="presParOf" srcId="{B11E59E4-EFA3-4078-8C19-E03DF94EE744}" destId="{F9F44E01-F016-4373-BD3F-A88044A144FF}" srcOrd="10" destOrd="0" presId="urn:microsoft.com/office/officeart/2009/3/layout/HorizontalOrganizationChart"/>
+    <dgm:cxn modelId="{4341D2DC-487D-4580-9FBA-D448B32E08AE}" type="presParOf" srcId="{B11E59E4-EFA3-4078-8C19-E03DF94EE744}" destId="{5383851E-AB4F-4BF7-9045-8B49CCE7BE1D}" srcOrd="11" destOrd="0" presId="urn:microsoft.com/office/officeart/2009/3/layout/HorizontalOrganizationChart"/>
     <dgm:cxn modelId="{413BA156-197E-4BE5-AEE3-4B5435917FE2}" type="presParOf" srcId="{5383851E-AB4F-4BF7-9045-8B49CCE7BE1D}" destId="{39E6FED4-9909-489C-B1F8-99EC87DE37D9}" srcOrd="0" destOrd="0" presId="urn:microsoft.com/office/officeart/2009/3/layout/HorizontalOrganizationChart"/>
     <dgm:cxn modelId="{D3EC6C16-B0F3-49D5-BD4E-F9FB2E889C6B}" type="presParOf" srcId="{39E6FED4-9909-489C-B1F8-99EC87DE37D9}" destId="{819A6740-CEEB-4D64-86BD-69F09515069C}" srcOrd="0" destOrd="0" presId="urn:microsoft.com/office/officeart/2009/3/layout/HorizontalOrganizationChart"/>
     <dgm:cxn modelId="{BF3B7DA6-520D-4955-8FF8-9952DAAC5E7D}" type="presParOf" srcId="{39E6FED4-9909-489C-B1F8-99EC87DE37D9}" destId="{E9B709A5-743B-425E-B240-5093DC15D472}" srcOrd="1" destOrd="0" presId="urn:microsoft.com/office/officeart/2009/3/layout/HorizontalOrganizationChart"/>
@@ -7065,8 +7070,8 @@
     <dgm:cxn modelId="{2A8490B2-440A-47EA-954F-91C8822202E1}" type="presParOf" srcId="{8E9652F8-B230-41AF-8D7E-E6CC98C66D0D}" destId="{C479403A-1D94-4F67-8BA1-7FD6B49A4306}" srcOrd="1" destOrd="0" presId="urn:microsoft.com/office/officeart/2009/3/layout/HorizontalOrganizationChart"/>
     <dgm:cxn modelId="{5BFFF005-B91C-4B2D-B6B8-D6F5ECAA73C8}" type="presParOf" srcId="{8E9652F8-B230-41AF-8D7E-E6CC98C66D0D}" destId="{19D2AFED-528A-46F3-B16F-DB64D028824A}" srcOrd="2" destOrd="0" presId="urn:microsoft.com/office/officeart/2009/3/layout/HorizontalOrganizationChart"/>
     <dgm:cxn modelId="{D0E7776F-EFDD-4ED0-9CC6-11BBB5E300C9}" type="presParOf" srcId="{5383851E-AB4F-4BF7-9045-8B49CCE7BE1D}" destId="{45C51762-0369-452F-95FF-87F1769E1D94}" srcOrd="2" destOrd="0" presId="urn:microsoft.com/office/officeart/2009/3/layout/HorizontalOrganizationChart"/>
-    <dgm:cxn modelId="{45EDC75B-7A25-4D32-B9D0-30F5C2374BDA}" type="presParOf" srcId="{B11E59E4-EFA3-4078-8C19-E03DF94EE744}" destId="{2D20D328-5620-4DB1-9AE9-ADD27AC7B8F5}" srcOrd="10" destOrd="0" presId="urn:microsoft.com/office/officeart/2009/3/layout/HorizontalOrganizationChart"/>
-    <dgm:cxn modelId="{B816E9E2-2481-4B2C-9297-7306428EE47E}" type="presParOf" srcId="{B11E59E4-EFA3-4078-8C19-E03DF94EE744}" destId="{6214AF22-B6E4-469B-A004-9A13548093CE}" srcOrd="11" destOrd="0" presId="urn:microsoft.com/office/officeart/2009/3/layout/HorizontalOrganizationChart"/>
+    <dgm:cxn modelId="{45EDC75B-7A25-4D32-B9D0-30F5C2374BDA}" type="presParOf" srcId="{B11E59E4-EFA3-4078-8C19-E03DF94EE744}" destId="{2D20D328-5620-4DB1-9AE9-ADD27AC7B8F5}" srcOrd="12" destOrd="0" presId="urn:microsoft.com/office/officeart/2009/3/layout/HorizontalOrganizationChart"/>
+    <dgm:cxn modelId="{B816E9E2-2481-4B2C-9297-7306428EE47E}" type="presParOf" srcId="{B11E59E4-EFA3-4078-8C19-E03DF94EE744}" destId="{6214AF22-B6E4-469B-A004-9A13548093CE}" srcOrd="13" destOrd="0" presId="urn:microsoft.com/office/officeart/2009/3/layout/HorizontalOrganizationChart"/>
     <dgm:cxn modelId="{9956549F-CD50-4A15-85E1-2A3B1D88FB53}" type="presParOf" srcId="{6214AF22-B6E4-469B-A004-9A13548093CE}" destId="{91C7F39D-2808-45A1-94BE-B9B73CC7DE2F}" srcOrd="0" destOrd="0" presId="urn:microsoft.com/office/officeart/2009/3/layout/HorizontalOrganizationChart"/>
     <dgm:cxn modelId="{4690E85A-DB3B-405C-BBE3-4DB8081113D6}" type="presParOf" srcId="{91C7F39D-2808-45A1-94BE-B9B73CC7DE2F}" destId="{2A2867CB-CA48-4D15-BDD1-AEE4D30C5C71}" srcOrd="0" destOrd="0" presId="urn:microsoft.com/office/officeart/2009/3/layout/HorizontalOrganizationChart"/>
     <dgm:cxn modelId="{8FA9A796-D984-4C61-8D0B-413E0283F127}" type="presParOf" srcId="{91C7F39D-2808-45A1-94BE-B9B73CC7DE2F}" destId="{2E3E037F-66A4-4E32-88C9-13723390D309}" srcOrd="1" destOrd="0" presId="urn:microsoft.com/office/officeart/2009/3/layout/HorizontalOrganizationChart"/>
@@ -7100,8 +7105,8 @@
     <dgm:cxn modelId="{39E7609C-CFE9-4AC9-AFBE-FC7E678956B2}" type="presParOf" srcId="{E68948CE-AC19-488A-B1F5-67E9036735CF}" destId="{A8D5909F-836F-44D4-9FB1-1875A88193BF}" srcOrd="2" destOrd="0" presId="urn:microsoft.com/office/officeart/2009/3/layout/HorizontalOrganizationChart"/>
     <dgm:cxn modelId="{E857BCA8-605D-407A-A7CB-E17F2000DF4F}" type="presParOf" srcId="{7BEE19CE-A9CD-4FA6-8CB7-CF65AEAFD2AB}" destId="{989E6FDD-4C01-49F9-B45D-101ACB9A6386}" srcOrd="2" destOrd="0" presId="urn:microsoft.com/office/officeart/2009/3/layout/HorizontalOrganizationChart"/>
     <dgm:cxn modelId="{6192BC29-6E66-4E7E-8898-0ED69C4A4523}" type="presParOf" srcId="{6214AF22-B6E4-469B-A004-9A13548093CE}" destId="{4CC81D92-4572-4729-B63D-8DFD9BEFB6E4}" srcOrd="2" destOrd="0" presId="urn:microsoft.com/office/officeart/2009/3/layout/HorizontalOrganizationChart"/>
-    <dgm:cxn modelId="{F022DD93-003E-44F8-85C5-FA127D6CD3C0}" type="presParOf" srcId="{B11E59E4-EFA3-4078-8C19-E03DF94EE744}" destId="{31A5A8B2-0FDF-4B15-8459-92EFD81FD626}" srcOrd="12" destOrd="0" presId="urn:microsoft.com/office/officeart/2009/3/layout/HorizontalOrganizationChart"/>
-    <dgm:cxn modelId="{EB8BA52F-F9B0-486C-8C37-A636404F1875}" type="presParOf" srcId="{B11E59E4-EFA3-4078-8C19-E03DF94EE744}" destId="{1B26BFB1-470D-4C7C-A28B-73C56F6DDA9D}" srcOrd="13" destOrd="0" presId="urn:microsoft.com/office/officeart/2009/3/layout/HorizontalOrganizationChart"/>
+    <dgm:cxn modelId="{F022DD93-003E-44F8-85C5-FA127D6CD3C0}" type="presParOf" srcId="{B11E59E4-EFA3-4078-8C19-E03DF94EE744}" destId="{31A5A8B2-0FDF-4B15-8459-92EFD81FD626}" srcOrd="14" destOrd="0" presId="urn:microsoft.com/office/officeart/2009/3/layout/HorizontalOrganizationChart"/>
+    <dgm:cxn modelId="{EB8BA52F-F9B0-486C-8C37-A636404F1875}" type="presParOf" srcId="{B11E59E4-EFA3-4078-8C19-E03DF94EE744}" destId="{1B26BFB1-470D-4C7C-A28B-73C56F6DDA9D}" srcOrd="15" destOrd="0" presId="urn:microsoft.com/office/officeart/2009/3/layout/HorizontalOrganizationChart"/>
     <dgm:cxn modelId="{4B77B1AC-09D6-485C-9CBE-7FD1EBBD0C19}" type="presParOf" srcId="{1B26BFB1-470D-4C7C-A28B-73C56F6DDA9D}" destId="{8A1488AA-5B62-4B0E-A5A4-A479ABA7544E}" srcOrd="0" destOrd="0" presId="urn:microsoft.com/office/officeart/2009/3/layout/HorizontalOrganizationChart"/>
     <dgm:cxn modelId="{F8B7E64F-B109-4FC0-9CE0-8DA58F95E250}" type="presParOf" srcId="{8A1488AA-5B62-4B0E-A5A4-A479ABA7544E}" destId="{03C67C4F-9566-4A9F-9740-3314E609EC66}" srcOrd="0" destOrd="0" presId="urn:microsoft.com/office/officeart/2009/3/layout/HorizontalOrganizationChart"/>
     <dgm:cxn modelId="{B58661B0-2B62-467E-AB27-84041620A539}" type="presParOf" srcId="{8A1488AA-5B62-4B0E-A5A4-A479ABA7544E}" destId="{4215B2A0-ECB5-469A-8071-38F2D4607FAA}" srcOrd="1" destOrd="0" presId="urn:microsoft.com/office/officeart/2009/3/layout/HorizontalOrganizationChart"/>
@@ -7114,8 +7119,8 @@
     <dgm:cxn modelId="{23559A9B-0F13-4C67-B23E-01A515C75148}" type="presParOf" srcId="{CB462D06-F90A-4D72-B443-F240C99D0DBB}" destId="{995D431E-5762-478B-99C7-EEAD1B1C0248}" srcOrd="1" destOrd="0" presId="urn:microsoft.com/office/officeart/2009/3/layout/HorizontalOrganizationChart"/>
     <dgm:cxn modelId="{35FAFD78-6F68-4FF3-BA52-0782A417628E}" type="presParOf" srcId="{CB462D06-F90A-4D72-B443-F240C99D0DBB}" destId="{FFE40BF5-8AA6-411C-9303-53E2A9EE482D}" srcOrd="2" destOrd="0" presId="urn:microsoft.com/office/officeart/2009/3/layout/HorizontalOrganizationChart"/>
     <dgm:cxn modelId="{8389EAEE-B34A-47A2-807A-A9C2C08CE6AF}" type="presParOf" srcId="{1B26BFB1-470D-4C7C-A28B-73C56F6DDA9D}" destId="{FF127C4F-6283-484D-B116-8E290FDEB134}" srcOrd="2" destOrd="0" presId="urn:microsoft.com/office/officeart/2009/3/layout/HorizontalOrganizationChart"/>
-    <dgm:cxn modelId="{D1D27784-1F1A-47C8-ACF8-CA8FC68D1121}" type="presParOf" srcId="{B11E59E4-EFA3-4078-8C19-E03DF94EE744}" destId="{2E60BB58-8EF7-4B20-B1FD-ED9F22FE7A4D}" srcOrd="14" destOrd="0" presId="urn:microsoft.com/office/officeart/2009/3/layout/HorizontalOrganizationChart"/>
-    <dgm:cxn modelId="{A4FD4B4D-D2B0-4430-8698-70DBE9E5E999}" type="presParOf" srcId="{B11E59E4-EFA3-4078-8C19-E03DF94EE744}" destId="{AC177508-4990-4145-A30A-C7DAF7DB2412}" srcOrd="15" destOrd="0" presId="urn:microsoft.com/office/officeart/2009/3/layout/HorizontalOrganizationChart"/>
+    <dgm:cxn modelId="{D1D27784-1F1A-47C8-ACF8-CA8FC68D1121}" type="presParOf" srcId="{B11E59E4-EFA3-4078-8C19-E03DF94EE744}" destId="{2E60BB58-8EF7-4B20-B1FD-ED9F22FE7A4D}" srcOrd="16" destOrd="0" presId="urn:microsoft.com/office/officeart/2009/3/layout/HorizontalOrganizationChart"/>
+    <dgm:cxn modelId="{A4FD4B4D-D2B0-4430-8698-70DBE9E5E999}" type="presParOf" srcId="{B11E59E4-EFA3-4078-8C19-E03DF94EE744}" destId="{AC177508-4990-4145-A30A-C7DAF7DB2412}" srcOrd="17" destOrd="0" presId="urn:microsoft.com/office/officeart/2009/3/layout/HorizontalOrganizationChart"/>
     <dgm:cxn modelId="{F40139B4-7A07-43D3-A937-D2A377E75450}" type="presParOf" srcId="{AC177508-4990-4145-A30A-C7DAF7DB2412}" destId="{FFF1D599-6609-41F3-88E0-9EE0B2041A75}" srcOrd="0" destOrd="0" presId="urn:microsoft.com/office/officeart/2009/3/layout/HorizontalOrganizationChart"/>
     <dgm:cxn modelId="{039AC305-5EEB-4F65-BAFD-1C049F830B3D}" type="presParOf" srcId="{FFF1D599-6609-41F3-88E0-9EE0B2041A75}" destId="{3D03D195-B2A0-4E0E-98B5-C02B3E4D07C7}" srcOrd="0" destOrd="0" presId="urn:microsoft.com/office/officeart/2009/3/layout/HorizontalOrganizationChart"/>
     <dgm:cxn modelId="{D165BA35-53E6-4F2E-BDF0-BC2C09503E6B}" type="presParOf" srcId="{FFF1D599-6609-41F3-88E0-9EE0B2041A75}" destId="{C1BDBCAC-F9A7-4527-8104-0ECD90EFED0E}" srcOrd="1" destOrd="0" presId="urn:microsoft.com/office/officeart/2009/3/layout/HorizontalOrganizationChart"/>
@@ -7135,8 +7140,8 @@
     <dgm:cxn modelId="{DD713EDE-6428-49A4-8DAB-F91B6D2C6E49}" type="presParOf" srcId="{4C6079FA-FDD2-4A91-BAB5-594A8947F392}" destId="{EEB3AF85-ECA6-4A99-BFD8-ACA1C2E11394}" srcOrd="1" destOrd="0" presId="urn:microsoft.com/office/officeart/2009/3/layout/HorizontalOrganizationChart"/>
     <dgm:cxn modelId="{DDF0F0F8-6B4C-4AA1-A646-A994E76FCD55}" type="presParOf" srcId="{4C6079FA-FDD2-4A91-BAB5-594A8947F392}" destId="{AB095E38-C277-4D76-A5A5-F15384AAD984}" srcOrd="2" destOrd="0" presId="urn:microsoft.com/office/officeart/2009/3/layout/HorizontalOrganizationChart"/>
     <dgm:cxn modelId="{4D6DAC99-A27C-44A9-990D-216D1F10A0B8}" type="presParOf" srcId="{AC177508-4990-4145-A30A-C7DAF7DB2412}" destId="{C3656E55-7D2D-4E04-93A2-C54B1942FA01}" srcOrd="2" destOrd="0" presId="urn:microsoft.com/office/officeart/2009/3/layout/HorizontalOrganizationChart"/>
-    <dgm:cxn modelId="{9BF89DE0-0831-4517-9EE0-922C1975B839}" type="presParOf" srcId="{B11E59E4-EFA3-4078-8C19-E03DF94EE744}" destId="{2CC426F1-4296-4502-B9CF-4D231D33D696}" srcOrd="16" destOrd="0" presId="urn:microsoft.com/office/officeart/2009/3/layout/HorizontalOrganizationChart"/>
-    <dgm:cxn modelId="{A441F40F-A0C4-4CF1-8713-38D68B07A4B6}" type="presParOf" srcId="{B11E59E4-EFA3-4078-8C19-E03DF94EE744}" destId="{1C8BA471-17D6-4B09-9A38-3E69395074A7}" srcOrd="17" destOrd="0" presId="urn:microsoft.com/office/officeart/2009/3/layout/HorizontalOrganizationChart"/>
+    <dgm:cxn modelId="{9BF89DE0-0831-4517-9EE0-922C1975B839}" type="presParOf" srcId="{B11E59E4-EFA3-4078-8C19-E03DF94EE744}" destId="{2CC426F1-4296-4502-B9CF-4D231D33D696}" srcOrd="18" destOrd="0" presId="urn:microsoft.com/office/officeart/2009/3/layout/HorizontalOrganizationChart"/>
+    <dgm:cxn modelId="{A441F40F-A0C4-4CF1-8713-38D68B07A4B6}" type="presParOf" srcId="{B11E59E4-EFA3-4078-8C19-E03DF94EE744}" destId="{1C8BA471-17D6-4B09-9A38-3E69395074A7}" srcOrd="19" destOrd="0" presId="urn:microsoft.com/office/officeart/2009/3/layout/HorizontalOrganizationChart"/>
     <dgm:cxn modelId="{4C879B00-2D5A-4D49-8836-34F8FF6CC3B3}" type="presParOf" srcId="{1C8BA471-17D6-4B09-9A38-3E69395074A7}" destId="{97EB41B8-7CA1-413D-9493-3AFEA68A66B1}" srcOrd="0" destOrd="0" presId="urn:microsoft.com/office/officeart/2009/3/layout/HorizontalOrganizationChart"/>
     <dgm:cxn modelId="{51ED21AA-0B9F-4F60-BF4B-3FA01D2F923E}" type="presParOf" srcId="{97EB41B8-7CA1-413D-9493-3AFEA68A66B1}" destId="{B713F195-15C1-4F58-AAA4-FEE3AAA2278A}" srcOrd="0" destOrd="0" presId="urn:microsoft.com/office/officeart/2009/3/layout/HorizontalOrganizationChart"/>
     <dgm:cxn modelId="{87038B05-083C-430C-B760-E532FE53016C}" type="presParOf" srcId="{97EB41B8-7CA1-413D-9493-3AFEA68A66B1}" destId="{426F63BF-BA70-4B77-B917-BC18BD8B4FF9}" srcOrd="1" destOrd="0" presId="urn:microsoft.com/office/officeart/2009/3/layout/HorizontalOrganizationChart"/>
@@ -10520,8 +10525,8 @@
       </dsp:nvSpPr>
       <dsp:spPr>
         <a:xfrm>
-          <a:off x="2832778" y="8731403"/>
-          <a:ext cx="249467" cy="91440"/>
+          <a:off x="2828987" y="8585476"/>
+          <a:ext cx="257049" cy="91440"/>
         </a:xfrm>
         <a:custGeom>
           <a:avLst/>
@@ -10535,7 +10540,7 @@
                 <a:pt x="0" y="45720"/>
               </a:moveTo>
               <a:lnTo>
-                <a:pt x="249467" y="45720"/>
+                <a:pt x="257049" y="45720"/>
               </a:lnTo>
             </a:path>
           </a:pathLst>
@@ -10576,8 +10581,8 @@
       </dsp:nvSpPr>
       <dsp:spPr>
         <a:xfrm>
-          <a:off x="1335971" y="4486275"/>
-          <a:ext cx="249467" cy="4290848"/>
+          <a:off x="1286691" y="4486275"/>
+          <a:ext cx="257049" cy="4144921"/>
         </a:xfrm>
         <a:custGeom>
           <a:avLst/>
@@ -10591,13 +10596,13 @@
                 <a:pt x="0" y="0"/>
               </a:moveTo>
               <a:lnTo>
-                <a:pt x="124733" y="0"/>
+                <a:pt x="128524" y="0"/>
               </a:lnTo>
               <a:lnTo>
-                <a:pt x="124733" y="4290848"/>
+                <a:pt x="128524" y="4144921"/>
               </a:lnTo>
               <a:lnTo>
-                <a:pt x="249467" y="4290848"/>
+                <a:pt x="257049" y="4144921"/>
               </a:lnTo>
             </a:path>
           </a:pathLst>
@@ -10638,8 +10643,8 @@
       </dsp:nvSpPr>
       <dsp:spPr>
         <a:xfrm>
-          <a:off x="2832778" y="7972589"/>
-          <a:ext cx="249467" cy="268178"/>
+          <a:off x="2828987" y="7802212"/>
+          <a:ext cx="257049" cy="276328"/>
         </a:xfrm>
         <a:custGeom>
           <a:avLst/>
@@ -10653,13 +10658,13 @@
                 <a:pt x="0" y="0"/>
               </a:moveTo>
               <a:lnTo>
-                <a:pt x="124733" y="0"/>
+                <a:pt x="128524" y="0"/>
               </a:lnTo>
               <a:lnTo>
-                <a:pt x="124733" y="268178"/>
+                <a:pt x="128524" y="276328"/>
               </a:lnTo>
               <a:lnTo>
-                <a:pt x="249467" y="268178"/>
+                <a:pt x="257049" y="276328"/>
               </a:lnTo>
             </a:path>
           </a:pathLst>
@@ -10700,8 +10705,8 @@
       </dsp:nvSpPr>
       <dsp:spPr>
         <a:xfrm>
-          <a:off x="2832778" y="7704411"/>
-          <a:ext cx="249467" cy="268178"/>
+          <a:off x="2828987" y="7525884"/>
+          <a:ext cx="257049" cy="276328"/>
         </a:xfrm>
         <a:custGeom>
           <a:avLst/>
@@ -10712,16 +10717,16 @@
           <a:pathLst>
             <a:path>
               <a:moveTo>
-                <a:pt x="0" y="268178"/>
+                <a:pt x="0" y="276328"/>
               </a:moveTo>
               <a:lnTo>
-                <a:pt x="124733" y="268178"/>
+                <a:pt x="128524" y="276328"/>
               </a:lnTo>
               <a:lnTo>
-                <a:pt x="124733" y="0"/>
+                <a:pt x="128524" y="0"/>
               </a:lnTo>
               <a:lnTo>
-                <a:pt x="249467" y="0"/>
+                <a:pt x="257049" y="0"/>
               </a:lnTo>
             </a:path>
           </a:pathLst>
@@ -10762,8 +10767,8 @@
       </dsp:nvSpPr>
       <dsp:spPr>
         <a:xfrm>
-          <a:off x="1335971" y="4486275"/>
-          <a:ext cx="249467" cy="3486314"/>
+          <a:off x="1286691" y="4486275"/>
+          <a:ext cx="257049" cy="3315937"/>
         </a:xfrm>
         <a:custGeom>
           <a:avLst/>
@@ -10777,13 +10782,13 @@
                 <a:pt x="0" y="0"/>
               </a:moveTo>
               <a:lnTo>
-                <a:pt x="124733" y="0"/>
+                <a:pt x="128524" y="0"/>
               </a:lnTo>
               <a:lnTo>
-                <a:pt x="124733" y="3486314"/>
+                <a:pt x="128524" y="3315937"/>
               </a:lnTo>
               <a:lnTo>
-                <a:pt x="249467" y="3486314"/>
+                <a:pt x="257049" y="3315937"/>
               </a:lnTo>
             </a:path>
           </a:pathLst>
@@ -10824,8 +10829,8 @@
       </dsp:nvSpPr>
       <dsp:spPr>
         <a:xfrm>
-          <a:off x="2832778" y="7122335"/>
-          <a:ext cx="249467" cy="91440"/>
+          <a:off x="2828987" y="6927508"/>
+          <a:ext cx="257049" cy="91440"/>
         </a:xfrm>
         <a:custGeom>
           <a:avLst/>
@@ -10839,7 +10844,7 @@
                 <a:pt x="0" y="45720"/>
               </a:moveTo>
               <a:lnTo>
-                <a:pt x="249467" y="45720"/>
+                <a:pt x="257049" y="45720"/>
               </a:lnTo>
             </a:path>
           </a:pathLst>
@@ -10880,8 +10885,8 @@
       </dsp:nvSpPr>
       <dsp:spPr>
         <a:xfrm>
-          <a:off x="1335971" y="4486275"/>
-          <a:ext cx="249467" cy="2681780"/>
+          <a:off x="1286691" y="4486275"/>
+          <a:ext cx="257049" cy="2486953"/>
         </a:xfrm>
         <a:custGeom>
           <a:avLst/>
@@ -10895,13 +10900,13 @@
                 <a:pt x="0" y="0"/>
               </a:moveTo>
               <a:lnTo>
-                <a:pt x="124733" y="0"/>
+                <a:pt x="128524" y="0"/>
               </a:lnTo>
               <a:lnTo>
-                <a:pt x="124733" y="2681780"/>
+                <a:pt x="128524" y="2486953"/>
               </a:lnTo>
               <a:lnTo>
-                <a:pt x="249467" y="2681780"/>
+                <a:pt x="257049" y="2486953"/>
               </a:lnTo>
             </a:path>
           </a:pathLst>
@@ -10942,8 +10947,8 @@
       </dsp:nvSpPr>
       <dsp:spPr>
         <a:xfrm>
-          <a:off x="4329586" y="6631699"/>
-          <a:ext cx="249467" cy="268178"/>
+          <a:off x="4371284" y="6420571"/>
+          <a:ext cx="257049" cy="276328"/>
         </a:xfrm>
         <a:custGeom>
           <a:avLst/>
@@ -10957,13 +10962,13 @@
                 <a:pt x="0" y="0"/>
               </a:moveTo>
               <a:lnTo>
-                <a:pt x="124733" y="0"/>
+                <a:pt x="128524" y="0"/>
               </a:lnTo>
               <a:lnTo>
-                <a:pt x="124733" y="268178"/>
+                <a:pt x="128524" y="276328"/>
               </a:lnTo>
               <a:lnTo>
-                <a:pt x="249467" y="268178"/>
+                <a:pt x="257049" y="276328"/>
               </a:lnTo>
             </a:path>
           </a:pathLst>
@@ -11004,8 +11009,8 @@
       </dsp:nvSpPr>
       <dsp:spPr>
         <a:xfrm>
-          <a:off x="4329586" y="6363521"/>
-          <a:ext cx="249467" cy="268178"/>
+          <a:off x="4371284" y="6144243"/>
+          <a:ext cx="257049" cy="276328"/>
         </a:xfrm>
         <a:custGeom>
           <a:avLst/>
@@ -11016,16 +11021,16 @@
           <a:pathLst>
             <a:path>
               <a:moveTo>
-                <a:pt x="0" y="268178"/>
+                <a:pt x="0" y="276328"/>
               </a:moveTo>
               <a:lnTo>
-                <a:pt x="124733" y="268178"/>
+                <a:pt x="128524" y="276328"/>
               </a:lnTo>
               <a:lnTo>
-                <a:pt x="124733" y="0"/>
+                <a:pt x="128524" y="0"/>
               </a:lnTo>
               <a:lnTo>
-                <a:pt x="249467" y="0"/>
+                <a:pt x="257049" y="0"/>
               </a:lnTo>
             </a:path>
           </a:pathLst>
@@ -11066,8 +11071,8 @@
       </dsp:nvSpPr>
       <dsp:spPr>
         <a:xfrm>
-          <a:off x="2832778" y="6363521"/>
-          <a:ext cx="249467" cy="268178"/>
+          <a:off x="2828987" y="6144243"/>
+          <a:ext cx="257049" cy="276328"/>
         </a:xfrm>
         <a:custGeom>
           <a:avLst/>
@@ -11081,13 +11086,13 @@
                 <a:pt x="0" y="0"/>
               </a:moveTo>
               <a:lnTo>
-                <a:pt x="124733" y="0"/>
+                <a:pt x="128524" y="0"/>
               </a:lnTo>
               <a:lnTo>
-                <a:pt x="124733" y="268178"/>
+                <a:pt x="128524" y="276328"/>
               </a:lnTo>
               <a:lnTo>
-                <a:pt x="249467" y="268178"/>
+                <a:pt x="257049" y="276328"/>
               </a:lnTo>
             </a:path>
           </a:pathLst>
@@ -11128,8 +11133,8 @@
       </dsp:nvSpPr>
       <dsp:spPr>
         <a:xfrm>
-          <a:off x="2832778" y="6095343"/>
-          <a:ext cx="249467" cy="268178"/>
+          <a:off x="2828987" y="5867915"/>
+          <a:ext cx="257049" cy="276328"/>
         </a:xfrm>
         <a:custGeom>
           <a:avLst/>
@@ -11140,16 +11145,16 @@
           <a:pathLst>
             <a:path>
               <a:moveTo>
-                <a:pt x="0" y="268178"/>
+                <a:pt x="0" y="276328"/>
               </a:moveTo>
               <a:lnTo>
-                <a:pt x="124733" y="268178"/>
+                <a:pt x="128524" y="276328"/>
               </a:lnTo>
               <a:lnTo>
-                <a:pt x="124733" y="0"/>
+                <a:pt x="128524" y="0"/>
               </a:lnTo>
               <a:lnTo>
-                <a:pt x="249467" y="0"/>
+                <a:pt x="257049" y="0"/>
               </a:lnTo>
             </a:path>
           </a:pathLst>
@@ -11190,8 +11195,8 @@
       </dsp:nvSpPr>
       <dsp:spPr>
         <a:xfrm>
-          <a:off x="1335971" y="4486275"/>
-          <a:ext cx="249467" cy="1877246"/>
+          <a:off x="1286691" y="4486275"/>
+          <a:ext cx="257049" cy="1657968"/>
         </a:xfrm>
         <a:custGeom>
           <a:avLst/>
@@ -11205,13 +11210,13 @@
                 <a:pt x="0" y="0"/>
               </a:moveTo>
               <a:lnTo>
-                <a:pt x="124733" y="0"/>
+                <a:pt x="128524" y="0"/>
               </a:lnTo>
               <a:lnTo>
-                <a:pt x="124733" y="1877246"/>
+                <a:pt x="128524" y="1657968"/>
               </a:lnTo>
               <a:lnTo>
-                <a:pt x="249467" y="1877246"/>
+                <a:pt x="257049" y="1657968"/>
               </a:lnTo>
             </a:path>
           </a:pathLst>
@@ -11252,8 +11257,8 @@
       </dsp:nvSpPr>
       <dsp:spPr>
         <a:xfrm>
-          <a:off x="2832778" y="5513267"/>
-          <a:ext cx="249467" cy="91440"/>
+          <a:off x="2828987" y="5269539"/>
+          <a:ext cx="257049" cy="91440"/>
         </a:xfrm>
         <a:custGeom>
           <a:avLst/>
@@ -11267,7 +11272,7 @@
                 <a:pt x="0" y="45720"/>
               </a:moveTo>
               <a:lnTo>
-                <a:pt x="249467" y="45720"/>
+                <a:pt x="257049" y="45720"/>
               </a:lnTo>
             </a:path>
           </a:pathLst>
@@ -11308,8 +11313,8 @@
       </dsp:nvSpPr>
       <dsp:spPr>
         <a:xfrm>
-          <a:off x="1335971" y="4486275"/>
-          <a:ext cx="249467" cy="1072712"/>
+          <a:off x="1286691" y="4486275"/>
+          <a:ext cx="257049" cy="828984"/>
         </a:xfrm>
         <a:custGeom>
           <a:avLst/>
@@ -11323,13 +11328,13 @@
                 <a:pt x="0" y="0"/>
               </a:moveTo>
               <a:lnTo>
-                <a:pt x="124733" y="0"/>
+                <a:pt x="128524" y="0"/>
               </a:lnTo>
               <a:lnTo>
-                <a:pt x="124733" y="1072712"/>
+                <a:pt x="128524" y="828984"/>
               </a:lnTo>
               <a:lnTo>
-                <a:pt x="249467" y="1072712"/>
+                <a:pt x="257049" y="828984"/>
               </a:lnTo>
             </a:path>
           </a:pathLst>
@@ -11370,8 +11375,8 @@
       </dsp:nvSpPr>
       <dsp:spPr>
         <a:xfrm>
-          <a:off x="2832778" y="3413562"/>
-          <a:ext cx="249467" cy="1609068"/>
+          <a:off x="2828987" y="3104634"/>
+          <a:ext cx="257049" cy="1657968"/>
         </a:xfrm>
         <a:custGeom>
           <a:avLst/>
@@ -11385,13 +11390,13 @@
                 <a:pt x="0" y="0"/>
               </a:moveTo>
               <a:lnTo>
-                <a:pt x="124733" y="0"/>
+                <a:pt x="128524" y="0"/>
               </a:lnTo>
               <a:lnTo>
-                <a:pt x="124733" y="1609068"/>
+                <a:pt x="128524" y="1657968"/>
               </a:lnTo>
               <a:lnTo>
-                <a:pt x="249467" y="1609068"/>
+                <a:pt x="257049" y="1657968"/>
               </a:lnTo>
             </a:path>
           </a:pathLst>
@@ -11432,8 +11437,8 @@
       </dsp:nvSpPr>
       <dsp:spPr>
         <a:xfrm>
-          <a:off x="2832778" y="3413562"/>
-          <a:ext cx="249467" cy="1072712"/>
+          <a:off x="2828987" y="3104634"/>
+          <a:ext cx="257049" cy="1105312"/>
         </a:xfrm>
         <a:custGeom>
           <a:avLst/>
@@ -11447,13 +11452,13 @@
                 <a:pt x="0" y="0"/>
               </a:moveTo>
               <a:lnTo>
-                <a:pt x="124733" y="0"/>
+                <a:pt x="128524" y="0"/>
               </a:lnTo>
               <a:lnTo>
-                <a:pt x="124733" y="1072712"/>
+                <a:pt x="128524" y="1105312"/>
               </a:lnTo>
               <a:lnTo>
-                <a:pt x="249467" y="1072712"/>
+                <a:pt x="257049" y="1105312"/>
               </a:lnTo>
             </a:path>
           </a:pathLst>
@@ -11494,8 +11499,8 @@
       </dsp:nvSpPr>
       <dsp:spPr>
         <a:xfrm>
-          <a:off x="2832778" y="3413562"/>
-          <a:ext cx="249467" cy="536356"/>
+          <a:off x="2828987" y="3104634"/>
+          <a:ext cx="257049" cy="552656"/>
         </a:xfrm>
         <a:custGeom>
           <a:avLst/>
@@ -11509,13 +11514,13 @@
                 <a:pt x="0" y="0"/>
               </a:moveTo>
               <a:lnTo>
-                <a:pt x="124733" y="0"/>
+                <a:pt x="128524" y="0"/>
               </a:lnTo>
               <a:lnTo>
-                <a:pt x="124733" y="536356"/>
+                <a:pt x="128524" y="552656"/>
               </a:lnTo>
               <a:lnTo>
-                <a:pt x="249467" y="536356"/>
+                <a:pt x="257049" y="552656"/>
               </a:lnTo>
             </a:path>
           </a:pathLst>
@@ -11556,8 +11561,8 @@
       </dsp:nvSpPr>
       <dsp:spPr>
         <a:xfrm>
-          <a:off x="2832778" y="3367842"/>
-          <a:ext cx="249467" cy="91440"/>
+          <a:off x="2828987" y="3058914"/>
+          <a:ext cx="257049" cy="91440"/>
         </a:xfrm>
         <a:custGeom>
           <a:avLst/>
@@ -11571,7 +11576,7 @@
                 <a:pt x="0" y="45720"/>
               </a:moveTo>
               <a:lnTo>
-                <a:pt x="249467" y="45720"/>
+                <a:pt x="257049" y="45720"/>
               </a:lnTo>
             </a:path>
           </a:pathLst>
@@ -11612,8 +11617,8 @@
       </dsp:nvSpPr>
       <dsp:spPr>
         <a:xfrm>
-          <a:off x="2832778" y="2877206"/>
-          <a:ext cx="249467" cy="536356"/>
+          <a:off x="2828987" y="2551978"/>
+          <a:ext cx="257049" cy="552656"/>
         </a:xfrm>
         <a:custGeom>
           <a:avLst/>
@@ -11624,16 +11629,16 @@
           <a:pathLst>
             <a:path>
               <a:moveTo>
-                <a:pt x="0" y="536356"/>
+                <a:pt x="0" y="552656"/>
               </a:moveTo>
               <a:lnTo>
-                <a:pt x="124733" y="536356"/>
+                <a:pt x="128524" y="552656"/>
               </a:lnTo>
               <a:lnTo>
-                <a:pt x="124733" y="0"/>
+                <a:pt x="128524" y="0"/>
               </a:lnTo>
               <a:lnTo>
-                <a:pt x="249467" y="0"/>
+                <a:pt x="257049" y="0"/>
               </a:lnTo>
             </a:path>
           </a:pathLst>
@@ -11674,8 +11679,8 @@
       </dsp:nvSpPr>
       <dsp:spPr>
         <a:xfrm>
-          <a:off x="2832778" y="2340850"/>
-          <a:ext cx="249467" cy="1072712"/>
+          <a:off x="2828987" y="1999321"/>
+          <a:ext cx="257049" cy="1105312"/>
         </a:xfrm>
         <a:custGeom>
           <a:avLst/>
@@ -11686,16 +11691,16 @@
           <a:pathLst>
             <a:path>
               <a:moveTo>
-                <a:pt x="0" y="1072712"/>
+                <a:pt x="0" y="1105312"/>
               </a:moveTo>
               <a:lnTo>
-                <a:pt x="124733" y="1072712"/>
+                <a:pt x="128524" y="1105312"/>
               </a:lnTo>
               <a:lnTo>
-                <a:pt x="124733" y="0"/>
+                <a:pt x="128524" y="0"/>
               </a:lnTo>
               <a:lnTo>
-                <a:pt x="249467" y="0"/>
+                <a:pt x="257049" y="0"/>
               </a:lnTo>
             </a:path>
           </a:pathLst>
@@ -11736,8 +11741,8 @@
       </dsp:nvSpPr>
       <dsp:spPr>
         <a:xfrm>
-          <a:off x="2832778" y="1804494"/>
-          <a:ext cx="249467" cy="1609068"/>
+          <a:off x="2828987" y="1446665"/>
+          <a:ext cx="257049" cy="1657968"/>
         </a:xfrm>
         <a:custGeom>
           <a:avLst/>
@@ -11748,16 +11753,16 @@
           <a:pathLst>
             <a:path>
               <a:moveTo>
-                <a:pt x="0" y="1609068"/>
+                <a:pt x="0" y="1657968"/>
               </a:moveTo>
               <a:lnTo>
-                <a:pt x="124733" y="1609068"/>
+                <a:pt x="128524" y="1657968"/>
               </a:lnTo>
               <a:lnTo>
-                <a:pt x="124733" y="0"/>
+                <a:pt x="128524" y="0"/>
               </a:lnTo>
               <a:lnTo>
-                <a:pt x="249467" y="0"/>
+                <a:pt x="257049" y="0"/>
               </a:lnTo>
             </a:path>
           </a:pathLst>
@@ -11798,8 +11803,8 @@
       </dsp:nvSpPr>
       <dsp:spPr>
         <a:xfrm>
-          <a:off x="1335971" y="3413562"/>
-          <a:ext cx="249467" cy="1072712"/>
+          <a:off x="1286691" y="3104634"/>
+          <a:ext cx="257049" cy="1381640"/>
         </a:xfrm>
         <a:custGeom>
           <a:avLst/>
@@ -11810,16 +11815,16 @@
           <a:pathLst>
             <a:path>
               <a:moveTo>
-                <a:pt x="0" y="1072712"/>
+                <a:pt x="0" y="1381640"/>
               </a:moveTo>
               <a:lnTo>
-                <a:pt x="124733" y="1072712"/>
+                <a:pt x="128524" y="1381640"/>
               </a:lnTo>
               <a:lnTo>
-                <a:pt x="124733" y="0"/>
+                <a:pt x="128524" y="0"/>
               </a:lnTo>
               <a:lnTo>
-                <a:pt x="249467" y="0"/>
+                <a:pt x="257049" y="0"/>
               </a:lnTo>
             </a:path>
           </a:pathLst>
@@ -11853,15 +11858,139 @@
         <a:fontRef idx="minor"/>
       </dsp:style>
     </dsp:sp>
-    <dsp:sp modelId="{F3998E3E-9E2B-46FA-8854-18200D889F0A}">
+    <dsp:sp modelId="{F445D70D-1BFB-4B56-B7A3-7541F3FAC69C}">
       <dsp:nvSpPr>
         <dsp:cNvPr id="0" name=""/>
         <dsp:cNvSpPr/>
       </dsp:nvSpPr>
       <dsp:spPr>
         <a:xfrm>
-          <a:off x="2832778" y="1222418"/>
-          <a:ext cx="249467" cy="91440"/>
+          <a:off x="1286691" y="1999321"/>
+          <a:ext cx="257049" cy="2486953"/>
+        </a:xfrm>
+        <a:custGeom>
+          <a:avLst/>
+          <a:gdLst/>
+          <a:ahLst/>
+          <a:cxnLst/>
+          <a:rect l="0" t="0" r="0" b="0"/>
+          <a:pathLst>
+            <a:path>
+              <a:moveTo>
+                <a:pt x="0" y="2486953"/>
+              </a:moveTo>
+              <a:lnTo>
+                <a:pt x="128524" y="2486953"/>
+              </a:lnTo>
+              <a:lnTo>
+                <a:pt x="128524" y="0"/>
+              </a:lnTo>
+              <a:lnTo>
+                <a:pt x="257049" y="0"/>
+              </a:lnTo>
+            </a:path>
+          </a:pathLst>
+        </a:custGeom>
+        <a:noFill/>
+        <a:ln w="12700" cap="flat" cmpd="sng" algn="ctr">
+          <a:solidFill>
+            <a:schemeClr val="dk1">
+              <a:shade val="60000"/>
+              <a:hueOff val="0"/>
+              <a:satOff val="0"/>
+              <a:lumOff val="0"/>
+              <a:alphaOff val="0"/>
+            </a:schemeClr>
+          </a:solidFill>
+          <a:prstDash val="solid"/>
+          <a:miter lim="800000"/>
+        </a:ln>
+        <a:effectLst/>
+      </dsp:spPr>
+      <dsp:style>
+        <a:lnRef idx="2">
+          <a:scrgbClr r="0" g="0" b="0"/>
+        </a:lnRef>
+        <a:fillRef idx="0">
+          <a:scrgbClr r="0" g="0" b="0"/>
+        </a:fillRef>
+        <a:effectRef idx="0">
+          <a:scrgbClr r="0" g="0" b="0"/>
+        </a:effectRef>
+        <a:fontRef idx="minor"/>
+      </dsp:style>
+    </dsp:sp>
+    <dsp:sp modelId="{4A05E9B4-107B-4A09-97F3-F3C932CC1FAB}">
+      <dsp:nvSpPr>
+        <dsp:cNvPr id="0" name=""/>
+        <dsp:cNvSpPr/>
+      </dsp:nvSpPr>
+      <dsp:spPr>
+        <a:xfrm>
+          <a:off x="1286691" y="1446665"/>
+          <a:ext cx="257049" cy="3039609"/>
+        </a:xfrm>
+        <a:custGeom>
+          <a:avLst/>
+          <a:gdLst/>
+          <a:ahLst/>
+          <a:cxnLst/>
+          <a:rect l="0" t="0" r="0" b="0"/>
+          <a:pathLst>
+            <a:path>
+              <a:moveTo>
+                <a:pt x="0" y="3039609"/>
+              </a:moveTo>
+              <a:lnTo>
+                <a:pt x="128524" y="3039609"/>
+              </a:lnTo>
+              <a:lnTo>
+                <a:pt x="128524" y="0"/>
+              </a:lnTo>
+              <a:lnTo>
+                <a:pt x="257049" y="0"/>
+              </a:lnTo>
+            </a:path>
+          </a:pathLst>
+        </a:custGeom>
+        <a:noFill/>
+        <a:ln w="12700" cap="flat" cmpd="sng" algn="ctr">
+          <a:solidFill>
+            <a:schemeClr val="dk1">
+              <a:shade val="60000"/>
+              <a:hueOff val="0"/>
+              <a:satOff val="0"/>
+              <a:lumOff val="0"/>
+              <a:alphaOff val="0"/>
+            </a:schemeClr>
+          </a:solidFill>
+          <a:prstDash val="solid"/>
+          <a:miter lim="800000"/>
+        </a:ln>
+        <a:effectLst/>
+      </dsp:spPr>
+      <dsp:style>
+        <a:lnRef idx="2">
+          <a:scrgbClr r="0" g="0" b="0"/>
+        </a:lnRef>
+        <a:fillRef idx="0">
+          <a:scrgbClr r="0" g="0" b="0"/>
+        </a:fillRef>
+        <a:effectRef idx="0">
+          <a:scrgbClr r="0" g="0" b="0"/>
+        </a:effectRef>
+        <a:fontRef idx="minor"/>
+      </dsp:style>
+    </dsp:sp>
+    <dsp:sp modelId="{20B7615B-0FCF-4E02-B678-F32A6829BF45}">
+      <dsp:nvSpPr>
+        <dsp:cNvPr id="0" name=""/>
+        <dsp:cNvSpPr/>
+      </dsp:nvSpPr>
+      <dsp:spPr>
+        <a:xfrm>
+          <a:off x="2828987" y="848289"/>
+          <a:ext cx="257049" cy="91440"/>
         </a:xfrm>
         <a:custGeom>
           <a:avLst/>
@@ -11875,7 +12004,7 @@
                 <a:pt x="0" y="45720"/>
               </a:moveTo>
               <a:lnTo>
-                <a:pt x="249467" y="45720"/>
+                <a:pt x="257049" y="45720"/>
               </a:lnTo>
             </a:path>
           </a:pathLst>
@@ -11909,15 +12038,15 @@
         <a:fontRef idx="minor"/>
       </dsp:style>
     </dsp:sp>
-    <dsp:sp modelId="{4A05E9B4-107B-4A09-97F3-F3C932CC1FAB}">
+    <dsp:sp modelId="{1DFF7AF7-401C-47B1-A9F5-DCB0268C9DD1}">
       <dsp:nvSpPr>
         <dsp:cNvPr id="0" name=""/>
         <dsp:cNvSpPr/>
       </dsp:nvSpPr>
       <dsp:spPr>
         <a:xfrm>
-          <a:off x="1335971" y="1268138"/>
-          <a:ext cx="249467" cy="3218136"/>
+          <a:off x="1286691" y="894009"/>
+          <a:ext cx="257049" cy="3592265"/>
         </a:xfrm>
         <a:custGeom>
           <a:avLst/>
@@ -11928,16 +12057,16 @@
           <a:pathLst>
             <a:path>
               <a:moveTo>
-                <a:pt x="0" y="3218136"/>
+                <a:pt x="0" y="3592265"/>
               </a:moveTo>
               <a:lnTo>
-                <a:pt x="124733" y="3218136"/>
+                <a:pt x="128524" y="3592265"/>
               </a:lnTo>
               <a:lnTo>
-                <a:pt x="124733" y="0"/>
+                <a:pt x="128524" y="0"/>
               </a:lnTo>
               <a:lnTo>
-                <a:pt x="249467" y="0"/>
+                <a:pt x="257049" y="0"/>
               </a:lnTo>
             </a:path>
           </a:pathLst>
@@ -11971,15 +12100,15 @@
         <a:fontRef idx="minor"/>
       </dsp:style>
     </dsp:sp>
-    <dsp:sp modelId="{20B7615B-0FCF-4E02-B678-F32A6829BF45}">
+    <dsp:sp modelId="{30686600-836A-4BDA-894B-A190C94D51F2}">
       <dsp:nvSpPr>
         <dsp:cNvPr id="0" name=""/>
         <dsp:cNvSpPr/>
       </dsp:nvSpPr>
       <dsp:spPr>
         <a:xfrm>
-          <a:off x="2832778" y="686062"/>
-          <a:ext cx="249467" cy="91440"/>
+          <a:off x="2828987" y="295633"/>
+          <a:ext cx="257049" cy="91440"/>
         </a:xfrm>
         <a:custGeom>
           <a:avLst/>
@@ -11993,7 +12122,7 @@
                 <a:pt x="0" y="45720"/>
               </a:moveTo>
               <a:lnTo>
-                <a:pt x="249467" y="45720"/>
+                <a:pt x="257049" y="45720"/>
               </a:lnTo>
             </a:path>
           </a:pathLst>
@@ -12027,15 +12156,15 @@
         <a:fontRef idx="minor"/>
       </dsp:style>
     </dsp:sp>
-    <dsp:sp modelId="{1DFF7AF7-401C-47B1-A9F5-DCB0268C9DD1}">
+    <dsp:sp modelId="{354E7CF5-257F-4A9A-995F-6B7E3019C585}">
       <dsp:nvSpPr>
         <dsp:cNvPr id="0" name=""/>
         <dsp:cNvSpPr/>
       </dsp:nvSpPr>
       <dsp:spPr>
         <a:xfrm>
-          <a:off x="1335971" y="731782"/>
-          <a:ext cx="249467" cy="3754492"/>
+          <a:off x="1286691" y="341353"/>
+          <a:ext cx="257049" cy="4144921"/>
         </a:xfrm>
         <a:custGeom>
           <a:avLst/>
@@ -12046,16 +12175,16 @@
           <a:pathLst>
             <a:path>
               <a:moveTo>
-                <a:pt x="0" y="3754492"/>
+                <a:pt x="0" y="4144921"/>
               </a:moveTo>
               <a:lnTo>
-                <a:pt x="124733" y="3754492"/>
+                <a:pt x="128524" y="4144921"/>
               </a:lnTo>
               <a:lnTo>
-                <a:pt x="124733" y="0"/>
+                <a:pt x="128524" y="0"/>
               </a:lnTo>
               <a:lnTo>
-                <a:pt x="249467" y="0"/>
+                <a:pt x="257049" y="0"/>
               </a:lnTo>
             </a:path>
           </a:pathLst>
@@ -12089,124 +12218,6 @@
         <a:fontRef idx="minor"/>
       </dsp:style>
     </dsp:sp>
-    <dsp:sp modelId="{30686600-836A-4BDA-894B-A190C94D51F2}">
-      <dsp:nvSpPr>
-        <dsp:cNvPr id="0" name=""/>
-        <dsp:cNvSpPr/>
-      </dsp:nvSpPr>
-      <dsp:spPr>
-        <a:xfrm>
-          <a:off x="2832778" y="149706"/>
-          <a:ext cx="249467" cy="91440"/>
-        </a:xfrm>
-        <a:custGeom>
-          <a:avLst/>
-          <a:gdLst/>
-          <a:ahLst/>
-          <a:cxnLst/>
-          <a:rect l="0" t="0" r="0" b="0"/>
-          <a:pathLst>
-            <a:path>
-              <a:moveTo>
-                <a:pt x="0" y="45720"/>
-              </a:moveTo>
-              <a:lnTo>
-                <a:pt x="249467" y="45720"/>
-              </a:lnTo>
-            </a:path>
-          </a:pathLst>
-        </a:custGeom>
-        <a:noFill/>
-        <a:ln w="12700" cap="flat" cmpd="sng" algn="ctr">
-          <a:solidFill>
-            <a:schemeClr val="dk1">
-              <a:shade val="80000"/>
-              <a:hueOff val="0"/>
-              <a:satOff val="0"/>
-              <a:lumOff val="0"/>
-              <a:alphaOff val="0"/>
-            </a:schemeClr>
-          </a:solidFill>
-          <a:prstDash val="solid"/>
-          <a:miter lim="800000"/>
-        </a:ln>
-        <a:effectLst/>
-      </dsp:spPr>
-      <dsp:style>
-        <a:lnRef idx="2">
-          <a:scrgbClr r="0" g="0" b="0"/>
-        </a:lnRef>
-        <a:fillRef idx="0">
-          <a:scrgbClr r="0" g="0" b="0"/>
-        </a:fillRef>
-        <a:effectRef idx="0">
-          <a:scrgbClr r="0" g="0" b="0"/>
-        </a:effectRef>
-        <a:fontRef idx="minor"/>
-      </dsp:style>
-    </dsp:sp>
-    <dsp:sp modelId="{354E7CF5-257F-4A9A-995F-6B7E3019C585}">
-      <dsp:nvSpPr>
-        <dsp:cNvPr id="0" name=""/>
-        <dsp:cNvSpPr/>
-      </dsp:nvSpPr>
-      <dsp:spPr>
-        <a:xfrm>
-          <a:off x="1335971" y="195426"/>
-          <a:ext cx="249467" cy="4290848"/>
-        </a:xfrm>
-        <a:custGeom>
-          <a:avLst/>
-          <a:gdLst/>
-          <a:ahLst/>
-          <a:cxnLst/>
-          <a:rect l="0" t="0" r="0" b="0"/>
-          <a:pathLst>
-            <a:path>
-              <a:moveTo>
-                <a:pt x="0" y="4290848"/>
-              </a:moveTo>
-              <a:lnTo>
-                <a:pt x="124733" y="4290848"/>
-              </a:lnTo>
-              <a:lnTo>
-                <a:pt x="124733" y="0"/>
-              </a:lnTo>
-              <a:lnTo>
-                <a:pt x="249467" y="0"/>
-              </a:lnTo>
-            </a:path>
-          </a:pathLst>
-        </a:custGeom>
-        <a:noFill/>
-        <a:ln w="12700" cap="flat" cmpd="sng" algn="ctr">
-          <a:solidFill>
-            <a:schemeClr val="dk1">
-              <a:shade val="60000"/>
-              <a:hueOff val="0"/>
-              <a:satOff val="0"/>
-              <a:lumOff val="0"/>
-              <a:alphaOff val="0"/>
-            </a:schemeClr>
-          </a:solidFill>
-          <a:prstDash val="solid"/>
-          <a:miter lim="800000"/>
-        </a:ln>
-        <a:effectLst/>
-      </dsp:spPr>
-      <dsp:style>
-        <a:lnRef idx="2">
-          <a:scrgbClr r="0" g="0" b="0"/>
-        </a:lnRef>
-        <a:fillRef idx="0">
-          <a:scrgbClr r="0" g="0" b="0"/>
-        </a:fillRef>
-        <a:effectRef idx="0">
-          <a:scrgbClr r="0" g="0" b="0"/>
-        </a:effectRef>
-        <a:fontRef idx="minor"/>
-      </dsp:style>
-    </dsp:sp>
     <dsp:sp modelId="{7738FE2A-2BDD-49C2-A757-33715EA3B5E6}">
       <dsp:nvSpPr>
         <dsp:cNvPr id="0" name=""/>
@@ -12214,8 +12225,8 @@
       </dsp:nvSpPr>
       <dsp:spPr>
         <a:xfrm>
-          <a:off x="88631" y="4296055"/>
-          <a:ext cx="1247339" cy="380438"/>
+          <a:off x="1444" y="4290274"/>
+          <a:ext cx="1285247" cy="392000"/>
         </a:xfrm>
         <a:prstGeom prst="rect">
           <a:avLst/>
@@ -12282,8 +12293,8 @@
         </a:p>
       </dsp:txBody>
       <dsp:txXfrm>
-        <a:off x="88631" y="4296055"/>
-        <a:ext cx="1247339" cy="380438"/>
+        <a:off x="1444" y="4290274"/>
+        <a:ext cx="1285247" cy="392000"/>
       </dsp:txXfrm>
     </dsp:sp>
     <dsp:sp modelId="{CB5AA0EA-4EB1-412D-B3CC-64162133A8FE}">
@@ -12293,8 +12304,8 @@
       </dsp:nvSpPr>
       <dsp:spPr>
         <a:xfrm>
-          <a:off x="1585438" y="5207"/>
-          <a:ext cx="1247339" cy="380438"/>
+          <a:off x="1543740" y="145352"/>
+          <a:ext cx="1285247" cy="392000"/>
         </a:xfrm>
         <a:prstGeom prst="rect">
           <a:avLst/>
@@ -12361,8 +12372,8 @@
         </a:p>
       </dsp:txBody>
       <dsp:txXfrm>
-        <a:off x="1585438" y="5207"/>
-        <a:ext cx="1247339" cy="380438"/>
+        <a:off x="1543740" y="145352"/>
+        <a:ext cx="1285247" cy="392000"/>
       </dsp:txXfrm>
     </dsp:sp>
     <dsp:sp modelId="{81986015-B6F5-4188-BC1C-47189F699523}">
@@ -12372,8 +12383,8 @@
       </dsp:nvSpPr>
       <dsp:spPr>
         <a:xfrm>
-          <a:off x="3082246" y="5207"/>
-          <a:ext cx="1247339" cy="380438"/>
+          <a:off x="3086037" y="145352"/>
+          <a:ext cx="1285247" cy="392000"/>
         </a:xfrm>
         <a:prstGeom prst="rect">
           <a:avLst/>
@@ -12440,8 +12451,8 @@
         </a:p>
       </dsp:txBody>
       <dsp:txXfrm>
-        <a:off x="3082246" y="5207"/>
-        <a:ext cx="1247339" cy="380438"/>
+        <a:off x="3086037" y="145352"/>
+        <a:ext cx="1285247" cy="392000"/>
       </dsp:txXfrm>
     </dsp:sp>
     <dsp:sp modelId="{722F8D5D-1F66-417D-B44C-CD4A8F97425D}">
@@ -12451,8 +12462,8 @@
       </dsp:nvSpPr>
       <dsp:spPr>
         <a:xfrm>
-          <a:off x="1585438" y="541563"/>
-          <a:ext cx="1247339" cy="380438"/>
+          <a:off x="1543740" y="698009"/>
+          <a:ext cx="1285247" cy="392000"/>
         </a:xfrm>
         <a:prstGeom prst="rect">
           <a:avLst/>
@@ -12519,8 +12530,8 @@
         </a:p>
       </dsp:txBody>
       <dsp:txXfrm>
-        <a:off x="1585438" y="541563"/>
-        <a:ext cx="1247339" cy="380438"/>
+        <a:off x="1543740" y="698009"/>
+        <a:ext cx="1285247" cy="392000"/>
       </dsp:txXfrm>
     </dsp:sp>
     <dsp:sp modelId="{0D631D49-DE9D-4792-9A6C-A983781D0868}">
@@ -12530,8 +12541,8 @@
       </dsp:nvSpPr>
       <dsp:spPr>
         <a:xfrm>
-          <a:off x="3082246" y="541563"/>
-          <a:ext cx="1247339" cy="380438"/>
+          <a:off x="3086037" y="698009"/>
+          <a:ext cx="1285247" cy="392000"/>
         </a:xfrm>
         <a:prstGeom prst="rect">
           <a:avLst/>
@@ -12598,8 +12609,8 @@
         </a:p>
       </dsp:txBody>
       <dsp:txXfrm>
-        <a:off x="3082246" y="541563"/>
-        <a:ext cx="1247339" cy="380438"/>
+        <a:off x="3086037" y="698009"/>
+        <a:ext cx="1285247" cy="392000"/>
       </dsp:txXfrm>
     </dsp:sp>
     <dsp:sp modelId="{7E563FBE-F4AA-495E-94B1-06B29D84521A}">
@@ -12609,8 +12620,8 @@
       </dsp:nvSpPr>
       <dsp:spPr>
         <a:xfrm>
-          <a:off x="1585438" y="1077919"/>
-          <a:ext cx="1247339" cy="380438"/>
+          <a:off x="1543740" y="1250665"/>
+          <a:ext cx="1285247" cy="392000"/>
         </a:xfrm>
         <a:prstGeom prst="rect">
           <a:avLst/>
@@ -12677,19 +12688,19 @@
         </a:p>
       </dsp:txBody>
       <dsp:txXfrm>
-        <a:off x="1585438" y="1077919"/>
-        <a:ext cx="1247339" cy="380438"/>
+        <a:off x="1543740" y="1250665"/>
+        <a:ext cx="1285247" cy="392000"/>
       </dsp:txXfrm>
     </dsp:sp>
-    <dsp:sp modelId="{2462B95B-AB99-4F60-B782-94A955F4A91D}">
+    <dsp:sp modelId="{6F197927-C0F0-4E1F-8BDD-63D6333E4128}">
       <dsp:nvSpPr>
         <dsp:cNvPr id="0" name=""/>
         <dsp:cNvSpPr/>
       </dsp:nvSpPr>
       <dsp:spPr>
         <a:xfrm>
-          <a:off x="3082246" y="1077919"/>
-          <a:ext cx="1247339" cy="380438"/>
+          <a:off x="1543740" y="1803321"/>
+          <a:ext cx="1285247" cy="392000"/>
         </a:xfrm>
         <a:prstGeom prst="rect">
           <a:avLst/>
@@ -12751,13 +12762,13 @@
           </a:pPr>
           <a:r>
             <a:rPr lang="en-PH" sz="700" i="0" u="none" kern="1200" dirty="0"/>
-            <a:t>GET: /home/search</a:t>
+            <a:t>GET: /search/&lt;search&gt;.&lt;category&gt;</a:t>
           </a:r>
         </a:p>
       </dsp:txBody>
       <dsp:txXfrm>
-        <a:off x="3082246" y="1077919"/>
-        <a:ext cx="1247339" cy="380438"/>
+        <a:off x="1543740" y="1803321"/>
+        <a:ext cx="1285247" cy="392000"/>
       </dsp:txXfrm>
     </dsp:sp>
     <dsp:sp modelId="{05DB6E90-F1BC-4563-8BE1-362C4FBDDAA7}">
@@ -12767,8 +12778,8 @@
       </dsp:nvSpPr>
       <dsp:spPr>
         <a:xfrm>
-          <a:off x="1585438" y="3223343"/>
-          <a:ext cx="1247339" cy="380438"/>
+          <a:off x="1543740" y="2908634"/>
+          <a:ext cx="1285247" cy="392000"/>
         </a:xfrm>
         <a:prstGeom prst="rect">
           <a:avLst/>
@@ -12843,8 +12854,8 @@
         </a:p>
       </dsp:txBody>
       <dsp:txXfrm>
-        <a:off x="1585438" y="3223343"/>
-        <a:ext cx="1247339" cy="380438"/>
+        <a:off x="1543740" y="2908634"/>
+        <a:ext cx="1285247" cy="392000"/>
       </dsp:txXfrm>
     </dsp:sp>
     <dsp:sp modelId="{86B18651-4B39-4A90-8CF0-600AB3AADA34}">
@@ -12854,8 +12865,8 @@
       </dsp:nvSpPr>
       <dsp:spPr>
         <a:xfrm>
-          <a:off x="3082246" y="1614275"/>
-          <a:ext cx="1247339" cy="380438"/>
+          <a:off x="3086037" y="1250665"/>
+          <a:ext cx="1285247" cy="392000"/>
         </a:xfrm>
         <a:prstGeom prst="rect">
           <a:avLst/>
@@ -12930,8 +12941,8 @@
         </a:p>
       </dsp:txBody>
       <dsp:txXfrm>
-        <a:off x="3082246" y="1614275"/>
-        <a:ext cx="1247339" cy="380438"/>
+        <a:off x="3086037" y="1250665"/>
+        <a:ext cx="1285247" cy="392000"/>
       </dsp:txXfrm>
     </dsp:sp>
     <dsp:sp modelId="{AE10DB7C-6AB9-4575-8BB0-A927B8D0D8FA}">
@@ -12941,8 +12952,8 @@
       </dsp:nvSpPr>
       <dsp:spPr>
         <a:xfrm>
-          <a:off x="3082246" y="2150631"/>
-          <a:ext cx="1247339" cy="380438"/>
+          <a:off x="3086037" y="1803321"/>
+          <a:ext cx="1285247" cy="392000"/>
         </a:xfrm>
         <a:prstGeom prst="rect">
           <a:avLst/>
@@ -13017,8 +13028,8 @@
         </a:p>
       </dsp:txBody>
       <dsp:txXfrm>
-        <a:off x="3082246" y="2150631"/>
-        <a:ext cx="1247339" cy="380438"/>
+        <a:off x="3086037" y="1803321"/>
+        <a:ext cx="1285247" cy="392000"/>
       </dsp:txXfrm>
     </dsp:sp>
     <dsp:sp modelId="{9A7971A1-2C58-4EC6-BED5-83583828F48A}">
@@ -13028,8 +13039,8 @@
       </dsp:nvSpPr>
       <dsp:spPr>
         <a:xfrm>
-          <a:off x="3082246" y="2686987"/>
-          <a:ext cx="1247339" cy="380438"/>
+          <a:off x="3086037" y="2355977"/>
+          <a:ext cx="1285247" cy="392000"/>
         </a:xfrm>
         <a:prstGeom prst="rect">
           <a:avLst/>
@@ -13104,8 +13115,8 @@
         </a:p>
       </dsp:txBody>
       <dsp:txXfrm>
-        <a:off x="3082246" y="2686987"/>
-        <a:ext cx="1247339" cy="380438"/>
+        <a:off x="3086037" y="2355977"/>
+        <a:ext cx="1285247" cy="392000"/>
       </dsp:txXfrm>
     </dsp:sp>
     <dsp:sp modelId="{4C2E8825-CD3A-4B5F-9FE3-B3DBBF3B5932}">
@@ -13115,8 +13126,8 @@
       </dsp:nvSpPr>
       <dsp:spPr>
         <a:xfrm>
-          <a:off x="3082246" y="3223343"/>
-          <a:ext cx="1247339" cy="380438"/>
+          <a:off x="3086037" y="2908634"/>
+          <a:ext cx="1285247" cy="392000"/>
         </a:xfrm>
         <a:prstGeom prst="rect">
           <a:avLst/>
@@ -13183,8 +13194,8 @@
         </a:p>
       </dsp:txBody>
       <dsp:txXfrm>
-        <a:off x="3082246" y="3223343"/>
-        <a:ext cx="1247339" cy="380438"/>
+        <a:off x="3086037" y="2908634"/>
+        <a:ext cx="1285247" cy="392000"/>
       </dsp:txXfrm>
     </dsp:sp>
     <dsp:sp modelId="{DC56E3C8-3C4C-42C3-AD88-4684E55FBA33}">
@@ -13194,8 +13205,8 @@
       </dsp:nvSpPr>
       <dsp:spPr>
         <a:xfrm>
-          <a:off x="3082246" y="3759699"/>
-          <a:ext cx="1247339" cy="380438"/>
+          <a:off x="3086037" y="3461290"/>
+          <a:ext cx="1285247" cy="392000"/>
         </a:xfrm>
         <a:prstGeom prst="rect">
           <a:avLst/>
@@ -13262,8 +13273,8 @@
         </a:p>
       </dsp:txBody>
       <dsp:txXfrm>
-        <a:off x="3082246" y="3759699"/>
-        <a:ext cx="1247339" cy="380438"/>
+        <a:off x="3086037" y="3461290"/>
+        <a:ext cx="1285247" cy="392000"/>
       </dsp:txXfrm>
     </dsp:sp>
     <dsp:sp modelId="{0BAD29FA-B2C8-4B8C-95DF-C171B7B462A6}">
@@ -13273,8 +13284,8 @@
       </dsp:nvSpPr>
       <dsp:spPr>
         <a:xfrm>
-          <a:off x="3082246" y="4296055"/>
-          <a:ext cx="1247339" cy="380438"/>
+          <a:off x="3086037" y="4013946"/>
+          <a:ext cx="1285247" cy="392000"/>
         </a:xfrm>
         <a:prstGeom prst="rect">
           <a:avLst/>
@@ -13341,8 +13352,8 @@
         </a:p>
       </dsp:txBody>
       <dsp:txXfrm>
-        <a:off x="3082246" y="4296055"/>
-        <a:ext cx="1247339" cy="380438"/>
+        <a:off x="3086037" y="4013946"/>
+        <a:ext cx="1285247" cy="392000"/>
       </dsp:txXfrm>
     </dsp:sp>
     <dsp:sp modelId="{3CFF1962-B170-4E02-981E-F70C7372C79C}">
@@ -13352,8 +13363,8 @@
       </dsp:nvSpPr>
       <dsp:spPr>
         <a:xfrm>
-          <a:off x="3082246" y="4832411"/>
-          <a:ext cx="1247339" cy="380438"/>
+          <a:off x="3086037" y="4566602"/>
+          <a:ext cx="1285247" cy="392000"/>
         </a:xfrm>
         <a:prstGeom prst="rect">
           <a:avLst/>
@@ -13420,8 +13431,8 @@
         </a:p>
       </dsp:txBody>
       <dsp:txXfrm>
-        <a:off x="3082246" y="4832411"/>
-        <a:ext cx="1247339" cy="380438"/>
+        <a:off x="3086037" y="4566602"/>
+        <a:ext cx="1285247" cy="392000"/>
       </dsp:txXfrm>
     </dsp:sp>
     <dsp:sp modelId="{819A6740-CEEB-4D64-86BD-69F09515069C}">
@@ -13431,8 +13442,8 @@
       </dsp:nvSpPr>
       <dsp:spPr>
         <a:xfrm>
-          <a:off x="1585438" y="5368767"/>
-          <a:ext cx="1247339" cy="380438"/>
+          <a:off x="1543740" y="5119259"/>
+          <a:ext cx="1285247" cy="392000"/>
         </a:xfrm>
         <a:prstGeom prst="rect">
           <a:avLst/>
@@ -13499,8 +13510,8 @@
         </a:p>
       </dsp:txBody>
       <dsp:txXfrm>
-        <a:off x="1585438" y="5368767"/>
-        <a:ext cx="1247339" cy="380438"/>
+        <a:off x="1543740" y="5119259"/>
+        <a:ext cx="1285247" cy="392000"/>
       </dsp:txXfrm>
     </dsp:sp>
     <dsp:sp modelId="{B91A4BAB-B5F1-477A-87F1-F762AC724B3E}">
@@ -13510,8 +13521,8 @@
       </dsp:nvSpPr>
       <dsp:spPr>
         <a:xfrm>
-          <a:off x="3082246" y="5368767"/>
-          <a:ext cx="1247339" cy="380438"/>
+          <a:off x="3086037" y="5119259"/>
+          <a:ext cx="1285247" cy="392000"/>
         </a:xfrm>
         <a:prstGeom prst="rect">
           <a:avLst/>
@@ -13578,8 +13589,8 @@
         </a:p>
       </dsp:txBody>
       <dsp:txXfrm>
-        <a:off x="3082246" y="5368767"/>
-        <a:ext cx="1247339" cy="380438"/>
+        <a:off x="3086037" y="5119259"/>
+        <a:ext cx="1285247" cy="392000"/>
       </dsp:txXfrm>
     </dsp:sp>
     <dsp:sp modelId="{2A2867CB-CA48-4D15-BDD1-AEE4D30C5C71}">
@@ -13589,8 +13600,8 @@
       </dsp:nvSpPr>
       <dsp:spPr>
         <a:xfrm>
-          <a:off x="1585438" y="6173301"/>
-          <a:ext cx="1247339" cy="380438"/>
+          <a:off x="1543740" y="5948243"/>
+          <a:ext cx="1285247" cy="392000"/>
         </a:xfrm>
         <a:prstGeom prst="rect">
           <a:avLst/>
@@ -13657,8 +13668,8 @@
         </a:p>
       </dsp:txBody>
       <dsp:txXfrm>
-        <a:off x="1585438" y="6173301"/>
-        <a:ext cx="1247339" cy="380438"/>
+        <a:off x="1543740" y="5948243"/>
+        <a:ext cx="1285247" cy="392000"/>
       </dsp:txXfrm>
     </dsp:sp>
     <dsp:sp modelId="{CC81E544-050C-42F2-9A23-930845DEEF2C}">
@@ -13668,8 +13679,8 @@
       </dsp:nvSpPr>
       <dsp:spPr>
         <a:xfrm>
-          <a:off x="3082246" y="5905123"/>
-          <a:ext cx="1247339" cy="380438"/>
+          <a:off x="3086037" y="5671915"/>
+          <a:ext cx="1285247" cy="392000"/>
         </a:xfrm>
         <a:prstGeom prst="rect">
           <a:avLst/>
@@ -13731,13 +13742,18 @@
           </a:pPr>
           <a:r>
             <a:rPr lang="en-PH" sz="700" i="0" u="none" kern="1200" dirty="0"/>
-            <a:t>GET: /profile/search</a:t>
+            <a:t>GET: /profile</a:t>
           </a:r>
+          <a:r>
+            <a:rPr lang="en-PH" sz="700" i="0" u="none" kern="1200"/>
+            <a:t>/search</a:t>
+          </a:r>
+          <a:endParaRPr lang="en-PH" sz="700" i="0" u="none" kern="1200" dirty="0"/>
         </a:p>
       </dsp:txBody>
       <dsp:txXfrm>
-        <a:off x="3082246" y="5905123"/>
-        <a:ext cx="1247339" cy="380438"/>
+        <a:off x="3086037" y="5671915"/>
+        <a:ext cx="1285247" cy="392000"/>
       </dsp:txXfrm>
     </dsp:sp>
     <dsp:sp modelId="{E10FB195-6400-4935-BFBA-6C89C0AC2BE0}">
@@ -13747,8 +13763,8 @@
       </dsp:nvSpPr>
       <dsp:spPr>
         <a:xfrm>
-          <a:off x="3082246" y="6441479"/>
-          <a:ext cx="1247339" cy="380438"/>
+          <a:off x="3086037" y="6224571"/>
+          <a:ext cx="1285247" cy="392000"/>
         </a:xfrm>
         <a:prstGeom prst="rect">
           <a:avLst/>
@@ -13815,8 +13831,8 @@
         </a:p>
       </dsp:txBody>
       <dsp:txXfrm>
-        <a:off x="3082246" y="6441479"/>
-        <a:ext cx="1247339" cy="380438"/>
+        <a:off x="3086037" y="6224571"/>
+        <a:ext cx="1285247" cy="392000"/>
       </dsp:txXfrm>
     </dsp:sp>
     <dsp:sp modelId="{A063358C-0698-42F7-9923-2B9323B852DF}">
@@ -13826,8 +13842,8 @@
       </dsp:nvSpPr>
       <dsp:spPr>
         <a:xfrm>
-          <a:off x="4579053" y="6173301"/>
-          <a:ext cx="1247339" cy="380438"/>
+          <a:off x="4628333" y="5948243"/>
+          <a:ext cx="1285247" cy="392000"/>
         </a:xfrm>
         <a:prstGeom prst="rect">
           <a:avLst/>
@@ -13894,8 +13910,8 @@
         </a:p>
       </dsp:txBody>
       <dsp:txXfrm>
-        <a:off x="4579053" y="6173301"/>
-        <a:ext cx="1247339" cy="380438"/>
+        <a:off x="4628333" y="5948243"/>
+        <a:ext cx="1285247" cy="392000"/>
       </dsp:txXfrm>
     </dsp:sp>
     <dsp:sp modelId="{5149C0C6-E11C-4AB0-947A-FEDDB9A1B641}">
@@ -13905,8 +13921,8 @@
       </dsp:nvSpPr>
       <dsp:spPr>
         <a:xfrm>
-          <a:off x="4579053" y="6709657"/>
-          <a:ext cx="1247339" cy="380438"/>
+          <a:off x="4628333" y="6500899"/>
+          <a:ext cx="1285247" cy="392000"/>
         </a:xfrm>
         <a:prstGeom prst="rect">
           <a:avLst/>
@@ -13973,8 +13989,8 @@
         </a:p>
       </dsp:txBody>
       <dsp:txXfrm>
-        <a:off x="4579053" y="6709657"/>
-        <a:ext cx="1247339" cy="380438"/>
+        <a:off x="4628333" y="6500899"/>
+        <a:ext cx="1285247" cy="392000"/>
       </dsp:txXfrm>
     </dsp:sp>
     <dsp:sp modelId="{03C67C4F-9566-4A9F-9740-3314E609EC66}">
@@ -13984,8 +14000,8 @@
       </dsp:nvSpPr>
       <dsp:spPr>
         <a:xfrm>
-          <a:off x="1585438" y="6977835"/>
-          <a:ext cx="1247339" cy="380438"/>
+          <a:off x="1543740" y="6777228"/>
+          <a:ext cx="1285247" cy="392000"/>
         </a:xfrm>
         <a:prstGeom prst="rect">
           <a:avLst/>
@@ -14052,8 +14068,8 @@
         </a:p>
       </dsp:txBody>
       <dsp:txXfrm>
-        <a:off x="1585438" y="6977835"/>
-        <a:ext cx="1247339" cy="380438"/>
+        <a:off x="1543740" y="6777228"/>
+        <a:ext cx="1285247" cy="392000"/>
       </dsp:txXfrm>
     </dsp:sp>
     <dsp:sp modelId="{8A5EDA7B-2921-4F34-8137-D1C6E7E07DEE}">
@@ -14063,8 +14079,8 @@
       </dsp:nvSpPr>
       <dsp:spPr>
         <a:xfrm>
-          <a:off x="3082246" y="6977835"/>
-          <a:ext cx="1247339" cy="380438"/>
+          <a:off x="3086037" y="6777228"/>
+          <a:ext cx="1285247" cy="392000"/>
         </a:xfrm>
         <a:prstGeom prst="rect">
           <a:avLst/>
@@ -14139,8 +14155,8 @@
         </a:p>
       </dsp:txBody>
       <dsp:txXfrm>
-        <a:off x="3082246" y="6977835"/>
-        <a:ext cx="1247339" cy="380438"/>
+        <a:off x="3086037" y="6777228"/>
+        <a:ext cx="1285247" cy="392000"/>
       </dsp:txXfrm>
     </dsp:sp>
     <dsp:sp modelId="{3D03D195-B2A0-4E0E-98B5-C02B3E4D07C7}">
@@ -14150,8 +14166,8 @@
       </dsp:nvSpPr>
       <dsp:spPr>
         <a:xfrm>
-          <a:off x="1585438" y="7782369"/>
-          <a:ext cx="1247339" cy="380438"/>
+          <a:off x="1543740" y="7606212"/>
+          <a:ext cx="1285247" cy="392000"/>
         </a:xfrm>
         <a:prstGeom prst="rect">
           <a:avLst/>
@@ -14218,8 +14234,8 @@
         </a:p>
       </dsp:txBody>
       <dsp:txXfrm>
-        <a:off x="1585438" y="7782369"/>
-        <a:ext cx="1247339" cy="380438"/>
+        <a:off x="1543740" y="7606212"/>
+        <a:ext cx="1285247" cy="392000"/>
       </dsp:txXfrm>
     </dsp:sp>
     <dsp:sp modelId="{5A414EAD-06E0-4406-B805-5E2104B3D0DD}">
@@ -14229,8 +14245,8 @@
       </dsp:nvSpPr>
       <dsp:spPr>
         <a:xfrm>
-          <a:off x="3082246" y="7514191"/>
-          <a:ext cx="1247339" cy="380438"/>
+          <a:off x="3086037" y="7329884"/>
+          <a:ext cx="1285247" cy="392000"/>
         </a:xfrm>
         <a:prstGeom prst="rect">
           <a:avLst/>
@@ -14297,8 +14313,8 @@
         </a:p>
       </dsp:txBody>
       <dsp:txXfrm>
-        <a:off x="3082246" y="7514191"/>
-        <a:ext cx="1247339" cy="380438"/>
+        <a:off x="3086037" y="7329884"/>
+        <a:ext cx="1285247" cy="392000"/>
       </dsp:txXfrm>
     </dsp:sp>
     <dsp:sp modelId="{E4CF3A31-AE00-43BC-B93C-2DE86D4CC973}">
@@ -14308,8 +14324,8 @@
       </dsp:nvSpPr>
       <dsp:spPr>
         <a:xfrm>
-          <a:off x="3082246" y="8050547"/>
-          <a:ext cx="1247339" cy="380438"/>
+          <a:off x="3086037" y="7882540"/>
+          <a:ext cx="1285247" cy="392000"/>
         </a:xfrm>
         <a:prstGeom prst="rect">
           <a:avLst/>
@@ -14376,8 +14392,8 @@
         </a:p>
       </dsp:txBody>
       <dsp:txXfrm>
-        <a:off x="3082246" y="8050547"/>
-        <a:ext cx="1247339" cy="380438"/>
+        <a:off x="3086037" y="7882540"/>
+        <a:ext cx="1285247" cy="392000"/>
       </dsp:txXfrm>
     </dsp:sp>
     <dsp:sp modelId="{B713F195-15C1-4F58-AAA4-FEE3AAA2278A}">
@@ -14387,8 +14403,8 @@
       </dsp:nvSpPr>
       <dsp:spPr>
         <a:xfrm>
-          <a:off x="1585438" y="8586903"/>
-          <a:ext cx="1247339" cy="380438"/>
+          <a:off x="1543740" y="8435196"/>
+          <a:ext cx="1285247" cy="392000"/>
         </a:xfrm>
         <a:prstGeom prst="rect">
           <a:avLst/>
@@ -14455,8 +14471,8 @@
         </a:p>
       </dsp:txBody>
       <dsp:txXfrm>
-        <a:off x="1585438" y="8586903"/>
-        <a:ext cx="1247339" cy="380438"/>
+        <a:off x="1543740" y="8435196"/>
+        <a:ext cx="1285247" cy="392000"/>
       </dsp:txXfrm>
     </dsp:sp>
     <dsp:sp modelId="{1E3288A7-BF23-4BB5-80BD-8CC56FFAD560}">
@@ -14466,8 +14482,8 @@
       </dsp:nvSpPr>
       <dsp:spPr>
         <a:xfrm>
-          <a:off x="3082246" y="8586903"/>
-          <a:ext cx="1247339" cy="380438"/>
+          <a:off x="3086037" y="8435196"/>
+          <a:ext cx="1285247" cy="392000"/>
         </a:xfrm>
         <a:prstGeom prst="rect">
           <a:avLst/>
@@ -14534,8 +14550,8 @@
         </a:p>
       </dsp:txBody>
       <dsp:txXfrm>
-        <a:off x="3082246" y="8586903"/>
-        <a:ext cx="1247339" cy="380438"/>
+        <a:off x="3086037" y="8435196"/>
+        <a:ext cx="1285247" cy="392000"/>
       </dsp:txXfrm>
     </dsp:sp>
   </dsp:spTree>
@@ -34614,7 +34630,7 @@
             <p:ph idx="1"/>
             <p:extLst>
               <p:ext uri="{D42A27DB-BD31-4B8C-83A1-F6EECF244321}">
-                <p14:modId xmlns:p14="http://schemas.microsoft.com/office/powerpoint/2010/main" val="2629765738"/>
+                <p14:modId xmlns:p14="http://schemas.microsoft.com/office/powerpoint/2010/main" val="211670273"/>
               </p:ext>
             </p:extLst>
           </p:nvPr>

--- a/Documentation/MCO Design.pptx
+++ b/Documentation/MCO Design.pptx
@@ -17,9 +17,10 @@
     <p:sldId id="272" r:id="rId11"/>
     <p:sldId id="276" r:id="rId12"/>
     <p:sldId id="273" r:id="rId13"/>
-    <p:sldId id="277" r:id="rId14"/>
-    <p:sldId id="278" r:id="rId15"/>
-    <p:sldId id="268" r:id="rId16"/>
+    <p:sldId id="279" r:id="rId14"/>
+    <p:sldId id="277" r:id="rId15"/>
+    <p:sldId id="278" r:id="rId16"/>
+    <p:sldId id="268" r:id="rId17"/>
   </p:sldIdLst>
   <p:sldSz cx="6858000" cy="12192000"/>
   <p:notesSz cx="6858000" cy="9144000"/>
@@ -33346,6 +33347,96 @@
 <file path=ppt/slides/slide13.xml><?xml version="1.0" encoding="utf-8"?>
 <p:sld xmlns:a="http://schemas.openxmlformats.org/drawingml/2006/main" xmlns:r="http://schemas.openxmlformats.org/officeDocument/2006/relationships" xmlns:p="http://schemas.openxmlformats.org/presentationml/2006/main">
   <p:cSld>
+    <p:spTree>
+      <p:nvGrpSpPr>
+        <p:cNvPr id="1" name=""/>
+        <p:cNvGrpSpPr/>
+        <p:nvPr/>
+      </p:nvGrpSpPr>
+      <p:grpSpPr>
+        <a:xfrm>
+          <a:off x="0" y="0"/>
+          <a:ext cx="0" cy="0"/>
+          <a:chOff x="0" y="0"/>
+          <a:chExt cx="0" cy="0"/>
+        </a:xfrm>
+      </p:grpSpPr>
+      <p:sp>
+        <p:nvSpPr>
+          <p:cNvPr id="2" name="Title 1">
+            <a:extLst>
+              <a:ext uri="{FF2B5EF4-FFF2-40B4-BE49-F238E27FC236}">
+                <a16:creationId xmlns:a16="http://schemas.microsoft.com/office/drawing/2014/main" id="{64889B69-22E9-85D0-E9EA-35243FE3D501}"/>
+              </a:ext>
+            </a:extLst>
+          </p:cNvPr>
+          <p:cNvSpPr>
+            <a:spLocks noGrp="1"/>
+          </p:cNvSpPr>
+          <p:nvPr>
+            <p:ph type="title"/>
+          </p:nvPr>
+        </p:nvSpPr>
+        <p:spPr/>
+        <p:txBody>
+          <a:bodyPr/>
+          <a:lstStyle/>
+          <a:p>
+            <a:r>
+              <a:rPr lang="en-PH" dirty="0"/>
+              <a:t>Web Application Functionalities</a:t>
+            </a:r>
+          </a:p>
+        </p:txBody>
+      </p:sp>
+      <p:sp>
+        <p:nvSpPr>
+          <p:cNvPr id="3" name="Text Placeholder 2">
+            <a:extLst>
+              <a:ext uri="{FF2B5EF4-FFF2-40B4-BE49-F238E27FC236}">
+                <a16:creationId xmlns:a16="http://schemas.microsoft.com/office/drawing/2014/main" id="{A2316924-9B07-FB99-09C7-99E3CFA75593}"/>
+              </a:ext>
+            </a:extLst>
+          </p:cNvPr>
+          <p:cNvSpPr>
+            <a:spLocks noGrp="1"/>
+          </p:cNvSpPr>
+          <p:nvPr>
+            <p:ph type="body" idx="1"/>
+          </p:nvPr>
+        </p:nvSpPr>
+        <p:spPr/>
+        <p:txBody>
+          <a:bodyPr/>
+          <a:lstStyle/>
+          <a:p>
+            <a:r>
+              <a:rPr lang="en-PH" dirty="0"/>
+              <a:t>Capabilities and Limitations of the </a:t>
+            </a:r>
+            <a:r>
+              <a:rPr lang="en-PH"/>
+              <a:t>Web Application</a:t>
+            </a:r>
+          </a:p>
+        </p:txBody>
+      </p:sp>
+    </p:spTree>
+    <p:extLst>
+      <p:ext uri="{BB962C8B-B14F-4D97-AF65-F5344CB8AC3E}">
+        <p14:creationId xmlns:p14="http://schemas.microsoft.com/office/powerpoint/2010/main" val="3854303673"/>
+      </p:ext>
+    </p:extLst>
+  </p:cSld>
+  <p:clrMapOvr>
+    <a:masterClrMapping/>
+  </p:clrMapOvr>
+</p:sld>
+</file>
+
+<file path=ppt/slides/slide14.xml><?xml version="1.0" encoding="utf-8"?>
+<p:sld xmlns:a="http://schemas.openxmlformats.org/drawingml/2006/main" xmlns:r="http://schemas.openxmlformats.org/officeDocument/2006/relationships" xmlns:p="http://schemas.openxmlformats.org/presentationml/2006/main">
+  <p:cSld>
     <p:bg>
       <p:bgPr>
         <a:solidFill>
@@ -33665,7 +33756,7 @@
 </p:sld>
 </file>
 
-<file path=ppt/slides/slide14.xml><?xml version="1.0" encoding="utf-8"?>
+<file path=ppt/slides/slide15.xml><?xml version="1.0" encoding="utf-8"?>
 <p:sld xmlns:a="http://schemas.openxmlformats.org/drawingml/2006/main" xmlns:r="http://schemas.openxmlformats.org/officeDocument/2006/relationships" xmlns:p="http://schemas.openxmlformats.org/presentationml/2006/main">
   <p:cSld>
     <p:spTree>
@@ -33745,7 +33836,7 @@
 </p:sld>
 </file>
 
-<file path=ppt/slides/slide15.xml><?xml version="1.0" encoding="utf-8"?>
+<file path=ppt/slides/slide16.xml><?xml version="1.0" encoding="utf-8"?>
 <p:sld xmlns:a="http://schemas.openxmlformats.org/drawingml/2006/main" xmlns:r="http://schemas.openxmlformats.org/officeDocument/2006/relationships" xmlns:p="http://schemas.openxmlformats.org/presentationml/2006/main">
   <p:cSld>
     <p:spTree>

--- a/Documentation/MCO Design.pptx
+++ b/Documentation/MCO Design.pptx
@@ -5671,13 +5671,8 @@
         <a:p>
           <a:r>
             <a:rPr lang="en-PH" sz="700" i="0" u="none" dirty="0"/>
-            <a:t>GET: /profile</a:t>
+            <a:t>GET: /profile/&lt;search&gt;</a:t>
           </a:r>
-          <a:r>
-            <a:rPr lang="en-PH" sz="700" i="0" u="none"/>
-            <a:t>/search</a:t>
-          </a:r>
-          <a:endParaRPr lang="en-PH" sz="700" i="0" u="none" dirty="0"/>
         </a:p>
       </dgm:t>
     </dgm:pt>
@@ -5783,6 +5778,42 @@
         </a:p>
       </dgm:t>
     </dgm:pt>
+    <dgm:pt modelId="{6FF99DC2-0BA1-48DA-AAF4-D1699CD7A605}">
+      <dgm:prSet phldrT="[Text]" custT="1"/>
+      <dgm:spPr/>
+      <dgm:t>
+        <a:bodyPr/>
+        <a:lstStyle/>
+        <a:p>
+          <a:r>
+            <a:rPr lang="en-PH" sz="700" i="0" u="none" dirty="0"/>
+            <a:t>PUT: /profile/&lt;search&gt;/more</a:t>
+          </a:r>
+        </a:p>
+      </dgm:t>
+    </dgm:pt>
+    <dgm:pt modelId="{32AFFDE6-F396-4895-94C1-B7B6E7D93CDA}" type="parTrans" cxnId="{DC582C74-DEDE-408E-819C-A1CB816729C6}">
+      <dgm:prSet/>
+      <dgm:spPr/>
+      <dgm:t>
+        <a:bodyPr/>
+        <a:lstStyle/>
+        <a:p>
+          <a:endParaRPr lang="en-PH"/>
+        </a:p>
+      </dgm:t>
+    </dgm:pt>
+    <dgm:pt modelId="{965B4A1B-C877-42F3-8B70-81F0D1B5EEA9}" type="sibTrans" cxnId="{DC582C74-DEDE-408E-819C-A1CB816729C6}">
+      <dgm:prSet/>
+      <dgm:spPr/>
+      <dgm:t>
+        <a:bodyPr/>
+        <a:lstStyle/>
+        <a:p>
+          <a:endParaRPr lang="en-PH"/>
+        </a:p>
+      </dgm:t>
+    </dgm:pt>
     <dgm:pt modelId="{25F16154-0014-45A6-B140-723A8E51B73E}" type="pres">
       <dgm:prSet presAssocID="{34BEB75E-ED6D-4113-9F50-1BF5F1954990}" presName="hierChild1" presStyleCnt="0">
         <dgm:presLayoutVars>
@@ -6464,6 +6495,42 @@
       <dgm:prSet presAssocID="{F592A012-32A7-4C82-BF4D-CA3D12AD7C92}" presName="hierChild4" presStyleCnt="0"/>
       <dgm:spPr/>
     </dgm:pt>
+    <dgm:pt modelId="{2922A1E1-45E7-4B20-BC89-6A69AD9E22F9}" type="pres">
+      <dgm:prSet presAssocID="{32AFFDE6-F396-4895-94C1-B7B6E7D93CDA}" presName="Name64" presStyleLbl="parChTrans1D4" presStyleIdx="0" presStyleCnt="3"/>
+      <dgm:spPr/>
+    </dgm:pt>
+    <dgm:pt modelId="{537DCF6A-9367-4FD7-9A35-8604FB688617}" type="pres">
+      <dgm:prSet presAssocID="{6FF99DC2-0BA1-48DA-AAF4-D1699CD7A605}" presName="hierRoot2" presStyleCnt="0">
+        <dgm:presLayoutVars>
+          <dgm:hierBranch val="init"/>
+        </dgm:presLayoutVars>
+      </dgm:prSet>
+      <dgm:spPr/>
+    </dgm:pt>
+    <dgm:pt modelId="{8F72091C-B690-4551-8620-C9EE79780856}" type="pres">
+      <dgm:prSet presAssocID="{6FF99DC2-0BA1-48DA-AAF4-D1699CD7A605}" presName="rootComposite" presStyleCnt="0"/>
+      <dgm:spPr/>
+    </dgm:pt>
+    <dgm:pt modelId="{D6E0FA02-0214-49B6-9B94-783FCE0C0294}" type="pres">
+      <dgm:prSet presAssocID="{6FF99DC2-0BA1-48DA-AAF4-D1699CD7A605}" presName="rootText" presStyleLbl="node4" presStyleIdx="0" presStyleCnt="3">
+        <dgm:presLayoutVars>
+          <dgm:chPref val="3"/>
+        </dgm:presLayoutVars>
+      </dgm:prSet>
+      <dgm:spPr/>
+    </dgm:pt>
+    <dgm:pt modelId="{AA76DA7D-3B97-4800-983B-B2B5F5E3A8EF}" type="pres">
+      <dgm:prSet presAssocID="{6FF99DC2-0BA1-48DA-AAF4-D1699CD7A605}" presName="rootConnector" presStyleLbl="node4" presStyleIdx="0" presStyleCnt="3"/>
+      <dgm:spPr/>
+    </dgm:pt>
+    <dgm:pt modelId="{7AD1CA69-F91F-4788-A91F-925FBCF70B86}" type="pres">
+      <dgm:prSet presAssocID="{6FF99DC2-0BA1-48DA-AAF4-D1699CD7A605}" presName="hierChild4" presStyleCnt="0"/>
+      <dgm:spPr/>
+    </dgm:pt>
+    <dgm:pt modelId="{95D16504-E3FD-42AB-BA2A-0D771DC1020E}" type="pres">
+      <dgm:prSet presAssocID="{6FF99DC2-0BA1-48DA-AAF4-D1699CD7A605}" presName="hierChild5" presStyleCnt="0"/>
+      <dgm:spPr/>
+    </dgm:pt>
     <dgm:pt modelId="{99FBEC27-E6A0-4C3F-B74E-C8F2D217826C}" type="pres">
       <dgm:prSet presAssocID="{F592A012-32A7-4C82-BF4D-CA3D12AD7C92}" presName="hierChild5" presStyleCnt="0"/>
       <dgm:spPr/>
@@ -6501,7 +6568,7 @@
       <dgm:spPr/>
     </dgm:pt>
     <dgm:pt modelId="{72A21E04-8D28-4AED-8859-4152E9410BC5}" type="pres">
-      <dgm:prSet presAssocID="{7EB6568E-DE68-41D0-B072-2D0DA56F4F15}" presName="Name64" presStyleLbl="parChTrans1D4" presStyleIdx="0" presStyleCnt="2"/>
+      <dgm:prSet presAssocID="{7EB6568E-DE68-41D0-B072-2D0DA56F4F15}" presName="Name64" presStyleLbl="parChTrans1D4" presStyleIdx="1" presStyleCnt="3"/>
       <dgm:spPr/>
     </dgm:pt>
     <dgm:pt modelId="{C33BE125-A4D5-44B6-ADF4-EE2C04B9342A}" type="pres">
@@ -6517,7 +6584,7 @@
       <dgm:spPr/>
     </dgm:pt>
     <dgm:pt modelId="{A063358C-0698-42F7-9923-2B9323B852DF}" type="pres">
-      <dgm:prSet presAssocID="{9E9AFA18-4A4C-452D-9BB1-22608177395D}" presName="rootText" presStyleLbl="node4" presStyleIdx="0" presStyleCnt="2">
+      <dgm:prSet presAssocID="{9E9AFA18-4A4C-452D-9BB1-22608177395D}" presName="rootText" presStyleLbl="node4" presStyleIdx="1" presStyleCnt="3">
         <dgm:presLayoutVars>
           <dgm:chPref val="3"/>
         </dgm:presLayoutVars>
@@ -6525,7 +6592,7 @@
       <dgm:spPr/>
     </dgm:pt>
     <dgm:pt modelId="{7E787785-54EC-41F4-A62C-9C6FEA7262F7}" type="pres">
-      <dgm:prSet presAssocID="{9E9AFA18-4A4C-452D-9BB1-22608177395D}" presName="rootConnector" presStyleLbl="node4" presStyleIdx="0" presStyleCnt="2"/>
+      <dgm:prSet presAssocID="{9E9AFA18-4A4C-452D-9BB1-22608177395D}" presName="rootConnector" presStyleLbl="node4" presStyleIdx="1" presStyleCnt="3"/>
       <dgm:spPr/>
     </dgm:pt>
     <dgm:pt modelId="{E4B57072-C66E-4481-9AE9-3AD77C82E01F}" type="pres">
@@ -6537,7 +6604,7 @@
       <dgm:spPr/>
     </dgm:pt>
     <dgm:pt modelId="{BA52E6F3-CA60-4E17-A6A4-2CE0C065527E}" type="pres">
-      <dgm:prSet presAssocID="{AF051581-B2C4-4A22-B3E9-D040DD094A2F}" presName="Name64" presStyleLbl="parChTrans1D4" presStyleIdx="1" presStyleCnt="2"/>
+      <dgm:prSet presAssocID="{AF051581-B2C4-4A22-B3E9-D040DD094A2F}" presName="Name64" presStyleLbl="parChTrans1D4" presStyleIdx="2" presStyleCnt="3"/>
       <dgm:spPr/>
     </dgm:pt>
     <dgm:pt modelId="{E68948CE-AC19-488A-B1F5-67E9036735CF}" type="pres">
@@ -6553,7 +6620,7 @@
       <dgm:spPr/>
     </dgm:pt>
     <dgm:pt modelId="{5149C0C6-E11C-4AB0-947A-FEDDB9A1B641}" type="pres">
-      <dgm:prSet presAssocID="{795061A3-2B93-41B7-8CB3-D2EA827D06F1}" presName="rootText" presStyleLbl="node4" presStyleIdx="1" presStyleCnt="2">
+      <dgm:prSet presAssocID="{795061A3-2B93-41B7-8CB3-D2EA827D06F1}" presName="rootText" presStyleLbl="node4" presStyleIdx="2" presStyleCnt="3">
         <dgm:presLayoutVars>
           <dgm:chPref val="3"/>
         </dgm:presLayoutVars>
@@ -6561,7 +6628,7 @@
       <dgm:spPr/>
     </dgm:pt>
     <dgm:pt modelId="{C7F27BC3-5AB8-4622-AF5C-3EB051AAC30B}" type="pres">
-      <dgm:prSet presAssocID="{795061A3-2B93-41B7-8CB3-D2EA827D06F1}" presName="rootConnector" presStyleLbl="node4" presStyleIdx="1" presStyleCnt="2"/>
+      <dgm:prSet presAssocID="{795061A3-2B93-41B7-8CB3-D2EA827D06F1}" presName="rootConnector" presStyleLbl="node4" presStyleIdx="2" presStyleCnt="3"/>
       <dgm:spPr/>
     </dgm:pt>
     <dgm:pt modelId="{CCCB479C-9C08-4DDB-9FCF-C3E1A0D9351A}" type="pres">
@@ -6840,6 +6907,7 @@
   <dgm:cxnLst>
     <dgm:cxn modelId="{EFA58200-CE23-4613-8A02-E644F4DC83D0}" type="presOf" srcId="{10948DB9-C87A-4CB4-AA25-2159E53038FA}" destId="{022775FB-6EEC-479D-926F-56A4BDEAF1D1}" srcOrd="1" destOrd="0" presId="urn:microsoft.com/office/officeart/2009/3/layout/HorizontalOrganizationChart"/>
     <dgm:cxn modelId="{77CE7603-DFFF-41EE-ADDB-2B6F8DB8058C}" type="presOf" srcId="{341C93D3-8A95-4DFB-AA9D-C38CA282C9E7}" destId="{51976BDE-E76E-4333-9C70-CDE9D5A040E7}" srcOrd="0" destOrd="0" presId="urn:microsoft.com/office/officeart/2009/3/layout/HorizontalOrganizationChart"/>
+    <dgm:cxn modelId="{0B0EC007-2127-4A7B-AB55-566444FFAF84}" type="presOf" srcId="{32AFFDE6-F396-4895-94C1-B7B6E7D93CDA}" destId="{2922A1E1-45E7-4B20-BC89-6A69AD9E22F9}" srcOrd="0" destOrd="0" presId="urn:microsoft.com/office/officeart/2009/3/layout/HorizontalOrganizationChart"/>
     <dgm:cxn modelId="{6EA7A90B-6204-4ABB-ADC3-5F5E5EC884AA}" type="presOf" srcId="{332EBDA1-FC91-42DD-8C1E-2C7B445019B3}" destId="{A9B67C11-509F-4F8A-8F9C-7E076BDA0F94}" srcOrd="1" destOrd="0" presId="urn:microsoft.com/office/officeart/2009/3/layout/HorizontalOrganizationChart"/>
     <dgm:cxn modelId="{8FEC920D-1544-4F78-B84D-5996A1B4BA22}" type="presOf" srcId="{10F04DDC-9425-470F-8153-E7CB032EC473}" destId="{A8510BB4-6AB4-4C7C-8DE1-2E6D90AB0CBB}" srcOrd="1" destOrd="0" presId="urn:microsoft.com/office/officeart/2009/3/layout/HorizontalOrganizationChart"/>
     <dgm:cxn modelId="{D758B211-8DAD-40BC-94C3-DDBE39349710}" type="presOf" srcId="{423859FD-096E-4927-9390-25344E903FBF}" destId="{54886875-7235-4762-AA2E-82B15FFCB5F9}" srcOrd="0" destOrd="0" presId="urn:microsoft.com/office/officeart/2009/3/layout/HorizontalOrganizationChart"/>
@@ -6862,6 +6930,7 @@
     <dgm:cxn modelId="{AAB6AF41-2264-4F2D-B4A2-D749F7CCD617}" type="presOf" srcId="{57A8CB2D-79BE-4C74-9A37-D6A913DE1B82}" destId="{F96B956B-5837-4962-AA1E-51181F232425}" srcOrd="0" destOrd="0" presId="urn:microsoft.com/office/officeart/2009/3/layout/HorizontalOrganizationChart"/>
     <dgm:cxn modelId="{4091E661-0EEF-408D-BF24-558628C0A4F1}" type="presOf" srcId="{332EBDA1-FC91-42DD-8C1E-2C7B445019B3}" destId="{0D631D49-DE9D-4792-9A6C-A983781D0868}" srcOrd="0" destOrd="0" presId="urn:microsoft.com/office/officeart/2009/3/layout/HorizontalOrganizationChart"/>
     <dgm:cxn modelId="{E3BB8A62-A08B-4A8C-9496-BC555FE1CCFC}" type="presOf" srcId="{7CF047C5-7A21-4DCA-910B-CBEC1AA93BA9}" destId="{2E53B9A6-410F-49A9-951C-6B6DC53931B0}" srcOrd="0" destOrd="0" presId="urn:microsoft.com/office/officeart/2009/3/layout/HorizontalOrganizationChart"/>
+    <dgm:cxn modelId="{22E51B43-4873-4145-B074-D61FB32C82CC}" type="presOf" srcId="{6FF99DC2-0BA1-48DA-AAF4-D1699CD7A605}" destId="{D6E0FA02-0214-49B6-9B94-783FCE0C0294}" srcOrd="0" destOrd="0" presId="urn:microsoft.com/office/officeart/2009/3/layout/HorizontalOrganizationChart"/>
     <dgm:cxn modelId="{E85F6D65-1590-42CE-95F6-89BF65969C23}" type="presOf" srcId="{42168C56-2F22-4C47-AD41-80714FFDE7B7}" destId="{CB5056A5-2DD9-4A9F-8293-EE12A55AF83F}" srcOrd="0" destOrd="0" presId="urn:microsoft.com/office/officeart/2009/3/layout/HorizontalOrganizationChart"/>
     <dgm:cxn modelId="{A4C29145-D932-44D5-B71C-B9F54857DF5C}" type="presOf" srcId="{197668C4-8212-48B8-A54E-73002176A9B9}" destId="{5A414EAD-06E0-4406-B805-5E2104B3D0DD}" srcOrd="0" destOrd="0" presId="urn:microsoft.com/office/officeart/2009/3/layout/HorizontalOrganizationChart"/>
     <dgm:cxn modelId="{DDE17066-BD6F-42AB-812B-37DCBD8B4778}" type="presOf" srcId="{5DF6C11B-377F-47FB-BC50-A7E3E32B7B43}" destId="{7FB98923-33F3-4B6E-A104-716FC1B85402}" srcOrd="1" destOrd="0" presId="urn:microsoft.com/office/officeart/2009/3/layout/HorizontalOrganizationChart"/>
@@ -6879,6 +6948,7 @@
     <dgm:cxn modelId="{E941B051-EEEC-46F2-9423-C3A9C5537291}" type="presOf" srcId="{BF467FF0-55CD-4BEF-AE62-398B1B3BB0CF}" destId="{B534A36E-F9EC-4311-B1DF-EA82917C6F6D}" srcOrd="0" destOrd="0" presId="urn:microsoft.com/office/officeart/2009/3/layout/HorizontalOrganizationChart"/>
     <dgm:cxn modelId="{5DF6B753-8AEC-45B1-812D-CBEF4E665B5B}" srcId="{1924ECD5-AA0E-4B54-9424-D53165043932}" destId="{A1C6BA05-AD07-4670-B0CD-118E17FA1993}" srcOrd="2" destOrd="0" parTransId="{423859FD-096E-4927-9390-25344E903FBF}" sibTransId="{249108A4-E90A-45F0-91DE-62B0931DD375}"/>
     <dgm:cxn modelId="{8B4ED373-BD51-4FBE-8FAC-786BC92F491F}" type="presOf" srcId="{967C17FD-B87B-4CD0-BD44-345E2E5D2EA3}" destId="{DDB737D1-B170-410E-B636-D69C244AB233}" srcOrd="0" destOrd="0" presId="urn:microsoft.com/office/officeart/2009/3/layout/HorizontalOrganizationChart"/>
+    <dgm:cxn modelId="{DC582C74-DEDE-408E-819C-A1CB816729C6}" srcId="{F592A012-32A7-4C82-BF4D-CA3D12AD7C92}" destId="{6FF99DC2-0BA1-48DA-AAF4-D1699CD7A605}" srcOrd="0" destOrd="0" parTransId="{32AFFDE6-F396-4895-94C1-B7B6E7D93CDA}" sibTransId="{965B4A1B-C877-42F3-8B70-81F0D1B5EEA9}"/>
     <dgm:cxn modelId="{F812C254-ECB2-457A-B2DD-0DA61683069B}" srcId="{1924ECD5-AA0E-4B54-9424-D53165043932}" destId="{DE023E0B-5C31-4E35-A101-3DA3908C072F}" srcOrd="4" destOrd="0" parTransId="{967C17FD-B87B-4CD0-BD44-345E2E5D2EA3}" sibTransId="{8A9ACAAE-236A-4C50-8D2E-022C95250F55}"/>
     <dgm:cxn modelId="{27713575-935A-4D82-9AAC-B46572C6BD8C}" type="presOf" srcId="{D7009F5C-9656-4E9C-B269-B880E0F0CD6C}" destId="{A0E3F985-7D62-429C-AFD8-779DCB4495E1}" srcOrd="1" destOrd="0" presId="urn:microsoft.com/office/officeart/2009/3/layout/HorizontalOrganizationChart"/>
     <dgm:cxn modelId="{AD01F376-05D2-4E08-AE97-8BC43D097BAA}" type="presOf" srcId="{1924ECD5-AA0E-4B54-9424-D53165043932}" destId="{113FE10A-F086-4E22-A831-70FC6DC86A8B}" srcOrd="1" destOrd="0" presId="urn:microsoft.com/office/officeart/2009/3/layout/HorizontalOrganizationChart"/>
@@ -6926,6 +6996,7 @@
     <dgm:cxn modelId="{09FEB7B7-BCCA-4ED6-8BE2-889652152D0D}" srcId="{98DE5844-EBFB-4ECB-843E-1E3C116CD0A7}" destId="{332EBDA1-FC91-42DD-8C1E-2C7B445019B3}" srcOrd="0" destOrd="0" parTransId="{0E41C96E-49F8-4F4A-AF74-A981293F785F}" sibTransId="{6F50CEDF-F26E-458C-ABDC-9725FAFC71B9}"/>
     <dgm:cxn modelId="{D8EB9AB8-65B5-4F00-97D6-AC77A68B62FE}" srcId="{D7009F5C-9656-4E9C-B269-B880E0F0CD6C}" destId="{028C5DFA-CD08-425A-9808-BE49C21D580B}" srcOrd="0" destOrd="0" parTransId="{E8EB6F71-72ED-410E-A6D6-688CC4C8622F}" sibTransId="{EC8C1563-BCBD-4458-A64C-29451454356E}"/>
     <dgm:cxn modelId="{AE64B9B9-7C21-46ED-BA79-9C3504CD8E9F}" type="presOf" srcId="{3C6EA423-D64F-4DC7-B184-24C9BC3512E8}" destId="{1F365EA9-8A2A-4AC9-B613-127193CA87A7}" srcOrd="1" destOrd="0" presId="urn:microsoft.com/office/officeart/2009/3/layout/HorizontalOrganizationChart"/>
+    <dgm:cxn modelId="{8E8A43BB-7DAA-45A3-A65F-B8C75EBA3526}" type="presOf" srcId="{6FF99DC2-0BA1-48DA-AAF4-D1699CD7A605}" destId="{AA76DA7D-3B97-4800-983B-B2B5F5E3A8EF}" srcOrd="1" destOrd="0" presId="urn:microsoft.com/office/officeart/2009/3/layout/HorizontalOrganizationChart"/>
     <dgm:cxn modelId="{75CFDEBE-8576-45F1-8179-E2BF3C26238A}" type="presOf" srcId="{347BA63F-6330-4E17-9091-C819304D8374}" destId="{2A2867CB-CA48-4D15-BDD1-AEE4D30C5C71}" srcOrd="0" destOrd="0" presId="urn:microsoft.com/office/officeart/2009/3/layout/HorizontalOrganizationChart"/>
     <dgm:cxn modelId="{8BAE4CC5-8E15-4C6D-820C-986EBEF1F953}" type="presOf" srcId="{347BA63F-6330-4E17-9091-C819304D8374}" destId="{2E3E037F-66A4-4E32-88C9-13723390D309}" srcOrd="1" destOrd="0" presId="urn:microsoft.com/office/officeart/2009/3/layout/HorizontalOrganizationChart"/>
     <dgm:cxn modelId="{83B220C9-575D-4410-9866-5F5B448BA45A}" srcId="{441C9BFF-8AD7-4827-90F5-60BEDCAF3705}" destId="{98DE5844-EBFB-4ECB-843E-1E3C116CD0A7}" srcOrd="1" destOrd="0" parTransId="{B829E806-E11E-4BDA-8589-5EF437FD4FD6}" sibTransId="{964986D0-5530-46C8-8F61-2A4F7C778AD2}"/>
@@ -7083,6 +7154,13 @@
     <dgm:cxn modelId="{4C8E31B1-B972-4BAF-BFB0-DAC811C54ADB}" type="presParOf" srcId="{C35DE3DC-32EC-43B2-8A5C-C83EFBB7BA2B}" destId="{CC81E544-050C-42F2-9A23-930845DEEF2C}" srcOrd="0" destOrd="0" presId="urn:microsoft.com/office/officeart/2009/3/layout/HorizontalOrganizationChart"/>
     <dgm:cxn modelId="{24ACC009-8C66-475D-9EF7-DFDA7E70B033}" type="presParOf" srcId="{C35DE3DC-32EC-43B2-8A5C-C83EFBB7BA2B}" destId="{9BA74907-CC52-4A3D-BECF-252907E38BF8}" srcOrd="1" destOrd="0" presId="urn:microsoft.com/office/officeart/2009/3/layout/HorizontalOrganizationChart"/>
     <dgm:cxn modelId="{D8BA90E8-9ECA-4063-95B6-0E33695E54C2}" type="presParOf" srcId="{CC7F2A4B-C83E-4F6E-B446-0618D0BE64EB}" destId="{A72D9BE7-D00E-40E0-9CE9-9AB7358508D0}" srcOrd="1" destOrd="0" presId="urn:microsoft.com/office/officeart/2009/3/layout/HorizontalOrganizationChart"/>
+    <dgm:cxn modelId="{460B5824-B1A1-421B-A73E-3CC6D436BDF4}" type="presParOf" srcId="{A72D9BE7-D00E-40E0-9CE9-9AB7358508D0}" destId="{2922A1E1-45E7-4B20-BC89-6A69AD9E22F9}" srcOrd="0" destOrd="0" presId="urn:microsoft.com/office/officeart/2009/3/layout/HorizontalOrganizationChart"/>
+    <dgm:cxn modelId="{C6C22812-2EB6-4A56-B0B1-24760E4F0C4F}" type="presParOf" srcId="{A72D9BE7-D00E-40E0-9CE9-9AB7358508D0}" destId="{537DCF6A-9367-4FD7-9A35-8604FB688617}" srcOrd="1" destOrd="0" presId="urn:microsoft.com/office/officeart/2009/3/layout/HorizontalOrganizationChart"/>
+    <dgm:cxn modelId="{BA68946A-4793-4B5F-88E4-E5F09D72EB90}" type="presParOf" srcId="{537DCF6A-9367-4FD7-9A35-8604FB688617}" destId="{8F72091C-B690-4551-8620-C9EE79780856}" srcOrd="0" destOrd="0" presId="urn:microsoft.com/office/officeart/2009/3/layout/HorizontalOrganizationChart"/>
+    <dgm:cxn modelId="{E5327506-8523-464F-8800-6BDAAC51A57C}" type="presParOf" srcId="{8F72091C-B690-4551-8620-C9EE79780856}" destId="{D6E0FA02-0214-49B6-9B94-783FCE0C0294}" srcOrd="0" destOrd="0" presId="urn:microsoft.com/office/officeart/2009/3/layout/HorizontalOrganizationChart"/>
+    <dgm:cxn modelId="{4F037271-FFC8-4DFE-9E9D-8476D3E8C32E}" type="presParOf" srcId="{8F72091C-B690-4551-8620-C9EE79780856}" destId="{AA76DA7D-3B97-4800-983B-B2B5F5E3A8EF}" srcOrd="1" destOrd="0" presId="urn:microsoft.com/office/officeart/2009/3/layout/HorizontalOrganizationChart"/>
+    <dgm:cxn modelId="{F3E9DDE0-5903-4EB8-B978-4641F4DF6AE0}" type="presParOf" srcId="{537DCF6A-9367-4FD7-9A35-8604FB688617}" destId="{7AD1CA69-F91F-4788-A91F-925FBCF70B86}" srcOrd="1" destOrd="0" presId="urn:microsoft.com/office/officeart/2009/3/layout/HorizontalOrganizationChart"/>
+    <dgm:cxn modelId="{316DE204-583B-437C-B39D-4BC6F536F3ED}" type="presParOf" srcId="{537DCF6A-9367-4FD7-9A35-8604FB688617}" destId="{95D16504-E3FD-42AB-BA2A-0D771DC1020E}" srcOrd="2" destOrd="0" presId="urn:microsoft.com/office/officeart/2009/3/layout/HorizontalOrganizationChart"/>
     <dgm:cxn modelId="{599B96C9-92F1-4F31-82BE-12FC470D5B31}" type="presParOf" srcId="{CC7F2A4B-C83E-4F6E-B446-0618D0BE64EB}" destId="{99FBEC27-E6A0-4C3F-B74E-C8F2D217826C}" srcOrd="2" destOrd="0" presId="urn:microsoft.com/office/officeart/2009/3/layout/HorizontalOrganizationChart"/>
     <dgm:cxn modelId="{03C3D6A5-1C4B-4D41-BF26-79CDD8378AE6}" type="presParOf" srcId="{17A3315F-888D-4773-8E1D-F85FAF6DC68C}" destId="{CB5056A5-2DD9-4A9F-8293-EE12A55AF83F}" srcOrd="2" destOrd="0" presId="urn:microsoft.com/office/officeart/2009/3/layout/HorizontalOrganizationChart"/>
     <dgm:cxn modelId="{7EECA405-F7B2-4C3E-8048-00819E8A1E47}" type="presParOf" srcId="{17A3315F-888D-4773-8E1D-F85FAF6DC68C}" destId="{7BEE19CE-A9CD-4FA6-8CB7-CF65AEAFD2AB}" srcOrd="3" destOrd="0" presId="urn:microsoft.com/office/officeart/2009/3/layout/HorizontalOrganizationChart"/>
@@ -10526,7 +10604,7 @@
       </dsp:nvSpPr>
       <dsp:spPr>
         <a:xfrm>
-          <a:off x="2828987" y="8585476"/>
+          <a:off x="2828987" y="8723641"/>
           <a:ext cx="257049" cy="91440"/>
         </a:xfrm>
         <a:custGeom>
@@ -10583,7 +10661,7 @@
       <dsp:spPr>
         <a:xfrm>
           <a:off x="1286691" y="4486275"/>
-          <a:ext cx="257049" cy="4144921"/>
+          <a:ext cx="257049" cy="4283086"/>
         </a:xfrm>
         <a:custGeom>
           <a:avLst/>
@@ -10600,10 +10678,10 @@
                 <a:pt x="128524" y="0"/>
               </a:lnTo>
               <a:lnTo>
-                <a:pt x="128524" y="4144921"/>
+                <a:pt x="128524" y="4283086"/>
               </a:lnTo>
               <a:lnTo>
-                <a:pt x="257049" y="4144921"/>
+                <a:pt x="257049" y="4283086"/>
               </a:lnTo>
             </a:path>
           </a:pathLst>
@@ -10644,7 +10722,7 @@
       </dsp:nvSpPr>
       <dsp:spPr>
         <a:xfrm>
-          <a:off x="2828987" y="7802212"/>
+          <a:off x="2828987" y="7940376"/>
           <a:ext cx="257049" cy="276328"/>
         </a:xfrm>
         <a:custGeom>
@@ -10706,7 +10784,7 @@
       </dsp:nvSpPr>
       <dsp:spPr>
         <a:xfrm>
-          <a:off x="2828987" y="7525884"/>
+          <a:off x="2828987" y="7664048"/>
           <a:ext cx="257049" cy="276328"/>
         </a:xfrm>
         <a:custGeom>
@@ -10769,7 +10847,7 @@
       <dsp:spPr>
         <a:xfrm>
           <a:off x="1286691" y="4486275"/>
-          <a:ext cx="257049" cy="3315937"/>
+          <a:ext cx="257049" cy="3454101"/>
         </a:xfrm>
         <a:custGeom>
           <a:avLst/>
@@ -10786,10 +10864,10 @@
                 <a:pt x="128524" y="0"/>
               </a:lnTo>
               <a:lnTo>
-                <a:pt x="128524" y="3315937"/>
+                <a:pt x="128524" y="3454101"/>
               </a:lnTo>
               <a:lnTo>
-                <a:pt x="257049" y="3315937"/>
+                <a:pt x="257049" y="3454101"/>
               </a:lnTo>
             </a:path>
           </a:pathLst>
@@ -10830,7 +10908,7 @@
       </dsp:nvSpPr>
       <dsp:spPr>
         <a:xfrm>
-          <a:off x="2828987" y="6927508"/>
+          <a:off x="2828987" y="7065672"/>
           <a:ext cx="257049" cy="91440"/>
         </a:xfrm>
         <a:custGeom>
@@ -10887,7 +10965,7 @@
       <dsp:spPr>
         <a:xfrm>
           <a:off x="1286691" y="4486275"/>
-          <a:ext cx="257049" cy="2486953"/>
+          <a:ext cx="257049" cy="2625117"/>
         </a:xfrm>
         <a:custGeom>
           <a:avLst/>
@@ -10904,10 +10982,10 @@
                 <a:pt x="128524" y="0"/>
               </a:lnTo>
               <a:lnTo>
-                <a:pt x="128524" y="2486953"/>
+                <a:pt x="128524" y="2625117"/>
               </a:lnTo>
               <a:lnTo>
-                <a:pt x="257049" y="2486953"/>
+                <a:pt x="257049" y="2625117"/>
               </a:lnTo>
             </a:path>
           </a:pathLst>
@@ -10948,7 +11026,7 @@
       </dsp:nvSpPr>
       <dsp:spPr>
         <a:xfrm>
-          <a:off x="4371284" y="6420571"/>
+          <a:off x="4371284" y="6558735"/>
           <a:ext cx="257049" cy="276328"/>
         </a:xfrm>
         <a:custGeom>
@@ -11010,7 +11088,7 @@
       </dsp:nvSpPr>
       <dsp:spPr>
         <a:xfrm>
-          <a:off x="4371284" y="6144243"/>
+          <a:off x="4371284" y="6282407"/>
           <a:ext cx="257049" cy="276328"/>
         </a:xfrm>
         <a:custGeom>
@@ -11073,7 +11151,7 @@
       <dsp:spPr>
         <a:xfrm>
           <a:off x="2828987" y="6144243"/>
-          <a:ext cx="257049" cy="276328"/>
+          <a:ext cx="257049" cy="414492"/>
         </a:xfrm>
         <a:custGeom>
           <a:avLst/>
@@ -11090,10 +11168,10 @@
                 <a:pt x="128524" y="0"/>
               </a:lnTo>
               <a:lnTo>
-                <a:pt x="128524" y="276328"/>
+                <a:pt x="128524" y="414492"/>
               </a:lnTo>
               <a:lnTo>
-                <a:pt x="257049" y="276328"/>
+                <a:pt x="257049" y="414492"/>
               </a:lnTo>
             </a:path>
           </a:pathLst>
@@ -11127,15 +11205,15 @@
         <a:fontRef idx="minor"/>
       </dsp:style>
     </dsp:sp>
-    <dsp:sp modelId="{57FCA201-C372-42EC-BE6F-AA451AC42FF2}">
+    <dsp:sp modelId="{2922A1E1-45E7-4B20-BC89-6A69AD9E22F9}">
       <dsp:nvSpPr>
         <dsp:cNvPr id="0" name=""/>
         <dsp:cNvSpPr/>
       </dsp:nvSpPr>
       <dsp:spPr>
         <a:xfrm>
-          <a:off x="2828987" y="5867915"/>
-          <a:ext cx="257049" cy="276328"/>
+          <a:off x="4371284" y="5684031"/>
+          <a:ext cx="257049" cy="91440"/>
         </a:xfrm>
         <a:custGeom>
           <a:avLst/>
@@ -11146,10 +11224,66 @@
           <a:pathLst>
             <a:path>
               <a:moveTo>
-                <a:pt x="0" y="276328"/>
+                <a:pt x="0" y="45720"/>
               </a:moveTo>
               <a:lnTo>
-                <a:pt x="128524" y="276328"/>
+                <a:pt x="257049" y="45720"/>
+              </a:lnTo>
+            </a:path>
+          </a:pathLst>
+        </a:custGeom>
+        <a:noFill/>
+        <a:ln w="12700" cap="flat" cmpd="sng" algn="ctr">
+          <a:solidFill>
+            <a:schemeClr val="dk1">
+              <a:shade val="80000"/>
+              <a:hueOff val="0"/>
+              <a:satOff val="0"/>
+              <a:lumOff val="0"/>
+              <a:alphaOff val="0"/>
+            </a:schemeClr>
+          </a:solidFill>
+          <a:prstDash val="solid"/>
+          <a:miter lim="800000"/>
+        </a:ln>
+        <a:effectLst/>
+      </dsp:spPr>
+      <dsp:style>
+        <a:lnRef idx="2">
+          <a:scrgbClr r="0" g="0" b="0"/>
+        </a:lnRef>
+        <a:fillRef idx="0">
+          <a:scrgbClr r="0" g="0" b="0"/>
+        </a:fillRef>
+        <a:effectRef idx="0">
+          <a:scrgbClr r="0" g="0" b="0"/>
+        </a:effectRef>
+        <a:fontRef idx="minor"/>
+      </dsp:style>
+    </dsp:sp>
+    <dsp:sp modelId="{57FCA201-C372-42EC-BE6F-AA451AC42FF2}">
+      <dsp:nvSpPr>
+        <dsp:cNvPr id="0" name=""/>
+        <dsp:cNvSpPr/>
+      </dsp:nvSpPr>
+      <dsp:spPr>
+        <a:xfrm>
+          <a:off x="2828987" y="5729751"/>
+          <a:ext cx="257049" cy="414492"/>
+        </a:xfrm>
+        <a:custGeom>
+          <a:avLst/>
+          <a:gdLst/>
+          <a:ahLst/>
+          <a:cxnLst/>
+          <a:rect l="0" t="0" r="0" b="0"/>
+          <a:pathLst>
+            <a:path>
+              <a:moveTo>
+                <a:pt x="0" y="414492"/>
+              </a:moveTo>
+              <a:lnTo>
+                <a:pt x="128524" y="414492"/>
               </a:lnTo>
               <a:lnTo>
                 <a:pt x="128524" y="0"/>
@@ -11258,7 +11392,7 @@
       </dsp:nvSpPr>
       <dsp:spPr>
         <a:xfrm>
-          <a:off x="2828987" y="5269539"/>
+          <a:off x="2828987" y="5131375"/>
           <a:ext cx="257049" cy="91440"/>
         </a:xfrm>
         <a:custGeom>
@@ -11315,7 +11449,7 @@
       <dsp:spPr>
         <a:xfrm>
           <a:off x="1286691" y="4486275"/>
-          <a:ext cx="257049" cy="828984"/>
+          <a:ext cx="257049" cy="690820"/>
         </a:xfrm>
         <a:custGeom>
           <a:avLst/>
@@ -11332,10 +11466,10 @@
                 <a:pt x="128524" y="0"/>
               </a:lnTo>
               <a:lnTo>
-                <a:pt x="128524" y="828984"/>
+                <a:pt x="128524" y="690820"/>
               </a:lnTo>
               <a:lnTo>
-                <a:pt x="257049" y="828984"/>
+                <a:pt x="257049" y="690820"/>
               </a:lnTo>
             </a:path>
           </a:pathLst>
@@ -11376,7 +11510,7 @@
       </dsp:nvSpPr>
       <dsp:spPr>
         <a:xfrm>
-          <a:off x="2828987" y="3104634"/>
+          <a:off x="2828987" y="2966470"/>
           <a:ext cx="257049" cy="1657968"/>
         </a:xfrm>
         <a:custGeom>
@@ -11438,7 +11572,7 @@
       </dsp:nvSpPr>
       <dsp:spPr>
         <a:xfrm>
-          <a:off x="2828987" y="3104634"/>
+          <a:off x="2828987" y="2966470"/>
           <a:ext cx="257049" cy="1105312"/>
         </a:xfrm>
         <a:custGeom>
@@ -11500,7 +11634,7 @@
       </dsp:nvSpPr>
       <dsp:spPr>
         <a:xfrm>
-          <a:off x="2828987" y="3104634"/>
+          <a:off x="2828987" y="2966470"/>
           <a:ext cx="257049" cy="552656"/>
         </a:xfrm>
         <a:custGeom>
@@ -11562,7 +11696,7 @@
       </dsp:nvSpPr>
       <dsp:spPr>
         <a:xfrm>
-          <a:off x="2828987" y="3058914"/>
+          <a:off x="2828987" y="2920750"/>
           <a:ext cx="257049" cy="91440"/>
         </a:xfrm>
         <a:custGeom>
@@ -11618,7 +11752,7 @@
       </dsp:nvSpPr>
       <dsp:spPr>
         <a:xfrm>
-          <a:off x="2828987" y="2551978"/>
+          <a:off x="2828987" y="2413814"/>
           <a:ext cx="257049" cy="552656"/>
         </a:xfrm>
         <a:custGeom>
@@ -11680,7 +11814,7 @@
       </dsp:nvSpPr>
       <dsp:spPr>
         <a:xfrm>
-          <a:off x="2828987" y="1999321"/>
+          <a:off x="2828987" y="1861157"/>
           <a:ext cx="257049" cy="1105312"/>
         </a:xfrm>
         <a:custGeom>
@@ -11742,7 +11876,7 @@
       </dsp:nvSpPr>
       <dsp:spPr>
         <a:xfrm>
-          <a:off x="2828987" y="1446665"/>
+          <a:off x="2828987" y="1308501"/>
           <a:ext cx="257049" cy="1657968"/>
         </a:xfrm>
         <a:custGeom>
@@ -11804,8 +11938,8 @@
       </dsp:nvSpPr>
       <dsp:spPr>
         <a:xfrm>
-          <a:off x="1286691" y="3104634"/>
-          <a:ext cx="257049" cy="1381640"/>
+          <a:off x="1286691" y="2966470"/>
+          <a:ext cx="257049" cy="1519804"/>
         </a:xfrm>
         <a:custGeom>
           <a:avLst/>
@@ -11816,10 +11950,10 @@
           <a:pathLst>
             <a:path>
               <a:moveTo>
-                <a:pt x="0" y="1381640"/>
+                <a:pt x="0" y="1519804"/>
               </a:moveTo>
               <a:lnTo>
-                <a:pt x="128524" y="1381640"/>
+                <a:pt x="128524" y="1519804"/>
               </a:lnTo>
               <a:lnTo>
                 <a:pt x="128524" y="0"/>
@@ -11866,8 +12000,8 @@
       </dsp:nvSpPr>
       <dsp:spPr>
         <a:xfrm>
-          <a:off x="1286691" y="1999321"/>
-          <a:ext cx="257049" cy="2486953"/>
+          <a:off x="1286691" y="1861157"/>
+          <a:ext cx="257049" cy="2625117"/>
         </a:xfrm>
         <a:custGeom>
           <a:avLst/>
@@ -11878,10 +12012,10 @@
           <a:pathLst>
             <a:path>
               <a:moveTo>
-                <a:pt x="0" y="2486953"/>
+                <a:pt x="0" y="2625117"/>
               </a:moveTo>
               <a:lnTo>
-                <a:pt x="128524" y="2486953"/>
+                <a:pt x="128524" y="2625117"/>
               </a:lnTo>
               <a:lnTo>
                 <a:pt x="128524" y="0"/>
@@ -11928,8 +12062,8 @@
       </dsp:nvSpPr>
       <dsp:spPr>
         <a:xfrm>
-          <a:off x="1286691" y="1446665"/>
-          <a:ext cx="257049" cy="3039609"/>
+          <a:off x="1286691" y="1308501"/>
+          <a:ext cx="257049" cy="3177773"/>
         </a:xfrm>
         <a:custGeom>
           <a:avLst/>
@@ -11940,10 +12074,10 @@
           <a:pathLst>
             <a:path>
               <a:moveTo>
-                <a:pt x="0" y="3039609"/>
+                <a:pt x="0" y="3177773"/>
               </a:moveTo>
               <a:lnTo>
-                <a:pt x="128524" y="3039609"/>
+                <a:pt x="128524" y="3177773"/>
               </a:lnTo>
               <a:lnTo>
                 <a:pt x="128524" y="0"/>
@@ -11990,7 +12124,7 @@
       </dsp:nvSpPr>
       <dsp:spPr>
         <a:xfrm>
-          <a:off x="2828987" y="848289"/>
+          <a:off x="2828987" y="710125"/>
           <a:ext cx="257049" cy="91440"/>
         </a:xfrm>
         <a:custGeom>
@@ -12046,8 +12180,8 @@
       </dsp:nvSpPr>
       <dsp:spPr>
         <a:xfrm>
-          <a:off x="1286691" y="894009"/>
-          <a:ext cx="257049" cy="3592265"/>
+          <a:off x="1286691" y="755845"/>
+          <a:ext cx="257049" cy="3730429"/>
         </a:xfrm>
         <a:custGeom>
           <a:avLst/>
@@ -12058,10 +12192,10 @@
           <a:pathLst>
             <a:path>
               <a:moveTo>
-                <a:pt x="0" y="3592265"/>
+                <a:pt x="0" y="3730429"/>
               </a:moveTo>
               <a:lnTo>
-                <a:pt x="128524" y="3592265"/>
+                <a:pt x="128524" y="3730429"/>
               </a:lnTo>
               <a:lnTo>
                 <a:pt x="128524" y="0"/>
@@ -12108,7 +12242,7 @@
       </dsp:nvSpPr>
       <dsp:spPr>
         <a:xfrm>
-          <a:off x="2828987" y="295633"/>
+          <a:off x="2828987" y="157468"/>
           <a:ext cx="257049" cy="91440"/>
         </a:xfrm>
         <a:custGeom>
@@ -12164,8 +12298,8 @@
       </dsp:nvSpPr>
       <dsp:spPr>
         <a:xfrm>
-          <a:off x="1286691" y="341353"/>
-          <a:ext cx="257049" cy="4144921"/>
+          <a:off x="1286691" y="203188"/>
+          <a:ext cx="257049" cy="4283086"/>
         </a:xfrm>
         <a:custGeom>
           <a:avLst/>
@@ -12176,10 +12310,10 @@
           <a:pathLst>
             <a:path>
               <a:moveTo>
-                <a:pt x="0" y="4144921"/>
+                <a:pt x="0" y="4283086"/>
               </a:moveTo>
               <a:lnTo>
-                <a:pt x="128524" y="4144921"/>
+                <a:pt x="128524" y="4283086"/>
               </a:lnTo>
               <a:lnTo>
                 <a:pt x="128524" y="0"/>
@@ -12305,7 +12439,7 @@
       </dsp:nvSpPr>
       <dsp:spPr>
         <a:xfrm>
-          <a:off x="1543740" y="145352"/>
+          <a:off x="1543740" y="7188"/>
           <a:ext cx="1285247" cy="392000"/>
         </a:xfrm>
         <a:prstGeom prst="rect">
@@ -12373,7 +12507,7 @@
         </a:p>
       </dsp:txBody>
       <dsp:txXfrm>
-        <a:off x="1543740" y="145352"/>
+        <a:off x="1543740" y="7188"/>
         <a:ext cx="1285247" cy="392000"/>
       </dsp:txXfrm>
     </dsp:sp>
@@ -12384,7 +12518,7 @@
       </dsp:nvSpPr>
       <dsp:spPr>
         <a:xfrm>
-          <a:off x="3086037" y="145352"/>
+          <a:off x="3086037" y="7188"/>
           <a:ext cx="1285247" cy="392000"/>
         </a:xfrm>
         <a:prstGeom prst="rect">
@@ -12452,7 +12586,7 @@
         </a:p>
       </dsp:txBody>
       <dsp:txXfrm>
-        <a:off x="3086037" y="145352"/>
+        <a:off x="3086037" y="7188"/>
         <a:ext cx="1285247" cy="392000"/>
       </dsp:txXfrm>
     </dsp:sp>
@@ -12463,7 +12597,7 @@
       </dsp:nvSpPr>
       <dsp:spPr>
         <a:xfrm>
-          <a:off x="1543740" y="698009"/>
+          <a:off x="1543740" y="559845"/>
           <a:ext cx="1285247" cy="392000"/>
         </a:xfrm>
         <a:prstGeom prst="rect">
@@ -12531,7 +12665,7 @@
         </a:p>
       </dsp:txBody>
       <dsp:txXfrm>
-        <a:off x="1543740" y="698009"/>
+        <a:off x="1543740" y="559845"/>
         <a:ext cx="1285247" cy="392000"/>
       </dsp:txXfrm>
     </dsp:sp>
@@ -12542,7 +12676,7 @@
       </dsp:nvSpPr>
       <dsp:spPr>
         <a:xfrm>
-          <a:off x="3086037" y="698009"/>
+          <a:off x="3086037" y="559845"/>
           <a:ext cx="1285247" cy="392000"/>
         </a:xfrm>
         <a:prstGeom prst="rect">
@@ -12610,7 +12744,7 @@
         </a:p>
       </dsp:txBody>
       <dsp:txXfrm>
-        <a:off x="3086037" y="698009"/>
+        <a:off x="3086037" y="559845"/>
         <a:ext cx="1285247" cy="392000"/>
       </dsp:txXfrm>
     </dsp:sp>
@@ -12621,7 +12755,7 @@
       </dsp:nvSpPr>
       <dsp:spPr>
         <a:xfrm>
-          <a:off x="1543740" y="1250665"/>
+          <a:off x="1543740" y="1112501"/>
           <a:ext cx="1285247" cy="392000"/>
         </a:xfrm>
         <a:prstGeom prst="rect">
@@ -12689,7 +12823,7 @@
         </a:p>
       </dsp:txBody>
       <dsp:txXfrm>
-        <a:off x="1543740" y="1250665"/>
+        <a:off x="1543740" y="1112501"/>
         <a:ext cx="1285247" cy="392000"/>
       </dsp:txXfrm>
     </dsp:sp>
@@ -12700,7 +12834,7 @@
       </dsp:nvSpPr>
       <dsp:spPr>
         <a:xfrm>
-          <a:off x="1543740" y="1803321"/>
+          <a:off x="1543740" y="1665157"/>
           <a:ext cx="1285247" cy="392000"/>
         </a:xfrm>
         <a:prstGeom prst="rect">
@@ -12768,7 +12902,7 @@
         </a:p>
       </dsp:txBody>
       <dsp:txXfrm>
-        <a:off x="1543740" y="1803321"/>
+        <a:off x="1543740" y="1665157"/>
         <a:ext cx="1285247" cy="392000"/>
       </dsp:txXfrm>
     </dsp:sp>
@@ -12779,7 +12913,7 @@
       </dsp:nvSpPr>
       <dsp:spPr>
         <a:xfrm>
-          <a:off x="1543740" y="2908634"/>
+          <a:off x="1543740" y="2770470"/>
           <a:ext cx="1285247" cy="392000"/>
         </a:xfrm>
         <a:prstGeom prst="rect">
@@ -12855,7 +12989,7 @@
         </a:p>
       </dsp:txBody>
       <dsp:txXfrm>
-        <a:off x="1543740" y="2908634"/>
+        <a:off x="1543740" y="2770470"/>
         <a:ext cx="1285247" cy="392000"/>
       </dsp:txXfrm>
     </dsp:sp>
@@ -12866,7 +13000,7 @@
       </dsp:nvSpPr>
       <dsp:spPr>
         <a:xfrm>
-          <a:off x="3086037" y="1250665"/>
+          <a:off x="3086037" y="1112501"/>
           <a:ext cx="1285247" cy="392000"/>
         </a:xfrm>
         <a:prstGeom prst="rect">
@@ -12942,7 +13076,7 @@
         </a:p>
       </dsp:txBody>
       <dsp:txXfrm>
-        <a:off x="3086037" y="1250665"/>
+        <a:off x="3086037" y="1112501"/>
         <a:ext cx="1285247" cy="392000"/>
       </dsp:txXfrm>
     </dsp:sp>
@@ -12953,7 +13087,7 @@
       </dsp:nvSpPr>
       <dsp:spPr>
         <a:xfrm>
-          <a:off x="3086037" y="1803321"/>
+          <a:off x="3086037" y="1665157"/>
           <a:ext cx="1285247" cy="392000"/>
         </a:xfrm>
         <a:prstGeom prst="rect">
@@ -13029,7 +13163,7 @@
         </a:p>
       </dsp:txBody>
       <dsp:txXfrm>
-        <a:off x="3086037" y="1803321"/>
+        <a:off x="3086037" y="1665157"/>
         <a:ext cx="1285247" cy="392000"/>
       </dsp:txXfrm>
     </dsp:sp>
@@ -13040,7 +13174,7 @@
       </dsp:nvSpPr>
       <dsp:spPr>
         <a:xfrm>
-          <a:off x="3086037" y="2355977"/>
+          <a:off x="3086037" y="2217813"/>
           <a:ext cx="1285247" cy="392000"/>
         </a:xfrm>
         <a:prstGeom prst="rect">
@@ -13116,7 +13250,7 @@
         </a:p>
       </dsp:txBody>
       <dsp:txXfrm>
-        <a:off x="3086037" y="2355977"/>
+        <a:off x="3086037" y="2217813"/>
         <a:ext cx="1285247" cy="392000"/>
       </dsp:txXfrm>
     </dsp:sp>
@@ -13127,7 +13261,7 @@
       </dsp:nvSpPr>
       <dsp:spPr>
         <a:xfrm>
-          <a:off x="3086037" y="2908634"/>
+          <a:off x="3086037" y="2770470"/>
           <a:ext cx="1285247" cy="392000"/>
         </a:xfrm>
         <a:prstGeom prst="rect">
@@ -13195,7 +13329,7 @@
         </a:p>
       </dsp:txBody>
       <dsp:txXfrm>
-        <a:off x="3086037" y="2908634"/>
+        <a:off x="3086037" y="2770470"/>
         <a:ext cx="1285247" cy="392000"/>
       </dsp:txXfrm>
     </dsp:sp>
@@ -13206,7 +13340,7 @@
       </dsp:nvSpPr>
       <dsp:spPr>
         <a:xfrm>
-          <a:off x="3086037" y="3461290"/>
+          <a:off x="3086037" y="3323126"/>
           <a:ext cx="1285247" cy="392000"/>
         </a:xfrm>
         <a:prstGeom prst="rect">
@@ -13274,7 +13408,7 @@
         </a:p>
       </dsp:txBody>
       <dsp:txXfrm>
-        <a:off x="3086037" y="3461290"/>
+        <a:off x="3086037" y="3323126"/>
         <a:ext cx="1285247" cy="392000"/>
       </dsp:txXfrm>
     </dsp:sp>
@@ -13285,7 +13419,7 @@
       </dsp:nvSpPr>
       <dsp:spPr>
         <a:xfrm>
-          <a:off x="3086037" y="4013946"/>
+          <a:off x="3086037" y="3875782"/>
           <a:ext cx="1285247" cy="392000"/>
         </a:xfrm>
         <a:prstGeom prst="rect">
@@ -13353,7 +13487,7 @@
         </a:p>
       </dsp:txBody>
       <dsp:txXfrm>
-        <a:off x="3086037" y="4013946"/>
+        <a:off x="3086037" y="3875782"/>
         <a:ext cx="1285247" cy="392000"/>
       </dsp:txXfrm>
     </dsp:sp>
@@ -13364,7 +13498,7 @@
       </dsp:nvSpPr>
       <dsp:spPr>
         <a:xfrm>
-          <a:off x="3086037" y="4566602"/>
+          <a:off x="3086037" y="4428438"/>
           <a:ext cx="1285247" cy="392000"/>
         </a:xfrm>
         <a:prstGeom prst="rect">
@@ -13432,7 +13566,7 @@
         </a:p>
       </dsp:txBody>
       <dsp:txXfrm>
-        <a:off x="3086037" y="4566602"/>
+        <a:off x="3086037" y="4428438"/>
         <a:ext cx="1285247" cy="392000"/>
       </dsp:txXfrm>
     </dsp:sp>
@@ -13443,7 +13577,7 @@
       </dsp:nvSpPr>
       <dsp:spPr>
         <a:xfrm>
-          <a:off x="1543740" y="5119259"/>
+          <a:off x="1543740" y="4981095"/>
           <a:ext cx="1285247" cy="392000"/>
         </a:xfrm>
         <a:prstGeom prst="rect">
@@ -13511,7 +13645,7 @@
         </a:p>
       </dsp:txBody>
       <dsp:txXfrm>
-        <a:off x="1543740" y="5119259"/>
+        <a:off x="1543740" y="4981095"/>
         <a:ext cx="1285247" cy="392000"/>
       </dsp:txXfrm>
     </dsp:sp>
@@ -13522,7 +13656,7 @@
       </dsp:nvSpPr>
       <dsp:spPr>
         <a:xfrm>
-          <a:off x="3086037" y="5119259"/>
+          <a:off x="3086037" y="4981095"/>
           <a:ext cx="1285247" cy="392000"/>
         </a:xfrm>
         <a:prstGeom prst="rect">
@@ -13590,7 +13724,7 @@
         </a:p>
       </dsp:txBody>
       <dsp:txXfrm>
-        <a:off x="3086037" y="5119259"/>
+        <a:off x="3086037" y="4981095"/>
         <a:ext cx="1285247" cy="392000"/>
       </dsp:txXfrm>
     </dsp:sp>
@@ -13680,7 +13814,7 @@
       </dsp:nvSpPr>
       <dsp:spPr>
         <a:xfrm>
-          <a:off x="3086037" y="5671915"/>
+          <a:off x="3086037" y="5533751"/>
           <a:ext cx="1285247" cy="392000"/>
         </a:xfrm>
         <a:prstGeom prst="rect">
@@ -13743,28 +13877,23 @@
           </a:pPr>
           <a:r>
             <a:rPr lang="en-PH" sz="700" i="0" u="none" kern="1200" dirty="0"/>
-            <a:t>GET: /profile</a:t>
+            <a:t>GET: /profile/&lt;search&gt;</a:t>
           </a:r>
-          <a:r>
-            <a:rPr lang="en-PH" sz="700" i="0" u="none" kern="1200"/>
-            <a:t>/search</a:t>
-          </a:r>
-          <a:endParaRPr lang="en-PH" sz="700" i="0" u="none" kern="1200" dirty="0"/>
         </a:p>
       </dsp:txBody>
       <dsp:txXfrm>
-        <a:off x="3086037" y="5671915"/>
+        <a:off x="3086037" y="5533751"/>
         <a:ext cx="1285247" cy="392000"/>
       </dsp:txXfrm>
     </dsp:sp>
-    <dsp:sp modelId="{E10FB195-6400-4935-BFBA-6C89C0AC2BE0}">
+    <dsp:sp modelId="{D6E0FA02-0214-49B6-9B94-783FCE0C0294}">
       <dsp:nvSpPr>
         <dsp:cNvPr id="0" name=""/>
         <dsp:cNvSpPr/>
       </dsp:nvSpPr>
       <dsp:spPr>
         <a:xfrm>
-          <a:off x="3086037" y="6224571"/>
+          <a:off x="4628333" y="5533751"/>
           <a:ext cx="1285247" cy="392000"/>
         </a:xfrm>
         <a:prstGeom prst="rect">
@@ -13827,23 +13956,23 @@
           </a:pPr>
           <a:r>
             <a:rPr lang="en-PH" sz="700" i="0" u="none" kern="1200" dirty="0"/>
-            <a:t>GET: /profile/settings</a:t>
+            <a:t>PUT: /profile/&lt;search&gt;/more</a:t>
           </a:r>
         </a:p>
       </dsp:txBody>
       <dsp:txXfrm>
-        <a:off x="3086037" y="6224571"/>
+        <a:off x="4628333" y="5533751"/>
         <a:ext cx="1285247" cy="392000"/>
       </dsp:txXfrm>
     </dsp:sp>
-    <dsp:sp modelId="{A063358C-0698-42F7-9923-2B9323B852DF}">
+    <dsp:sp modelId="{E10FB195-6400-4935-BFBA-6C89C0AC2BE0}">
       <dsp:nvSpPr>
         <dsp:cNvPr id="0" name=""/>
         <dsp:cNvSpPr/>
       </dsp:nvSpPr>
       <dsp:spPr>
         <a:xfrm>
-          <a:off x="4628333" y="5948243"/>
+          <a:off x="3086037" y="6362735"/>
           <a:ext cx="1285247" cy="392000"/>
         </a:xfrm>
         <a:prstGeom prst="rect">
@@ -13906,23 +14035,23 @@
           </a:pPr>
           <a:r>
             <a:rPr lang="en-PH" sz="700" i="0" u="none" kern="1200" dirty="0"/>
-            <a:t>PATCH: profile/settings/save</a:t>
+            <a:t>GET: /profile/settings</a:t>
           </a:r>
         </a:p>
       </dsp:txBody>
       <dsp:txXfrm>
-        <a:off x="4628333" y="5948243"/>
+        <a:off x="3086037" y="6362735"/>
         <a:ext cx="1285247" cy="392000"/>
       </dsp:txXfrm>
     </dsp:sp>
-    <dsp:sp modelId="{5149C0C6-E11C-4AB0-947A-FEDDB9A1B641}">
+    <dsp:sp modelId="{A063358C-0698-42F7-9923-2B9323B852DF}">
       <dsp:nvSpPr>
         <dsp:cNvPr id="0" name=""/>
         <dsp:cNvSpPr/>
       </dsp:nvSpPr>
       <dsp:spPr>
         <a:xfrm>
-          <a:off x="4628333" y="6500899"/>
+          <a:off x="4628333" y="6086407"/>
           <a:ext cx="1285247" cy="392000"/>
         </a:xfrm>
         <a:prstGeom prst="rect">
@@ -13985,23 +14114,23 @@
           </a:pPr>
           <a:r>
             <a:rPr lang="en-PH" sz="700" i="0" u="none" kern="1200" dirty="0"/>
-            <a:t>DELETE: profile/settings/delete</a:t>
+            <a:t>PATCH: profile/settings/save</a:t>
           </a:r>
         </a:p>
       </dsp:txBody>
       <dsp:txXfrm>
-        <a:off x="4628333" y="6500899"/>
+        <a:off x="4628333" y="6086407"/>
         <a:ext cx="1285247" cy="392000"/>
       </dsp:txXfrm>
     </dsp:sp>
-    <dsp:sp modelId="{03C67C4F-9566-4A9F-9740-3314E609EC66}">
+    <dsp:sp modelId="{5149C0C6-E11C-4AB0-947A-FEDDB9A1B641}">
       <dsp:nvSpPr>
         <dsp:cNvPr id="0" name=""/>
         <dsp:cNvSpPr/>
       </dsp:nvSpPr>
       <dsp:spPr>
         <a:xfrm>
-          <a:off x="1543740" y="6777228"/>
+          <a:off x="4628333" y="6639063"/>
           <a:ext cx="1285247" cy="392000"/>
         </a:xfrm>
         <a:prstGeom prst="rect">
@@ -14064,12 +14193,91 @@
           </a:pPr>
           <a:r>
             <a:rPr lang="en-PH" sz="700" i="0" u="none" kern="1200" dirty="0"/>
+            <a:t>DELETE: profile/settings/delete</a:t>
+          </a:r>
+        </a:p>
+      </dsp:txBody>
+      <dsp:txXfrm>
+        <a:off x="4628333" y="6639063"/>
+        <a:ext cx="1285247" cy="392000"/>
+      </dsp:txXfrm>
+    </dsp:sp>
+    <dsp:sp modelId="{03C67C4F-9566-4A9F-9740-3314E609EC66}">
+      <dsp:nvSpPr>
+        <dsp:cNvPr id="0" name=""/>
+        <dsp:cNvSpPr/>
+      </dsp:nvSpPr>
+      <dsp:spPr>
+        <a:xfrm>
+          <a:off x="1543740" y="6915392"/>
+          <a:ext cx="1285247" cy="392000"/>
+        </a:xfrm>
+        <a:prstGeom prst="rect">
+          <a:avLst/>
+        </a:prstGeom>
+        <a:solidFill>
+          <a:schemeClr val="lt1">
+            <a:hueOff val="0"/>
+            <a:satOff val="0"/>
+            <a:lumOff val="0"/>
+            <a:alphaOff val="0"/>
+          </a:schemeClr>
+        </a:solidFill>
+        <a:ln w="12700" cap="flat" cmpd="sng" algn="ctr">
+          <a:solidFill>
+            <a:schemeClr val="dk1">
+              <a:shade val="80000"/>
+              <a:hueOff val="0"/>
+              <a:satOff val="0"/>
+              <a:lumOff val="0"/>
+              <a:alphaOff val="0"/>
+            </a:schemeClr>
+          </a:solidFill>
+          <a:prstDash val="solid"/>
+          <a:miter lim="800000"/>
+        </a:ln>
+        <a:effectLst/>
+      </dsp:spPr>
+      <dsp:style>
+        <a:lnRef idx="2">
+          <a:scrgbClr r="0" g="0" b="0"/>
+        </a:lnRef>
+        <a:fillRef idx="1">
+          <a:scrgbClr r="0" g="0" b="0"/>
+        </a:fillRef>
+        <a:effectRef idx="0">
+          <a:scrgbClr r="0" g="0" b="0"/>
+        </a:effectRef>
+        <a:fontRef idx="minor">
+          <a:schemeClr val="lt1"/>
+        </a:fontRef>
+      </dsp:style>
+      <dsp:txBody>
+        <a:bodyPr spcFirstLastPara="0" vert="horz" wrap="square" lIns="4445" tIns="4445" rIns="4445" bIns="4445" numCol="1" spcCol="1270" anchor="ctr" anchorCtr="0">
+          <a:noAutofit/>
+        </a:bodyPr>
+        <a:lstStyle/>
+        <a:p>
+          <a:pPr marL="0" lvl="0" indent="0" algn="ctr" defTabSz="311150">
+            <a:lnSpc>
+              <a:spcPct val="90000"/>
+            </a:lnSpc>
+            <a:spcBef>
+              <a:spcPct val="0"/>
+            </a:spcBef>
+            <a:spcAft>
+              <a:spcPct val="35000"/>
+            </a:spcAft>
+            <a:buNone/>
+          </a:pPr>
+          <a:r>
+            <a:rPr lang="en-PH" sz="700" i="0" u="none" kern="1200" dirty="0"/>
             <a:t>GET: /user/&lt;username&gt;</a:t>
           </a:r>
         </a:p>
       </dsp:txBody>
       <dsp:txXfrm>
-        <a:off x="1543740" y="6777228"/>
+        <a:off x="1543740" y="6915392"/>
         <a:ext cx="1285247" cy="392000"/>
       </dsp:txXfrm>
     </dsp:sp>
@@ -14080,7 +14288,7 @@
       </dsp:nvSpPr>
       <dsp:spPr>
         <a:xfrm>
-          <a:off x="3086037" y="6777228"/>
+          <a:off x="3086037" y="6915392"/>
           <a:ext cx="1285247" cy="392000"/>
         </a:xfrm>
         <a:prstGeom prst="rect">
@@ -14156,7 +14364,7 @@
         </a:p>
       </dsp:txBody>
       <dsp:txXfrm>
-        <a:off x="3086037" y="6777228"/>
+        <a:off x="3086037" y="6915392"/>
         <a:ext cx="1285247" cy="392000"/>
       </dsp:txXfrm>
     </dsp:sp>
@@ -14167,7 +14375,7 @@
       </dsp:nvSpPr>
       <dsp:spPr>
         <a:xfrm>
-          <a:off x="1543740" y="7606212"/>
+          <a:off x="1543740" y="7744376"/>
           <a:ext cx="1285247" cy="392000"/>
         </a:xfrm>
         <a:prstGeom prst="rect">
@@ -14235,7 +14443,7 @@
         </a:p>
       </dsp:txBody>
       <dsp:txXfrm>
-        <a:off x="1543740" y="7606212"/>
+        <a:off x="1543740" y="7744376"/>
         <a:ext cx="1285247" cy="392000"/>
       </dsp:txXfrm>
     </dsp:sp>
@@ -14246,7 +14454,7 @@
       </dsp:nvSpPr>
       <dsp:spPr>
         <a:xfrm>
-          <a:off x="3086037" y="7329884"/>
+          <a:off x="3086037" y="7468048"/>
           <a:ext cx="1285247" cy="392000"/>
         </a:xfrm>
         <a:prstGeom prst="rect">
@@ -14314,7 +14522,7 @@
         </a:p>
       </dsp:txBody>
       <dsp:txXfrm>
-        <a:off x="3086037" y="7329884"/>
+        <a:off x="3086037" y="7468048"/>
         <a:ext cx="1285247" cy="392000"/>
       </dsp:txXfrm>
     </dsp:sp>
@@ -14325,7 +14533,7 @@
       </dsp:nvSpPr>
       <dsp:spPr>
         <a:xfrm>
-          <a:off x="3086037" y="7882540"/>
+          <a:off x="3086037" y="8020704"/>
           <a:ext cx="1285247" cy="392000"/>
         </a:xfrm>
         <a:prstGeom prst="rect">
@@ -14393,7 +14601,7 @@
         </a:p>
       </dsp:txBody>
       <dsp:txXfrm>
-        <a:off x="3086037" y="7882540"/>
+        <a:off x="3086037" y="8020704"/>
         <a:ext cx="1285247" cy="392000"/>
       </dsp:txXfrm>
     </dsp:sp>
@@ -14404,7 +14612,7 @@
       </dsp:nvSpPr>
       <dsp:spPr>
         <a:xfrm>
-          <a:off x="1543740" y="8435196"/>
+          <a:off x="1543740" y="8573360"/>
           <a:ext cx="1285247" cy="392000"/>
         </a:xfrm>
         <a:prstGeom prst="rect">
@@ -14472,7 +14680,7 @@
         </a:p>
       </dsp:txBody>
       <dsp:txXfrm>
-        <a:off x="1543740" y="8435196"/>
+        <a:off x="1543740" y="8573360"/>
         <a:ext cx="1285247" cy="392000"/>
       </dsp:txXfrm>
     </dsp:sp>
@@ -14483,7 +14691,7 @@
       </dsp:nvSpPr>
       <dsp:spPr>
         <a:xfrm>
-          <a:off x="3086037" y="8435196"/>
+          <a:off x="3086037" y="8573360"/>
           <a:ext cx="1285247" cy="392000"/>
         </a:xfrm>
         <a:prstGeom prst="rect">
@@ -14551,7 +14759,7 @@
         </a:p>
       </dsp:txBody>
       <dsp:txXfrm>
-        <a:off x="3086037" y="8435196"/>
+        <a:off x="3086037" y="8573360"/>
         <a:ext cx="1285247" cy="392000"/>
       </dsp:txXfrm>
     </dsp:sp>
@@ -34721,7 +34929,7 @@
             <p:ph idx="1"/>
             <p:extLst>
               <p:ext uri="{D42A27DB-BD31-4B8C-83A1-F6EECF244321}">
-                <p14:modId xmlns:p14="http://schemas.microsoft.com/office/powerpoint/2010/main" val="211670273"/>
+                <p14:modId xmlns:p14="http://schemas.microsoft.com/office/powerpoint/2010/main" val="957346601"/>
               </p:ext>
             </p:extLst>
           </p:nvPr>
